--- a/aws_sra_examples/solutions/cloudtrail/cloudtrail_org/documentation/sra-cloudtrail-org.pptx
+++ b/aws_sra_examples/solutions/cloudtrail/cloudtrail_org/documentation/sra-cloudtrail-org.pptx
@@ -259,7 +259,7 @@
           <a:p>
             <a:fld id="{E5B0E223-1B92-604B-9DB5-409A30BBDC46}" type="datetimeFigureOut">
               <a:rPr lang="en-US" smtClean="0"/>
-              <a:t>11/15/21</a:t>
+              <a:t>3/7/22</a:t>
             </a:fld>
             <a:endParaRPr lang="en-US"/>
           </a:p>
@@ -457,7 +457,7 @@
           <a:p>
             <a:fld id="{E5B0E223-1B92-604B-9DB5-409A30BBDC46}" type="datetimeFigureOut">
               <a:rPr lang="en-US" smtClean="0"/>
-              <a:t>11/15/21</a:t>
+              <a:t>3/7/22</a:t>
             </a:fld>
             <a:endParaRPr lang="en-US"/>
           </a:p>
@@ -665,7 +665,7 @@
           <a:p>
             <a:fld id="{E5B0E223-1B92-604B-9DB5-409A30BBDC46}" type="datetimeFigureOut">
               <a:rPr lang="en-US" smtClean="0"/>
-              <a:t>11/15/21</a:t>
+              <a:t>3/7/22</a:t>
             </a:fld>
             <a:endParaRPr lang="en-US"/>
           </a:p>
@@ -863,7 +863,7 @@
           <a:p>
             <a:fld id="{E5B0E223-1B92-604B-9DB5-409A30BBDC46}" type="datetimeFigureOut">
               <a:rPr lang="en-US" smtClean="0"/>
-              <a:t>11/15/21</a:t>
+              <a:t>3/7/22</a:t>
             </a:fld>
             <a:endParaRPr lang="en-US"/>
           </a:p>
@@ -1138,7 +1138,7 @@
           <a:p>
             <a:fld id="{E5B0E223-1B92-604B-9DB5-409A30BBDC46}" type="datetimeFigureOut">
               <a:rPr lang="en-US" smtClean="0"/>
-              <a:t>11/15/21</a:t>
+              <a:t>3/7/22</a:t>
             </a:fld>
             <a:endParaRPr lang="en-US"/>
           </a:p>
@@ -1403,7 +1403,7 @@
           <a:p>
             <a:fld id="{E5B0E223-1B92-604B-9DB5-409A30BBDC46}" type="datetimeFigureOut">
               <a:rPr lang="en-US" smtClean="0"/>
-              <a:t>11/15/21</a:t>
+              <a:t>3/7/22</a:t>
             </a:fld>
             <a:endParaRPr lang="en-US"/>
           </a:p>
@@ -1815,7 +1815,7 @@
           <a:p>
             <a:fld id="{E5B0E223-1B92-604B-9DB5-409A30BBDC46}" type="datetimeFigureOut">
               <a:rPr lang="en-US" smtClean="0"/>
-              <a:t>11/15/21</a:t>
+              <a:t>3/7/22</a:t>
             </a:fld>
             <a:endParaRPr lang="en-US"/>
           </a:p>
@@ -1956,7 +1956,7 @@
           <a:p>
             <a:fld id="{E5B0E223-1B92-604B-9DB5-409A30BBDC46}" type="datetimeFigureOut">
               <a:rPr lang="en-US" smtClean="0"/>
-              <a:t>11/15/21</a:t>
+              <a:t>3/7/22</a:t>
             </a:fld>
             <a:endParaRPr lang="en-US"/>
           </a:p>
@@ -2069,7 +2069,7 @@
           <a:p>
             <a:fld id="{E5B0E223-1B92-604B-9DB5-409A30BBDC46}" type="datetimeFigureOut">
               <a:rPr lang="en-US" smtClean="0"/>
-              <a:t>11/15/21</a:t>
+              <a:t>3/7/22</a:t>
             </a:fld>
             <a:endParaRPr lang="en-US"/>
           </a:p>
@@ -2380,7 +2380,7 @@
           <a:p>
             <a:fld id="{E5B0E223-1B92-604B-9DB5-409A30BBDC46}" type="datetimeFigureOut">
               <a:rPr lang="en-US" smtClean="0"/>
-              <a:t>11/15/21</a:t>
+              <a:t>3/7/22</a:t>
             </a:fld>
             <a:endParaRPr lang="en-US"/>
           </a:p>
@@ -2668,7 +2668,7 @@
           <a:p>
             <a:fld id="{E5B0E223-1B92-604B-9DB5-409A30BBDC46}" type="datetimeFigureOut">
               <a:rPr lang="en-US" smtClean="0"/>
-              <a:t>11/15/21</a:t>
+              <a:t>3/7/22</a:t>
             </a:fld>
             <a:endParaRPr lang="en-US"/>
           </a:p>
@@ -2909,7 +2909,7 @@
           <a:p>
             <a:fld id="{E5B0E223-1B92-604B-9DB5-409A30BBDC46}" type="datetimeFigureOut">
               <a:rPr lang="en-US" smtClean="0"/>
-              <a:t>11/15/21</a:t>
+              <a:t>3/7/22</a:t>
             </a:fld>
             <a:endParaRPr lang="en-US"/>
           </a:p>
@@ -3340,8 +3340,8 @@
         </p:nvSpPr>
         <p:spPr>
           <a:xfrm>
-            <a:off x="2365043" y="248055"/>
-            <a:ext cx="7453360" cy="6037085"/>
+            <a:off x="2871263" y="496605"/>
+            <a:ext cx="6956248" cy="5656441"/>
           </a:xfrm>
           <a:prstGeom prst="rect">
             <a:avLst/>
@@ -3513,7 +3513,7 @@
         </p:blipFill>
         <p:spPr>
           <a:xfrm>
-            <a:off x="2360897" y="248055"/>
+            <a:off x="2873710" y="496605"/>
             <a:ext cx="330200" cy="330200"/>
           </a:xfrm>
           <a:prstGeom prst="rect">
@@ -3535,8 +3535,8 @@
         </p:nvSpPr>
         <p:spPr>
           <a:xfrm>
-            <a:off x="2558575" y="3718193"/>
-            <a:ext cx="3630659" cy="2434128"/>
+            <a:off x="3010778" y="4214378"/>
+            <a:ext cx="3245405" cy="1826242"/>
           </a:xfrm>
           <a:prstGeom prst="rect">
             <a:avLst/>
@@ -3589,14 +3589,14 @@
           <a:p>
             <a:pPr algn="ctr"/>
             <a:r>
-              <a:rPr lang="en-US" sz="1400" dirty="0">
+              <a:rPr lang="en-US" sz="1200" dirty="0">
                 <a:solidFill>
                   <a:schemeClr val="tx1"/>
                 </a:solidFill>
                 <a:latin typeface="Arial" panose="020B0604020202020204" pitchFamily="34" charset="0"/>
                 <a:cs typeface="Arial" panose="020B0604020202020204" pitchFamily="34" charset="0"/>
               </a:rPr>
-              <a:t>OU: Core</a:t>
+              <a:t>OU: Security</a:t>
             </a:r>
           </a:p>
         </p:txBody>
@@ -3615,8 +3615,8 @@
         </p:nvSpPr>
         <p:spPr>
           <a:xfrm>
-            <a:off x="6323771" y="3718193"/>
-            <a:ext cx="3318107" cy="2434128"/>
+            <a:off x="6375588" y="4214378"/>
+            <a:ext cx="3319324" cy="1826242"/>
           </a:xfrm>
           <a:prstGeom prst="rect">
             <a:avLst/>
@@ -3663,20 +3663,20 @@
                 <a:latin typeface="Arial" panose="020B0604020202020204" pitchFamily="34" charset="0"/>
                 <a:cs typeface="Arial" panose="020B0604020202020204" pitchFamily="34" charset="0"/>
               </a:rPr>
-              <a:t>Security Log Archive Account</a:t>
+              <a:t>Log Archive Account</a:t>
             </a:r>
           </a:p>
           <a:p>
             <a:pPr algn="ctr"/>
             <a:r>
-              <a:rPr lang="en-US" sz="1400" dirty="0">
+              <a:rPr lang="en-US" sz="1200" dirty="0">
                 <a:solidFill>
                   <a:schemeClr val="tx1"/>
                 </a:solidFill>
                 <a:latin typeface="Arial" panose="020B0604020202020204" pitchFamily="34" charset="0"/>
                 <a:cs typeface="Arial" panose="020B0604020202020204" pitchFamily="34" charset="0"/>
               </a:rPr>
-              <a:t>OU: Core</a:t>
+              <a:t>OU: Security</a:t>
             </a:r>
           </a:p>
         </p:txBody>
@@ -3695,8 +3695,8 @@
         </p:nvSpPr>
         <p:spPr>
           <a:xfrm>
-            <a:off x="3192783" y="596045"/>
-            <a:ext cx="5992901" cy="3020413"/>
+            <a:off x="3903267" y="873894"/>
+            <a:ext cx="4928818" cy="3238172"/>
           </a:xfrm>
           <a:prstGeom prst="rect">
             <a:avLst/>
@@ -3746,19 +3746,6 @@
               <a:t>Organization Management Account</a:t>
             </a:r>
           </a:p>
-          <a:p>
-            <a:pPr algn="ctr"/>
-            <a:r>
-              <a:rPr lang="en-US" sz="1400" dirty="0">
-                <a:solidFill>
-                  <a:schemeClr val="tx1"/>
-                </a:solidFill>
-                <a:latin typeface="Arial" panose="020B0604020202020204" pitchFamily="34" charset="0"/>
-                <a:cs typeface="Arial" panose="020B0604020202020204" pitchFamily="34" charset="0"/>
-              </a:rPr>
-              <a:t>OU: management</a:t>
-            </a:r>
-          </a:p>
         </p:txBody>
       </p:sp>
       <p:pic>
@@ -3789,8 +3776,8 @@
         </p:blipFill>
         <p:spPr>
           <a:xfrm>
-            <a:off x="7318392" y="1228935"/>
-            <a:ext cx="555156" cy="555156"/>
+            <a:off x="7868829" y="2159019"/>
+            <a:ext cx="457200" cy="457200"/>
           </a:xfrm>
           <a:prstGeom prst="rect">
             <a:avLst/>
@@ -3811,7 +3798,7 @@
         </p:nvSpPr>
         <p:spPr>
           <a:xfrm>
-            <a:off x="7036773" y="1793047"/>
+            <a:off x="7548456" y="2603646"/>
             <a:ext cx="1143813" cy="261610"/>
           </a:xfrm>
           <a:prstGeom prst="rect">
@@ -3836,42 +3823,6 @@
           </a:p>
         </p:txBody>
       </p:sp>
-      <p:pic>
-        <p:nvPicPr>
-          <p:cNvPr id="12" name="Graphic 1">
-            <a:extLst>
-              <a:ext uri="{FF2B5EF4-FFF2-40B4-BE49-F238E27FC236}">
-                <a16:creationId xmlns:a16="http://schemas.microsoft.com/office/drawing/2014/main" id="{E0D38807-A8CD-1442-BF58-774081CEF0EA}"/>
-              </a:ext>
-            </a:extLst>
-          </p:cNvPr>
-          <p:cNvPicPr>
-            <a:picLocks noChangeAspect="1"/>
-          </p:cNvPicPr>
-          <p:nvPr/>
-        </p:nvPicPr>
-        <p:blipFill>
-          <a:blip r:embed="rId6">
-            <a:extLst>
-              <a:ext uri="{96DAC541-7B7A-43D3-8B79-37D633B846F1}">
-                <asvg:svgBlip xmlns:asvg="http://schemas.microsoft.com/office/drawing/2016/SVG/main" r:embed="rId7"/>
-              </a:ext>
-            </a:extLst>
-          </a:blip>
-          <a:stretch>
-            <a:fillRect/>
-          </a:stretch>
-        </p:blipFill>
-        <p:spPr>
-          <a:xfrm>
-            <a:off x="7333385" y="2498613"/>
-            <a:ext cx="555156" cy="555156"/>
-          </a:xfrm>
-          <a:prstGeom prst="rect">
-            <a:avLst/>
-          </a:prstGeom>
-        </p:spPr>
-      </p:pic>
       <p:sp>
         <p:nvSpPr>
           <p:cNvPr id="13" name="TextBox 2">
@@ -3886,8 +3837,8 @@
         </p:nvSpPr>
         <p:spPr>
           <a:xfrm>
-            <a:off x="6697996" y="3062329"/>
-            <a:ext cx="1773919" cy="430887"/>
+            <a:off x="7558367" y="3496492"/>
+            <a:ext cx="1123992" cy="430887"/>
           </a:xfrm>
           <a:prstGeom prst="rect">
             <a:avLst/>
@@ -3982,16 +3933,6 @@
                 <a:latin typeface="Arial" panose="020B0604020202020204" pitchFamily="34" charset="0"/>
                 <a:cs typeface="Arial" panose="020B0604020202020204" pitchFamily="34" charset="0"/>
               </a:rPr>
-              <a:t>CloudTrail </a:t>
-            </a:r>
-          </a:p>
-          <a:p>
-            <a:pPr algn="ctr"/>
-            <a:r>
-              <a:rPr lang="en-US" sz="1100" dirty="0">
-                <a:latin typeface="Arial" panose="020B0604020202020204" pitchFamily="34" charset="0"/>
-                <a:cs typeface="Arial" panose="020B0604020202020204" pitchFamily="34" charset="0"/>
-              </a:rPr>
               <a:t>CloudWatch Log Group</a:t>
             </a:r>
           </a:p>
@@ -4012,10 +3953,10 @@
           <p:nvPr/>
         </p:nvPicPr>
         <p:blipFill>
-          <a:blip r:embed="rId8">
+          <a:blip r:embed="rId6">
             <a:extLst>
               <a:ext uri="{96DAC541-7B7A-43D3-8B79-37D633B846F1}">
-                <asvg:svgBlip xmlns:asvg="http://schemas.microsoft.com/office/drawing/2016/SVG/main" r:embed="rId9"/>
+                <asvg:svgBlip xmlns:asvg="http://schemas.microsoft.com/office/drawing/2016/SVG/main" r:embed="rId7"/>
               </a:ext>
             </a:extLst>
           </a:blip>
@@ -4025,8 +3966,8 @@
         </p:blipFill>
         <p:spPr>
           <a:xfrm>
-            <a:off x="4746703" y="4678754"/>
-            <a:ext cx="555157" cy="555157"/>
+            <a:off x="4482551" y="4976430"/>
+            <a:ext cx="457200" cy="457200"/>
           </a:xfrm>
           <a:prstGeom prst="rect">
             <a:avLst/>
@@ -4047,8 +3988,8 @@
         </p:nvSpPr>
         <p:spPr>
           <a:xfrm>
-            <a:off x="4232698" y="5283401"/>
-            <a:ext cx="1545649" cy="430887"/>
+            <a:off x="4139738" y="5431822"/>
+            <a:ext cx="1142826" cy="430887"/>
           </a:xfrm>
           <a:prstGeom prst="rect">
             <a:avLst/>
@@ -4143,47 +4084,11 @@
                 <a:latin typeface="Arial" panose="020B0604020202020204" pitchFamily="34" charset="0"/>
                 <a:cs typeface="Arial" panose="020B0604020202020204" pitchFamily="34" charset="0"/>
               </a:rPr>
-              <a:t>Organization CloudTrail KMS Key</a:t>
-            </a:r>
-          </a:p>
-        </p:txBody>
-      </p:sp>
-      <p:pic>
-        <p:nvPicPr>
-          <p:cNvPr id="19" name="Graphic 1">
-            <a:extLst>
-              <a:ext uri="{FF2B5EF4-FFF2-40B4-BE49-F238E27FC236}">
-                <a16:creationId xmlns:a16="http://schemas.microsoft.com/office/drawing/2014/main" id="{80E3B2E7-AA48-6F43-B2D3-3729C166DBF3}"/>
-              </a:ext>
-            </a:extLst>
-          </p:cNvPr>
-          <p:cNvPicPr>
-            <a:picLocks noChangeAspect="1"/>
-          </p:cNvPicPr>
-          <p:nvPr/>
-        </p:nvPicPr>
-        <p:blipFill>
-          <a:blip r:embed="rId10">
-            <a:extLst>
-              <a:ext uri="{96DAC541-7B7A-43D3-8B79-37D633B846F1}">
-                <asvg:svgBlip xmlns:asvg="http://schemas.microsoft.com/office/drawing/2016/SVG/main" r:embed="rId11"/>
-              </a:ext>
-            </a:extLst>
-          </a:blip>
-          <a:stretch>
-            <a:fillRect/>
-          </a:stretch>
-        </p:blipFill>
-        <p:spPr>
-          <a:xfrm>
-            <a:off x="8488373" y="4692868"/>
-            <a:ext cx="555156" cy="555156"/>
-          </a:xfrm>
-          <a:prstGeom prst="rect">
-            <a:avLst/>
-          </a:prstGeom>
-        </p:spPr>
-      </p:pic>
+              <a:t>CloudTrail KMS Key</a:t>
+            </a:r>
+          </a:p>
+        </p:txBody>
+      </p:sp>
       <p:sp>
         <p:nvSpPr>
           <p:cNvPr id="20" name="TextBox 2">
@@ -4198,8 +4103,8 @@
         </p:nvSpPr>
         <p:spPr>
           <a:xfrm>
-            <a:off x="8139056" y="5256980"/>
-            <a:ext cx="1205503" cy="600164"/>
+            <a:off x="7671251" y="5393497"/>
+            <a:ext cx="827407" cy="261610"/>
           </a:xfrm>
           <a:prstGeom prst="rect">
             <a:avLst/>
@@ -4294,7 +4199,7 @@
                 <a:latin typeface="Arial" panose="020B0604020202020204" pitchFamily="34" charset="0"/>
                 <a:cs typeface="Arial" panose="020B0604020202020204" pitchFamily="34" charset="0"/>
               </a:rPr>
-              <a:t>Organization CloudTrail Bucket</a:t>
+              <a:t>S3 Bucket</a:t>
             </a:r>
           </a:p>
         </p:txBody>
@@ -4313,7 +4218,7 @@
         </p:nvSpPr>
         <p:spPr>
           <a:xfrm>
-            <a:off x="4890340" y="1823104"/>
+            <a:off x="5400908" y="2523578"/>
             <a:ext cx="1427732" cy="261610"/>
           </a:xfrm>
           <a:prstGeom prst="rect">
@@ -4409,47 +4314,11 @@
                 <a:latin typeface="Arial" panose="020B0604020202020204" pitchFamily="34" charset="0"/>
                 <a:cs typeface="Arial" panose="020B0604020202020204" pitchFamily="34" charset="0"/>
               </a:rPr>
-              <a:t>AWS Lambda</a:t>
-            </a:r>
-          </a:p>
-        </p:txBody>
-      </p:sp>
-      <p:pic>
-        <p:nvPicPr>
-          <p:cNvPr id="25" name="Graphic 1">
-            <a:extLst>
-              <a:ext uri="{FF2B5EF4-FFF2-40B4-BE49-F238E27FC236}">
-                <a16:creationId xmlns:a16="http://schemas.microsoft.com/office/drawing/2014/main" id="{F0ED1C47-F712-174C-A812-DF5294AB3EBE}"/>
-              </a:ext>
-            </a:extLst>
-          </p:cNvPr>
-          <p:cNvPicPr>
-            <a:picLocks noChangeAspect="1"/>
-          </p:cNvPicPr>
-          <p:nvPr/>
-        </p:nvPicPr>
-        <p:blipFill>
-          <a:blip r:embed="rId6">
-            <a:extLst>
-              <a:ext uri="{96DAC541-7B7A-43D3-8B79-37D633B846F1}">
-                <asvg:svgBlip xmlns:asvg="http://schemas.microsoft.com/office/drawing/2016/SVG/main" r:embed="rId7"/>
-              </a:ext>
-            </a:extLst>
-          </a:blip>
-          <a:stretch>
-            <a:fillRect/>
-          </a:stretch>
-        </p:blipFill>
-        <p:spPr>
-          <a:xfrm>
-            <a:off x="5349437" y="2498613"/>
-            <a:ext cx="555156" cy="555156"/>
-          </a:xfrm>
-          <a:prstGeom prst="rect">
-            <a:avLst/>
-          </a:prstGeom>
-        </p:spPr>
-      </p:pic>
+              <a:t>Lambda Function</a:t>
+            </a:r>
+          </a:p>
+        </p:txBody>
+      </p:sp>
       <p:sp>
         <p:nvSpPr>
           <p:cNvPr id="26" name="TextBox 2">
@@ -4464,8 +4333,8 @@
         </p:nvSpPr>
         <p:spPr>
           <a:xfrm>
-            <a:off x="4845014" y="3053769"/>
-            <a:ext cx="1578705" cy="430887"/>
+            <a:off x="5466954" y="3503216"/>
+            <a:ext cx="1103001" cy="430887"/>
           </a:xfrm>
           <a:prstGeom prst="rect">
             <a:avLst/>
@@ -4560,17 +4429,56 @@
                 <a:latin typeface="Arial" panose="020B0604020202020204" pitchFamily="34" charset="0"/>
                 <a:cs typeface="Arial" panose="020B0604020202020204" pitchFamily="34" charset="0"/>
               </a:rPr>
-              <a:t>Lambda CloudWatch Log Group</a:t>
+              <a:t>CloudWatch Log Group</a:t>
+            </a:r>
+          </a:p>
+        </p:txBody>
+      </p:sp>
+      <p:sp>
+        <p:nvSpPr>
+          <p:cNvPr id="28" name="TextBox 27">
+            <a:extLst>
+              <a:ext uri="{FF2B5EF4-FFF2-40B4-BE49-F238E27FC236}">
+                <a16:creationId xmlns:a16="http://schemas.microsoft.com/office/drawing/2014/main" id="{87C80F56-7337-084F-A922-E2DD22E3AB2D}"/>
+              </a:ext>
+            </a:extLst>
+          </p:cNvPr>
+          <p:cNvSpPr txBox="1"/>
+          <p:nvPr/>
+        </p:nvSpPr>
+        <p:spPr>
+          <a:xfrm>
+            <a:off x="5502712" y="1581451"/>
+            <a:ext cx="1103001" cy="261610"/>
+          </a:xfrm>
+          <a:prstGeom prst="rect">
+            <a:avLst/>
+          </a:prstGeom>
+          <a:noFill/>
+        </p:spPr>
+        <p:txBody>
+          <a:bodyPr wrap="square" rtlCol="0">
+            <a:spAutoFit/>
+          </a:bodyPr>
+          <a:lstStyle/>
+          <a:p>
+            <a:pPr algn="ctr"/>
+            <a:r>
+              <a:rPr lang="en-US" sz="1100" dirty="0">
+                <a:latin typeface="Arial" panose="020B0604020202020204" pitchFamily="34" charset="0"/>
+                <a:cs typeface="Arial" panose="020B0604020202020204" pitchFamily="34" charset="0"/>
+              </a:rPr>
+              <a:t>Lambda Role</a:t>
             </a:r>
           </a:p>
         </p:txBody>
       </p:sp>
       <p:pic>
         <p:nvPicPr>
-          <p:cNvPr id="27" name="Graphic 26">
-            <a:extLst>
-              <a:ext uri="{FF2B5EF4-FFF2-40B4-BE49-F238E27FC236}">
-                <a16:creationId xmlns:a16="http://schemas.microsoft.com/office/drawing/2014/main" id="{AE1F99A4-7570-0E40-A4C6-A3D9D7011286}"/>
+          <p:cNvPr id="29" name="Graphic 28">
+            <a:extLst>
+              <a:ext uri="{FF2B5EF4-FFF2-40B4-BE49-F238E27FC236}">
+                <a16:creationId xmlns:a16="http://schemas.microsoft.com/office/drawing/2014/main" id="{0A41393E-D1A0-DC45-AF2C-FC996863891B}"/>
               </a:ext>
             </a:extLst>
           </p:cNvPr>
@@ -4580,10 +4488,10 @@
           <p:nvPr/>
         </p:nvPicPr>
         <p:blipFill>
-          <a:blip r:embed="rId12">
+          <a:blip r:embed="rId8">
             <a:extLst>
               <a:ext uri="{96DAC541-7B7A-43D3-8B79-37D633B846F1}">
-                <asvg:svgBlip xmlns:asvg="http://schemas.microsoft.com/office/drawing/2016/SVG/main" r:embed="rId13"/>
+                <asvg:svgBlip xmlns:asvg="http://schemas.microsoft.com/office/drawing/2016/SVG/main" r:embed="rId9"/>
               </a:ext>
             </a:extLst>
           </a:blip>
@@ -4593,8 +4501,8 @@
         </p:blipFill>
         <p:spPr>
           <a:xfrm>
-            <a:off x="5326628" y="1228935"/>
-            <a:ext cx="555156" cy="555156"/>
+            <a:off x="5811600" y="1249002"/>
+            <a:ext cx="469900" cy="469900"/>
           </a:xfrm>
           <a:prstGeom prst="rect">
             <a:avLst/>
@@ -4603,10 +4511,10 @@
       </p:pic>
       <p:sp>
         <p:nvSpPr>
-          <p:cNvPr id="28" name="TextBox 27">
-            <a:extLst>
-              <a:ext uri="{FF2B5EF4-FFF2-40B4-BE49-F238E27FC236}">
-                <a16:creationId xmlns:a16="http://schemas.microsoft.com/office/drawing/2014/main" id="{87C80F56-7337-084F-A922-E2DD22E3AB2D}"/>
+          <p:cNvPr id="30" name="TextBox 29">
+            <a:extLst>
+              <a:ext uri="{FF2B5EF4-FFF2-40B4-BE49-F238E27FC236}">
+                <a16:creationId xmlns:a16="http://schemas.microsoft.com/office/drawing/2014/main" id="{DEF1EA1E-079E-1943-91D5-3521ECB671F3}"/>
               </a:ext>
             </a:extLst>
           </p:cNvPr>
@@ -4615,8 +4523,8 @@
         </p:nvSpPr>
         <p:spPr>
           <a:xfrm>
-            <a:off x="5963148" y="2291914"/>
-            <a:ext cx="1103001" cy="261610"/>
+            <a:off x="7500846" y="1600442"/>
+            <a:ext cx="1219143" cy="261610"/>
           </a:xfrm>
           <a:prstGeom prst="rect">
             <a:avLst/>
@@ -4635,17 +4543,17 @@
                 <a:latin typeface="Arial" panose="020B0604020202020204" pitchFamily="34" charset="0"/>
                 <a:cs typeface="Arial" panose="020B0604020202020204" pitchFamily="34" charset="0"/>
               </a:rPr>
-              <a:t>Lambda Role</a:t>
+              <a:t>Log Group Role</a:t>
             </a:r>
           </a:p>
         </p:txBody>
       </p:sp>
       <p:pic>
         <p:nvPicPr>
-          <p:cNvPr id="29" name="Graphic 28">
-            <a:extLst>
-              <a:ext uri="{FF2B5EF4-FFF2-40B4-BE49-F238E27FC236}">
-                <a16:creationId xmlns:a16="http://schemas.microsoft.com/office/drawing/2014/main" id="{0A41393E-D1A0-DC45-AF2C-FC996863891B}"/>
+          <p:cNvPr id="31" name="Graphic 30">
+            <a:extLst>
+              <a:ext uri="{FF2B5EF4-FFF2-40B4-BE49-F238E27FC236}">
+                <a16:creationId xmlns:a16="http://schemas.microsoft.com/office/drawing/2014/main" id="{B6E8919B-F978-8C48-B136-276A746164EF}"/>
               </a:ext>
             </a:extLst>
           </p:cNvPr>
@@ -4655,10 +4563,10 @@
           <p:nvPr/>
         </p:nvPicPr>
         <p:blipFill>
-          <a:blip r:embed="rId14">
+          <a:blip r:embed="rId8">
             <a:extLst>
               <a:ext uri="{96DAC541-7B7A-43D3-8B79-37D633B846F1}">
-                <asvg:svgBlip xmlns:asvg="http://schemas.microsoft.com/office/drawing/2016/SVG/main" r:embed="rId15"/>
+                <asvg:svgBlip xmlns:asvg="http://schemas.microsoft.com/office/drawing/2016/SVG/main" r:embed="rId9"/>
               </a:ext>
             </a:extLst>
           </a:blip>
@@ -4668,8 +4576,8 @@
         </p:blipFill>
         <p:spPr>
           <a:xfrm>
-            <a:off x="6237754" y="1891097"/>
-            <a:ext cx="469900" cy="469900"/>
+            <a:off x="7837740" y="1290846"/>
+            <a:ext cx="519379" cy="469900"/>
           </a:xfrm>
           <a:prstGeom prst="rect">
             <a:avLst/>
@@ -4678,10 +4586,10 @@
       </p:pic>
       <p:sp>
         <p:nvSpPr>
-          <p:cNvPr id="30" name="TextBox 29">
-            <a:extLst>
-              <a:ext uri="{FF2B5EF4-FFF2-40B4-BE49-F238E27FC236}">
-                <a16:creationId xmlns:a16="http://schemas.microsoft.com/office/drawing/2014/main" id="{DEF1EA1E-079E-1943-91D5-3521ECB671F3}"/>
+          <p:cNvPr id="35" name="TextBox 34">
+            <a:extLst>
+              <a:ext uri="{FF2B5EF4-FFF2-40B4-BE49-F238E27FC236}">
+                <a16:creationId xmlns:a16="http://schemas.microsoft.com/office/drawing/2014/main" id="{3ECF5BF4-90EE-7543-B53F-20106F407FD7}"/>
               </a:ext>
             </a:extLst>
           </p:cNvPr>
@@ -4690,8 +4598,8 @@
         </p:nvSpPr>
         <p:spPr>
           <a:xfrm>
-            <a:off x="7937720" y="2284031"/>
-            <a:ext cx="1103001" cy="430887"/>
+            <a:off x="4130072" y="2977407"/>
+            <a:ext cx="1307240" cy="430887"/>
           </a:xfrm>
           <a:prstGeom prst="rect">
             <a:avLst/>
@@ -4710,17 +4618,17 @@
                 <a:latin typeface="Arial" panose="020B0604020202020204" pitchFamily="34" charset="0"/>
                 <a:cs typeface="Arial" panose="020B0604020202020204" pitchFamily="34" charset="0"/>
               </a:rPr>
-              <a:t>Log Group Role</a:t>
+              <a:t>AWS CloudFormation</a:t>
             </a:r>
           </a:p>
         </p:txBody>
       </p:sp>
       <p:pic>
         <p:nvPicPr>
-          <p:cNvPr id="31" name="Graphic 30">
-            <a:extLst>
-              <a:ext uri="{FF2B5EF4-FFF2-40B4-BE49-F238E27FC236}">
-                <a16:creationId xmlns:a16="http://schemas.microsoft.com/office/drawing/2014/main" id="{B6E8919B-F978-8C48-B136-276A746164EF}"/>
+          <p:cNvPr id="36" name="Graphic 35">
+            <a:extLst>
+              <a:ext uri="{FF2B5EF4-FFF2-40B4-BE49-F238E27FC236}">
+                <a16:creationId xmlns:a16="http://schemas.microsoft.com/office/drawing/2014/main" id="{F3F17F92-5C34-9443-A0B1-080A54E9E04D}"/>
               </a:ext>
             </a:extLst>
           </p:cNvPr>
@@ -4730,10 +4638,10 @@
           <p:nvPr/>
         </p:nvPicPr>
         <p:blipFill>
-          <a:blip r:embed="rId14">
+          <a:blip r:embed="rId10">
             <a:extLst>
               <a:ext uri="{96DAC541-7B7A-43D3-8B79-37D633B846F1}">
-                <asvg:svgBlip xmlns:asvg="http://schemas.microsoft.com/office/drawing/2016/SVG/main" r:embed="rId15"/>
+                <asvg:svgBlip xmlns:asvg="http://schemas.microsoft.com/office/drawing/2016/SVG/main" r:embed="rId11"/>
               </a:ext>
             </a:extLst>
           </a:blip>
@@ -4743,224 +4651,14 @@
         </p:blipFill>
         <p:spPr>
           <a:xfrm>
-            <a:off x="8207951" y="1881268"/>
-            <a:ext cx="469900" cy="469900"/>
+            <a:off x="4556548" y="2537727"/>
+            <a:ext cx="457200" cy="457200"/>
           </a:xfrm>
           <a:prstGeom prst="rect">
             <a:avLst/>
           </a:prstGeom>
         </p:spPr>
       </p:pic>
-      <p:cxnSp>
-        <p:nvCxnSpPr>
-          <p:cNvPr id="32" name="Straight Arrow Connector 31">
-            <a:extLst>
-              <a:ext uri="{FF2B5EF4-FFF2-40B4-BE49-F238E27FC236}">
-                <a16:creationId xmlns:a16="http://schemas.microsoft.com/office/drawing/2014/main" id="{D59D280F-7885-E043-BB4B-6F6B44570708}"/>
-              </a:ext>
-            </a:extLst>
-          </p:cNvPr>
-          <p:cNvCxnSpPr>
-            <a:cxnSpLocks/>
-          </p:cNvCxnSpPr>
-          <p:nvPr/>
-        </p:nvCxnSpPr>
-        <p:spPr>
-          <a:xfrm>
-            <a:off x="6139776" y="1509156"/>
-            <a:ext cx="835165" cy="0"/>
-          </a:xfrm>
-          <a:prstGeom prst="straightConnector1">
-            <a:avLst/>
-          </a:prstGeom>
-          <a:ln w="12700">
-            <a:solidFill>
-              <a:srgbClr val="545B64"/>
-            </a:solidFill>
-            <a:headEnd type="none" w="med" len="sm"/>
-            <a:tailEnd type="arrow" w="med" len="sm"/>
-          </a:ln>
-        </p:spPr>
-        <p:style>
-          <a:lnRef idx="1">
-            <a:schemeClr val="accent1"/>
-          </a:lnRef>
-          <a:fillRef idx="0">
-            <a:schemeClr val="accent1"/>
-          </a:fillRef>
-          <a:effectRef idx="0">
-            <a:schemeClr val="accent1"/>
-          </a:effectRef>
-          <a:fontRef idx="minor">
-            <a:schemeClr val="tx1"/>
-          </a:fontRef>
-        </p:style>
-      </p:cxnSp>
-      <p:cxnSp>
-        <p:nvCxnSpPr>
-          <p:cNvPr id="33" name="Straight Arrow Connector 32">
-            <a:extLst>
-              <a:ext uri="{FF2B5EF4-FFF2-40B4-BE49-F238E27FC236}">
-                <a16:creationId xmlns:a16="http://schemas.microsoft.com/office/drawing/2014/main" id="{02FFE816-DE32-3E4D-8DB7-5096164CC4EC}"/>
-              </a:ext>
-            </a:extLst>
-          </p:cNvPr>
-          <p:cNvCxnSpPr>
-            <a:cxnSpLocks/>
-          </p:cNvCxnSpPr>
-          <p:nvPr/>
-        </p:nvCxnSpPr>
-        <p:spPr>
-          <a:xfrm>
-            <a:off x="5598513" y="2065616"/>
-            <a:ext cx="0" cy="356001"/>
-          </a:xfrm>
-          <a:prstGeom prst="straightConnector1">
-            <a:avLst/>
-          </a:prstGeom>
-          <a:ln w="12700">
-            <a:solidFill>
-              <a:srgbClr val="545B64"/>
-            </a:solidFill>
-            <a:headEnd type="none" w="med" len="sm"/>
-            <a:tailEnd type="arrow" w="med" len="sm"/>
-          </a:ln>
-        </p:spPr>
-        <p:style>
-          <a:lnRef idx="1">
-            <a:schemeClr val="accent1"/>
-          </a:lnRef>
-          <a:fillRef idx="0">
-            <a:schemeClr val="accent1"/>
-          </a:fillRef>
-          <a:effectRef idx="0">
-            <a:schemeClr val="accent1"/>
-          </a:effectRef>
-          <a:fontRef idx="minor">
-            <a:schemeClr val="tx1"/>
-          </a:fontRef>
-        </p:style>
-      </p:cxnSp>
-      <p:cxnSp>
-        <p:nvCxnSpPr>
-          <p:cNvPr id="34" name="Straight Arrow Connector 33">
-            <a:extLst>
-              <a:ext uri="{FF2B5EF4-FFF2-40B4-BE49-F238E27FC236}">
-                <a16:creationId xmlns:a16="http://schemas.microsoft.com/office/drawing/2014/main" id="{0071B262-3EF1-1D40-A9F6-1575369E58F4}"/>
-              </a:ext>
-            </a:extLst>
-          </p:cNvPr>
-          <p:cNvCxnSpPr>
-            <a:cxnSpLocks/>
-          </p:cNvCxnSpPr>
-          <p:nvPr/>
-        </p:nvCxnSpPr>
-        <p:spPr>
-          <a:xfrm>
-            <a:off x="7618624" y="2065616"/>
-            <a:ext cx="0" cy="356001"/>
-          </a:xfrm>
-          <a:prstGeom prst="straightConnector1">
-            <a:avLst/>
-          </a:prstGeom>
-          <a:ln w="12700">
-            <a:solidFill>
-              <a:srgbClr val="545B64"/>
-            </a:solidFill>
-            <a:headEnd type="none" w="med" len="sm"/>
-            <a:tailEnd type="arrow" w="med" len="sm"/>
-          </a:ln>
-        </p:spPr>
-        <p:style>
-          <a:lnRef idx="1">
-            <a:schemeClr val="accent1"/>
-          </a:lnRef>
-          <a:fillRef idx="0">
-            <a:schemeClr val="accent1"/>
-          </a:fillRef>
-          <a:effectRef idx="0">
-            <a:schemeClr val="accent1"/>
-          </a:effectRef>
-          <a:fontRef idx="minor">
-            <a:schemeClr val="tx1"/>
-          </a:fontRef>
-        </p:style>
-      </p:cxnSp>
-      <p:sp>
-        <p:nvSpPr>
-          <p:cNvPr id="35" name="TextBox 34">
-            <a:extLst>
-              <a:ext uri="{FF2B5EF4-FFF2-40B4-BE49-F238E27FC236}">
-                <a16:creationId xmlns:a16="http://schemas.microsoft.com/office/drawing/2014/main" id="{3ECF5BF4-90EE-7543-B53F-20106F407FD7}"/>
-              </a:ext>
-            </a:extLst>
-          </p:cNvPr>
-          <p:cNvSpPr txBox="1"/>
-          <p:nvPr/>
-        </p:nvSpPr>
-        <p:spPr>
-          <a:xfrm>
-            <a:off x="3192783" y="2300967"/>
-            <a:ext cx="1307240" cy="430887"/>
-          </a:xfrm>
-          <a:prstGeom prst="rect">
-            <a:avLst/>
-          </a:prstGeom>
-          <a:noFill/>
-        </p:spPr>
-        <p:txBody>
-          <a:bodyPr wrap="square" rtlCol="0">
-            <a:spAutoFit/>
-          </a:bodyPr>
-          <a:lstStyle/>
-          <a:p>
-            <a:pPr algn="ctr"/>
-            <a:r>
-              <a:rPr lang="en-US" sz="1100" dirty="0">
-                <a:latin typeface="Arial" panose="020B0604020202020204" pitchFamily="34" charset="0"/>
-                <a:cs typeface="Arial" panose="020B0604020202020204" pitchFamily="34" charset="0"/>
-              </a:rPr>
-              <a:t>AWS CloudFormation</a:t>
-            </a:r>
-          </a:p>
-        </p:txBody>
-      </p:sp>
-      <p:pic>
-        <p:nvPicPr>
-          <p:cNvPr id="36" name="Graphic 35">
-            <a:extLst>
-              <a:ext uri="{FF2B5EF4-FFF2-40B4-BE49-F238E27FC236}">
-                <a16:creationId xmlns:a16="http://schemas.microsoft.com/office/drawing/2014/main" id="{F3F17F92-5C34-9443-A0B1-080A54E9E04D}"/>
-              </a:ext>
-            </a:extLst>
-          </p:cNvPr>
-          <p:cNvPicPr>
-            <a:picLocks noChangeAspect="1"/>
-          </p:cNvPicPr>
-          <p:nvPr/>
-        </p:nvPicPr>
-        <p:blipFill>
-          <a:blip r:embed="rId16">
-            <a:extLst>
-              <a:ext uri="{96DAC541-7B7A-43D3-8B79-37D633B846F1}">
-                <asvg:svgBlip xmlns:asvg="http://schemas.microsoft.com/office/drawing/2016/SVG/main" r:embed="rId17"/>
-              </a:ext>
-            </a:extLst>
-          </a:blip>
-          <a:stretch>
-            <a:fillRect/>
-          </a:stretch>
-        </p:blipFill>
-        <p:spPr>
-          <a:xfrm>
-            <a:off x="3568825" y="1712573"/>
-            <a:ext cx="555156" cy="555156"/>
-          </a:xfrm>
-          <a:prstGeom prst="rect">
-            <a:avLst/>
-          </a:prstGeom>
-        </p:spPr>
-      </p:pic>
       <p:sp>
         <p:nvSpPr>
           <p:cNvPr id="37" name="Rectangle 36">
@@ -4975,8 +4673,8 @@
         </p:nvSpPr>
         <p:spPr>
           <a:xfrm>
-            <a:off x="4936526" y="1141073"/>
-            <a:ext cx="4076830" cy="2372158"/>
+            <a:off x="4027534" y="1854595"/>
+            <a:ext cx="4692455" cy="2108325"/>
           </a:xfrm>
           <a:prstGeom prst="rect">
             <a:avLst/>
@@ -4984,7 +4682,7 @@
           <a:noFill/>
           <a:ln w="12700">
             <a:solidFill>
-              <a:srgbClr val="5A6B86"/>
+              <a:schemeClr val="tx1"/>
             </a:solidFill>
             <a:prstDash val="dash"/>
           </a:ln>
@@ -5006,7 +4704,7 @@
           </a:fontRef>
         </p:style>
         <p:txBody>
-          <a:bodyPr rot="0" spcFirstLastPara="0" vertOverflow="overflow" horzOverflow="overflow" vert="horz" wrap="square" lIns="91440" tIns="91440" rIns="91440" bIns="45720" numCol="1" spcCol="0" rtlCol="0" fromWordArt="0" anchor="t" anchorCtr="0" forceAA="0" compatLnSpc="1">
+          <a:bodyPr rot="0" spcFirstLastPara="0" vertOverflow="overflow" horzOverflow="overflow" vert="horz" wrap="square" lIns="91440" tIns="0" rIns="91440" bIns="45720" numCol="1" spcCol="0" rtlCol="0" fromWordArt="0" anchor="t" anchorCtr="0" forceAA="0" compatLnSpc="1">
             <a:prstTxWarp prst="textNoShape">
               <a:avLst/>
             </a:prstTxWarp>
@@ -5014,10 +4712,19 @@
           </a:bodyPr>
           <a:lstStyle/>
           <a:p>
-            <a:pPr algn="ctr"/>
-            <a:endParaRPr lang="en-US" sz="1400" dirty="0">
+            <a:r>
+              <a:rPr lang="en-US" sz="1100" b="1" dirty="0">
+                <a:solidFill>
+                  <a:schemeClr val="tx1"/>
+                </a:solidFill>
+                <a:latin typeface="Arial" panose="020B0604020202020204" pitchFamily="34" charset="0"/>
+                <a:cs typeface="Arial" panose="020B0604020202020204" pitchFamily="34" charset="0"/>
+              </a:rPr>
+              <a:t>Home-region</a:t>
+            </a:r>
+            <a:endParaRPr lang="en-US" sz="1400" b="1" dirty="0">
               <a:solidFill>
-                <a:srgbClr val="5A6B86"/>
+                <a:schemeClr val="tx1"/>
               </a:solidFill>
               <a:latin typeface="Arial" panose="020B0604020202020204" pitchFamily="34" charset="0"/>
               <a:cs typeface="Arial" panose="020B0604020202020204" pitchFamily="34" charset="0"/>
@@ -5025,51 +4732,6 @@
           </a:p>
         </p:txBody>
       </p:sp>
-      <p:cxnSp>
-        <p:nvCxnSpPr>
-          <p:cNvPr id="38" name="Straight Arrow Connector 37">
-            <a:extLst>
-              <a:ext uri="{FF2B5EF4-FFF2-40B4-BE49-F238E27FC236}">
-                <a16:creationId xmlns:a16="http://schemas.microsoft.com/office/drawing/2014/main" id="{3E6479C6-1CE1-4443-9BA2-526727005BF6}"/>
-              </a:ext>
-            </a:extLst>
-          </p:cNvPr>
-          <p:cNvCxnSpPr>
-            <a:cxnSpLocks/>
-          </p:cNvCxnSpPr>
-          <p:nvPr/>
-        </p:nvCxnSpPr>
-        <p:spPr>
-          <a:xfrm>
-            <a:off x="4279562" y="1997420"/>
-            <a:ext cx="486285" cy="0"/>
-          </a:xfrm>
-          <a:prstGeom prst="straightConnector1">
-            <a:avLst/>
-          </a:prstGeom>
-          <a:ln w="12700">
-            <a:solidFill>
-              <a:srgbClr val="545B64"/>
-            </a:solidFill>
-            <a:headEnd type="none" w="med" len="sm"/>
-            <a:tailEnd type="arrow" w="med" len="sm"/>
-          </a:ln>
-        </p:spPr>
-        <p:style>
-          <a:lnRef idx="1">
-            <a:schemeClr val="accent1"/>
-          </a:lnRef>
-          <a:fillRef idx="0">
-            <a:schemeClr val="accent1"/>
-          </a:fillRef>
-          <a:effectRef idx="0">
-            <a:schemeClr val="accent1"/>
-          </a:effectRef>
-          <a:fontRef idx="minor">
-            <a:schemeClr val="tx1"/>
-          </a:fontRef>
-        </p:style>
-      </p:cxnSp>
       <p:sp>
         <p:nvSpPr>
           <p:cNvPr id="40" name="TextBox 39">
@@ -5084,8 +4746,8 @@
         </p:nvSpPr>
         <p:spPr>
           <a:xfrm>
-            <a:off x="6293755" y="5325369"/>
-            <a:ext cx="1338281" cy="430887"/>
+            <a:off x="6464380" y="5416245"/>
+            <a:ext cx="1180988" cy="430887"/>
           </a:xfrm>
           <a:prstGeom prst="rect">
             <a:avLst/>
@@ -5124,10 +4786,10 @@
           <p:nvPr/>
         </p:nvPicPr>
         <p:blipFill>
-          <a:blip r:embed="rId16">
+          <a:blip r:embed="rId10">
             <a:extLst>
               <a:ext uri="{96DAC541-7B7A-43D3-8B79-37D633B846F1}">
-                <asvg:svgBlip xmlns:asvg="http://schemas.microsoft.com/office/drawing/2016/SVG/main" r:embed="rId17"/>
+                <asvg:svgBlip xmlns:asvg="http://schemas.microsoft.com/office/drawing/2016/SVG/main" r:embed="rId11"/>
               </a:ext>
             </a:extLst>
           </a:blip>
@@ -5137,8 +4799,8 @@
         </p:blipFill>
         <p:spPr>
           <a:xfrm>
-            <a:off x="6690708" y="4752469"/>
-            <a:ext cx="555156" cy="555156"/>
+            <a:off x="6823721" y="4972435"/>
+            <a:ext cx="457200" cy="457200"/>
           </a:xfrm>
           <a:prstGeom prst="rect">
             <a:avLst/>
@@ -5159,7 +4821,7 @@
         </p:nvSpPr>
         <p:spPr>
           <a:xfrm>
-            <a:off x="2548724" y="5251654"/>
+            <a:off x="3042075" y="5422902"/>
             <a:ext cx="1282714" cy="430887"/>
           </a:xfrm>
           <a:prstGeom prst="rect">
@@ -5199,10 +4861,10 @@
           <p:nvPr/>
         </p:nvPicPr>
         <p:blipFill>
-          <a:blip r:embed="rId16">
+          <a:blip r:embed="rId10">
             <a:extLst>
               <a:ext uri="{96DAC541-7B7A-43D3-8B79-37D633B846F1}">
-                <asvg:svgBlip xmlns:asvg="http://schemas.microsoft.com/office/drawing/2016/SVG/main" r:embed="rId17"/>
+                <asvg:svgBlip xmlns:asvg="http://schemas.microsoft.com/office/drawing/2016/SVG/main" r:embed="rId11"/>
               </a:ext>
             </a:extLst>
           </a:blip>
@@ -5212,8 +4874,8 @@
         </p:blipFill>
         <p:spPr>
           <a:xfrm>
-            <a:off x="2940910" y="4678754"/>
-            <a:ext cx="555156" cy="555156"/>
+            <a:off x="3454832" y="4975586"/>
+            <a:ext cx="457200" cy="457200"/>
           </a:xfrm>
           <a:prstGeom prst="rect">
             <a:avLst/>
@@ -5234,8 +4896,8 @@
         </p:nvSpPr>
         <p:spPr>
           <a:xfrm>
-            <a:off x="4182158" y="4462742"/>
-            <a:ext cx="1791298" cy="1574853"/>
+            <a:off x="3114269" y="4726238"/>
+            <a:ext cx="3032719" cy="1183227"/>
           </a:xfrm>
           <a:prstGeom prst="rect">
             <a:avLst/>
@@ -5243,7 +4905,7 @@
           <a:noFill/>
           <a:ln w="12700">
             <a:solidFill>
-              <a:srgbClr val="5A6B86"/>
+              <a:schemeClr val="tx1"/>
             </a:solidFill>
             <a:prstDash val="dash"/>
           </a:ln>
@@ -5265,7 +4927,7 @@
           </a:fontRef>
         </p:style>
         <p:txBody>
-          <a:bodyPr rot="0" spcFirstLastPara="0" vertOverflow="overflow" horzOverflow="overflow" vert="horz" wrap="square" lIns="91440" tIns="91440" rIns="91440" bIns="45720" numCol="1" spcCol="0" rtlCol="0" fromWordArt="0" anchor="t" anchorCtr="0" forceAA="0" compatLnSpc="1">
+          <a:bodyPr rot="0" spcFirstLastPara="0" vertOverflow="overflow" horzOverflow="overflow" vert="horz" wrap="square" lIns="91440" tIns="0" rIns="91440" bIns="45720" numCol="1" spcCol="0" rtlCol="0" fromWordArt="0" anchor="t" anchorCtr="0" forceAA="0" compatLnSpc="1">
             <a:prstTxWarp prst="textNoShape">
               <a:avLst/>
             </a:prstTxWarp>
@@ -5273,62 +4935,19 @@
           </a:bodyPr>
           <a:lstStyle/>
           <a:p>
-            <a:pPr algn="ctr"/>
-            <a:endParaRPr lang="en-US" sz="1400" dirty="0">
-              <a:solidFill>
-                <a:srgbClr val="5A6B86"/>
-              </a:solidFill>
-              <a:latin typeface="Arial" panose="020B0604020202020204" pitchFamily="34" charset="0"/>
-              <a:cs typeface="Arial" panose="020B0604020202020204" pitchFamily="34" charset="0"/>
-            </a:endParaRPr>
-          </a:p>
-        </p:txBody>
-      </p:sp>
-      <p:cxnSp>
-        <p:nvCxnSpPr>
-          <p:cNvPr id="45" name="Straight Arrow Connector 44">
-            <a:extLst>
-              <a:ext uri="{FF2B5EF4-FFF2-40B4-BE49-F238E27FC236}">
-                <a16:creationId xmlns:a16="http://schemas.microsoft.com/office/drawing/2014/main" id="{6250F97E-8E43-114A-BD04-519860FD6E0D}"/>
-              </a:ext>
-            </a:extLst>
-          </p:cNvPr>
-          <p:cNvCxnSpPr>
-            <a:cxnSpLocks/>
-          </p:cNvCxnSpPr>
-          <p:nvPr/>
-        </p:nvCxnSpPr>
-        <p:spPr>
-          <a:xfrm>
-            <a:off x="3632642" y="4964913"/>
-            <a:ext cx="486285" cy="0"/>
-          </a:xfrm>
-          <a:prstGeom prst="straightConnector1">
-            <a:avLst/>
-          </a:prstGeom>
-          <a:ln w="12700">
-            <a:solidFill>
-              <a:srgbClr val="545B64"/>
-            </a:solidFill>
-            <a:headEnd type="none" w="med" len="sm"/>
-            <a:tailEnd type="arrow" w="med" len="sm"/>
-          </a:ln>
-        </p:spPr>
-        <p:style>
-          <a:lnRef idx="1">
-            <a:schemeClr val="accent1"/>
-          </a:lnRef>
-          <a:fillRef idx="0">
-            <a:schemeClr val="accent1"/>
-          </a:fillRef>
-          <a:effectRef idx="0">
-            <a:schemeClr val="accent1"/>
-          </a:effectRef>
-          <a:fontRef idx="minor">
-            <a:schemeClr val="tx1"/>
-          </a:fontRef>
-        </p:style>
-      </p:cxnSp>
+            <a:r>
+              <a:rPr lang="en-US" sz="1100" b="1" dirty="0">
+                <a:solidFill>
+                  <a:schemeClr val="tx1"/>
+                </a:solidFill>
+                <a:latin typeface="Arial" panose="020B0604020202020204" pitchFamily="34" charset="0"/>
+                <a:cs typeface="Arial" panose="020B0604020202020204" pitchFamily="34" charset="0"/>
+              </a:rPr>
+              <a:t>Home-region</a:t>
+            </a:r>
+          </a:p>
+        </p:txBody>
+      </p:sp>
       <p:sp>
         <p:nvSpPr>
           <p:cNvPr id="46" name="Rectangle 45">
@@ -5343,8 +4962,8 @@
         </p:nvSpPr>
         <p:spPr>
           <a:xfrm>
-            <a:off x="7977664" y="4462742"/>
-            <a:ext cx="1495335" cy="1574854"/>
+            <a:off x="6499338" y="4726238"/>
+            <a:ext cx="3072301" cy="1183227"/>
           </a:xfrm>
           <a:prstGeom prst="rect">
             <a:avLst/>
@@ -5352,7 +4971,7 @@
           <a:noFill/>
           <a:ln w="12700">
             <a:solidFill>
-              <a:srgbClr val="5A6B86"/>
+              <a:schemeClr val="tx1"/>
             </a:solidFill>
             <a:prstDash val="dash"/>
           </a:ln>
@@ -5374,7 +4993,7 @@
           </a:fontRef>
         </p:style>
         <p:txBody>
-          <a:bodyPr rot="0" spcFirstLastPara="0" vertOverflow="overflow" horzOverflow="overflow" vert="horz" wrap="square" lIns="91440" tIns="91440" rIns="91440" bIns="45720" numCol="1" spcCol="0" rtlCol="0" fromWordArt="0" anchor="t" anchorCtr="0" forceAA="0" compatLnSpc="1">
+          <a:bodyPr rot="0" spcFirstLastPara="0" vertOverflow="overflow" horzOverflow="overflow" vert="horz" wrap="square" lIns="91440" tIns="0" rIns="91440" bIns="45720" numCol="1" spcCol="0" rtlCol="0" fromWordArt="0" anchor="t" anchorCtr="0" forceAA="0" compatLnSpc="1">
             <a:prstTxWarp prst="textNoShape">
               <a:avLst/>
             </a:prstTxWarp>
@@ -5382,62 +5001,19 @@
           </a:bodyPr>
           <a:lstStyle/>
           <a:p>
-            <a:pPr algn="ctr"/>
-            <a:endParaRPr lang="en-US" sz="1400" dirty="0">
-              <a:solidFill>
-                <a:srgbClr val="5A6B86"/>
-              </a:solidFill>
-              <a:latin typeface="Arial" panose="020B0604020202020204" pitchFamily="34" charset="0"/>
-              <a:cs typeface="Arial" panose="020B0604020202020204" pitchFamily="34" charset="0"/>
-            </a:endParaRPr>
-          </a:p>
-        </p:txBody>
-      </p:sp>
-      <p:cxnSp>
-        <p:nvCxnSpPr>
-          <p:cNvPr id="47" name="Straight Arrow Connector 46">
-            <a:extLst>
-              <a:ext uri="{FF2B5EF4-FFF2-40B4-BE49-F238E27FC236}">
-                <a16:creationId xmlns:a16="http://schemas.microsoft.com/office/drawing/2014/main" id="{0D04810E-4C63-7741-BA24-3F72DF9AF6AA}"/>
-              </a:ext>
-            </a:extLst>
-          </p:cNvPr>
-          <p:cNvCxnSpPr>
-            <a:cxnSpLocks/>
-          </p:cNvCxnSpPr>
-          <p:nvPr/>
-        </p:nvCxnSpPr>
-        <p:spPr>
-          <a:xfrm>
-            <a:off x="7310035" y="5022369"/>
-            <a:ext cx="432786" cy="0"/>
-          </a:xfrm>
-          <a:prstGeom prst="straightConnector1">
-            <a:avLst/>
-          </a:prstGeom>
-          <a:ln w="12700">
-            <a:solidFill>
-              <a:srgbClr val="545B64"/>
-            </a:solidFill>
-            <a:headEnd type="none" w="med" len="sm"/>
-            <a:tailEnd type="arrow" w="med" len="sm"/>
-          </a:ln>
-        </p:spPr>
-        <p:style>
-          <a:lnRef idx="1">
-            <a:schemeClr val="accent1"/>
-          </a:lnRef>
-          <a:fillRef idx="0">
-            <a:schemeClr val="accent1"/>
-          </a:fillRef>
-          <a:effectRef idx="0">
-            <a:schemeClr val="accent1"/>
-          </a:effectRef>
-          <a:fontRef idx="minor">
-            <a:schemeClr val="tx1"/>
-          </a:fontRef>
-        </p:style>
-      </p:cxnSp>
+            <a:r>
+              <a:rPr lang="en-US" sz="1100" b="1" dirty="0">
+                <a:solidFill>
+                  <a:schemeClr val="tx1"/>
+                </a:solidFill>
+                <a:latin typeface="Arial" panose="020B0604020202020204" pitchFamily="34" charset="0"/>
+                <a:cs typeface="Arial" panose="020B0604020202020204" pitchFamily="34" charset="0"/>
+              </a:rPr>
+              <a:t>Home-region</a:t>
+            </a:r>
+          </a:p>
+        </p:txBody>
+      </p:sp>
       <p:sp>
         <p:nvSpPr>
           <p:cNvPr id="66" name="Oval 65">
@@ -5452,7 +5028,7 @@
         </p:nvSpPr>
         <p:spPr>
           <a:xfrm>
-            <a:off x="3215867" y="622555"/>
+            <a:off x="3921080" y="895909"/>
             <a:ext cx="253435" cy="212902"/>
           </a:xfrm>
           <a:prstGeom prst="ellipse">
@@ -5512,7 +5088,7 @@
         </p:nvSpPr>
         <p:spPr>
           <a:xfrm>
-            <a:off x="3590436" y="1722801"/>
+            <a:off x="4578159" y="2547955"/>
             <a:ext cx="253435" cy="212902"/>
           </a:xfrm>
           <a:prstGeom prst="ellipse">
@@ -5572,7 +5148,7 @@
         </p:nvSpPr>
         <p:spPr>
           <a:xfrm>
-            <a:off x="5338455" y="1252488"/>
+            <a:off x="5667689" y="2036695"/>
             <a:ext cx="253435" cy="212902"/>
           </a:xfrm>
           <a:prstGeom prst="ellipse">
@@ -5632,7 +5208,7 @@
         </p:nvSpPr>
         <p:spPr>
           <a:xfrm>
-            <a:off x="6345113" y="1739970"/>
+            <a:off x="5589212" y="1311487"/>
             <a:ext cx="253435" cy="212902"/>
           </a:xfrm>
           <a:prstGeom prst="ellipse">
@@ -5692,7 +5268,7 @@
         </p:nvSpPr>
         <p:spPr>
           <a:xfrm>
-            <a:off x="5355555" y="2507578"/>
+            <a:off x="5525441" y="3176190"/>
             <a:ext cx="253435" cy="212902"/>
           </a:xfrm>
           <a:prstGeom prst="ellipse">
@@ -5752,7 +5328,7 @@
         </p:nvSpPr>
         <p:spPr>
           <a:xfrm>
-            <a:off x="7341270" y="1246856"/>
+            <a:off x="7880017" y="2165911"/>
             <a:ext cx="253435" cy="212902"/>
           </a:xfrm>
           <a:prstGeom prst="ellipse">
@@ -5812,8 +5388,8 @@
         </p:nvSpPr>
         <p:spPr>
           <a:xfrm>
-            <a:off x="8334740" y="1722801"/>
-            <a:ext cx="253435" cy="212902"/>
+            <a:off x="7658999" y="1313676"/>
+            <a:ext cx="280121" cy="212902"/>
           </a:xfrm>
           <a:prstGeom prst="ellipse">
             <a:avLst/>
@@ -5872,7 +5448,7 @@
         </p:nvSpPr>
         <p:spPr>
           <a:xfrm>
-            <a:off x="7347923" y="2507578"/>
+            <a:off x="7628372" y="3169229"/>
             <a:ext cx="253435" cy="212902"/>
           </a:xfrm>
           <a:prstGeom prst="ellipse">
@@ -5932,7 +5508,7 @@
         </p:nvSpPr>
         <p:spPr>
           <a:xfrm>
-            <a:off x="2589878" y="3738071"/>
+            <a:off x="3031690" y="4234256"/>
             <a:ext cx="253435" cy="212902"/>
           </a:xfrm>
           <a:prstGeom prst="ellipse">
@@ -5992,7 +5568,7 @@
         </p:nvSpPr>
         <p:spPr>
           <a:xfrm>
-            <a:off x="2962432" y="4692868"/>
+            <a:off x="3476354" y="4989700"/>
             <a:ext cx="253435" cy="212902"/>
           </a:xfrm>
           <a:prstGeom prst="ellipse">
@@ -6052,7 +5628,7 @@
         </p:nvSpPr>
         <p:spPr>
           <a:xfrm>
-            <a:off x="4765847" y="4685416"/>
+            <a:off x="4494828" y="4991284"/>
             <a:ext cx="253435" cy="212902"/>
           </a:xfrm>
           <a:prstGeom prst="ellipse">
@@ -6112,7 +5688,7 @@
         </p:nvSpPr>
         <p:spPr>
           <a:xfrm>
-            <a:off x="6347087" y="3742341"/>
+            <a:off x="6391276" y="4229980"/>
             <a:ext cx="253435" cy="212902"/>
           </a:xfrm>
           <a:prstGeom prst="ellipse">
@@ -6172,7 +5748,7 @@
         </p:nvSpPr>
         <p:spPr>
           <a:xfrm>
-            <a:off x="6697996" y="4756891"/>
+            <a:off x="6839173" y="4985021"/>
             <a:ext cx="253435" cy="212902"/>
           </a:xfrm>
           <a:prstGeom prst="ellipse">
@@ -6218,12 +5794,553 @@
           </a:p>
         </p:txBody>
       </p:sp>
-      <p:sp>
-        <p:nvSpPr>
-          <p:cNvPr id="80" name="Oval 79">
-            <a:extLst>
-              <a:ext uri="{FF2B5EF4-FFF2-40B4-BE49-F238E27FC236}">
-                <a16:creationId xmlns:a16="http://schemas.microsoft.com/office/drawing/2014/main" id="{48C4D317-93F4-5641-8DFB-C87230F448BF}"/>
+      <p:pic>
+        <p:nvPicPr>
+          <p:cNvPr id="58" name="Graphic 7">
+            <a:extLst>
+              <a:ext uri="{FF2B5EF4-FFF2-40B4-BE49-F238E27FC236}">
+                <a16:creationId xmlns:a16="http://schemas.microsoft.com/office/drawing/2014/main" id="{75B27E1D-9B39-A446-B395-F538671C9EED}"/>
+              </a:ext>
+            </a:extLst>
+          </p:cNvPr>
+          <p:cNvPicPr>
+            <a:picLocks noChangeAspect="1" noChangeArrowheads="1"/>
+          </p:cNvPicPr>
+          <p:nvPr/>
+        </p:nvPicPr>
+        <p:blipFill>
+          <a:blip r:embed="rId12">
+            <a:extLst>
+              <a:ext uri="{28A0092B-C50C-407E-A947-70E740481C1C}">
+                <a14:useLocalDpi xmlns:a14="http://schemas.microsoft.com/office/drawing/2010/main" val="0"/>
+              </a:ext>
+            </a:extLst>
+          </a:blip>
+          <a:srcRect/>
+          <a:stretch>
+            <a:fillRect/>
+          </a:stretch>
+        </p:blipFill>
+        <p:spPr bwMode="auto">
+          <a:xfrm>
+            <a:off x="5817551" y="3128913"/>
+            <a:ext cx="457200" cy="457200"/>
+          </a:xfrm>
+          <a:prstGeom prst="rect">
+            <a:avLst/>
+          </a:prstGeom>
+          <a:noFill/>
+          <a:ln>
+            <a:noFill/>
+          </a:ln>
+          <a:extLst>
+            <a:ext uri="{909E8E84-426E-40DD-AFC4-6F175D3DCCD1}">
+              <a14:hiddenFill xmlns:a14="http://schemas.microsoft.com/office/drawing/2010/main">
+                <a:solidFill>
+                  <a:srgbClr val="FFFFFF"/>
+                </a:solidFill>
+              </a14:hiddenFill>
+            </a:ext>
+            <a:ext uri="{91240B29-F687-4F45-9708-019B960494DF}">
+              <a14:hiddenLine xmlns:a14="http://schemas.microsoft.com/office/drawing/2010/main" w="9525">
+                <a:solidFill>
+                  <a:srgbClr val="000000"/>
+                </a:solidFill>
+                <a:miter lim="800000"/>
+                <a:headEnd/>
+                <a:tailEnd/>
+              </a14:hiddenLine>
+            </a:ext>
+          </a:extLst>
+        </p:spPr>
+      </p:pic>
+      <p:pic>
+        <p:nvPicPr>
+          <p:cNvPr id="59" name="Graphic 7">
+            <a:extLst>
+              <a:ext uri="{FF2B5EF4-FFF2-40B4-BE49-F238E27FC236}">
+                <a16:creationId xmlns:a16="http://schemas.microsoft.com/office/drawing/2014/main" id="{A051C423-BC6B-AC42-AC0F-47D5DBB29B3A}"/>
+              </a:ext>
+            </a:extLst>
+          </p:cNvPr>
+          <p:cNvPicPr>
+            <a:picLocks noChangeAspect="1" noChangeArrowheads="1"/>
+          </p:cNvPicPr>
+          <p:nvPr/>
+        </p:nvPicPr>
+        <p:blipFill>
+          <a:blip r:embed="rId12">
+            <a:extLst>
+              <a:ext uri="{28A0092B-C50C-407E-A947-70E740481C1C}">
+                <a14:useLocalDpi xmlns:a14="http://schemas.microsoft.com/office/drawing/2010/main" val="0"/>
+              </a:ext>
+            </a:extLst>
+          </a:blip>
+          <a:srcRect/>
+          <a:stretch>
+            <a:fillRect/>
+          </a:stretch>
+        </p:blipFill>
+        <p:spPr bwMode="auto">
+          <a:xfrm>
+            <a:off x="7891763" y="3102602"/>
+            <a:ext cx="457200" cy="457200"/>
+          </a:xfrm>
+          <a:prstGeom prst="rect">
+            <a:avLst/>
+          </a:prstGeom>
+          <a:noFill/>
+          <a:ln>
+            <a:noFill/>
+          </a:ln>
+          <a:extLst>
+            <a:ext uri="{909E8E84-426E-40DD-AFC4-6F175D3DCCD1}">
+              <a14:hiddenFill xmlns:a14="http://schemas.microsoft.com/office/drawing/2010/main">
+                <a:solidFill>
+                  <a:srgbClr val="FFFFFF"/>
+                </a:solidFill>
+              </a14:hiddenFill>
+            </a:ext>
+            <a:ext uri="{91240B29-F687-4F45-9708-019B960494DF}">
+              <a14:hiddenLine xmlns:a14="http://schemas.microsoft.com/office/drawing/2010/main" w="9525">
+                <a:solidFill>
+                  <a:srgbClr val="000000"/>
+                </a:solidFill>
+                <a:miter lim="800000"/>
+                <a:headEnd/>
+                <a:tailEnd/>
+              </a14:hiddenLine>
+            </a:ext>
+          </a:extLst>
+        </p:spPr>
+      </p:pic>
+      <p:cxnSp>
+        <p:nvCxnSpPr>
+          <p:cNvPr id="60" name="Straight Arrow Connector 59">
+            <a:extLst>
+              <a:ext uri="{FF2B5EF4-FFF2-40B4-BE49-F238E27FC236}">
+                <a16:creationId xmlns:a16="http://schemas.microsoft.com/office/drawing/2014/main" id="{2BF46915-BB1A-5D4C-B857-7122DF100EFC}"/>
+              </a:ext>
+            </a:extLst>
+          </p:cNvPr>
+          <p:cNvCxnSpPr>
+            <a:cxnSpLocks/>
+            <a:stCxn id="11" idx="2"/>
+            <a:endCxn id="59" idx="0"/>
+          </p:cNvCxnSpPr>
+          <p:nvPr/>
+        </p:nvCxnSpPr>
+        <p:spPr>
+          <a:xfrm>
+            <a:off x="8120363" y="2865256"/>
+            <a:ext cx="0" cy="237346"/>
+          </a:xfrm>
+          <a:prstGeom prst="straightConnector1">
+            <a:avLst/>
+          </a:prstGeom>
+          <a:ln>
+            <a:tailEnd type="triangle"/>
+          </a:ln>
+        </p:spPr>
+        <p:style>
+          <a:lnRef idx="1">
+            <a:schemeClr val="dk1"/>
+          </a:lnRef>
+          <a:fillRef idx="0">
+            <a:schemeClr val="dk1"/>
+          </a:fillRef>
+          <a:effectRef idx="0">
+            <a:schemeClr val="dk1"/>
+          </a:effectRef>
+          <a:fontRef idx="minor">
+            <a:schemeClr val="tx1"/>
+          </a:fontRef>
+        </p:style>
+      </p:cxnSp>
+      <p:cxnSp>
+        <p:nvCxnSpPr>
+          <p:cNvPr id="63" name="Straight Arrow Connector 62">
+            <a:extLst>
+              <a:ext uri="{FF2B5EF4-FFF2-40B4-BE49-F238E27FC236}">
+                <a16:creationId xmlns:a16="http://schemas.microsoft.com/office/drawing/2014/main" id="{242371DE-6996-FF4B-A389-02106BCD96F2}"/>
+              </a:ext>
+            </a:extLst>
+          </p:cNvPr>
+          <p:cNvCxnSpPr>
+            <a:cxnSpLocks/>
+            <a:endCxn id="58" idx="0"/>
+          </p:cNvCxnSpPr>
+          <p:nvPr/>
+        </p:nvCxnSpPr>
+        <p:spPr>
+          <a:xfrm>
+            <a:off x="6045752" y="2809346"/>
+            <a:ext cx="399" cy="319567"/>
+          </a:xfrm>
+          <a:prstGeom prst="straightConnector1">
+            <a:avLst/>
+          </a:prstGeom>
+          <a:ln>
+            <a:tailEnd type="triangle"/>
+          </a:ln>
+        </p:spPr>
+        <p:style>
+          <a:lnRef idx="1">
+            <a:schemeClr val="dk1"/>
+          </a:lnRef>
+          <a:fillRef idx="0">
+            <a:schemeClr val="dk1"/>
+          </a:fillRef>
+          <a:effectRef idx="0">
+            <a:schemeClr val="dk1"/>
+          </a:effectRef>
+          <a:fontRef idx="minor">
+            <a:schemeClr val="tx1"/>
+          </a:fontRef>
+        </p:style>
+      </p:cxnSp>
+      <p:pic>
+        <p:nvPicPr>
+          <p:cNvPr id="81" name="Graphic 13">
+            <a:extLst>
+              <a:ext uri="{FF2B5EF4-FFF2-40B4-BE49-F238E27FC236}">
+                <a16:creationId xmlns:a16="http://schemas.microsoft.com/office/drawing/2014/main" id="{A9FAE202-A507-B84E-8053-91075A662342}"/>
+              </a:ext>
+            </a:extLst>
+          </p:cNvPr>
+          <p:cNvPicPr>
+            <a:picLocks noChangeAspect="1" noChangeArrowheads="1"/>
+          </p:cNvPicPr>
+          <p:nvPr/>
+        </p:nvPicPr>
+        <p:blipFill>
+          <a:blip r:embed="rId13">
+            <a:extLst>
+              <a:ext uri="{28A0092B-C50C-407E-A947-70E740481C1C}">
+                <a14:useLocalDpi xmlns:a14="http://schemas.microsoft.com/office/drawing/2010/main" val="0"/>
+              </a:ext>
+            </a:extLst>
+          </a:blip>
+          <a:srcRect/>
+          <a:stretch>
+            <a:fillRect/>
+          </a:stretch>
+        </p:blipFill>
+        <p:spPr bwMode="auto">
+          <a:xfrm>
+            <a:off x="5817551" y="2139297"/>
+            <a:ext cx="457200" cy="457200"/>
+          </a:xfrm>
+          <a:prstGeom prst="rect">
+            <a:avLst/>
+          </a:prstGeom>
+          <a:noFill/>
+          <a:ln>
+            <a:noFill/>
+          </a:ln>
+          <a:extLst>
+            <a:ext uri="{909E8E84-426E-40DD-AFC4-6F175D3DCCD1}">
+              <a14:hiddenFill xmlns:a14="http://schemas.microsoft.com/office/drawing/2010/main">
+                <a:solidFill>
+                  <a:srgbClr val="FFFFFF"/>
+                </a:solidFill>
+              </a14:hiddenFill>
+            </a:ext>
+            <a:ext uri="{91240B29-F687-4F45-9708-019B960494DF}">
+              <a14:hiddenLine xmlns:a14="http://schemas.microsoft.com/office/drawing/2010/main" w="9525">
+                <a:solidFill>
+                  <a:srgbClr val="000000"/>
+                </a:solidFill>
+                <a:miter lim="800000"/>
+                <a:headEnd/>
+                <a:tailEnd/>
+              </a14:hiddenLine>
+            </a:ext>
+          </a:extLst>
+        </p:spPr>
+      </p:pic>
+      <p:pic>
+        <p:nvPicPr>
+          <p:cNvPr id="82" name="Graphic 14">
+            <a:extLst>
+              <a:ext uri="{FF2B5EF4-FFF2-40B4-BE49-F238E27FC236}">
+                <a16:creationId xmlns:a16="http://schemas.microsoft.com/office/drawing/2014/main" id="{CA2BC85C-8293-1942-8BFF-1B04C8980414}"/>
+              </a:ext>
+            </a:extLst>
+          </p:cNvPr>
+          <p:cNvPicPr>
+            <a:picLocks noChangeAspect="1" noChangeArrowheads="1"/>
+          </p:cNvPicPr>
+          <p:nvPr/>
+        </p:nvPicPr>
+        <p:blipFill>
+          <a:blip r:embed="rId14">
+            <a:extLst>
+              <a:ext uri="{28A0092B-C50C-407E-A947-70E740481C1C}">
+                <a14:useLocalDpi xmlns:a14="http://schemas.microsoft.com/office/drawing/2010/main" val="0"/>
+              </a:ext>
+            </a:extLst>
+          </a:blip>
+          <a:srcRect/>
+          <a:stretch>
+            <a:fillRect/>
+          </a:stretch>
+        </p:blipFill>
+        <p:spPr bwMode="auto">
+          <a:xfrm>
+            <a:off x="7858940" y="4991284"/>
+            <a:ext cx="457200" cy="457200"/>
+          </a:xfrm>
+          <a:prstGeom prst="rect">
+            <a:avLst/>
+          </a:prstGeom>
+          <a:noFill/>
+          <a:ln>
+            <a:noFill/>
+          </a:ln>
+          <a:extLst>
+            <a:ext uri="{909E8E84-426E-40DD-AFC4-6F175D3DCCD1}">
+              <a14:hiddenFill xmlns:a14="http://schemas.microsoft.com/office/drawing/2010/main">
+                <a:solidFill>
+                  <a:srgbClr val="FFFFFF"/>
+                </a:solidFill>
+              </a14:hiddenFill>
+            </a:ext>
+            <a:ext uri="{91240B29-F687-4F45-9708-019B960494DF}">
+              <a14:hiddenLine xmlns:a14="http://schemas.microsoft.com/office/drawing/2010/main" w="9525">
+                <a:solidFill>
+                  <a:srgbClr val="000000"/>
+                </a:solidFill>
+                <a:miter lim="800000"/>
+                <a:headEnd/>
+                <a:tailEnd/>
+              </a14:hiddenLine>
+            </a:ext>
+          </a:extLst>
+        </p:spPr>
+      </p:pic>
+      <p:cxnSp>
+        <p:nvCxnSpPr>
+          <p:cNvPr id="87" name="Straight Arrow Connector 86">
+            <a:extLst>
+              <a:ext uri="{FF2B5EF4-FFF2-40B4-BE49-F238E27FC236}">
+                <a16:creationId xmlns:a16="http://schemas.microsoft.com/office/drawing/2014/main" id="{A29B98B9-DB13-4647-9697-6D869BF46A54}"/>
+              </a:ext>
+            </a:extLst>
+          </p:cNvPr>
+          <p:cNvCxnSpPr>
+            <a:cxnSpLocks/>
+          </p:cNvCxnSpPr>
+          <p:nvPr/>
+        </p:nvCxnSpPr>
+        <p:spPr>
+          <a:xfrm>
+            <a:off x="6605713" y="2366400"/>
+            <a:ext cx="869156" cy="1497"/>
+          </a:xfrm>
+          <a:prstGeom prst="straightConnector1">
+            <a:avLst/>
+          </a:prstGeom>
+          <a:ln>
+            <a:tailEnd type="triangle"/>
+          </a:ln>
+        </p:spPr>
+        <p:style>
+          <a:lnRef idx="1">
+            <a:schemeClr val="dk1"/>
+          </a:lnRef>
+          <a:fillRef idx="0">
+            <a:schemeClr val="dk1"/>
+          </a:fillRef>
+          <a:effectRef idx="0">
+            <a:schemeClr val="dk1"/>
+          </a:effectRef>
+          <a:fontRef idx="minor">
+            <a:schemeClr val="tx1"/>
+          </a:fontRef>
+        </p:style>
+      </p:cxnSp>
+      <p:pic>
+        <p:nvPicPr>
+          <p:cNvPr id="88" name="Graphic 17">
+            <a:extLst>
+              <a:ext uri="{FF2B5EF4-FFF2-40B4-BE49-F238E27FC236}">
+                <a16:creationId xmlns:a16="http://schemas.microsoft.com/office/drawing/2014/main" id="{DB6F5160-3FD1-AC4B-829B-C202446DF78D}"/>
+              </a:ext>
+            </a:extLst>
+          </p:cNvPr>
+          <p:cNvPicPr>
+            <a:picLocks noChangeAspect="1" noChangeArrowheads="1"/>
+          </p:cNvPicPr>
+          <p:nvPr/>
+        </p:nvPicPr>
+        <p:blipFill>
+          <a:blip r:embed="rId15">
+            <a:extLst>
+              <a:ext uri="{28A0092B-C50C-407E-A947-70E740481C1C}">
+                <a14:useLocalDpi xmlns:a14="http://schemas.microsoft.com/office/drawing/2010/main" val="0"/>
+              </a:ext>
+            </a:extLst>
+          </a:blip>
+          <a:srcRect/>
+          <a:stretch>
+            <a:fillRect/>
+          </a:stretch>
+        </p:blipFill>
+        <p:spPr bwMode="auto">
+          <a:xfrm>
+            <a:off x="5510271" y="4975116"/>
+            <a:ext cx="457200" cy="457200"/>
+          </a:xfrm>
+          <a:prstGeom prst="rect">
+            <a:avLst/>
+          </a:prstGeom>
+          <a:noFill/>
+          <a:ln>
+            <a:noFill/>
+          </a:ln>
+          <a:extLst>
+            <a:ext uri="{909E8E84-426E-40DD-AFC4-6F175D3DCCD1}">
+              <a14:hiddenFill xmlns:a14="http://schemas.microsoft.com/office/drawing/2010/main">
+                <a:solidFill>
+                  <a:srgbClr val="FFFFFF"/>
+                </a:solidFill>
+              </a14:hiddenFill>
+            </a:ext>
+            <a:ext uri="{91240B29-F687-4F45-9708-019B960494DF}">
+              <a14:hiddenLine xmlns:a14="http://schemas.microsoft.com/office/drawing/2010/main" w="9525">
+                <a:solidFill>
+                  <a:srgbClr val="000000"/>
+                </a:solidFill>
+                <a:miter lim="800000"/>
+                <a:headEnd/>
+                <a:tailEnd/>
+              </a14:hiddenLine>
+            </a:ext>
+          </a:extLst>
+        </p:spPr>
+      </p:pic>
+      <p:sp>
+        <p:nvSpPr>
+          <p:cNvPr id="91" name="TextBox 2">
+            <a:extLst>
+              <a:ext uri="{FF2B5EF4-FFF2-40B4-BE49-F238E27FC236}">
+                <a16:creationId xmlns:a16="http://schemas.microsoft.com/office/drawing/2014/main" id="{1C50B2B9-4453-9149-8B0F-1125095B25A0}"/>
+              </a:ext>
+            </a:extLst>
+          </p:cNvPr>
+          <p:cNvSpPr txBox="1"/>
+          <p:nvPr/>
+        </p:nvSpPr>
+        <p:spPr>
+          <a:xfrm>
+            <a:off x="5328852" y="5431822"/>
+            <a:ext cx="810161" cy="430887"/>
+          </a:xfrm>
+          <a:prstGeom prst="rect">
+            <a:avLst/>
+          </a:prstGeom>
+          <a:noFill/>
+        </p:spPr>
+        <p:style>
+          <a:lnRef idx="0">
+            <a:scrgbClr r="0" g="0" b="0"/>
+          </a:lnRef>
+          <a:fillRef idx="0">
+            <a:scrgbClr r="0" g="0" b="0"/>
+          </a:fillRef>
+          <a:effectRef idx="0">
+            <a:scrgbClr r="0" g="0" b="0"/>
+          </a:effectRef>
+          <a:fontRef idx="major"/>
+        </p:style>
+        <p:txBody>
+          <a:bodyPr wrap="square" rtlCol="0">
+            <a:spAutoFit/>
+          </a:bodyPr>
+          <a:lstStyle>
+            <a:lvl1pPr>
+              <a:defRPr>
+                <a:latin typeface="+mj-lt"/>
+                <a:ea typeface="+mj-ea"/>
+                <a:cs typeface="+mj-cs"/>
+              </a:defRPr>
+            </a:lvl1pPr>
+            <a:lvl2pPr>
+              <a:defRPr>
+                <a:latin typeface="+mj-lt"/>
+                <a:ea typeface="+mj-ea"/>
+                <a:cs typeface="+mj-cs"/>
+              </a:defRPr>
+            </a:lvl2pPr>
+            <a:lvl3pPr>
+              <a:defRPr>
+                <a:latin typeface="+mj-lt"/>
+                <a:ea typeface="+mj-ea"/>
+                <a:cs typeface="+mj-cs"/>
+              </a:defRPr>
+            </a:lvl3pPr>
+            <a:lvl4pPr>
+              <a:defRPr>
+                <a:latin typeface="+mj-lt"/>
+                <a:ea typeface="+mj-ea"/>
+                <a:cs typeface="+mj-cs"/>
+              </a:defRPr>
+            </a:lvl4pPr>
+            <a:lvl5pPr>
+              <a:defRPr>
+                <a:latin typeface="+mj-lt"/>
+                <a:ea typeface="+mj-ea"/>
+                <a:cs typeface="+mj-cs"/>
+              </a:defRPr>
+            </a:lvl5pPr>
+            <a:lvl6pPr>
+              <a:defRPr>
+                <a:latin typeface="+mj-lt"/>
+                <a:ea typeface="+mj-ea"/>
+                <a:cs typeface="+mj-cs"/>
+              </a:defRPr>
+            </a:lvl6pPr>
+            <a:lvl7pPr>
+              <a:defRPr>
+                <a:latin typeface="+mj-lt"/>
+                <a:ea typeface="+mj-ea"/>
+                <a:cs typeface="+mj-cs"/>
+              </a:defRPr>
+            </a:lvl7pPr>
+            <a:lvl8pPr>
+              <a:defRPr>
+                <a:latin typeface="+mj-lt"/>
+                <a:ea typeface="+mj-ea"/>
+                <a:cs typeface="+mj-cs"/>
+              </a:defRPr>
+            </a:lvl8pPr>
+            <a:lvl9pPr>
+              <a:defRPr>
+                <a:latin typeface="+mj-lt"/>
+                <a:ea typeface="+mj-ea"/>
+                <a:cs typeface="+mj-cs"/>
+              </a:defRPr>
+            </a:lvl9pPr>
+          </a:lstStyle>
+          <a:p>
+            <a:pPr algn="ctr"/>
+            <a:r>
+              <a:rPr lang="en-US" sz="1100" dirty="0">
+                <a:latin typeface="Arial" panose="020B0604020202020204" pitchFamily="34" charset="0"/>
+                <a:cs typeface="Arial" panose="020B0604020202020204" pitchFamily="34" charset="0"/>
+              </a:rPr>
+              <a:t>KMS Key Secret</a:t>
+            </a:r>
+          </a:p>
+        </p:txBody>
+      </p:sp>
+      <p:sp>
+        <p:nvSpPr>
+          <p:cNvPr id="93" name="Oval 92">
+            <a:extLst>
+              <a:ext uri="{FF2B5EF4-FFF2-40B4-BE49-F238E27FC236}">
+                <a16:creationId xmlns:a16="http://schemas.microsoft.com/office/drawing/2014/main" id="{ADFF5F4F-F555-C54B-BB12-CDF587B77932}"/>
               </a:ext>
             </a:extLst>
           </p:cNvPr>
@@ -6232,7 +6349,302 @@
         </p:nvSpPr>
         <p:spPr>
           <a:xfrm>
-            <a:off x="8503928" y="4719229"/>
+            <a:off x="5525440" y="4980749"/>
+            <a:ext cx="253435" cy="212902"/>
+          </a:xfrm>
+          <a:prstGeom prst="ellipse">
+            <a:avLst/>
+          </a:prstGeom>
+          <a:solidFill>
+            <a:schemeClr val="tx1"/>
+          </a:solidFill>
+          <a:ln>
+            <a:solidFill>
+              <a:schemeClr val="tx1"/>
+            </a:solidFill>
+          </a:ln>
+        </p:spPr>
+        <p:style>
+          <a:lnRef idx="2">
+            <a:schemeClr val="accent1">
+              <a:shade val="50000"/>
+            </a:schemeClr>
+          </a:lnRef>
+          <a:fillRef idx="1">
+            <a:schemeClr val="accent1"/>
+          </a:fillRef>
+          <a:effectRef idx="0">
+            <a:schemeClr val="accent1"/>
+          </a:effectRef>
+          <a:fontRef idx="minor">
+            <a:schemeClr val="lt1"/>
+          </a:fontRef>
+        </p:style>
+        <p:txBody>
+          <a:bodyPr lIns="0" tIns="0" rIns="0" bIns="0" rtlCol="0" anchor="ctr"/>
+          <a:lstStyle/>
+          <a:p>
+            <a:pPr algn="ctr"/>
+            <a:r>
+              <a:rPr lang="en-US" sz="800" dirty="0">
+                <a:latin typeface="Arial" panose="020B0604020202020204" pitchFamily="34" charset="0"/>
+                <a:cs typeface="Arial" panose="020B0604020202020204" pitchFamily="34" charset="0"/>
+              </a:rPr>
+              <a:t>2.3</a:t>
+            </a:r>
+          </a:p>
+        </p:txBody>
+      </p:sp>
+      <p:pic>
+        <p:nvPicPr>
+          <p:cNvPr id="94" name="Graphic 17">
+            <a:extLst>
+              <a:ext uri="{FF2B5EF4-FFF2-40B4-BE49-F238E27FC236}">
+                <a16:creationId xmlns:a16="http://schemas.microsoft.com/office/drawing/2014/main" id="{500C4714-29C8-C54F-AC1F-1031983778B6}"/>
+              </a:ext>
+            </a:extLst>
+          </p:cNvPr>
+          <p:cNvPicPr>
+            <a:picLocks noChangeAspect="1" noChangeArrowheads="1"/>
+          </p:cNvPicPr>
+          <p:nvPr/>
+        </p:nvPicPr>
+        <p:blipFill>
+          <a:blip r:embed="rId15">
+            <a:extLst>
+              <a:ext uri="{28A0092B-C50C-407E-A947-70E740481C1C}">
+                <a14:useLocalDpi xmlns:a14="http://schemas.microsoft.com/office/drawing/2010/main" val="0"/>
+              </a:ext>
+            </a:extLst>
+          </a:blip>
+          <a:srcRect/>
+          <a:stretch>
+            <a:fillRect/>
+          </a:stretch>
+        </p:blipFill>
+        <p:spPr bwMode="auto">
+          <a:xfrm>
+            <a:off x="8832085" y="4967394"/>
+            <a:ext cx="457200" cy="457200"/>
+          </a:xfrm>
+          <a:prstGeom prst="rect">
+            <a:avLst/>
+          </a:prstGeom>
+          <a:noFill/>
+          <a:ln>
+            <a:noFill/>
+          </a:ln>
+          <a:extLst>
+            <a:ext uri="{909E8E84-426E-40DD-AFC4-6F175D3DCCD1}">
+              <a14:hiddenFill xmlns:a14="http://schemas.microsoft.com/office/drawing/2010/main">
+                <a:solidFill>
+                  <a:srgbClr val="FFFFFF"/>
+                </a:solidFill>
+              </a14:hiddenFill>
+            </a:ext>
+            <a:ext uri="{91240B29-F687-4F45-9708-019B960494DF}">
+              <a14:hiddenLine xmlns:a14="http://schemas.microsoft.com/office/drawing/2010/main" w="9525">
+                <a:solidFill>
+                  <a:srgbClr val="000000"/>
+                </a:solidFill>
+                <a:miter lim="800000"/>
+                <a:headEnd/>
+                <a:tailEnd/>
+              </a14:hiddenLine>
+            </a:ext>
+          </a:extLst>
+        </p:spPr>
+      </p:pic>
+      <p:sp>
+        <p:nvSpPr>
+          <p:cNvPr id="95" name="TextBox 2">
+            <a:extLst>
+              <a:ext uri="{FF2B5EF4-FFF2-40B4-BE49-F238E27FC236}">
+                <a16:creationId xmlns:a16="http://schemas.microsoft.com/office/drawing/2014/main" id="{F475554E-0F05-5242-A6C2-546AC18581C7}"/>
+              </a:ext>
+            </a:extLst>
+          </p:cNvPr>
+          <p:cNvSpPr txBox="1"/>
+          <p:nvPr/>
+        </p:nvSpPr>
+        <p:spPr>
+          <a:xfrm>
+            <a:off x="8646981" y="5424594"/>
+            <a:ext cx="827407" cy="430887"/>
+          </a:xfrm>
+          <a:prstGeom prst="rect">
+            <a:avLst/>
+          </a:prstGeom>
+          <a:noFill/>
+        </p:spPr>
+        <p:style>
+          <a:lnRef idx="0">
+            <a:scrgbClr r="0" g="0" b="0"/>
+          </a:lnRef>
+          <a:fillRef idx="0">
+            <a:scrgbClr r="0" g="0" b="0"/>
+          </a:fillRef>
+          <a:effectRef idx="0">
+            <a:scrgbClr r="0" g="0" b="0"/>
+          </a:effectRef>
+          <a:fontRef idx="major"/>
+        </p:style>
+        <p:txBody>
+          <a:bodyPr wrap="square" rtlCol="0">
+            <a:spAutoFit/>
+          </a:bodyPr>
+          <a:lstStyle>
+            <a:lvl1pPr>
+              <a:defRPr>
+                <a:latin typeface="+mj-lt"/>
+                <a:ea typeface="+mj-ea"/>
+                <a:cs typeface="+mj-cs"/>
+              </a:defRPr>
+            </a:lvl1pPr>
+            <a:lvl2pPr>
+              <a:defRPr>
+                <a:latin typeface="+mj-lt"/>
+                <a:ea typeface="+mj-ea"/>
+                <a:cs typeface="+mj-cs"/>
+              </a:defRPr>
+            </a:lvl2pPr>
+            <a:lvl3pPr>
+              <a:defRPr>
+                <a:latin typeface="+mj-lt"/>
+                <a:ea typeface="+mj-ea"/>
+                <a:cs typeface="+mj-cs"/>
+              </a:defRPr>
+            </a:lvl3pPr>
+            <a:lvl4pPr>
+              <a:defRPr>
+                <a:latin typeface="+mj-lt"/>
+                <a:ea typeface="+mj-ea"/>
+                <a:cs typeface="+mj-cs"/>
+              </a:defRPr>
+            </a:lvl4pPr>
+            <a:lvl5pPr>
+              <a:defRPr>
+                <a:latin typeface="+mj-lt"/>
+                <a:ea typeface="+mj-ea"/>
+                <a:cs typeface="+mj-cs"/>
+              </a:defRPr>
+            </a:lvl5pPr>
+            <a:lvl6pPr>
+              <a:defRPr>
+                <a:latin typeface="+mj-lt"/>
+                <a:ea typeface="+mj-ea"/>
+                <a:cs typeface="+mj-cs"/>
+              </a:defRPr>
+            </a:lvl6pPr>
+            <a:lvl7pPr>
+              <a:defRPr>
+                <a:latin typeface="+mj-lt"/>
+                <a:ea typeface="+mj-ea"/>
+                <a:cs typeface="+mj-cs"/>
+              </a:defRPr>
+            </a:lvl7pPr>
+            <a:lvl8pPr>
+              <a:defRPr>
+                <a:latin typeface="+mj-lt"/>
+                <a:ea typeface="+mj-ea"/>
+                <a:cs typeface="+mj-cs"/>
+              </a:defRPr>
+            </a:lvl8pPr>
+            <a:lvl9pPr>
+              <a:defRPr>
+                <a:latin typeface="+mj-lt"/>
+                <a:ea typeface="+mj-ea"/>
+                <a:cs typeface="+mj-cs"/>
+              </a:defRPr>
+            </a:lvl9pPr>
+          </a:lstStyle>
+          <a:p>
+            <a:pPr algn="ctr"/>
+            <a:r>
+              <a:rPr lang="en-US" sz="1100" dirty="0">
+                <a:latin typeface="Arial" panose="020B0604020202020204" pitchFamily="34" charset="0"/>
+                <a:cs typeface="Arial" panose="020B0604020202020204" pitchFamily="34" charset="0"/>
+              </a:rPr>
+              <a:t>S3 Bucket Secret</a:t>
+            </a:r>
+          </a:p>
+        </p:txBody>
+      </p:sp>
+      <p:sp>
+        <p:nvSpPr>
+          <p:cNvPr id="96" name="Oval 95">
+            <a:extLst>
+              <a:ext uri="{FF2B5EF4-FFF2-40B4-BE49-F238E27FC236}">
+                <a16:creationId xmlns:a16="http://schemas.microsoft.com/office/drawing/2014/main" id="{30425177-2E70-3246-9985-D5F142053EB0}"/>
+              </a:ext>
+            </a:extLst>
+          </p:cNvPr>
+          <p:cNvSpPr/>
+          <p:nvPr/>
+        </p:nvSpPr>
+        <p:spPr>
+          <a:xfrm>
+            <a:off x="8846755" y="4983562"/>
+            <a:ext cx="253435" cy="212902"/>
+          </a:xfrm>
+          <a:prstGeom prst="ellipse">
+            <a:avLst/>
+          </a:prstGeom>
+          <a:solidFill>
+            <a:schemeClr val="tx1"/>
+          </a:solidFill>
+          <a:ln>
+            <a:solidFill>
+              <a:schemeClr val="tx1"/>
+            </a:solidFill>
+          </a:ln>
+        </p:spPr>
+        <p:style>
+          <a:lnRef idx="2">
+            <a:schemeClr val="accent1">
+              <a:shade val="50000"/>
+            </a:schemeClr>
+          </a:lnRef>
+          <a:fillRef idx="1">
+            <a:schemeClr val="accent1"/>
+          </a:fillRef>
+          <a:effectRef idx="0">
+            <a:schemeClr val="accent1"/>
+          </a:effectRef>
+          <a:fontRef idx="minor">
+            <a:schemeClr val="lt1"/>
+          </a:fontRef>
+        </p:style>
+        <p:txBody>
+          <a:bodyPr lIns="0" tIns="0" rIns="0" bIns="0" rtlCol="0" anchor="ctr"/>
+          <a:lstStyle/>
+          <a:p>
+            <a:pPr algn="ctr"/>
+            <a:r>
+              <a:rPr lang="en-US" sz="800" dirty="0">
+                <a:latin typeface="Arial" panose="020B0604020202020204" pitchFamily="34" charset="0"/>
+                <a:cs typeface="Arial" panose="020B0604020202020204" pitchFamily="34" charset="0"/>
+              </a:rPr>
+              <a:t>3.3</a:t>
+            </a:r>
+          </a:p>
+        </p:txBody>
+      </p:sp>
+      <p:sp>
+        <p:nvSpPr>
+          <p:cNvPr id="80" name="Oval 79">
+            <a:extLst>
+              <a:ext uri="{FF2B5EF4-FFF2-40B4-BE49-F238E27FC236}">
+                <a16:creationId xmlns:a16="http://schemas.microsoft.com/office/drawing/2014/main" id="{48C4D317-93F4-5641-8DFB-C87230F448BF}"/>
+              </a:ext>
+            </a:extLst>
+          </p:cNvPr>
+          <p:cNvSpPr/>
+          <p:nvPr/>
+        </p:nvSpPr>
+        <p:spPr>
+          <a:xfrm>
+            <a:off x="7957680" y="4938098"/>
             <a:ext cx="253435" cy="212902"/>
           </a:xfrm>
           <a:prstGeom prst="ellipse">

--- a/aws_sra_examples/solutions/cloudtrail/cloudtrail_org/documentation/sra-cloudtrail-org.pptx
+++ b/aws_sra_examples/solutions/cloudtrail/cloudtrail_org/documentation/sra-cloudtrail-org.pptx
@@ -4,8 +4,11 @@
   <p:sldMasterIdLst>
     <p:sldMasterId id="2147483648" r:id="rId1"/>
   </p:sldMasterIdLst>
+  <p:notesMasterIdLst>
+    <p:notesMasterId r:id="rId3"/>
+  </p:notesMasterIdLst>
   <p:sldIdLst>
-    <p:sldId id="256" r:id="rId2"/>
+    <p:sldId id="263" r:id="rId2"/>
   </p:sldIdLst>
   <p:sldSz cx="12192000" cy="6858000"/>
   <p:notesSz cx="6858000" cy="9144000"/>
@@ -106,10 +109,454 @@
   </p:defaultTextStyle>
   <p:extLst>
     <p:ext uri="{EFAFB233-063F-42B5-8137-9DF3F51BA10A}">
-      <p15:sldGuideLst xmlns:p15="http://schemas.microsoft.com/office/powerpoint/2012/main"/>
+      <p15:sldGuideLst xmlns:p15="http://schemas.microsoft.com/office/powerpoint/2012/main">
+        <p15:guide id="1" orient="horz" pos="2160" userDrawn="1">
+          <p15:clr>
+            <a:srgbClr val="A4A3A4"/>
+          </p15:clr>
+        </p15:guide>
+        <p15:guide id="2" pos="3840" userDrawn="1">
+          <p15:clr>
+            <a:srgbClr val="A4A3A4"/>
+          </p15:clr>
+        </p15:guide>
+      </p15:sldGuideLst>
     </p:ext>
   </p:extLst>
 </p:presentation>
+</file>
+
+<file path=ppt/notesMasters/notesMaster1.xml><?xml version="1.0" encoding="utf-8"?>
+<p:notesMaster xmlns:a="http://schemas.openxmlformats.org/drawingml/2006/main" xmlns:r="http://schemas.openxmlformats.org/officeDocument/2006/relationships" xmlns:p="http://schemas.openxmlformats.org/presentationml/2006/main">
+  <p:cSld>
+    <p:bg>
+      <p:bgRef idx="1001">
+        <a:schemeClr val="bg1"/>
+      </p:bgRef>
+    </p:bg>
+    <p:spTree>
+      <p:nvGrpSpPr>
+        <p:cNvPr id="1" name=""/>
+        <p:cNvGrpSpPr/>
+        <p:nvPr/>
+      </p:nvGrpSpPr>
+      <p:grpSpPr>
+        <a:xfrm>
+          <a:off x="0" y="0"/>
+          <a:ext cx="0" cy="0"/>
+          <a:chOff x="0" y="0"/>
+          <a:chExt cx="0" cy="0"/>
+        </a:xfrm>
+      </p:grpSpPr>
+      <p:sp>
+        <p:nvSpPr>
+          <p:cNvPr id="2" name="Header Placeholder 1"/>
+          <p:cNvSpPr>
+            <a:spLocks noGrp="1"/>
+          </p:cNvSpPr>
+          <p:nvPr>
+            <p:ph type="hdr" sz="quarter"/>
+          </p:nvPr>
+        </p:nvSpPr>
+        <p:spPr>
+          <a:xfrm>
+            <a:off x="0" y="0"/>
+            <a:ext cx="2971800" cy="458788"/>
+          </a:xfrm>
+          <a:prstGeom prst="rect">
+            <a:avLst/>
+          </a:prstGeom>
+        </p:spPr>
+        <p:txBody>
+          <a:bodyPr vert="horz" lIns="91440" tIns="45720" rIns="91440" bIns="45720" rtlCol="0"/>
+          <a:lstStyle>
+            <a:lvl1pPr algn="l">
+              <a:defRPr sz="1200"/>
+            </a:lvl1pPr>
+          </a:lstStyle>
+          <a:p>
+            <a:endParaRPr lang="en-US"/>
+          </a:p>
+        </p:txBody>
+      </p:sp>
+      <p:sp>
+        <p:nvSpPr>
+          <p:cNvPr id="3" name="Date Placeholder 2"/>
+          <p:cNvSpPr>
+            <a:spLocks noGrp="1"/>
+          </p:cNvSpPr>
+          <p:nvPr>
+            <p:ph type="dt" idx="1"/>
+          </p:nvPr>
+        </p:nvSpPr>
+        <p:spPr>
+          <a:xfrm>
+            <a:off x="3884613" y="0"/>
+            <a:ext cx="2971800" cy="458788"/>
+          </a:xfrm>
+          <a:prstGeom prst="rect">
+            <a:avLst/>
+          </a:prstGeom>
+        </p:spPr>
+        <p:txBody>
+          <a:bodyPr vert="horz" lIns="91440" tIns="45720" rIns="91440" bIns="45720" rtlCol="0"/>
+          <a:lstStyle>
+            <a:lvl1pPr algn="r">
+              <a:defRPr sz="1200"/>
+            </a:lvl1pPr>
+          </a:lstStyle>
+          <a:p>
+            <a:fld id="{50F8E5D1-1998-5E4F-A2C9-0204B53C8FA8}" type="datetimeFigureOut">
+              <a:rPr lang="en-US" smtClean="0"/>
+              <a:t>6/5/23</a:t>
+            </a:fld>
+            <a:endParaRPr lang="en-US"/>
+          </a:p>
+        </p:txBody>
+      </p:sp>
+      <p:sp>
+        <p:nvSpPr>
+          <p:cNvPr id="4" name="Slide Image Placeholder 3"/>
+          <p:cNvSpPr>
+            <a:spLocks noGrp="1" noRot="1" noChangeAspect="1"/>
+          </p:cNvSpPr>
+          <p:nvPr>
+            <p:ph type="sldImg" idx="2"/>
+          </p:nvPr>
+        </p:nvSpPr>
+        <p:spPr>
+          <a:xfrm>
+            <a:off x="685800" y="1143000"/>
+            <a:ext cx="5486400" cy="3086100"/>
+          </a:xfrm>
+          <a:prstGeom prst="rect">
+            <a:avLst/>
+          </a:prstGeom>
+          <a:noFill/>
+          <a:ln w="12700">
+            <a:solidFill>
+              <a:prstClr val="black"/>
+            </a:solidFill>
+          </a:ln>
+        </p:spPr>
+        <p:txBody>
+          <a:bodyPr vert="horz" lIns="91440" tIns="45720" rIns="91440" bIns="45720" rtlCol="0" anchor="ctr"/>
+          <a:lstStyle/>
+          <a:p>
+            <a:endParaRPr lang="en-US"/>
+          </a:p>
+        </p:txBody>
+      </p:sp>
+      <p:sp>
+        <p:nvSpPr>
+          <p:cNvPr id="5" name="Notes Placeholder 4"/>
+          <p:cNvSpPr>
+            <a:spLocks noGrp="1"/>
+          </p:cNvSpPr>
+          <p:nvPr>
+            <p:ph type="body" sz="quarter" idx="3"/>
+          </p:nvPr>
+        </p:nvSpPr>
+        <p:spPr>
+          <a:xfrm>
+            <a:off x="685800" y="4400550"/>
+            <a:ext cx="5486400" cy="3600450"/>
+          </a:xfrm>
+          <a:prstGeom prst="rect">
+            <a:avLst/>
+          </a:prstGeom>
+        </p:spPr>
+        <p:txBody>
+          <a:bodyPr vert="horz" lIns="91440" tIns="45720" rIns="91440" bIns="45720" rtlCol="0"/>
+          <a:lstStyle/>
+          <a:p>
+            <a:pPr lvl="0"/>
+            <a:r>
+              <a:rPr lang="en-US"/>
+              <a:t>Click to edit Master text styles</a:t>
+            </a:r>
+          </a:p>
+          <a:p>
+            <a:pPr lvl="1"/>
+            <a:r>
+              <a:rPr lang="en-US"/>
+              <a:t>Second level</a:t>
+            </a:r>
+          </a:p>
+          <a:p>
+            <a:pPr lvl="2"/>
+            <a:r>
+              <a:rPr lang="en-US"/>
+              <a:t>Third level</a:t>
+            </a:r>
+          </a:p>
+          <a:p>
+            <a:pPr lvl="3"/>
+            <a:r>
+              <a:rPr lang="en-US"/>
+              <a:t>Fourth level</a:t>
+            </a:r>
+          </a:p>
+          <a:p>
+            <a:pPr lvl="4"/>
+            <a:r>
+              <a:rPr lang="en-US"/>
+              <a:t>Fifth level</a:t>
+            </a:r>
+          </a:p>
+        </p:txBody>
+      </p:sp>
+      <p:sp>
+        <p:nvSpPr>
+          <p:cNvPr id="6" name="Footer Placeholder 5"/>
+          <p:cNvSpPr>
+            <a:spLocks noGrp="1"/>
+          </p:cNvSpPr>
+          <p:nvPr>
+            <p:ph type="ftr" sz="quarter" idx="4"/>
+          </p:nvPr>
+        </p:nvSpPr>
+        <p:spPr>
+          <a:xfrm>
+            <a:off x="0" y="8685213"/>
+            <a:ext cx="2971800" cy="458787"/>
+          </a:xfrm>
+          <a:prstGeom prst="rect">
+            <a:avLst/>
+          </a:prstGeom>
+        </p:spPr>
+        <p:txBody>
+          <a:bodyPr vert="horz" lIns="91440" tIns="45720" rIns="91440" bIns="45720" rtlCol="0" anchor="b"/>
+          <a:lstStyle>
+            <a:lvl1pPr algn="l">
+              <a:defRPr sz="1200"/>
+            </a:lvl1pPr>
+          </a:lstStyle>
+          <a:p>
+            <a:endParaRPr lang="en-US"/>
+          </a:p>
+        </p:txBody>
+      </p:sp>
+      <p:sp>
+        <p:nvSpPr>
+          <p:cNvPr id="7" name="Slide Number Placeholder 6"/>
+          <p:cNvSpPr>
+            <a:spLocks noGrp="1"/>
+          </p:cNvSpPr>
+          <p:nvPr>
+            <p:ph type="sldNum" sz="quarter" idx="5"/>
+          </p:nvPr>
+        </p:nvSpPr>
+        <p:spPr>
+          <a:xfrm>
+            <a:off x="3884613" y="8685213"/>
+            <a:ext cx="2971800" cy="458787"/>
+          </a:xfrm>
+          <a:prstGeom prst="rect">
+            <a:avLst/>
+          </a:prstGeom>
+        </p:spPr>
+        <p:txBody>
+          <a:bodyPr vert="horz" lIns="91440" tIns="45720" rIns="91440" bIns="45720" rtlCol="0" anchor="b"/>
+          <a:lstStyle>
+            <a:lvl1pPr algn="r">
+              <a:defRPr sz="1200"/>
+            </a:lvl1pPr>
+          </a:lstStyle>
+          <a:p>
+            <a:fld id="{FEBF58B0-815E-6445-84B0-2B4A6D7F3D56}" type="slidenum">
+              <a:rPr lang="en-US" smtClean="0"/>
+              <a:t>‹#›</a:t>
+            </a:fld>
+            <a:endParaRPr lang="en-US"/>
+          </a:p>
+        </p:txBody>
+      </p:sp>
+    </p:spTree>
+    <p:extLst>
+      <p:ext uri="{BB962C8B-B14F-4D97-AF65-F5344CB8AC3E}">
+        <p14:creationId xmlns:p14="http://schemas.microsoft.com/office/powerpoint/2010/main" val="2633223635"/>
+      </p:ext>
+    </p:extLst>
+  </p:cSld>
+  <p:clrMap bg1="lt1" tx1="dk1" bg2="lt2" tx2="dk2" accent1="accent1" accent2="accent2" accent3="accent3" accent4="accent4" accent5="accent5" accent6="accent6" hlink="hlink" folHlink="folHlink"/>
+  <p:notesStyle>
+    <a:lvl1pPr marL="0" algn="l" defTabSz="914400" rtl="0" eaLnBrk="1" latinLnBrk="0" hangingPunct="1">
+      <a:defRPr sz="1200" kern="1200">
+        <a:solidFill>
+          <a:schemeClr val="tx1"/>
+        </a:solidFill>
+        <a:latin typeface="+mn-lt"/>
+        <a:ea typeface="+mn-ea"/>
+        <a:cs typeface="+mn-cs"/>
+      </a:defRPr>
+    </a:lvl1pPr>
+    <a:lvl2pPr marL="457200" algn="l" defTabSz="914400" rtl="0" eaLnBrk="1" latinLnBrk="0" hangingPunct="1">
+      <a:defRPr sz="1200" kern="1200">
+        <a:solidFill>
+          <a:schemeClr val="tx1"/>
+        </a:solidFill>
+        <a:latin typeface="+mn-lt"/>
+        <a:ea typeface="+mn-ea"/>
+        <a:cs typeface="+mn-cs"/>
+      </a:defRPr>
+    </a:lvl2pPr>
+    <a:lvl3pPr marL="914400" algn="l" defTabSz="914400" rtl="0" eaLnBrk="1" latinLnBrk="0" hangingPunct="1">
+      <a:defRPr sz="1200" kern="1200">
+        <a:solidFill>
+          <a:schemeClr val="tx1"/>
+        </a:solidFill>
+        <a:latin typeface="+mn-lt"/>
+        <a:ea typeface="+mn-ea"/>
+        <a:cs typeface="+mn-cs"/>
+      </a:defRPr>
+    </a:lvl3pPr>
+    <a:lvl4pPr marL="1371600" algn="l" defTabSz="914400" rtl="0" eaLnBrk="1" latinLnBrk="0" hangingPunct="1">
+      <a:defRPr sz="1200" kern="1200">
+        <a:solidFill>
+          <a:schemeClr val="tx1"/>
+        </a:solidFill>
+        <a:latin typeface="+mn-lt"/>
+        <a:ea typeface="+mn-ea"/>
+        <a:cs typeface="+mn-cs"/>
+      </a:defRPr>
+    </a:lvl4pPr>
+    <a:lvl5pPr marL="1828800" algn="l" defTabSz="914400" rtl="0" eaLnBrk="1" latinLnBrk="0" hangingPunct="1">
+      <a:defRPr sz="1200" kern="1200">
+        <a:solidFill>
+          <a:schemeClr val="tx1"/>
+        </a:solidFill>
+        <a:latin typeface="+mn-lt"/>
+        <a:ea typeface="+mn-ea"/>
+        <a:cs typeface="+mn-cs"/>
+      </a:defRPr>
+    </a:lvl5pPr>
+    <a:lvl6pPr marL="2286000" algn="l" defTabSz="914400" rtl="0" eaLnBrk="1" latinLnBrk="0" hangingPunct="1">
+      <a:defRPr sz="1200" kern="1200">
+        <a:solidFill>
+          <a:schemeClr val="tx1"/>
+        </a:solidFill>
+        <a:latin typeface="+mn-lt"/>
+        <a:ea typeface="+mn-ea"/>
+        <a:cs typeface="+mn-cs"/>
+      </a:defRPr>
+    </a:lvl6pPr>
+    <a:lvl7pPr marL="2743200" algn="l" defTabSz="914400" rtl="0" eaLnBrk="1" latinLnBrk="0" hangingPunct="1">
+      <a:defRPr sz="1200" kern="1200">
+        <a:solidFill>
+          <a:schemeClr val="tx1"/>
+        </a:solidFill>
+        <a:latin typeface="+mn-lt"/>
+        <a:ea typeface="+mn-ea"/>
+        <a:cs typeface="+mn-cs"/>
+      </a:defRPr>
+    </a:lvl7pPr>
+    <a:lvl8pPr marL="3200400" algn="l" defTabSz="914400" rtl="0" eaLnBrk="1" latinLnBrk="0" hangingPunct="1">
+      <a:defRPr sz="1200" kern="1200">
+        <a:solidFill>
+          <a:schemeClr val="tx1"/>
+        </a:solidFill>
+        <a:latin typeface="+mn-lt"/>
+        <a:ea typeface="+mn-ea"/>
+        <a:cs typeface="+mn-cs"/>
+      </a:defRPr>
+    </a:lvl8pPr>
+    <a:lvl9pPr marL="3657600" algn="l" defTabSz="914400" rtl="0" eaLnBrk="1" latinLnBrk="0" hangingPunct="1">
+      <a:defRPr sz="1200" kern="1200">
+        <a:solidFill>
+          <a:schemeClr val="tx1"/>
+        </a:solidFill>
+        <a:latin typeface="+mn-lt"/>
+        <a:ea typeface="+mn-ea"/>
+        <a:cs typeface="+mn-cs"/>
+      </a:defRPr>
+    </a:lvl9pPr>
+  </p:notesStyle>
+</p:notesMaster>
+</file>
+
+<file path=ppt/notesSlides/notesSlide1.xml><?xml version="1.0" encoding="utf-8"?>
+<p:notes xmlns:a="http://schemas.openxmlformats.org/drawingml/2006/main" xmlns:r="http://schemas.openxmlformats.org/officeDocument/2006/relationships" xmlns:p="http://schemas.openxmlformats.org/presentationml/2006/main">
+  <p:cSld>
+    <p:spTree>
+      <p:nvGrpSpPr>
+        <p:cNvPr id="1" name=""/>
+        <p:cNvGrpSpPr/>
+        <p:nvPr/>
+      </p:nvGrpSpPr>
+      <p:grpSpPr>
+        <a:xfrm>
+          <a:off x="0" y="0"/>
+          <a:ext cx="0" cy="0"/>
+          <a:chOff x="0" y="0"/>
+          <a:chExt cx="0" cy="0"/>
+        </a:xfrm>
+      </p:grpSpPr>
+      <p:sp>
+        <p:nvSpPr>
+          <p:cNvPr id="2" name="Slide Image Placeholder 1"/>
+          <p:cNvSpPr>
+            <a:spLocks noGrp="1" noRot="1" noChangeAspect="1"/>
+          </p:cNvSpPr>
+          <p:nvPr>
+            <p:ph type="sldImg"/>
+          </p:nvPr>
+        </p:nvSpPr>
+        <p:spPr/>
+      </p:sp>
+      <p:sp>
+        <p:nvSpPr>
+          <p:cNvPr id="3" name="Notes Placeholder 2"/>
+          <p:cNvSpPr>
+            <a:spLocks noGrp="1"/>
+          </p:cNvSpPr>
+          <p:nvPr>
+            <p:ph type="body" idx="1"/>
+          </p:nvPr>
+        </p:nvSpPr>
+        <p:spPr/>
+        <p:txBody>
+          <a:bodyPr/>
+          <a:lstStyle/>
+          <a:p>
+            <a:endParaRPr lang="en-US" dirty="0"/>
+          </a:p>
+        </p:txBody>
+      </p:sp>
+      <p:sp>
+        <p:nvSpPr>
+          <p:cNvPr id="4" name="Slide Number Placeholder 3"/>
+          <p:cNvSpPr>
+            <a:spLocks noGrp="1"/>
+          </p:cNvSpPr>
+          <p:nvPr>
+            <p:ph type="sldNum" sz="quarter" idx="5"/>
+          </p:nvPr>
+        </p:nvSpPr>
+        <p:spPr/>
+        <p:txBody>
+          <a:bodyPr/>
+          <a:lstStyle/>
+          <a:p>
+            <a:fld id="{9E1330C4-BBBB-FC4A-85DD-6AFA452BF0C0}" type="slidenum">
+              <a:rPr lang="en-US" smtClean="0"/>
+              <a:t>1</a:t>
+            </a:fld>
+            <a:endParaRPr lang="en-US"/>
+          </a:p>
+        </p:txBody>
+      </p:sp>
+    </p:spTree>
+    <p:extLst>
+      <p:ext uri="{BB962C8B-B14F-4D97-AF65-F5344CB8AC3E}">
+        <p14:creationId xmlns:p14="http://schemas.microsoft.com/office/powerpoint/2010/main" val="880247208"/>
+      </p:ext>
+    </p:extLst>
+  </p:cSld>
+  <p:clrMapOvr>
+    <a:masterClrMapping/>
+  </p:clrMapOvr>
+</p:notes>
 </file>
 
 <file path=ppt/slideLayouts/slideLayout1.xml><?xml version="1.0" encoding="utf-8"?>
@@ -134,7 +581,7 @@
           <p:cNvPr id="2" name="Title 1">
             <a:extLst>
               <a:ext uri="{FF2B5EF4-FFF2-40B4-BE49-F238E27FC236}">
-                <a16:creationId xmlns:a16="http://schemas.microsoft.com/office/drawing/2014/main" id="{AB44EAFC-AAD0-5241-B68E-CDF32E3D01DA}"/>
+                <a16:creationId xmlns:a16="http://schemas.microsoft.com/office/drawing/2014/main" id="{886FFD4F-A053-B542-12E5-79C41E78BBAD}"/>
               </a:ext>
             </a:extLst>
           </p:cNvPr>
@@ -171,7 +618,7 @@
           <p:cNvPr id="3" name="Subtitle 2">
             <a:extLst>
               <a:ext uri="{FF2B5EF4-FFF2-40B4-BE49-F238E27FC236}">
-                <a16:creationId xmlns:a16="http://schemas.microsoft.com/office/drawing/2014/main" id="{97426BBA-291A-5A4B-BFC4-46B1AB55C009}"/>
+                <a16:creationId xmlns:a16="http://schemas.microsoft.com/office/drawing/2014/main" id="{8CAA0C57-3384-1255-364A-70634AB6FB3F}"/>
               </a:ext>
             </a:extLst>
           </p:cNvPr>
@@ -241,7 +688,7 @@
           <p:cNvPr id="4" name="Date Placeholder 3">
             <a:extLst>
               <a:ext uri="{FF2B5EF4-FFF2-40B4-BE49-F238E27FC236}">
-                <a16:creationId xmlns:a16="http://schemas.microsoft.com/office/drawing/2014/main" id="{19C32DC5-8779-9241-9ABA-BA55F87524B5}"/>
+                <a16:creationId xmlns:a16="http://schemas.microsoft.com/office/drawing/2014/main" id="{51AF5EF0-F1D7-28C8-CF02-402D7575010B}"/>
               </a:ext>
             </a:extLst>
           </p:cNvPr>
@@ -257,9 +704,9 @@
           <a:bodyPr/>
           <a:lstStyle/>
           <a:p>
-            <a:fld id="{E5B0E223-1B92-604B-9DB5-409A30BBDC46}" type="datetimeFigureOut">
+            <a:fld id="{662B873F-57DC-7447-B8D3-1026053E3089}" type="datetimeFigureOut">
               <a:rPr lang="en-US" smtClean="0"/>
-              <a:t>3/7/22</a:t>
+              <a:t>6/5/23</a:t>
             </a:fld>
             <a:endParaRPr lang="en-US"/>
           </a:p>
@@ -270,7 +717,7 @@
           <p:cNvPr id="5" name="Footer Placeholder 4">
             <a:extLst>
               <a:ext uri="{FF2B5EF4-FFF2-40B4-BE49-F238E27FC236}">
-                <a16:creationId xmlns:a16="http://schemas.microsoft.com/office/drawing/2014/main" id="{B6FA9E30-C32C-6B41-AB01-ACF23BFA8311}"/>
+                <a16:creationId xmlns:a16="http://schemas.microsoft.com/office/drawing/2014/main" id="{CCF212F5-B193-2B09-FD37-D4A33E3DC030}"/>
               </a:ext>
             </a:extLst>
           </p:cNvPr>
@@ -295,7 +742,7 @@
           <p:cNvPr id="6" name="Slide Number Placeholder 5">
             <a:extLst>
               <a:ext uri="{FF2B5EF4-FFF2-40B4-BE49-F238E27FC236}">
-                <a16:creationId xmlns:a16="http://schemas.microsoft.com/office/drawing/2014/main" id="{4790470F-FEC4-5A44-91B7-D4087AC10104}"/>
+                <a16:creationId xmlns:a16="http://schemas.microsoft.com/office/drawing/2014/main" id="{A93889E1-ADA2-6D82-6459-08CC7C6E3BC0}"/>
               </a:ext>
             </a:extLst>
           </p:cNvPr>
@@ -311,7 +758,7 @@
           <a:bodyPr/>
           <a:lstStyle/>
           <a:p>
-            <a:fld id="{2FD8ED75-5E65-0341-90CD-241C35A5C66F}" type="slidenum">
+            <a:fld id="{4D354691-86B1-134C-9035-56B3A1F307D6}" type="slidenum">
               <a:rPr lang="en-US" smtClean="0"/>
               <a:t>‹#›</a:t>
             </a:fld>
@@ -322,7 +769,7 @@
     </p:spTree>
     <p:extLst>
       <p:ext uri="{BB962C8B-B14F-4D97-AF65-F5344CB8AC3E}">
-        <p14:creationId xmlns:p14="http://schemas.microsoft.com/office/powerpoint/2010/main" val="3319697299"/>
+        <p14:creationId xmlns:p14="http://schemas.microsoft.com/office/powerpoint/2010/main" val="3922943923"/>
       </p:ext>
     </p:extLst>
   </p:cSld>
@@ -354,7 +801,7 @@
           <p:cNvPr id="2" name="Title 1">
             <a:extLst>
               <a:ext uri="{FF2B5EF4-FFF2-40B4-BE49-F238E27FC236}">
-                <a16:creationId xmlns:a16="http://schemas.microsoft.com/office/drawing/2014/main" id="{D632BA66-8841-4F4D-8D31-6140EC368DED}"/>
+                <a16:creationId xmlns:a16="http://schemas.microsoft.com/office/drawing/2014/main" id="{C23A196D-CE92-6C7C-B643-BA6600EF1C1B}"/>
               </a:ext>
             </a:extLst>
           </p:cNvPr>
@@ -382,7 +829,7 @@
           <p:cNvPr id="3" name="Vertical Text Placeholder 2">
             <a:extLst>
               <a:ext uri="{FF2B5EF4-FFF2-40B4-BE49-F238E27FC236}">
-                <a16:creationId xmlns:a16="http://schemas.microsoft.com/office/drawing/2014/main" id="{95C0D8E0-F0AC-5A4E-B174-FF770B5D188C}"/>
+                <a16:creationId xmlns:a16="http://schemas.microsoft.com/office/drawing/2014/main" id="{BEAAC1DA-1A89-2F05-4AFD-B93B2BF9F166}"/>
               </a:ext>
             </a:extLst>
           </p:cNvPr>
@@ -439,7 +886,7 @@
           <p:cNvPr id="4" name="Date Placeholder 3">
             <a:extLst>
               <a:ext uri="{FF2B5EF4-FFF2-40B4-BE49-F238E27FC236}">
-                <a16:creationId xmlns:a16="http://schemas.microsoft.com/office/drawing/2014/main" id="{00166F3F-DA6C-4149-8B38-9836A4C59B45}"/>
+                <a16:creationId xmlns:a16="http://schemas.microsoft.com/office/drawing/2014/main" id="{33D5CE9A-6EBE-A989-C9E7-1FD1472D4D98}"/>
               </a:ext>
             </a:extLst>
           </p:cNvPr>
@@ -455,9 +902,9 @@
           <a:bodyPr/>
           <a:lstStyle/>
           <a:p>
-            <a:fld id="{E5B0E223-1B92-604B-9DB5-409A30BBDC46}" type="datetimeFigureOut">
+            <a:fld id="{662B873F-57DC-7447-B8D3-1026053E3089}" type="datetimeFigureOut">
               <a:rPr lang="en-US" smtClean="0"/>
-              <a:t>3/7/22</a:t>
+              <a:t>6/5/23</a:t>
             </a:fld>
             <a:endParaRPr lang="en-US"/>
           </a:p>
@@ -468,7 +915,7 @@
           <p:cNvPr id="5" name="Footer Placeholder 4">
             <a:extLst>
               <a:ext uri="{FF2B5EF4-FFF2-40B4-BE49-F238E27FC236}">
-                <a16:creationId xmlns:a16="http://schemas.microsoft.com/office/drawing/2014/main" id="{E35B2E7C-B647-824B-85FF-F0FD1BBD0BFA}"/>
+                <a16:creationId xmlns:a16="http://schemas.microsoft.com/office/drawing/2014/main" id="{F2E38F26-FEC6-DEDB-A168-6F823A43B162}"/>
               </a:ext>
             </a:extLst>
           </p:cNvPr>
@@ -493,7 +940,7 @@
           <p:cNvPr id="6" name="Slide Number Placeholder 5">
             <a:extLst>
               <a:ext uri="{FF2B5EF4-FFF2-40B4-BE49-F238E27FC236}">
-                <a16:creationId xmlns:a16="http://schemas.microsoft.com/office/drawing/2014/main" id="{99520A97-FFD7-6A4F-86ED-BD5DC0836395}"/>
+                <a16:creationId xmlns:a16="http://schemas.microsoft.com/office/drawing/2014/main" id="{0FE2D8C5-BDDA-53CF-505C-F729F101D33C}"/>
               </a:ext>
             </a:extLst>
           </p:cNvPr>
@@ -509,7 +956,7 @@
           <a:bodyPr/>
           <a:lstStyle/>
           <a:p>
-            <a:fld id="{2FD8ED75-5E65-0341-90CD-241C35A5C66F}" type="slidenum">
+            <a:fld id="{4D354691-86B1-134C-9035-56B3A1F307D6}" type="slidenum">
               <a:rPr lang="en-US" smtClean="0"/>
               <a:t>‹#›</a:t>
             </a:fld>
@@ -520,7 +967,7 @@
     </p:spTree>
     <p:extLst>
       <p:ext uri="{BB962C8B-B14F-4D97-AF65-F5344CB8AC3E}">
-        <p14:creationId xmlns:p14="http://schemas.microsoft.com/office/powerpoint/2010/main" val="4278861390"/>
+        <p14:creationId xmlns:p14="http://schemas.microsoft.com/office/powerpoint/2010/main" val="2555482416"/>
       </p:ext>
     </p:extLst>
   </p:cSld>
@@ -552,7 +999,7 @@
           <p:cNvPr id="2" name="Vertical Title 1">
             <a:extLst>
               <a:ext uri="{FF2B5EF4-FFF2-40B4-BE49-F238E27FC236}">
-                <a16:creationId xmlns:a16="http://schemas.microsoft.com/office/drawing/2014/main" id="{F0216CA5-CC8C-9C41-A7DF-98A2B3754165}"/>
+                <a16:creationId xmlns:a16="http://schemas.microsoft.com/office/drawing/2014/main" id="{B518C065-D3C3-8860-9DE9-E7B2F24351C6}"/>
               </a:ext>
             </a:extLst>
           </p:cNvPr>
@@ -585,7 +1032,7 @@
           <p:cNvPr id="3" name="Vertical Text Placeholder 2">
             <a:extLst>
               <a:ext uri="{FF2B5EF4-FFF2-40B4-BE49-F238E27FC236}">
-                <a16:creationId xmlns:a16="http://schemas.microsoft.com/office/drawing/2014/main" id="{76071BA0-87F1-D446-A10B-58E4ECE3A304}"/>
+                <a16:creationId xmlns:a16="http://schemas.microsoft.com/office/drawing/2014/main" id="{D0C398D7-F790-6115-858A-E9CCDE69D359}"/>
               </a:ext>
             </a:extLst>
           </p:cNvPr>
@@ -647,7 +1094,7 @@
           <p:cNvPr id="4" name="Date Placeholder 3">
             <a:extLst>
               <a:ext uri="{FF2B5EF4-FFF2-40B4-BE49-F238E27FC236}">
-                <a16:creationId xmlns:a16="http://schemas.microsoft.com/office/drawing/2014/main" id="{AE6130D5-1E0B-844B-9038-EB79BFE758AB}"/>
+                <a16:creationId xmlns:a16="http://schemas.microsoft.com/office/drawing/2014/main" id="{B01BFBDE-A1B4-0A52-9C03-121701E57ADF}"/>
               </a:ext>
             </a:extLst>
           </p:cNvPr>
@@ -663,9 +1110,9 @@
           <a:bodyPr/>
           <a:lstStyle/>
           <a:p>
-            <a:fld id="{E5B0E223-1B92-604B-9DB5-409A30BBDC46}" type="datetimeFigureOut">
+            <a:fld id="{662B873F-57DC-7447-B8D3-1026053E3089}" type="datetimeFigureOut">
               <a:rPr lang="en-US" smtClean="0"/>
-              <a:t>3/7/22</a:t>
+              <a:t>6/5/23</a:t>
             </a:fld>
             <a:endParaRPr lang="en-US"/>
           </a:p>
@@ -676,7 +1123,7 @@
           <p:cNvPr id="5" name="Footer Placeholder 4">
             <a:extLst>
               <a:ext uri="{FF2B5EF4-FFF2-40B4-BE49-F238E27FC236}">
-                <a16:creationId xmlns:a16="http://schemas.microsoft.com/office/drawing/2014/main" id="{AA5CCDCD-BCA6-FB4D-8E04-B102513FBB47}"/>
+                <a16:creationId xmlns:a16="http://schemas.microsoft.com/office/drawing/2014/main" id="{A45DEA78-C7A1-896C-157B-976688161E4D}"/>
               </a:ext>
             </a:extLst>
           </p:cNvPr>
@@ -701,7 +1148,7 @@
           <p:cNvPr id="6" name="Slide Number Placeholder 5">
             <a:extLst>
               <a:ext uri="{FF2B5EF4-FFF2-40B4-BE49-F238E27FC236}">
-                <a16:creationId xmlns:a16="http://schemas.microsoft.com/office/drawing/2014/main" id="{AE00964A-7966-AD48-A654-307DF7921B93}"/>
+                <a16:creationId xmlns:a16="http://schemas.microsoft.com/office/drawing/2014/main" id="{55F3D1DC-6F1A-17B9-C81A-386C8F99FB79}"/>
               </a:ext>
             </a:extLst>
           </p:cNvPr>
@@ -717,7 +1164,7 @@
           <a:bodyPr/>
           <a:lstStyle/>
           <a:p>
-            <a:fld id="{2FD8ED75-5E65-0341-90CD-241C35A5C66F}" type="slidenum">
+            <a:fld id="{4D354691-86B1-134C-9035-56B3A1F307D6}" type="slidenum">
               <a:rPr lang="en-US" smtClean="0"/>
               <a:t>‹#›</a:t>
             </a:fld>
@@ -728,7 +1175,7 @@
     </p:spTree>
     <p:extLst>
       <p:ext uri="{BB962C8B-B14F-4D97-AF65-F5344CB8AC3E}">
-        <p14:creationId xmlns:p14="http://schemas.microsoft.com/office/powerpoint/2010/main" val="3387947349"/>
+        <p14:creationId xmlns:p14="http://schemas.microsoft.com/office/powerpoint/2010/main" val="2218174845"/>
       </p:ext>
     </p:extLst>
   </p:cSld>
@@ -760,7 +1207,7 @@
           <p:cNvPr id="2" name="Title 1">
             <a:extLst>
               <a:ext uri="{FF2B5EF4-FFF2-40B4-BE49-F238E27FC236}">
-                <a16:creationId xmlns:a16="http://schemas.microsoft.com/office/drawing/2014/main" id="{0DD63DB3-C5AA-204C-B6A9-BA83D04B8CA6}"/>
+                <a16:creationId xmlns:a16="http://schemas.microsoft.com/office/drawing/2014/main" id="{5F04897D-6B1D-BD50-01E3-DFFDC36877A8}"/>
               </a:ext>
             </a:extLst>
           </p:cNvPr>
@@ -788,7 +1235,7 @@
           <p:cNvPr id="3" name="Content Placeholder 2">
             <a:extLst>
               <a:ext uri="{FF2B5EF4-FFF2-40B4-BE49-F238E27FC236}">
-                <a16:creationId xmlns:a16="http://schemas.microsoft.com/office/drawing/2014/main" id="{4FA97758-8095-1642-8091-05006C582FD0}"/>
+                <a16:creationId xmlns:a16="http://schemas.microsoft.com/office/drawing/2014/main" id="{972454C1-7C48-2A75-04F2-3687A1BC7CBC}"/>
               </a:ext>
             </a:extLst>
           </p:cNvPr>
@@ -845,7 +1292,7 @@
           <p:cNvPr id="4" name="Date Placeholder 3">
             <a:extLst>
               <a:ext uri="{FF2B5EF4-FFF2-40B4-BE49-F238E27FC236}">
-                <a16:creationId xmlns:a16="http://schemas.microsoft.com/office/drawing/2014/main" id="{979CFAFE-F058-D74E-B592-E8DEC6400D7B}"/>
+                <a16:creationId xmlns:a16="http://schemas.microsoft.com/office/drawing/2014/main" id="{7EAEDD31-811D-ED18-0652-3BB492A157C5}"/>
               </a:ext>
             </a:extLst>
           </p:cNvPr>
@@ -861,9 +1308,9 @@
           <a:bodyPr/>
           <a:lstStyle/>
           <a:p>
-            <a:fld id="{E5B0E223-1B92-604B-9DB5-409A30BBDC46}" type="datetimeFigureOut">
+            <a:fld id="{662B873F-57DC-7447-B8D3-1026053E3089}" type="datetimeFigureOut">
               <a:rPr lang="en-US" smtClean="0"/>
-              <a:t>3/7/22</a:t>
+              <a:t>6/5/23</a:t>
             </a:fld>
             <a:endParaRPr lang="en-US"/>
           </a:p>
@@ -874,7 +1321,7 @@
           <p:cNvPr id="5" name="Footer Placeholder 4">
             <a:extLst>
               <a:ext uri="{FF2B5EF4-FFF2-40B4-BE49-F238E27FC236}">
-                <a16:creationId xmlns:a16="http://schemas.microsoft.com/office/drawing/2014/main" id="{02F581D8-ECEE-B645-97A2-86B949666BAF}"/>
+                <a16:creationId xmlns:a16="http://schemas.microsoft.com/office/drawing/2014/main" id="{20844F5E-E732-EC09-5A8F-894971DEAB89}"/>
               </a:ext>
             </a:extLst>
           </p:cNvPr>
@@ -899,7 +1346,7 @@
           <p:cNvPr id="6" name="Slide Number Placeholder 5">
             <a:extLst>
               <a:ext uri="{FF2B5EF4-FFF2-40B4-BE49-F238E27FC236}">
-                <a16:creationId xmlns:a16="http://schemas.microsoft.com/office/drawing/2014/main" id="{71C37D0A-83BE-1E47-94B5-767A5F698E8C}"/>
+                <a16:creationId xmlns:a16="http://schemas.microsoft.com/office/drawing/2014/main" id="{05C125D6-57DB-5F51-34CE-3CD25071438A}"/>
               </a:ext>
             </a:extLst>
           </p:cNvPr>
@@ -915,7 +1362,7 @@
           <a:bodyPr/>
           <a:lstStyle/>
           <a:p>
-            <a:fld id="{2FD8ED75-5E65-0341-90CD-241C35A5C66F}" type="slidenum">
+            <a:fld id="{4D354691-86B1-134C-9035-56B3A1F307D6}" type="slidenum">
               <a:rPr lang="en-US" smtClean="0"/>
               <a:t>‹#›</a:t>
             </a:fld>
@@ -926,7 +1373,7 @@
     </p:spTree>
     <p:extLst>
       <p:ext uri="{BB962C8B-B14F-4D97-AF65-F5344CB8AC3E}">
-        <p14:creationId xmlns:p14="http://schemas.microsoft.com/office/powerpoint/2010/main" val="1555273977"/>
+        <p14:creationId xmlns:p14="http://schemas.microsoft.com/office/powerpoint/2010/main" val="2669563190"/>
       </p:ext>
     </p:extLst>
   </p:cSld>
@@ -958,7 +1405,7 @@
           <p:cNvPr id="2" name="Title 1">
             <a:extLst>
               <a:ext uri="{FF2B5EF4-FFF2-40B4-BE49-F238E27FC236}">
-                <a16:creationId xmlns:a16="http://schemas.microsoft.com/office/drawing/2014/main" id="{FF87F983-D4E2-124E-B005-A8F6204E088F}"/>
+                <a16:creationId xmlns:a16="http://schemas.microsoft.com/office/drawing/2014/main" id="{E464157A-1969-392A-5EAA-D61E81C959EF}"/>
               </a:ext>
             </a:extLst>
           </p:cNvPr>
@@ -995,7 +1442,7 @@
           <p:cNvPr id="3" name="Text Placeholder 2">
             <a:extLst>
               <a:ext uri="{FF2B5EF4-FFF2-40B4-BE49-F238E27FC236}">
-                <a16:creationId xmlns:a16="http://schemas.microsoft.com/office/drawing/2014/main" id="{BF7FAB9F-6C14-4646-84B1-18584939672D}"/>
+                <a16:creationId xmlns:a16="http://schemas.microsoft.com/office/drawing/2014/main" id="{6AF69CD5-C94D-126A-A670-6BC0F94C60F7}"/>
               </a:ext>
             </a:extLst>
           </p:cNvPr>
@@ -1120,7 +1567,7 @@
           <p:cNvPr id="4" name="Date Placeholder 3">
             <a:extLst>
               <a:ext uri="{FF2B5EF4-FFF2-40B4-BE49-F238E27FC236}">
-                <a16:creationId xmlns:a16="http://schemas.microsoft.com/office/drawing/2014/main" id="{BD4C0A20-AE6E-3349-B634-6AEBF520A3F8}"/>
+                <a16:creationId xmlns:a16="http://schemas.microsoft.com/office/drawing/2014/main" id="{2F8B0D17-171A-6188-5CEA-05A0D2E6952B}"/>
               </a:ext>
             </a:extLst>
           </p:cNvPr>
@@ -1136,9 +1583,9 @@
           <a:bodyPr/>
           <a:lstStyle/>
           <a:p>
-            <a:fld id="{E5B0E223-1B92-604B-9DB5-409A30BBDC46}" type="datetimeFigureOut">
+            <a:fld id="{662B873F-57DC-7447-B8D3-1026053E3089}" type="datetimeFigureOut">
               <a:rPr lang="en-US" smtClean="0"/>
-              <a:t>3/7/22</a:t>
+              <a:t>6/5/23</a:t>
             </a:fld>
             <a:endParaRPr lang="en-US"/>
           </a:p>
@@ -1149,7 +1596,7 @@
           <p:cNvPr id="5" name="Footer Placeholder 4">
             <a:extLst>
               <a:ext uri="{FF2B5EF4-FFF2-40B4-BE49-F238E27FC236}">
-                <a16:creationId xmlns:a16="http://schemas.microsoft.com/office/drawing/2014/main" id="{361A972B-99C7-7D4C-B650-F6A340841555}"/>
+                <a16:creationId xmlns:a16="http://schemas.microsoft.com/office/drawing/2014/main" id="{94D51540-A9A7-FC9E-25FE-74F84C4A4CEF}"/>
               </a:ext>
             </a:extLst>
           </p:cNvPr>
@@ -1174,7 +1621,7 @@
           <p:cNvPr id="6" name="Slide Number Placeholder 5">
             <a:extLst>
               <a:ext uri="{FF2B5EF4-FFF2-40B4-BE49-F238E27FC236}">
-                <a16:creationId xmlns:a16="http://schemas.microsoft.com/office/drawing/2014/main" id="{79F92340-B695-1E4F-9A4A-F082F96C1FDC}"/>
+                <a16:creationId xmlns:a16="http://schemas.microsoft.com/office/drawing/2014/main" id="{D8926834-0415-B956-4118-3CADE3BB36B7}"/>
               </a:ext>
             </a:extLst>
           </p:cNvPr>
@@ -1190,7 +1637,7 @@
           <a:bodyPr/>
           <a:lstStyle/>
           <a:p>
-            <a:fld id="{2FD8ED75-5E65-0341-90CD-241C35A5C66F}" type="slidenum">
+            <a:fld id="{4D354691-86B1-134C-9035-56B3A1F307D6}" type="slidenum">
               <a:rPr lang="en-US" smtClean="0"/>
               <a:t>‹#›</a:t>
             </a:fld>
@@ -1201,7 +1648,7 @@
     </p:spTree>
     <p:extLst>
       <p:ext uri="{BB962C8B-B14F-4D97-AF65-F5344CB8AC3E}">
-        <p14:creationId xmlns:p14="http://schemas.microsoft.com/office/powerpoint/2010/main" val="1557025639"/>
+        <p14:creationId xmlns:p14="http://schemas.microsoft.com/office/powerpoint/2010/main" val="2765844651"/>
       </p:ext>
     </p:extLst>
   </p:cSld>
@@ -1233,7 +1680,7 @@
           <p:cNvPr id="2" name="Title 1">
             <a:extLst>
               <a:ext uri="{FF2B5EF4-FFF2-40B4-BE49-F238E27FC236}">
-                <a16:creationId xmlns:a16="http://schemas.microsoft.com/office/drawing/2014/main" id="{1286385D-4276-0B4B-9782-D3C19F14F905}"/>
+                <a16:creationId xmlns:a16="http://schemas.microsoft.com/office/drawing/2014/main" id="{9C73AE46-2383-2789-2402-6CDC95400221}"/>
               </a:ext>
             </a:extLst>
           </p:cNvPr>
@@ -1261,7 +1708,7 @@
           <p:cNvPr id="3" name="Content Placeholder 2">
             <a:extLst>
               <a:ext uri="{FF2B5EF4-FFF2-40B4-BE49-F238E27FC236}">
-                <a16:creationId xmlns:a16="http://schemas.microsoft.com/office/drawing/2014/main" id="{0DBADB77-CE6D-2C48-A0CA-E84BDD25C70C}"/>
+                <a16:creationId xmlns:a16="http://schemas.microsoft.com/office/drawing/2014/main" id="{B315BF1E-C894-B42D-BC2B-B1FD3CBACAFF}"/>
               </a:ext>
             </a:extLst>
           </p:cNvPr>
@@ -1323,7 +1770,7 @@
           <p:cNvPr id="4" name="Content Placeholder 3">
             <a:extLst>
               <a:ext uri="{FF2B5EF4-FFF2-40B4-BE49-F238E27FC236}">
-                <a16:creationId xmlns:a16="http://schemas.microsoft.com/office/drawing/2014/main" id="{479F3EA4-958C-0C44-B887-B59C94F0AF04}"/>
+                <a16:creationId xmlns:a16="http://schemas.microsoft.com/office/drawing/2014/main" id="{D6065CD9-8143-B975-8091-CD404B313C9F}"/>
               </a:ext>
             </a:extLst>
           </p:cNvPr>
@@ -1385,7 +1832,7 @@
           <p:cNvPr id="5" name="Date Placeholder 4">
             <a:extLst>
               <a:ext uri="{FF2B5EF4-FFF2-40B4-BE49-F238E27FC236}">
-                <a16:creationId xmlns:a16="http://schemas.microsoft.com/office/drawing/2014/main" id="{7FC1D508-7DEE-714E-85DC-10517C02F6DD}"/>
+                <a16:creationId xmlns:a16="http://schemas.microsoft.com/office/drawing/2014/main" id="{FC6AC34D-C46A-AAA9-D4AE-4DCAD5A9E034}"/>
               </a:ext>
             </a:extLst>
           </p:cNvPr>
@@ -1401,9 +1848,9 @@
           <a:bodyPr/>
           <a:lstStyle/>
           <a:p>
-            <a:fld id="{E5B0E223-1B92-604B-9DB5-409A30BBDC46}" type="datetimeFigureOut">
+            <a:fld id="{662B873F-57DC-7447-B8D3-1026053E3089}" type="datetimeFigureOut">
               <a:rPr lang="en-US" smtClean="0"/>
-              <a:t>3/7/22</a:t>
+              <a:t>6/5/23</a:t>
             </a:fld>
             <a:endParaRPr lang="en-US"/>
           </a:p>
@@ -1414,7 +1861,7 @@
           <p:cNvPr id="6" name="Footer Placeholder 5">
             <a:extLst>
               <a:ext uri="{FF2B5EF4-FFF2-40B4-BE49-F238E27FC236}">
-                <a16:creationId xmlns:a16="http://schemas.microsoft.com/office/drawing/2014/main" id="{26A69D0C-DBCD-A543-8D2A-5D88C6022919}"/>
+                <a16:creationId xmlns:a16="http://schemas.microsoft.com/office/drawing/2014/main" id="{3AFF9CBB-DC45-0983-7290-E08FB46783C5}"/>
               </a:ext>
             </a:extLst>
           </p:cNvPr>
@@ -1439,7 +1886,7 @@
           <p:cNvPr id="7" name="Slide Number Placeholder 6">
             <a:extLst>
               <a:ext uri="{FF2B5EF4-FFF2-40B4-BE49-F238E27FC236}">
-                <a16:creationId xmlns:a16="http://schemas.microsoft.com/office/drawing/2014/main" id="{700DE7B6-64A0-2F43-AC11-147E1DDDBF03}"/>
+                <a16:creationId xmlns:a16="http://schemas.microsoft.com/office/drawing/2014/main" id="{0D2869E7-471D-A8D4-D566-E6E88B4E38CC}"/>
               </a:ext>
             </a:extLst>
           </p:cNvPr>
@@ -1455,7 +1902,7 @@
           <a:bodyPr/>
           <a:lstStyle/>
           <a:p>
-            <a:fld id="{2FD8ED75-5E65-0341-90CD-241C35A5C66F}" type="slidenum">
+            <a:fld id="{4D354691-86B1-134C-9035-56B3A1F307D6}" type="slidenum">
               <a:rPr lang="en-US" smtClean="0"/>
               <a:t>‹#›</a:t>
             </a:fld>
@@ -1466,7 +1913,7 @@
     </p:spTree>
     <p:extLst>
       <p:ext uri="{BB962C8B-B14F-4D97-AF65-F5344CB8AC3E}">
-        <p14:creationId xmlns:p14="http://schemas.microsoft.com/office/powerpoint/2010/main" val="183462121"/>
+        <p14:creationId xmlns:p14="http://schemas.microsoft.com/office/powerpoint/2010/main" val="2741533335"/>
       </p:ext>
     </p:extLst>
   </p:cSld>
@@ -1498,7 +1945,7 @@
           <p:cNvPr id="2" name="Title 1">
             <a:extLst>
               <a:ext uri="{FF2B5EF4-FFF2-40B4-BE49-F238E27FC236}">
-                <a16:creationId xmlns:a16="http://schemas.microsoft.com/office/drawing/2014/main" id="{D5A7999F-A3EE-6E43-A5BC-82FF77EE2924}"/>
+                <a16:creationId xmlns:a16="http://schemas.microsoft.com/office/drawing/2014/main" id="{3CAECCAA-A3DD-6DCA-656F-609E19F61B53}"/>
               </a:ext>
             </a:extLst>
           </p:cNvPr>
@@ -1531,7 +1978,7 @@
           <p:cNvPr id="3" name="Text Placeholder 2">
             <a:extLst>
               <a:ext uri="{FF2B5EF4-FFF2-40B4-BE49-F238E27FC236}">
-                <a16:creationId xmlns:a16="http://schemas.microsoft.com/office/drawing/2014/main" id="{1D7C5587-2241-974D-BDE3-494BEAC8C695}"/>
+                <a16:creationId xmlns:a16="http://schemas.microsoft.com/office/drawing/2014/main" id="{3B130499-DEBE-7BBD-574C-0521B87F1B8D}"/>
               </a:ext>
             </a:extLst>
           </p:cNvPr>
@@ -1602,7 +2049,7 @@
           <p:cNvPr id="4" name="Content Placeholder 3">
             <a:extLst>
               <a:ext uri="{FF2B5EF4-FFF2-40B4-BE49-F238E27FC236}">
-                <a16:creationId xmlns:a16="http://schemas.microsoft.com/office/drawing/2014/main" id="{20BC0EE1-8B60-F240-BE49-21CAB67A64A6}"/>
+                <a16:creationId xmlns:a16="http://schemas.microsoft.com/office/drawing/2014/main" id="{C50435DD-FBEB-4AD7-FCAF-DDD75174A9C6}"/>
               </a:ext>
             </a:extLst>
           </p:cNvPr>
@@ -1664,7 +2111,7 @@
           <p:cNvPr id="5" name="Text Placeholder 4">
             <a:extLst>
               <a:ext uri="{FF2B5EF4-FFF2-40B4-BE49-F238E27FC236}">
-                <a16:creationId xmlns:a16="http://schemas.microsoft.com/office/drawing/2014/main" id="{C5389D47-17A9-0146-80D5-0B4782900406}"/>
+                <a16:creationId xmlns:a16="http://schemas.microsoft.com/office/drawing/2014/main" id="{4C091318-BAB3-D3CE-78C9-52FDD85863BA}"/>
               </a:ext>
             </a:extLst>
           </p:cNvPr>
@@ -1735,7 +2182,7 @@
           <p:cNvPr id="6" name="Content Placeholder 5">
             <a:extLst>
               <a:ext uri="{FF2B5EF4-FFF2-40B4-BE49-F238E27FC236}">
-                <a16:creationId xmlns:a16="http://schemas.microsoft.com/office/drawing/2014/main" id="{6E3C5A7B-060B-9045-A938-8C903E6FDF9D}"/>
+                <a16:creationId xmlns:a16="http://schemas.microsoft.com/office/drawing/2014/main" id="{AD9974B3-CD71-C7B2-C5B0-B787B6291250}"/>
               </a:ext>
             </a:extLst>
           </p:cNvPr>
@@ -1797,7 +2244,7 @@
           <p:cNvPr id="7" name="Date Placeholder 6">
             <a:extLst>
               <a:ext uri="{FF2B5EF4-FFF2-40B4-BE49-F238E27FC236}">
-                <a16:creationId xmlns:a16="http://schemas.microsoft.com/office/drawing/2014/main" id="{F3983BAB-6A21-5B46-9EFE-B13C983C674C}"/>
+                <a16:creationId xmlns:a16="http://schemas.microsoft.com/office/drawing/2014/main" id="{58627354-91EB-422B-6CB3-A8EA8279AF34}"/>
               </a:ext>
             </a:extLst>
           </p:cNvPr>
@@ -1813,9 +2260,9 @@
           <a:bodyPr/>
           <a:lstStyle/>
           <a:p>
-            <a:fld id="{E5B0E223-1B92-604B-9DB5-409A30BBDC46}" type="datetimeFigureOut">
+            <a:fld id="{662B873F-57DC-7447-B8D3-1026053E3089}" type="datetimeFigureOut">
               <a:rPr lang="en-US" smtClean="0"/>
-              <a:t>3/7/22</a:t>
+              <a:t>6/5/23</a:t>
             </a:fld>
             <a:endParaRPr lang="en-US"/>
           </a:p>
@@ -1826,7 +2273,7 @@
           <p:cNvPr id="8" name="Footer Placeholder 7">
             <a:extLst>
               <a:ext uri="{FF2B5EF4-FFF2-40B4-BE49-F238E27FC236}">
-                <a16:creationId xmlns:a16="http://schemas.microsoft.com/office/drawing/2014/main" id="{633BD64E-D577-6D48-A517-55E2D6A1BAB7}"/>
+                <a16:creationId xmlns:a16="http://schemas.microsoft.com/office/drawing/2014/main" id="{B89167DD-66F5-9720-3F13-191E70FC9C93}"/>
               </a:ext>
             </a:extLst>
           </p:cNvPr>
@@ -1851,7 +2298,7 @@
           <p:cNvPr id="9" name="Slide Number Placeholder 8">
             <a:extLst>
               <a:ext uri="{FF2B5EF4-FFF2-40B4-BE49-F238E27FC236}">
-                <a16:creationId xmlns:a16="http://schemas.microsoft.com/office/drawing/2014/main" id="{C63149B5-7D63-0B40-BBAB-B99E165B2AF7}"/>
+                <a16:creationId xmlns:a16="http://schemas.microsoft.com/office/drawing/2014/main" id="{3D8DDCC5-50CA-83DB-D196-716C35525A3F}"/>
               </a:ext>
             </a:extLst>
           </p:cNvPr>
@@ -1867,7 +2314,7 @@
           <a:bodyPr/>
           <a:lstStyle/>
           <a:p>
-            <a:fld id="{2FD8ED75-5E65-0341-90CD-241C35A5C66F}" type="slidenum">
+            <a:fld id="{4D354691-86B1-134C-9035-56B3A1F307D6}" type="slidenum">
               <a:rPr lang="en-US" smtClean="0"/>
               <a:t>‹#›</a:t>
             </a:fld>
@@ -1878,7 +2325,7 @@
     </p:spTree>
     <p:extLst>
       <p:ext uri="{BB962C8B-B14F-4D97-AF65-F5344CB8AC3E}">
-        <p14:creationId xmlns:p14="http://schemas.microsoft.com/office/powerpoint/2010/main" val="2643264062"/>
+        <p14:creationId xmlns:p14="http://schemas.microsoft.com/office/powerpoint/2010/main" val="434840491"/>
       </p:ext>
     </p:extLst>
   </p:cSld>
@@ -1910,7 +2357,7 @@
           <p:cNvPr id="2" name="Title 1">
             <a:extLst>
               <a:ext uri="{FF2B5EF4-FFF2-40B4-BE49-F238E27FC236}">
-                <a16:creationId xmlns:a16="http://schemas.microsoft.com/office/drawing/2014/main" id="{035785B2-C7C0-6643-86F4-9D75DF2F652A}"/>
+                <a16:creationId xmlns:a16="http://schemas.microsoft.com/office/drawing/2014/main" id="{86439874-3A2F-703A-43C8-9B1394DBD0BF}"/>
               </a:ext>
             </a:extLst>
           </p:cNvPr>
@@ -1938,7 +2385,7 @@
           <p:cNvPr id="3" name="Date Placeholder 2">
             <a:extLst>
               <a:ext uri="{FF2B5EF4-FFF2-40B4-BE49-F238E27FC236}">
-                <a16:creationId xmlns:a16="http://schemas.microsoft.com/office/drawing/2014/main" id="{D677D114-F79F-C046-B93C-8A9940873D5C}"/>
+                <a16:creationId xmlns:a16="http://schemas.microsoft.com/office/drawing/2014/main" id="{ABA3CD4C-B2A7-AFE2-9A3F-2BCE8524ECCC}"/>
               </a:ext>
             </a:extLst>
           </p:cNvPr>
@@ -1954,9 +2401,9 @@
           <a:bodyPr/>
           <a:lstStyle/>
           <a:p>
-            <a:fld id="{E5B0E223-1B92-604B-9DB5-409A30BBDC46}" type="datetimeFigureOut">
+            <a:fld id="{662B873F-57DC-7447-B8D3-1026053E3089}" type="datetimeFigureOut">
               <a:rPr lang="en-US" smtClean="0"/>
-              <a:t>3/7/22</a:t>
+              <a:t>6/5/23</a:t>
             </a:fld>
             <a:endParaRPr lang="en-US"/>
           </a:p>
@@ -1967,7 +2414,7 @@
           <p:cNvPr id="4" name="Footer Placeholder 3">
             <a:extLst>
               <a:ext uri="{FF2B5EF4-FFF2-40B4-BE49-F238E27FC236}">
-                <a16:creationId xmlns:a16="http://schemas.microsoft.com/office/drawing/2014/main" id="{29E4D54E-7997-3244-AB62-8841324A9CEE}"/>
+                <a16:creationId xmlns:a16="http://schemas.microsoft.com/office/drawing/2014/main" id="{BF3394C7-AE43-07AC-5DE9-83C973B24C75}"/>
               </a:ext>
             </a:extLst>
           </p:cNvPr>
@@ -1992,7 +2439,7 @@
           <p:cNvPr id="5" name="Slide Number Placeholder 4">
             <a:extLst>
               <a:ext uri="{FF2B5EF4-FFF2-40B4-BE49-F238E27FC236}">
-                <a16:creationId xmlns:a16="http://schemas.microsoft.com/office/drawing/2014/main" id="{4DA0B236-0092-BE4D-843B-2A3A9BB0D949}"/>
+                <a16:creationId xmlns:a16="http://schemas.microsoft.com/office/drawing/2014/main" id="{9F09EB0B-573D-9EAE-F08E-BD9CD942F74E}"/>
               </a:ext>
             </a:extLst>
           </p:cNvPr>
@@ -2008,7 +2455,7 @@
           <a:bodyPr/>
           <a:lstStyle/>
           <a:p>
-            <a:fld id="{2FD8ED75-5E65-0341-90CD-241C35A5C66F}" type="slidenum">
+            <a:fld id="{4D354691-86B1-134C-9035-56B3A1F307D6}" type="slidenum">
               <a:rPr lang="en-US" smtClean="0"/>
               <a:t>‹#›</a:t>
             </a:fld>
@@ -2019,7 +2466,7 @@
     </p:spTree>
     <p:extLst>
       <p:ext uri="{BB962C8B-B14F-4D97-AF65-F5344CB8AC3E}">
-        <p14:creationId xmlns:p14="http://schemas.microsoft.com/office/powerpoint/2010/main" val="3834375568"/>
+        <p14:creationId xmlns:p14="http://schemas.microsoft.com/office/powerpoint/2010/main" val="1747506368"/>
       </p:ext>
     </p:extLst>
   </p:cSld>
@@ -2051,7 +2498,7 @@
           <p:cNvPr id="2" name="Date Placeholder 1">
             <a:extLst>
               <a:ext uri="{FF2B5EF4-FFF2-40B4-BE49-F238E27FC236}">
-                <a16:creationId xmlns:a16="http://schemas.microsoft.com/office/drawing/2014/main" id="{D8CB8756-43F8-DA42-9628-FD86AD18710A}"/>
+                <a16:creationId xmlns:a16="http://schemas.microsoft.com/office/drawing/2014/main" id="{5E0F7900-AD30-84E9-6A67-FF3C0010133C}"/>
               </a:ext>
             </a:extLst>
           </p:cNvPr>
@@ -2067,9 +2514,9 @@
           <a:bodyPr/>
           <a:lstStyle/>
           <a:p>
-            <a:fld id="{E5B0E223-1B92-604B-9DB5-409A30BBDC46}" type="datetimeFigureOut">
+            <a:fld id="{662B873F-57DC-7447-B8D3-1026053E3089}" type="datetimeFigureOut">
               <a:rPr lang="en-US" smtClean="0"/>
-              <a:t>3/7/22</a:t>
+              <a:t>6/5/23</a:t>
             </a:fld>
             <a:endParaRPr lang="en-US"/>
           </a:p>
@@ -2080,7 +2527,7 @@
           <p:cNvPr id="3" name="Footer Placeholder 2">
             <a:extLst>
               <a:ext uri="{FF2B5EF4-FFF2-40B4-BE49-F238E27FC236}">
-                <a16:creationId xmlns:a16="http://schemas.microsoft.com/office/drawing/2014/main" id="{99D3E117-DAD7-744A-A130-265D257904B8}"/>
+                <a16:creationId xmlns:a16="http://schemas.microsoft.com/office/drawing/2014/main" id="{BEA2A2A0-DD17-E5D2-0207-9E18BDE86219}"/>
               </a:ext>
             </a:extLst>
           </p:cNvPr>
@@ -2105,7 +2552,7 @@
           <p:cNvPr id="4" name="Slide Number Placeholder 3">
             <a:extLst>
               <a:ext uri="{FF2B5EF4-FFF2-40B4-BE49-F238E27FC236}">
-                <a16:creationId xmlns:a16="http://schemas.microsoft.com/office/drawing/2014/main" id="{13BC726A-012F-EB4C-9F35-0CA49F0951DB}"/>
+                <a16:creationId xmlns:a16="http://schemas.microsoft.com/office/drawing/2014/main" id="{5F137698-B77B-5CD7-4DE0-15D284BE081C}"/>
               </a:ext>
             </a:extLst>
           </p:cNvPr>
@@ -2121,7 +2568,7 @@
           <a:bodyPr/>
           <a:lstStyle/>
           <a:p>
-            <a:fld id="{2FD8ED75-5E65-0341-90CD-241C35A5C66F}" type="slidenum">
+            <a:fld id="{4D354691-86B1-134C-9035-56B3A1F307D6}" type="slidenum">
               <a:rPr lang="en-US" smtClean="0"/>
               <a:t>‹#›</a:t>
             </a:fld>
@@ -2132,7 +2579,7 @@
     </p:spTree>
     <p:extLst>
       <p:ext uri="{BB962C8B-B14F-4D97-AF65-F5344CB8AC3E}">
-        <p14:creationId xmlns:p14="http://schemas.microsoft.com/office/powerpoint/2010/main" val="3606596414"/>
+        <p14:creationId xmlns:p14="http://schemas.microsoft.com/office/powerpoint/2010/main" val="2066435799"/>
       </p:ext>
     </p:extLst>
   </p:cSld>
@@ -2164,7 +2611,7 @@
           <p:cNvPr id="2" name="Title 1">
             <a:extLst>
               <a:ext uri="{FF2B5EF4-FFF2-40B4-BE49-F238E27FC236}">
-                <a16:creationId xmlns:a16="http://schemas.microsoft.com/office/drawing/2014/main" id="{75749AF0-A303-534A-961A-8B5AE875A271}"/>
+                <a16:creationId xmlns:a16="http://schemas.microsoft.com/office/drawing/2014/main" id="{C77B51E5-2B6C-EA60-134D-F0EBB32FF29A}"/>
               </a:ext>
             </a:extLst>
           </p:cNvPr>
@@ -2201,7 +2648,7 @@
           <p:cNvPr id="3" name="Content Placeholder 2">
             <a:extLst>
               <a:ext uri="{FF2B5EF4-FFF2-40B4-BE49-F238E27FC236}">
-                <a16:creationId xmlns:a16="http://schemas.microsoft.com/office/drawing/2014/main" id="{CE958BA7-3467-F04F-9F82-F8B0D61716BF}"/>
+                <a16:creationId xmlns:a16="http://schemas.microsoft.com/office/drawing/2014/main" id="{0FE12ACD-F20D-E7CA-8B2B-2863B58C1517}"/>
               </a:ext>
             </a:extLst>
           </p:cNvPr>
@@ -2291,7 +2738,7 @@
           <p:cNvPr id="4" name="Text Placeholder 3">
             <a:extLst>
               <a:ext uri="{FF2B5EF4-FFF2-40B4-BE49-F238E27FC236}">
-                <a16:creationId xmlns:a16="http://schemas.microsoft.com/office/drawing/2014/main" id="{8ACE5E96-FEAD-6B42-8F4D-3C53C5A68F41}"/>
+                <a16:creationId xmlns:a16="http://schemas.microsoft.com/office/drawing/2014/main" id="{C8F3A9EC-6A9C-BEFD-3DE6-EB8A38E69621}"/>
               </a:ext>
             </a:extLst>
           </p:cNvPr>
@@ -2362,7 +2809,7 @@
           <p:cNvPr id="5" name="Date Placeholder 4">
             <a:extLst>
               <a:ext uri="{FF2B5EF4-FFF2-40B4-BE49-F238E27FC236}">
-                <a16:creationId xmlns:a16="http://schemas.microsoft.com/office/drawing/2014/main" id="{B9821E7D-9286-E645-A7E9-3B328BF5F087}"/>
+                <a16:creationId xmlns:a16="http://schemas.microsoft.com/office/drawing/2014/main" id="{9E5F8578-533E-12A8-D7DB-BB960B66AB39}"/>
               </a:ext>
             </a:extLst>
           </p:cNvPr>
@@ -2378,9 +2825,9 @@
           <a:bodyPr/>
           <a:lstStyle/>
           <a:p>
-            <a:fld id="{E5B0E223-1B92-604B-9DB5-409A30BBDC46}" type="datetimeFigureOut">
+            <a:fld id="{662B873F-57DC-7447-B8D3-1026053E3089}" type="datetimeFigureOut">
               <a:rPr lang="en-US" smtClean="0"/>
-              <a:t>3/7/22</a:t>
+              <a:t>6/5/23</a:t>
             </a:fld>
             <a:endParaRPr lang="en-US"/>
           </a:p>
@@ -2391,7 +2838,7 @@
           <p:cNvPr id="6" name="Footer Placeholder 5">
             <a:extLst>
               <a:ext uri="{FF2B5EF4-FFF2-40B4-BE49-F238E27FC236}">
-                <a16:creationId xmlns:a16="http://schemas.microsoft.com/office/drawing/2014/main" id="{B5374625-8E31-0C40-B2C5-DD2DC9F42962}"/>
+                <a16:creationId xmlns:a16="http://schemas.microsoft.com/office/drawing/2014/main" id="{0B2906C7-5895-9AA8-1146-31EA29D9EDF3}"/>
               </a:ext>
             </a:extLst>
           </p:cNvPr>
@@ -2416,7 +2863,7 @@
           <p:cNvPr id="7" name="Slide Number Placeholder 6">
             <a:extLst>
               <a:ext uri="{FF2B5EF4-FFF2-40B4-BE49-F238E27FC236}">
-                <a16:creationId xmlns:a16="http://schemas.microsoft.com/office/drawing/2014/main" id="{9DC4D089-43AC-044A-AC0D-D7F7B17FBEE6}"/>
+                <a16:creationId xmlns:a16="http://schemas.microsoft.com/office/drawing/2014/main" id="{9BE63305-2C8E-14A0-2714-434BD918E994}"/>
               </a:ext>
             </a:extLst>
           </p:cNvPr>
@@ -2432,7 +2879,7 @@
           <a:bodyPr/>
           <a:lstStyle/>
           <a:p>
-            <a:fld id="{2FD8ED75-5E65-0341-90CD-241C35A5C66F}" type="slidenum">
+            <a:fld id="{4D354691-86B1-134C-9035-56B3A1F307D6}" type="slidenum">
               <a:rPr lang="en-US" smtClean="0"/>
               <a:t>‹#›</a:t>
             </a:fld>
@@ -2443,7 +2890,7 @@
     </p:spTree>
     <p:extLst>
       <p:ext uri="{BB962C8B-B14F-4D97-AF65-F5344CB8AC3E}">
-        <p14:creationId xmlns:p14="http://schemas.microsoft.com/office/powerpoint/2010/main" val="2808255722"/>
+        <p14:creationId xmlns:p14="http://schemas.microsoft.com/office/powerpoint/2010/main" val="3005658746"/>
       </p:ext>
     </p:extLst>
   </p:cSld>
@@ -2475,7 +2922,7 @@
           <p:cNvPr id="2" name="Title 1">
             <a:extLst>
               <a:ext uri="{FF2B5EF4-FFF2-40B4-BE49-F238E27FC236}">
-                <a16:creationId xmlns:a16="http://schemas.microsoft.com/office/drawing/2014/main" id="{56EE5003-B3AF-9F4D-971D-2E877BFE44C1}"/>
+                <a16:creationId xmlns:a16="http://schemas.microsoft.com/office/drawing/2014/main" id="{3F3A91BC-5E40-E8B0-B97C-377FAA63C93B}"/>
               </a:ext>
             </a:extLst>
           </p:cNvPr>
@@ -2512,7 +2959,7 @@
           <p:cNvPr id="3" name="Picture Placeholder 2">
             <a:extLst>
               <a:ext uri="{FF2B5EF4-FFF2-40B4-BE49-F238E27FC236}">
-                <a16:creationId xmlns:a16="http://schemas.microsoft.com/office/drawing/2014/main" id="{CB420D9E-38CD-D14C-8C11-05C41B1E55F3}"/>
+                <a16:creationId xmlns:a16="http://schemas.microsoft.com/office/drawing/2014/main" id="{D2CB1365-E8FF-A765-D4DF-E7EB1394BE29}"/>
               </a:ext>
             </a:extLst>
           </p:cNvPr>
@@ -2579,7 +3026,7 @@
           <p:cNvPr id="4" name="Text Placeholder 3">
             <a:extLst>
               <a:ext uri="{FF2B5EF4-FFF2-40B4-BE49-F238E27FC236}">
-                <a16:creationId xmlns:a16="http://schemas.microsoft.com/office/drawing/2014/main" id="{B453A8B7-9E00-3448-86BA-0E47A9027DB1}"/>
+                <a16:creationId xmlns:a16="http://schemas.microsoft.com/office/drawing/2014/main" id="{C0AEFE3D-A21E-1D0B-13F1-3035728E28AF}"/>
               </a:ext>
             </a:extLst>
           </p:cNvPr>
@@ -2650,7 +3097,7 @@
           <p:cNvPr id="5" name="Date Placeholder 4">
             <a:extLst>
               <a:ext uri="{FF2B5EF4-FFF2-40B4-BE49-F238E27FC236}">
-                <a16:creationId xmlns:a16="http://schemas.microsoft.com/office/drawing/2014/main" id="{B56FA328-CC41-D44F-BEC7-02585C81AC4A}"/>
+                <a16:creationId xmlns:a16="http://schemas.microsoft.com/office/drawing/2014/main" id="{05AD333C-8986-87DC-B67A-279432A0F84D}"/>
               </a:ext>
             </a:extLst>
           </p:cNvPr>
@@ -2666,9 +3113,9 @@
           <a:bodyPr/>
           <a:lstStyle/>
           <a:p>
-            <a:fld id="{E5B0E223-1B92-604B-9DB5-409A30BBDC46}" type="datetimeFigureOut">
+            <a:fld id="{662B873F-57DC-7447-B8D3-1026053E3089}" type="datetimeFigureOut">
               <a:rPr lang="en-US" smtClean="0"/>
-              <a:t>3/7/22</a:t>
+              <a:t>6/5/23</a:t>
             </a:fld>
             <a:endParaRPr lang="en-US"/>
           </a:p>
@@ -2679,7 +3126,7 @@
           <p:cNvPr id="6" name="Footer Placeholder 5">
             <a:extLst>
               <a:ext uri="{FF2B5EF4-FFF2-40B4-BE49-F238E27FC236}">
-                <a16:creationId xmlns:a16="http://schemas.microsoft.com/office/drawing/2014/main" id="{ABFF14D2-7329-DE41-A429-BACFADCFD0DE}"/>
+                <a16:creationId xmlns:a16="http://schemas.microsoft.com/office/drawing/2014/main" id="{3507DBD9-AE53-19ED-127B-602C88EA5E0F}"/>
               </a:ext>
             </a:extLst>
           </p:cNvPr>
@@ -2704,7 +3151,7 @@
           <p:cNvPr id="7" name="Slide Number Placeholder 6">
             <a:extLst>
               <a:ext uri="{FF2B5EF4-FFF2-40B4-BE49-F238E27FC236}">
-                <a16:creationId xmlns:a16="http://schemas.microsoft.com/office/drawing/2014/main" id="{D2F4DD3E-1CDE-DD4A-B61F-EF8AC3D0A6EB}"/>
+                <a16:creationId xmlns:a16="http://schemas.microsoft.com/office/drawing/2014/main" id="{5E789670-2F97-E76D-5F63-8199EDD39D74}"/>
               </a:ext>
             </a:extLst>
           </p:cNvPr>
@@ -2720,7 +3167,7 @@
           <a:bodyPr/>
           <a:lstStyle/>
           <a:p>
-            <a:fld id="{2FD8ED75-5E65-0341-90CD-241C35A5C66F}" type="slidenum">
+            <a:fld id="{4D354691-86B1-134C-9035-56B3A1F307D6}" type="slidenum">
               <a:rPr lang="en-US" smtClean="0"/>
               <a:t>‹#›</a:t>
             </a:fld>
@@ -2731,7 +3178,7 @@
     </p:spTree>
     <p:extLst>
       <p:ext uri="{BB962C8B-B14F-4D97-AF65-F5344CB8AC3E}">
-        <p14:creationId xmlns:p14="http://schemas.microsoft.com/office/powerpoint/2010/main" val="3923961019"/>
+        <p14:creationId xmlns:p14="http://schemas.microsoft.com/office/powerpoint/2010/main" val="2227877637"/>
       </p:ext>
     </p:extLst>
   </p:cSld>
@@ -2768,7 +3215,7 @@
           <p:cNvPr id="2" name="Title Placeholder 1">
             <a:extLst>
               <a:ext uri="{FF2B5EF4-FFF2-40B4-BE49-F238E27FC236}">
-                <a16:creationId xmlns:a16="http://schemas.microsoft.com/office/drawing/2014/main" id="{72220614-DB18-5D47-A22E-B727D75BCA41}"/>
+                <a16:creationId xmlns:a16="http://schemas.microsoft.com/office/drawing/2014/main" id="{2FCDC662-4137-C485-9FE9-C4EAEF2371D6}"/>
               </a:ext>
             </a:extLst>
           </p:cNvPr>
@@ -2806,7 +3253,7 @@
           <p:cNvPr id="3" name="Text Placeholder 2">
             <a:extLst>
               <a:ext uri="{FF2B5EF4-FFF2-40B4-BE49-F238E27FC236}">
-                <a16:creationId xmlns:a16="http://schemas.microsoft.com/office/drawing/2014/main" id="{11A51E33-9B60-C348-B34F-129078AC4991}"/>
+                <a16:creationId xmlns:a16="http://schemas.microsoft.com/office/drawing/2014/main" id="{3988CD0F-842F-C945-089A-2B52F9F0510C}"/>
               </a:ext>
             </a:extLst>
           </p:cNvPr>
@@ -2873,7 +3320,7 @@
           <p:cNvPr id="4" name="Date Placeholder 3">
             <a:extLst>
               <a:ext uri="{FF2B5EF4-FFF2-40B4-BE49-F238E27FC236}">
-                <a16:creationId xmlns:a16="http://schemas.microsoft.com/office/drawing/2014/main" id="{156B56F8-09EC-0341-BEE9-9ABB947D10C9}"/>
+                <a16:creationId xmlns:a16="http://schemas.microsoft.com/office/drawing/2014/main" id="{E41C8122-2BF9-3989-2F27-43C6C4DE9546}"/>
               </a:ext>
             </a:extLst>
           </p:cNvPr>
@@ -2907,9 +3354,9 @@
             </a:lvl1pPr>
           </a:lstStyle>
           <a:p>
-            <a:fld id="{E5B0E223-1B92-604B-9DB5-409A30BBDC46}" type="datetimeFigureOut">
+            <a:fld id="{662B873F-57DC-7447-B8D3-1026053E3089}" type="datetimeFigureOut">
               <a:rPr lang="en-US" smtClean="0"/>
-              <a:t>3/7/22</a:t>
+              <a:t>6/5/23</a:t>
             </a:fld>
             <a:endParaRPr lang="en-US"/>
           </a:p>
@@ -2920,7 +3367,7 @@
           <p:cNvPr id="5" name="Footer Placeholder 4">
             <a:extLst>
               <a:ext uri="{FF2B5EF4-FFF2-40B4-BE49-F238E27FC236}">
-                <a16:creationId xmlns:a16="http://schemas.microsoft.com/office/drawing/2014/main" id="{0AA89F0C-2B3D-024A-91D9-C8F196269853}"/>
+                <a16:creationId xmlns:a16="http://schemas.microsoft.com/office/drawing/2014/main" id="{AE142B57-8D44-62DE-7BEE-48DBCF7222EF}"/>
               </a:ext>
             </a:extLst>
           </p:cNvPr>
@@ -2963,7 +3410,7 @@
           <p:cNvPr id="6" name="Slide Number Placeholder 5">
             <a:extLst>
               <a:ext uri="{FF2B5EF4-FFF2-40B4-BE49-F238E27FC236}">
-                <a16:creationId xmlns:a16="http://schemas.microsoft.com/office/drawing/2014/main" id="{6D5DE5F0-4B25-EC48-A71C-EB6EDACC0571}"/>
+                <a16:creationId xmlns:a16="http://schemas.microsoft.com/office/drawing/2014/main" id="{F6272B38-DAFF-4AFD-1511-ED172EDCA2AA}"/>
               </a:ext>
             </a:extLst>
           </p:cNvPr>
@@ -2997,7 +3444,7 @@
             </a:lvl1pPr>
           </a:lstStyle>
           <a:p>
-            <a:fld id="{2FD8ED75-5E65-0341-90CD-241C35A5C66F}" type="slidenum">
+            <a:fld id="{4D354691-86B1-134C-9035-56B3A1F307D6}" type="slidenum">
               <a:rPr lang="en-US" smtClean="0"/>
               <a:t>‹#›</a:t>
             </a:fld>
@@ -3008,7 +3455,7 @@
     </p:spTree>
     <p:extLst>
       <p:ext uri="{BB962C8B-B14F-4D97-AF65-F5344CB8AC3E}">
-        <p14:creationId xmlns:p14="http://schemas.microsoft.com/office/powerpoint/2010/main" val="1362911475"/>
+        <p14:creationId xmlns:p14="http://schemas.microsoft.com/office/powerpoint/2010/main" val="477288402"/>
       </p:ext>
     </p:extLst>
   </p:cSld>
@@ -3328,10 +3775,10 @@
       </p:grpSpPr>
       <p:sp>
         <p:nvSpPr>
-          <p:cNvPr id="4" name="Rectangle 3">
-            <a:extLst>
-              <a:ext uri="{FF2B5EF4-FFF2-40B4-BE49-F238E27FC236}">
-                <a16:creationId xmlns:a16="http://schemas.microsoft.com/office/drawing/2014/main" id="{6D8FD586-6B86-F842-B0FF-404F56439510}"/>
+          <p:cNvPr id="81" name="Rectangle 80">
+            <a:extLst>
+              <a:ext uri="{FF2B5EF4-FFF2-40B4-BE49-F238E27FC236}">
+                <a16:creationId xmlns:a16="http://schemas.microsoft.com/office/drawing/2014/main" id="{FD0BEA75-341F-49B4-83DB-758CA12480EF}"/>
               </a:ext>
             </a:extLst>
           </p:cNvPr>
@@ -3340,15 +3787,13 @@
         </p:nvSpPr>
         <p:spPr>
           <a:xfrm>
-            <a:off x="2871263" y="496605"/>
-            <a:ext cx="6956248" cy="5656441"/>
+            <a:off x="503605" y="158632"/>
+            <a:ext cx="10985663" cy="6540737"/>
           </a:xfrm>
           <a:prstGeom prst="rect">
             <a:avLst/>
           </a:prstGeom>
-          <a:solidFill>
-            <a:schemeClr val="bg1"/>
-          </a:solidFill>
+          <a:noFill/>
           <a:ln w="12700">
             <a:solidFill>
               <a:schemeClr val="tx1"/>
@@ -3372,108 +3817,20 @@
           </a:fontRef>
         </p:style>
         <p:txBody>
-          <a:bodyPr rot="0" spcFirstLastPara="0" vert="horz" wrap="square" lIns="457200" tIns="91440" rIns="91440" bIns="45720" numCol="1" spcCol="0" rtlCol="0" fromWordArt="0" anchor="t" anchorCtr="0" forceAA="0" compatLnSpc="1">
-            <a:prstTxWarp prst="textNoShape">
-              <a:avLst/>
-            </a:prstTxWarp>
-            <a:noAutofit/>
-          </a:bodyPr>
-          <a:lstStyle>
-            <a:lvl1pPr>
-              <a:defRPr>
-                <a:solidFill>
-                  <a:schemeClr val="lt1"/>
-                </a:solidFill>
-                <a:latin typeface="+mn-lt"/>
-                <a:ea typeface="+mn-ea"/>
-                <a:cs typeface="+mn-cs"/>
-              </a:defRPr>
-            </a:lvl1pPr>
-            <a:lvl2pPr>
-              <a:defRPr>
-                <a:solidFill>
-                  <a:schemeClr val="lt1"/>
-                </a:solidFill>
-                <a:latin typeface="+mn-lt"/>
-                <a:ea typeface="+mn-ea"/>
-                <a:cs typeface="+mn-cs"/>
-              </a:defRPr>
-            </a:lvl2pPr>
-            <a:lvl3pPr>
-              <a:defRPr>
-                <a:solidFill>
-                  <a:schemeClr val="lt1"/>
-                </a:solidFill>
-                <a:latin typeface="+mn-lt"/>
-                <a:ea typeface="+mn-ea"/>
-                <a:cs typeface="+mn-cs"/>
-              </a:defRPr>
-            </a:lvl3pPr>
-            <a:lvl4pPr>
-              <a:defRPr>
-                <a:solidFill>
-                  <a:schemeClr val="lt1"/>
-                </a:solidFill>
-                <a:latin typeface="+mn-lt"/>
-                <a:ea typeface="+mn-ea"/>
-                <a:cs typeface="+mn-cs"/>
-              </a:defRPr>
-            </a:lvl4pPr>
-            <a:lvl5pPr>
-              <a:defRPr>
-                <a:solidFill>
-                  <a:schemeClr val="lt1"/>
-                </a:solidFill>
-                <a:latin typeface="+mn-lt"/>
-                <a:ea typeface="+mn-ea"/>
-                <a:cs typeface="+mn-cs"/>
-              </a:defRPr>
-            </a:lvl5pPr>
-            <a:lvl6pPr>
-              <a:defRPr>
-                <a:solidFill>
-                  <a:schemeClr val="lt1"/>
-                </a:solidFill>
-                <a:latin typeface="+mn-lt"/>
-                <a:ea typeface="+mn-ea"/>
-                <a:cs typeface="+mn-cs"/>
-              </a:defRPr>
-            </a:lvl6pPr>
-            <a:lvl7pPr>
-              <a:defRPr>
-                <a:solidFill>
-                  <a:schemeClr val="lt1"/>
-                </a:solidFill>
-                <a:latin typeface="+mn-lt"/>
-                <a:ea typeface="+mn-ea"/>
-                <a:cs typeface="+mn-cs"/>
-              </a:defRPr>
-            </a:lvl7pPr>
-            <a:lvl8pPr>
-              <a:defRPr>
-                <a:solidFill>
-                  <a:schemeClr val="lt1"/>
-                </a:solidFill>
-                <a:latin typeface="+mn-lt"/>
-                <a:ea typeface="+mn-ea"/>
-                <a:cs typeface="+mn-cs"/>
-              </a:defRPr>
-            </a:lvl8pPr>
-            <a:lvl9pPr>
-              <a:defRPr>
-                <a:solidFill>
-                  <a:schemeClr val="lt1"/>
-                </a:solidFill>
-                <a:latin typeface="+mn-lt"/>
-                <a:ea typeface="+mn-ea"/>
-                <a:cs typeface="+mn-cs"/>
-              </a:defRPr>
-            </a:lvl9pPr>
-          </a:lstStyle>
-          <a:p>
-            <a:pPr algn="l"/>
-            <a:r>
-              <a:rPr lang="en-US" sz="1400" dirty="0">
+          <a:bodyPr lIns="502920" tIns="91440"/>
+          <a:lstStyle/>
+          <a:p>
+            <a:pPr eaLnBrk="1" fontAlgn="auto" hangingPunct="1">
+              <a:spcBef>
+                <a:spcPts val="0"/>
+              </a:spcBef>
+              <a:spcAft>
+                <a:spcPts val="0"/>
+              </a:spcAft>
+              <a:defRPr/>
+            </a:pPr>
+            <a:r>
+              <a:rPr lang="en-US" sz="1200" dirty="0">
                 <a:solidFill>
                   <a:sysClr val="windowText" lastClr="000000"/>
                 </a:solidFill>
@@ -3487,10 +3844,10 @@
       </p:sp>
       <p:pic>
         <p:nvPicPr>
-          <p:cNvPr id="5" name="Graphic 2">
-            <a:extLst>
-              <a:ext uri="{FF2B5EF4-FFF2-40B4-BE49-F238E27FC236}">
-                <a16:creationId xmlns:a16="http://schemas.microsoft.com/office/drawing/2014/main" id="{8A07B9FF-EC01-3E48-BB96-7CF82C0E0D8C}"/>
+          <p:cNvPr id="82" name="Graphic 81">
+            <a:extLst>
+              <a:ext uri="{FF2B5EF4-FFF2-40B4-BE49-F238E27FC236}">
+                <a16:creationId xmlns:a16="http://schemas.microsoft.com/office/drawing/2014/main" id="{ADF00096-D97F-4D69-B4CB-8B0D7A8DF2BF}"/>
               </a:ext>
             </a:extLst>
           </p:cNvPr>
@@ -3500,21 +3857,20 @@
           <p:nvPr/>
         </p:nvPicPr>
         <p:blipFill>
-          <a:blip r:embed="rId2">
+          <a:blip r:embed="rId3">
             <a:extLst>
               <a:ext uri="{96DAC541-7B7A-43D3-8B79-37D633B846F1}">
-                <asvg:svgBlip xmlns:asvg="http://schemas.microsoft.com/office/drawing/2016/SVG/main" r:embed="rId3"/>
+                <asvg:svgBlip xmlns:asvg="http://schemas.microsoft.com/office/drawing/2016/SVG/main" r:embed="rId4"/>
               </a:ext>
             </a:extLst>
           </a:blip>
-          <a:stretch>
-            <a:fillRect/>
-          </a:stretch>
+          <a:srcRect/>
+          <a:stretch/>
         </p:blipFill>
         <p:spPr>
           <a:xfrm>
-            <a:off x="2873710" y="496605"/>
-            <a:ext cx="330200" cy="330200"/>
+            <a:off x="503605" y="158631"/>
+            <a:ext cx="381000" cy="381000"/>
           </a:xfrm>
           <a:prstGeom prst="rect">
             <a:avLst/>
@@ -3523,10 +3879,10 @@
       </p:pic>
       <p:sp>
         <p:nvSpPr>
-          <p:cNvPr id="7" name="Rectangle 6">
-            <a:extLst>
-              <a:ext uri="{FF2B5EF4-FFF2-40B4-BE49-F238E27FC236}">
-                <a16:creationId xmlns:a16="http://schemas.microsoft.com/office/drawing/2014/main" id="{CFBC8982-8C8A-8E47-8A86-DE9F5B69F990}"/>
+          <p:cNvPr id="87" name="Rectangle 86">
+            <a:extLst>
+              <a:ext uri="{FF2B5EF4-FFF2-40B4-BE49-F238E27FC236}">
+                <a16:creationId xmlns:a16="http://schemas.microsoft.com/office/drawing/2014/main" id="{233194F9-79FD-453D-AC8F-FA9F8DEF9795}"/>
               </a:ext>
             </a:extLst>
           </p:cNvPr>
@@ -3535,8 +3891,8 @@
         </p:nvSpPr>
         <p:spPr>
           <a:xfrm>
-            <a:off x="3010778" y="4214378"/>
-            <a:ext cx="3245405" cy="1826242"/>
+            <a:off x="667130" y="590707"/>
+            <a:ext cx="6559591" cy="5969118"/>
           </a:xfrm>
           <a:prstGeom prst="rect">
             <a:avLst/>
@@ -3544,9 +3900,8 @@
           <a:noFill/>
           <a:ln w="12700">
             <a:solidFill>
-              <a:schemeClr val="tx1"/>
+              <a:srgbClr val="CD2264"/>
             </a:solidFill>
-            <a:prstDash val="solid"/>
           </a:ln>
         </p:spPr>
         <p:style>
@@ -3566,179 +3921,22 @@
           </a:fontRef>
         </p:style>
         <p:txBody>
-          <a:bodyPr rot="0" spcFirstLastPara="0" vertOverflow="overflow" horzOverflow="overflow" vert="horz" wrap="square" lIns="91440" tIns="91440" rIns="91440" bIns="45720" numCol="1" spcCol="0" rtlCol="0" fromWordArt="0" anchor="t" anchorCtr="0" forceAA="0" compatLnSpc="1">
-            <a:prstTxWarp prst="textNoShape">
-              <a:avLst/>
-            </a:prstTxWarp>
-            <a:noAutofit/>
-          </a:bodyPr>
-          <a:lstStyle/>
-          <a:p>
-            <a:pPr algn="ctr"/>
-            <a:r>
-              <a:rPr lang="en-US" sz="1400" dirty="0">
-                <a:solidFill>
-                  <a:schemeClr val="tx1"/>
-                </a:solidFill>
-                <a:latin typeface="Arial" panose="020B0604020202020204" pitchFamily="34" charset="0"/>
-                <a:cs typeface="Arial" panose="020B0604020202020204" pitchFamily="34" charset="0"/>
-              </a:rPr>
-              <a:t>Audit Account</a:t>
-            </a:r>
-          </a:p>
-          <a:p>
-            <a:pPr algn="ctr"/>
+          <a:bodyPr lIns="502920" tIns="91440"/>
+          <a:lstStyle/>
+          <a:p>
+            <a:pPr eaLnBrk="1" fontAlgn="auto" hangingPunct="1">
+              <a:spcBef>
+                <a:spcPts val="0"/>
+              </a:spcBef>
+              <a:spcAft>
+                <a:spcPts val="0"/>
+              </a:spcAft>
+              <a:defRPr/>
+            </a:pPr>
             <a:r>
               <a:rPr lang="en-US" sz="1200" dirty="0">
                 <a:solidFill>
-                  <a:schemeClr val="tx1"/>
-                </a:solidFill>
-                <a:latin typeface="Arial" panose="020B0604020202020204" pitchFamily="34" charset="0"/>
-                <a:cs typeface="Arial" panose="020B0604020202020204" pitchFamily="34" charset="0"/>
-              </a:rPr>
-              <a:t>OU: Security</a:t>
-            </a:r>
-          </a:p>
-        </p:txBody>
-      </p:sp>
-      <p:sp>
-        <p:nvSpPr>
-          <p:cNvPr id="8" name="Rectangle 7">
-            <a:extLst>
-              <a:ext uri="{FF2B5EF4-FFF2-40B4-BE49-F238E27FC236}">
-                <a16:creationId xmlns:a16="http://schemas.microsoft.com/office/drawing/2014/main" id="{037CA9B9-40E6-E74C-B683-135675E7E7E9}"/>
-              </a:ext>
-            </a:extLst>
-          </p:cNvPr>
-          <p:cNvSpPr/>
-          <p:nvPr/>
-        </p:nvSpPr>
-        <p:spPr>
-          <a:xfrm>
-            <a:off x="6375588" y="4214378"/>
-            <a:ext cx="3319324" cy="1826242"/>
-          </a:xfrm>
-          <a:prstGeom prst="rect">
-            <a:avLst/>
-          </a:prstGeom>
-          <a:noFill/>
-          <a:ln w="12700">
-            <a:solidFill>
-              <a:schemeClr val="tx1"/>
-            </a:solidFill>
-            <a:prstDash val="solid"/>
-          </a:ln>
-        </p:spPr>
-        <p:style>
-          <a:lnRef idx="2">
-            <a:schemeClr val="accent1">
-              <a:shade val="50000"/>
-            </a:schemeClr>
-          </a:lnRef>
-          <a:fillRef idx="1">
-            <a:schemeClr val="accent1"/>
-          </a:fillRef>
-          <a:effectRef idx="0">
-            <a:schemeClr val="accent1"/>
-          </a:effectRef>
-          <a:fontRef idx="minor">
-            <a:schemeClr val="lt1"/>
-          </a:fontRef>
-        </p:style>
-        <p:txBody>
-          <a:bodyPr rot="0" spcFirstLastPara="0" vertOverflow="overflow" horzOverflow="overflow" vert="horz" wrap="square" lIns="91440" tIns="91440" rIns="91440" bIns="45720" numCol="1" spcCol="0" rtlCol="0" fromWordArt="0" anchor="t" anchorCtr="0" forceAA="0" compatLnSpc="1">
-            <a:prstTxWarp prst="textNoShape">
-              <a:avLst/>
-            </a:prstTxWarp>
-            <a:noAutofit/>
-          </a:bodyPr>
-          <a:lstStyle/>
-          <a:p>
-            <a:pPr algn="ctr"/>
-            <a:r>
-              <a:rPr lang="en-US" sz="1400" dirty="0">
-                <a:solidFill>
-                  <a:schemeClr val="tx1"/>
-                </a:solidFill>
-                <a:latin typeface="Arial" panose="020B0604020202020204" pitchFamily="34" charset="0"/>
-                <a:cs typeface="Arial" panose="020B0604020202020204" pitchFamily="34" charset="0"/>
-              </a:rPr>
-              <a:t>Log Archive Account</a:t>
-            </a:r>
-          </a:p>
-          <a:p>
-            <a:pPr algn="ctr"/>
-            <a:r>
-              <a:rPr lang="en-US" sz="1200" dirty="0">
-                <a:solidFill>
-                  <a:schemeClr val="tx1"/>
-                </a:solidFill>
-                <a:latin typeface="Arial" panose="020B0604020202020204" pitchFamily="34" charset="0"/>
-                <a:cs typeface="Arial" panose="020B0604020202020204" pitchFamily="34" charset="0"/>
-              </a:rPr>
-              <a:t>OU: Security</a:t>
-            </a:r>
-          </a:p>
-        </p:txBody>
-      </p:sp>
-      <p:sp>
-        <p:nvSpPr>
-          <p:cNvPr id="9" name="Rectangle 8">
-            <a:extLst>
-              <a:ext uri="{FF2B5EF4-FFF2-40B4-BE49-F238E27FC236}">
-                <a16:creationId xmlns:a16="http://schemas.microsoft.com/office/drawing/2014/main" id="{80F981B9-7BF8-D34F-902F-22E88CDCE2D7}"/>
-              </a:ext>
-            </a:extLst>
-          </p:cNvPr>
-          <p:cNvSpPr/>
-          <p:nvPr/>
-        </p:nvSpPr>
-        <p:spPr>
-          <a:xfrm>
-            <a:off x="3903267" y="873894"/>
-            <a:ext cx="4928818" cy="3238172"/>
-          </a:xfrm>
-          <a:prstGeom prst="rect">
-            <a:avLst/>
-          </a:prstGeom>
-          <a:noFill/>
-          <a:ln w="12700">
-            <a:solidFill>
-              <a:schemeClr val="tx1"/>
-            </a:solidFill>
-            <a:prstDash val="solid"/>
-          </a:ln>
-        </p:spPr>
-        <p:style>
-          <a:lnRef idx="2">
-            <a:schemeClr val="accent1">
-              <a:shade val="50000"/>
-            </a:schemeClr>
-          </a:lnRef>
-          <a:fillRef idx="1">
-            <a:schemeClr val="accent1"/>
-          </a:fillRef>
-          <a:effectRef idx="0">
-            <a:schemeClr val="accent1"/>
-          </a:effectRef>
-          <a:fontRef idx="minor">
-            <a:schemeClr val="lt1"/>
-          </a:fontRef>
-        </p:style>
-        <p:txBody>
-          <a:bodyPr rot="0" spcFirstLastPara="0" vertOverflow="overflow" horzOverflow="overflow" vert="horz" wrap="square" lIns="91440" tIns="91440" rIns="91440" bIns="45720" numCol="1" spcCol="0" rtlCol="0" fromWordArt="0" anchor="t" anchorCtr="0" forceAA="0" compatLnSpc="1">
-            <a:prstTxWarp prst="textNoShape">
-              <a:avLst/>
-            </a:prstTxWarp>
-            <a:noAutofit/>
-          </a:bodyPr>
-          <a:lstStyle/>
-          <a:p>
-            <a:pPr algn="ctr"/>
-            <a:r>
-              <a:rPr lang="en-US" sz="1400" dirty="0">
-                <a:solidFill>
-                  <a:schemeClr val="tx1"/>
+                  <a:srgbClr val="CD2264"/>
                 </a:solidFill>
                 <a:latin typeface="Arial" panose="020B0604020202020204" pitchFamily="34" charset="0"/>
                 <a:cs typeface="Arial" panose="020B0604020202020204" pitchFamily="34" charset="0"/>
@@ -3750,10 +3948,10 @@
       </p:sp>
       <p:pic>
         <p:nvPicPr>
-          <p:cNvPr id="10" name="Graphic 9">
-            <a:extLst>
-              <a:ext uri="{FF2B5EF4-FFF2-40B4-BE49-F238E27FC236}">
-                <a16:creationId xmlns:a16="http://schemas.microsoft.com/office/drawing/2014/main" id="{BDA14F2E-3838-904F-ADA0-99CFB9F5BBA0}"/>
+          <p:cNvPr id="88" name="Graphic 87">
+            <a:extLst>
+              <a:ext uri="{FF2B5EF4-FFF2-40B4-BE49-F238E27FC236}">
+                <a16:creationId xmlns:a16="http://schemas.microsoft.com/office/drawing/2014/main" id="{234AB67D-9201-40E8-83E1-AF224AFD12B8}"/>
               </a:ext>
             </a:extLst>
           </p:cNvPr>
@@ -3763,10 +3961,10 @@
           <p:nvPr/>
         </p:nvPicPr>
         <p:blipFill>
-          <a:blip r:embed="rId4">
+          <a:blip r:embed="rId5">
             <a:extLst>
               <a:ext uri="{96DAC541-7B7A-43D3-8B79-37D633B846F1}">
-                <asvg:svgBlip xmlns:asvg="http://schemas.microsoft.com/office/drawing/2016/SVG/main" r:embed="rId5"/>
+                <asvg:svgBlip xmlns:asvg="http://schemas.microsoft.com/office/drawing/2016/SVG/main" r:embed="rId6"/>
               </a:ext>
             </a:extLst>
           </a:blip>
@@ -3776,8 +3974,8 @@
         </p:blipFill>
         <p:spPr>
           <a:xfrm>
-            <a:off x="7868829" y="2159019"/>
-            <a:ext cx="457200" cy="457200"/>
+            <a:off x="664112" y="590706"/>
+            <a:ext cx="424469" cy="424469"/>
           </a:xfrm>
           <a:prstGeom prst="rect">
             <a:avLst/>
@@ -3786,10 +3984,10 @@
       </p:pic>
       <p:sp>
         <p:nvSpPr>
-          <p:cNvPr id="11" name="TextBox 10">
-            <a:extLst>
-              <a:ext uri="{FF2B5EF4-FFF2-40B4-BE49-F238E27FC236}">
-                <a16:creationId xmlns:a16="http://schemas.microsoft.com/office/drawing/2014/main" id="{CCEE7A80-825A-C94E-9934-154FF3B0A1BD}"/>
+          <p:cNvPr id="122" name="TextBox 2">
+            <a:extLst>
+              <a:ext uri="{FF2B5EF4-FFF2-40B4-BE49-F238E27FC236}">
+                <a16:creationId xmlns:a16="http://schemas.microsoft.com/office/drawing/2014/main" id="{D779FD12-DEC5-45B4-89B4-2B5EBBA6290B}"/>
               </a:ext>
             </a:extLst>
           </p:cNvPr>
@@ -3798,47 +3996,8 @@
         </p:nvSpPr>
         <p:spPr>
           <a:xfrm>
-            <a:off x="7548456" y="2603646"/>
-            <a:ext cx="1143813" cy="261610"/>
-          </a:xfrm>
-          <a:prstGeom prst="rect">
-            <a:avLst/>
-          </a:prstGeom>
-          <a:noFill/>
-        </p:spPr>
-        <p:txBody>
-          <a:bodyPr wrap="square" rtlCol="0">
-            <a:spAutoFit/>
-          </a:bodyPr>
-          <a:lstStyle/>
-          <a:p>
-            <a:pPr algn="ctr"/>
-            <a:r>
-              <a:rPr lang="en-US" sz="1100" dirty="0">
-                <a:latin typeface="Arial" panose="020B0604020202020204" pitchFamily="34" charset="0"/>
-                <a:cs typeface="Arial" panose="020B0604020202020204" pitchFamily="34" charset="0"/>
-              </a:rPr>
-              <a:t>CloudTrail</a:t>
-            </a:r>
-          </a:p>
-        </p:txBody>
-      </p:sp>
-      <p:sp>
-        <p:nvSpPr>
-          <p:cNvPr id="13" name="TextBox 2">
-            <a:extLst>
-              <a:ext uri="{FF2B5EF4-FFF2-40B4-BE49-F238E27FC236}">
-                <a16:creationId xmlns:a16="http://schemas.microsoft.com/office/drawing/2014/main" id="{D9254A99-F246-1441-9B40-CA4F9D7B5A63}"/>
-              </a:ext>
-            </a:extLst>
-          </p:cNvPr>
-          <p:cNvSpPr txBox="1"/>
-          <p:nvPr/>
-        </p:nvSpPr>
-        <p:spPr>
-          <a:xfrm>
-            <a:off x="7558367" y="3496492"/>
-            <a:ext cx="1123992" cy="430887"/>
+            <a:off x="3805715" y="3549027"/>
+            <a:ext cx="1273984" cy="261610"/>
           </a:xfrm>
           <a:prstGeom prst="rect">
             <a:avLst/>
@@ -3933,53 +4092,17 @@
                 <a:latin typeface="Arial" panose="020B0604020202020204" pitchFamily="34" charset="0"/>
                 <a:cs typeface="Arial" panose="020B0604020202020204" pitchFamily="34" charset="0"/>
               </a:rPr>
-              <a:t>CloudWatch Log Group</a:t>
-            </a:r>
-          </a:p>
-        </p:txBody>
-      </p:sp>
-      <p:pic>
-        <p:nvPicPr>
-          <p:cNvPr id="17" name="Graphic 1">
-            <a:extLst>
-              <a:ext uri="{FF2B5EF4-FFF2-40B4-BE49-F238E27FC236}">
-                <a16:creationId xmlns:a16="http://schemas.microsoft.com/office/drawing/2014/main" id="{3EB00D21-253A-334D-B000-AAE8AFD0DBB9}"/>
-              </a:ext>
-            </a:extLst>
-          </p:cNvPr>
-          <p:cNvPicPr>
-            <a:picLocks noChangeAspect="1"/>
-          </p:cNvPicPr>
-          <p:nvPr/>
-        </p:nvPicPr>
-        <p:blipFill>
-          <a:blip r:embed="rId6">
-            <a:extLst>
-              <a:ext uri="{96DAC541-7B7A-43D3-8B79-37D633B846F1}">
-                <asvg:svgBlip xmlns:asvg="http://schemas.microsoft.com/office/drawing/2016/SVG/main" r:embed="rId7"/>
-              </a:ext>
-            </a:extLst>
-          </a:blip>
-          <a:stretch>
-            <a:fillRect/>
-          </a:stretch>
-        </p:blipFill>
-        <p:spPr>
-          <a:xfrm>
-            <a:off x="4482551" y="4976430"/>
-            <a:ext cx="457200" cy="457200"/>
-          </a:xfrm>
-          <a:prstGeom prst="rect">
-            <a:avLst/>
-          </a:prstGeom>
-        </p:spPr>
-      </p:pic>
-      <p:sp>
-        <p:nvSpPr>
-          <p:cNvPr id="18" name="TextBox 2">
-            <a:extLst>
-              <a:ext uri="{FF2B5EF4-FFF2-40B4-BE49-F238E27FC236}">
-                <a16:creationId xmlns:a16="http://schemas.microsoft.com/office/drawing/2014/main" id="{D8DA2EBB-D4E4-A74B-8EDD-2808DDCA2CDD}"/>
+              <a:t>Lambda Function</a:t>
+            </a:r>
+          </a:p>
+        </p:txBody>
+      </p:sp>
+      <p:sp>
+        <p:nvSpPr>
+          <p:cNvPr id="123" name="TextBox 2">
+            <a:extLst>
+              <a:ext uri="{FF2B5EF4-FFF2-40B4-BE49-F238E27FC236}">
+                <a16:creationId xmlns:a16="http://schemas.microsoft.com/office/drawing/2014/main" id="{956DC4A8-C454-4D0C-A193-B9CF227389CD}"/>
               </a:ext>
             </a:extLst>
           </p:cNvPr>
@@ -3988,8 +4111,8 @@
         </p:nvSpPr>
         <p:spPr>
           <a:xfrm>
-            <a:off x="4139738" y="5431822"/>
-            <a:ext cx="1142826" cy="430887"/>
+            <a:off x="3922044" y="4806233"/>
+            <a:ext cx="1098724" cy="430887"/>
           </a:xfrm>
           <a:prstGeom prst="rect">
             <a:avLst/>
@@ -4084,17 +4207,17 @@
                 <a:latin typeface="Arial" panose="020B0604020202020204" pitchFamily="34" charset="0"/>
                 <a:cs typeface="Arial" panose="020B0604020202020204" pitchFamily="34" charset="0"/>
               </a:rPr>
-              <a:t>CloudTrail KMS Key</a:t>
-            </a:r>
-          </a:p>
-        </p:txBody>
-      </p:sp>
-      <p:sp>
-        <p:nvSpPr>
-          <p:cNvPr id="20" name="TextBox 2">
-            <a:extLst>
-              <a:ext uri="{FF2B5EF4-FFF2-40B4-BE49-F238E27FC236}">
-                <a16:creationId xmlns:a16="http://schemas.microsoft.com/office/drawing/2014/main" id="{BA9343AE-0007-4846-AFCB-1AA5B97B81FC}"/>
+              <a:t>CloudWatch Log Group</a:t>
+            </a:r>
+          </a:p>
+        </p:txBody>
+      </p:sp>
+      <p:sp>
+        <p:nvSpPr>
+          <p:cNvPr id="130" name="TextBox 129">
+            <a:extLst>
+              <a:ext uri="{FF2B5EF4-FFF2-40B4-BE49-F238E27FC236}">
+                <a16:creationId xmlns:a16="http://schemas.microsoft.com/office/drawing/2014/main" id="{8D4C5C94-FD55-4958-94CD-9C621E29B0AE}"/>
               </a:ext>
             </a:extLst>
           </p:cNvPr>
@@ -4103,8 +4226,1861 @@
         </p:nvSpPr>
         <p:spPr>
           <a:xfrm>
-            <a:off x="7671251" y="5393497"/>
-            <a:ext cx="827407" cy="261610"/>
+            <a:off x="1095221" y="2920293"/>
+            <a:ext cx="1226931" cy="430887"/>
+          </a:xfrm>
+          <a:prstGeom prst="rect">
+            <a:avLst/>
+          </a:prstGeom>
+          <a:noFill/>
+        </p:spPr>
+        <p:txBody>
+          <a:bodyPr wrap="square" rtlCol="0">
+            <a:spAutoFit/>
+          </a:bodyPr>
+          <a:lstStyle/>
+          <a:p>
+            <a:pPr algn="ctr"/>
+            <a:r>
+              <a:rPr lang="en-US" sz="1100" dirty="0">
+                <a:latin typeface="Arial" panose="020B0604020202020204" pitchFamily="34" charset="0"/>
+                <a:cs typeface="Arial" panose="020B0604020202020204" pitchFamily="34" charset="0"/>
+              </a:rPr>
+              <a:t>AWS CloudFormation</a:t>
+            </a:r>
+          </a:p>
+        </p:txBody>
+      </p:sp>
+      <p:pic>
+        <p:nvPicPr>
+          <p:cNvPr id="138" name="Graphic 13">
+            <a:extLst>
+              <a:ext uri="{FF2B5EF4-FFF2-40B4-BE49-F238E27FC236}">
+                <a16:creationId xmlns:a16="http://schemas.microsoft.com/office/drawing/2014/main" id="{DD93BA21-ED60-4BEA-8CCB-AB48DD1F7F7F}"/>
+              </a:ext>
+            </a:extLst>
+          </p:cNvPr>
+          <p:cNvPicPr>
+            <a:picLocks noChangeAspect="1" noChangeArrowheads="1"/>
+          </p:cNvPicPr>
+          <p:nvPr/>
+        </p:nvPicPr>
+        <p:blipFill>
+          <a:blip r:embed="rId7">
+            <a:extLst>
+              <a:ext uri="{28A0092B-C50C-407E-A947-70E740481C1C}">
+                <a14:useLocalDpi xmlns:a14="http://schemas.microsoft.com/office/drawing/2010/main" val="0"/>
+              </a:ext>
+            </a:extLst>
+          </a:blip>
+          <a:srcRect/>
+          <a:stretch>
+            <a:fillRect/>
+          </a:stretch>
+        </p:blipFill>
+        <p:spPr bwMode="auto">
+          <a:xfrm>
+            <a:off x="4175744" y="3115135"/>
+            <a:ext cx="457200" cy="457200"/>
+          </a:xfrm>
+          <a:prstGeom prst="rect">
+            <a:avLst/>
+          </a:prstGeom>
+          <a:noFill/>
+          <a:ln>
+            <a:noFill/>
+          </a:ln>
+          <a:extLst>
+            <a:ext uri="{909E8E84-426E-40DD-AFC4-6F175D3DCCD1}">
+              <a14:hiddenFill xmlns:a14="http://schemas.microsoft.com/office/drawing/2010/main">
+                <a:solidFill>
+                  <a:srgbClr val="FFFFFF"/>
+                </a:solidFill>
+              </a14:hiddenFill>
+            </a:ext>
+            <a:ext uri="{91240B29-F687-4F45-9708-019B960494DF}">
+              <a14:hiddenLine xmlns:a14="http://schemas.microsoft.com/office/drawing/2010/main" w="9525">
+                <a:solidFill>
+                  <a:srgbClr val="000000"/>
+                </a:solidFill>
+                <a:miter lim="800000"/>
+                <a:headEnd/>
+                <a:tailEnd/>
+              </a14:hiddenLine>
+            </a:ext>
+          </a:extLst>
+        </p:spPr>
+      </p:pic>
+      <p:sp>
+        <p:nvSpPr>
+          <p:cNvPr id="159" name="Oval 158">
+            <a:extLst>
+              <a:ext uri="{FF2B5EF4-FFF2-40B4-BE49-F238E27FC236}">
+                <a16:creationId xmlns:a16="http://schemas.microsoft.com/office/drawing/2014/main" id="{4A05C662-2FBC-439F-B802-9699E92DB84C}"/>
+              </a:ext>
+            </a:extLst>
+          </p:cNvPr>
+          <p:cNvSpPr/>
+          <p:nvPr/>
+        </p:nvSpPr>
+        <p:spPr>
+          <a:xfrm>
+            <a:off x="4087196" y="3069216"/>
+            <a:ext cx="253435" cy="212902"/>
+          </a:xfrm>
+          <a:prstGeom prst="ellipse">
+            <a:avLst/>
+          </a:prstGeom>
+          <a:solidFill>
+            <a:schemeClr val="tx1"/>
+          </a:solidFill>
+          <a:ln>
+            <a:solidFill>
+              <a:schemeClr val="tx1"/>
+            </a:solidFill>
+          </a:ln>
+        </p:spPr>
+        <p:style>
+          <a:lnRef idx="2">
+            <a:schemeClr val="accent1">
+              <a:shade val="50000"/>
+            </a:schemeClr>
+          </a:lnRef>
+          <a:fillRef idx="1">
+            <a:schemeClr val="accent1"/>
+          </a:fillRef>
+          <a:effectRef idx="0">
+            <a:schemeClr val="accent1"/>
+          </a:effectRef>
+          <a:fontRef idx="minor">
+            <a:schemeClr val="lt1"/>
+          </a:fontRef>
+        </p:style>
+        <p:txBody>
+          <a:bodyPr lIns="0" tIns="0" rIns="0" bIns="0" rtlCol="0" anchor="ctr"/>
+          <a:lstStyle/>
+          <a:p>
+            <a:pPr algn="ctr"/>
+            <a:r>
+              <a:rPr lang="en-US" sz="800" dirty="0">
+                <a:latin typeface="Arial" panose="020B0604020202020204" pitchFamily="34" charset="0"/>
+                <a:cs typeface="Arial" panose="020B0604020202020204" pitchFamily="34" charset="0"/>
+              </a:rPr>
+              <a:t>1.2</a:t>
+            </a:r>
+          </a:p>
+        </p:txBody>
+      </p:sp>
+      <p:pic>
+        <p:nvPicPr>
+          <p:cNvPr id="160" name="Graphic 7">
+            <a:extLst>
+              <a:ext uri="{FF2B5EF4-FFF2-40B4-BE49-F238E27FC236}">
+                <a16:creationId xmlns:a16="http://schemas.microsoft.com/office/drawing/2014/main" id="{0B13130F-B51E-4BFD-AECE-120AC8A6CA73}"/>
+              </a:ext>
+            </a:extLst>
+          </p:cNvPr>
+          <p:cNvPicPr>
+            <a:picLocks noChangeAspect="1" noChangeArrowheads="1"/>
+          </p:cNvPicPr>
+          <p:nvPr/>
+        </p:nvPicPr>
+        <p:blipFill>
+          <a:blip r:embed="rId8">
+            <a:extLst>
+              <a:ext uri="{28A0092B-C50C-407E-A947-70E740481C1C}">
+                <a14:useLocalDpi xmlns:a14="http://schemas.microsoft.com/office/drawing/2010/main" val="0"/>
+              </a:ext>
+            </a:extLst>
+          </a:blip>
+          <a:srcRect/>
+          <a:stretch>
+            <a:fillRect/>
+          </a:stretch>
+        </p:blipFill>
+        <p:spPr bwMode="auto">
+          <a:xfrm>
+            <a:off x="4268100" y="4366020"/>
+            <a:ext cx="457200" cy="457200"/>
+          </a:xfrm>
+          <a:prstGeom prst="rect">
+            <a:avLst/>
+          </a:prstGeom>
+          <a:noFill/>
+          <a:ln>
+            <a:noFill/>
+          </a:ln>
+          <a:extLst>
+            <a:ext uri="{909E8E84-426E-40DD-AFC4-6F175D3DCCD1}">
+              <a14:hiddenFill xmlns:a14="http://schemas.microsoft.com/office/drawing/2010/main">
+                <a:solidFill>
+                  <a:srgbClr val="FFFFFF"/>
+                </a:solidFill>
+              </a14:hiddenFill>
+            </a:ext>
+            <a:ext uri="{91240B29-F687-4F45-9708-019B960494DF}">
+              <a14:hiddenLine xmlns:a14="http://schemas.microsoft.com/office/drawing/2010/main" w="9525">
+                <a:solidFill>
+                  <a:srgbClr val="000000"/>
+                </a:solidFill>
+                <a:miter lim="800000"/>
+                <a:headEnd/>
+                <a:tailEnd/>
+              </a14:hiddenLine>
+            </a:ext>
+          </a:extLst>
+        </p:spPr>
+      </p:pic>
+      <p:pic>
+        <p:nvPicPr>
+          <p:cNvPr id="173" name="Graphic 21">
+            <a:extLst>
+              <a:ext uri="{FF2B5EF4-FFF2-40B4-BE49-F238E27FC236}">
+                <a16:creationId xmlns:a16="http://schemas.microsoft.com/office/drawing/2014/main" id="{EE9A2C89-D760-44AD-9846-59BF08E6A6F6}"/>
+              </a:ext>
+            </a:extLst>
+          </p:cNvPr>
+          <p:cNvPicPr>
+            <a:picLocks noChangeAspect="1" noChangeArrowheads="1"/>
+          </p:cNvPicPr>
+          <p:nvPr/>
+        </p:nvPicPr>
+        <p:blipFill>
+          <a:blip r:embed="rId9">
+            <a:extLst>
+              <a:ext uri="{28A0092B-C50C-407E-A947-70E740481C1C}">
+                <a14:useLocalDpi xmlns:a14="http://schemas.microsoft.com/office/drawing/2010/main" val="0"/>
+              </a:ext>
+            </a:extLst>
+          </a:blip>
+          <a:srcRect/>
+          <a:stretch>
+            <a:fillRect/>
+          </a:stretch>
+        </p:blipFill>
+        <p:spPr bwMode="auto">
+          <a:xfrm>
+            <a:off x="1488043" y="2478115"/>
+            <a:ext cx="442178" cy="442178"/>
+          </a:xfrm>
+          <a:prstGeom prst="rect">
+            <a:avLst/>
+          </a:prstGeom>
+          <a:noFill/>
+          <a:ln>
+            <a:noFill/>
+          </a:ln>
+          <a:extLst>
+            <a:ext uri="{909E8E84-426E-40DD-AFC4-6F175D3DCCD1}">
+              <a14:hiddenFill xmlns:a14="http://schemas.microsoft.com/office/drawing/2010/main">
+                <a:solidFill>
+                  <a:srgbClr val="FFFFFF"/>
+                </a:solidFill>
+              </a14:hiddenFill>
+            </a:ext>
+            <a:ext uri="{91240B29-F687-4F45-9708-019B960494DF}">
+              <a14:hiddenLine xmlns:a14="http://schemas.microsoft.com/office/drawing/2010/main" w="9525">
+                <a:solidFill>
+                  <a:srgbClr val="000000"/>
+                </a:solidFill>
+                <a:miter lim="800000"/>
+                <a:headEnd/>
+                <a:tailEnd/>
+              </a14:hiddenLine>
+            </a:ext>
+          </a:extLst>
+        </p:spPr>
+      </p:pic>
+      <p:sp>
+        <p:nvSpPr>
+          <p:cNvPr id="174" name="Oval 173">
+            <a:extLst>
+              <a:ext uri="{FF2B5EF4-FFF2-40B4-BE49-F238E27FC236}">
+                <a16:creationId xmlns:a16="http://schemas.microsoft.com/office/drawing/2014/main" id="{33B53A6B-210B-4CAD-9B2E-8A4A48DDC8EC}"/>
+              </a:ext>
+            </a:extLst>
+          </p:cNvPr>
+          <p:cNvSpPr/>
+          <p:nvPr/>
+        </p:nvSpPr>
+        <p:spPr>
+          <a:xfrm>
+            <a:off x="1312885" y="2446013"/>
+            <a:ext cx="215266" cy="178311"/>
+          </a:xfrm>
+          <a:prstGeom prst="ellipse">
+            <a:avLst/>
+          </a:prstGeom>
+          <a:solidFill>
+            <a:schemeClr val="tx1"/>
+          </a:solidFill>
+          <a:ln>
+            <a:solidFill>
+              <a:schemeClr val="tx1"/>
+            </a:solidFill>
+          </a:ln>
+        </p:spPr>
+        <p:style>
+          <a:lnRef idx="2">
+            <a:schemeClr val="accent1">
+              <a:shade val="50000"/>
+            </a:schemeClr>
+          </a:lnRef>
+          <a:fillRef idx="1">
+            <a:schemeClr val="accent1"/>
+          </a:fillRef>
+          <a:effectRef idx="0">
+            <a:schemeClr val="accent1"/>
+          </a:effectRef>
+          <a:fontRef idx="minor">
+            <a:schemeClr val="lt1"/>
+          </a:fontRef>
+        </p:style>
+        <p:txBody>
+          <a:bodyPr lIns="0" tIns="0" rIns="0" bIns="0" rtlCol="0" anchor="ctr"/>
+          <a:lstStyle/>
+          <a:p>
+            <a:pPr algn="ctr"/>
+            <a:r>
+              <a:rPr lang="en-US" sz="800" dirty="0">
+                <a:latin typeface="Arial" panose="020B0604020202020204" pitchFamily="34" charset="0"/>
+                <a:cs typeface="Arial" panose="020B0604020202020204" pitchFamily="34" charset="0"/>
+              </a:rPr>
+              <a:t>1.1</a:t>
+            </a:r>
+          </a:p>
+        </p:txBody>
+      </p:sp>
+      <p:sp>
+        <p:nvSpPr>
+          <p:cNvPr id="175" name="Rectangle 174">
+            <a:extLst>
+              <a:ext uri="{FF2B5EF4-FFF2-40B4-BE49-F238E27FC236}">
+                <a16:creationId xmlns:a16="http://schemas.microsoft.com/office/drawing/2014/main" id="{E23EF82D-34D3-46B6-978C-7B6A8238A22B}"/>
+              </a:ext>
+            </a:extLst>
+          </p:cNvPr>
+          <p:cNvSpPr/>
+          <p:nvPr/>
+        </p:nvSpPr>
+        <p:spPr>
+          <a:xfrm>
+            <a:off x="1082095" y="1915633"/>
+            <a:ext cx="5920149" cy="3842670"/>
+          </a:xfrm>
+          <a:prstGeom prst="rect">
+            <a:avLst/>
+          </a:prstGeom>
+          <a:noFill/>
+          <a:ln w="12700">
+            <a:solidFill>
+              <a:srgbClr val="5B9CD5"/>
+            </a:solidFill>
+            <a:prstDash val="sysDash"/>
+          </a:ln>
+        </p:spPr>
+        <p:style>
+          <a:lnRef idx="2">
+            <a:schemeClr val="accent1">
+              <a:shade val="50000"/>
+            </a:schemeClr>
+          </a:lnRef>
+          <a:fillRef idx="1">
+            <a:schemeClr val="accent1"/>
+          </a:fillRef>
+          <a:effectRef idx="0">
+            <a:schemeClr val="accent1"/>
+          </a:effectRef>
+          <a:fontRef idx="minor">
+            <a:schemeClr val="lt1"/>
+          </a:fontRef>
+        </p:style>
+        <p:txBody>
+          <a:bodyPr lIns="502920" tIns="91440"/>
+          <a:lstStyle/>
+          <a:p>
+            <a:pPr eaLnBrk="1" fontAlgn="auto" hangingPunct="1">
+              <a:spcBef>
+                <a:spcPts val="0"/>
+              </a:spcBef>
+              <a:spcAft>
+                <a:spcPts val="0"/>
+              </a:spcAft>
+              <a:defRPr/>
+            </a:pPr>
+            <a:r>
+              <a:rPr lang="en-US" sz="1200" dirty="0">
+                <a:solidFill>
+                  <a:srgbClr val="5B9CD5"/>
+                </a:solidFill>
+                <a:latin typeface="Arial" panose="020B0604020202020204" pitchFamily="34" charset="0"/>
+                <a:cs typeface="Arial" panose="020B0604020202020204" pitchFamily="34" charset="0"/>
+              </a:rPr>
+              <a:t>Home Region</a:t>
+            </a:r>
+          </a:p>
+        </p:txBody>
+      </p:sp>
+      <p:pic>
+        <p:nvPicPr>
+          <p:cNvPr id="176" name="Graphic 175">
+            <a:extLst>
+              <a:ext uri="{FF2B5EF4-FFF2-40B4-BE49-F238E27FC236}">
+                <a16:creationId xmlns:a16="http://schemas.microsoft.com/office/drawing/2014/main" id="{79BE28C9-BA1C-439C-A7D3-8AB7EFF8AFC4}"/>
+              </a:ext>
+            </a:extLst>
+          </p:cNvPr>
+          <p:cNvPicPr>
+            <a:picLocks noChangeAspect="1"/>
+          </p:cNvPicPr>
+          <p:nvPr/>
+        </p:nvPicPr>
+        <p:blipFill>
+          <a:blip r:embed="rId10">
+            <a:extLst>
+              <a:ext uri="{96DAC541-7B7A-43D3-8B79-37D633B846F1}">
+                <asvg:svgBlip xmlns:asvg="http://schemas.microsoft.com/office/drawing/2016/SVG/main" r:embed="rId11"/>
+              </a:ext>
+            </a:extLst>
+          </a:blip>
+          <a:stretch>
+            <a:fillRect/>
+          </a:stretch>
+        </p:blipFill>
+        <p:spPr>
+          <a:xfrm>
+            <a:off x="1077763" y="1902099"/>
+            <a:ext cx="391567" cy="391567"/>
+          </a:xfrm>
+          <a:prstGeom prst="rect">
+            <a:avLst/>
+          </a:prstGeom>
+        </p:spPr>
+      </p:pic>
+      <p:sp>
+        <p:nvSpPr>
+          <p:cNvPr id="235" name="Oval 234">
+            <a:extLst>
+              <a:ext uri="{FF2B5EF4-FFF2-40B4-BE49-F238E27FC236}">
+                <a16:creationId xmlns:a16="http://schemas.microsoft.com/office/drawing/2014/main" id="{1BDB1ABD-271A-40FF-9892-B5B91A5F6E19}"/>
+              </a:ext>
+            </a:extLst>
+          </p:cNvPr>
+          <p:cNvSpPr/>
+          <p:nvPr/>
+        </p:nvSpPr>
+        <p:spPr>
+          <a:xfrm>
+            <a:off x="749628" y="1026497"/>
+            <a:ext cx="253435" cy="212902"/>
+          </a:xfrm>
+          <a:prstGeom prst="ellipse">
+            <a:avLst/>
+          </a:prstGeom>
+          <a:solidFill>
+            <a:schemeClr val="tx1"/>
+          </a:solidFill>
+          <a:ln>
+            <a:solidFill>
+              <a:schemeClr val="tx1"/>
+            </a:solidFill>
+          </a:ln>
+        </p:spPr>
+        <p:style>
+          <a:lnRef idx="2">
+            <a:schemeClr val="accent1">
+              <a:shade val="50000"/>
+            </a:schemeClr>
+          </a:lnRef>
+          <a:fillRef idx="1">
+            <a:schemeClr val="accent1"/>
+          </a:fillRef>
+          <a:effectRef idx="0">
+            <a:schemeClr val="accent1"/>
+          </a:effectRef>
+          <a:fontRef idx="minor">
+            <a:schemeClr val="lt1"/>
+          </a:fontRef>
+        </p:style>
+        <p:txBody>
+          <a:bodyPr lIns="0" tIns="0" rIns="0" bIns="0" rtlCol="0" anchor="ctr"/>
+          <a:lstStyle/>
+          <a:p>
+            <a:pPr algn="ctr"/>
+            <a:r>
+              <a:rPr lang="en-US" sz="800" dirty="0">
+                <a:latin typeface="Arial" panose="020B0604020202020204" pitchFamily="34" charset="0"/>
+                <a:cs typeface="Arial" panose="020B0604020202020204" pitchFamily="34" charset="0"/>
+              </a:rPr>
+              <a:t>1.0</a:t>
+            </a:r>
+          </a:p>
+        </p:txBody>
+      </p:sp>
+      <p:pic>
+        <p:nvPicPr>
+          <p:cNvPr id="2" name="Picture 1">
+            <a:extLst>
+              <a:ext uri="{FF2B5EF4-FFF2-40B4-BE49-F238E27FC236}">
+                <a16:creationId xmlns:a16="http://schemas.microsoft.com/office/drawing/2014/main" id="{9B8480CC-F75B-F7E1-2A06-A77FC9BB3E63}"/>
+              </a:ext>
+            </a:extLst>
+          </p:cNvPr>
+          <p:cNvPicPr>
+            <a:picLocks noChangeAspect="1"/>
+          </p:cNvPicPr>
+          <p:nvPr/>
+        </p:nvPicPr>
+        <p:blipFill>
+          <a:blip r:embed="rId12"/>
+          <a:stretch>
+            <a:fillRect/>
+          </a:stretch>
+        </p:blipFill>
+        <p:spPr>
+          <a:xfrm>
+            <a:off x="2643021" y="3142666"/>
+            <a:ext cx="438854" cy="403029"/>
+          </a:xfrm>
+          <a:prstGeom prst="rect">
+            <a:avLst/>
+          </a:prstGeom>
+        </p:spPr>
+      </p:pic>
+      <p:sp>
+        <p:nvSpPr>
+          <p:cNvPr id="3" name="TextBox 26">
+            <a:extLst>
+              <a:ext uri="{FF2B5EF4-FFF2-40B4-BE49-F238E27FC236}">
+                <a16:creationId xmlns:a16="http://schemas.microsoft.com/office/drawing/2014/main" id="{B98C722D-DB7B-0E3F-C1A8-EA59105A964B}"/>
+              </a:ext>
+            </a:extLst>
+          </p:cNvPr>
+          <p:cNvSpPr txBox="1">
+            <a:spLocks noChangeArrowheads="1"/>
+          </p:cNvSpPr>
+          <p:nvPr/>
+        </p:nvSpPr>
+        <p:spPr bwMode="auto">
+          <a:xfrm>
+            <a:off x="2367301" y="3545695"/>
+            <a:ext cx="969198" cy="430887"/>
+          </a:xfrm>
+          <a:prstGeom prst="rect">
+            <a:avLst/>
+          </a:prstGeom>
+          <a:noFill/>
+          <a:ln>
+            <a:noFill/>
+          </a:ln>
+          <a:extLst>
+            <a:ext uri="{909E8E84-426E-40DD-AFC4-6F175D3DCCD1}">
+              <a14:hiddenFill xmlns:a14="http://schemas.microsoft.com/office/drawing/2010/main">
+                <a:solidFill>
+                  <a:srgbClr val="FFFFFF"/>
+                </a:solidFill>
+              </a14:hiddenFill>
+            </a:ext>
+            <a:ext uri="{91240B29-F687-4F45-9708-019B960494DF}">
+              <a14:hiddenLine xmlns:a14="http://schemas.microsoft.com/office/drawing/2010/main" w="9525">
+                <a:solidFill>
+                  <a:srgbClr val="000000"/>
+                </a:solidFill>
+                <a:miter lim="800000"/>
+                <a:headEnd/>
+                <a:tailEnd/>
+              </a14:hiddenLine>
+            </a:ext>
+          </a:extLst>
+        </p:spPr>
+        <p:txBody>
+          <a:bodyPr wrap="square">
+            <a:spAutoFit/>
+          </a:bodyPr>
+          <a:lstStyle>
+            <a:lvl1pPr>
+              <a:defRPr>
+                <a:solidFill>
+                  <a:schemeClr val="tx1"/>
+                </a:solidFill>
+                <a:latin typeface="Calibri" panose="020F0502020204030204" pitchFamily="34" charset="0"/>
+              </a:defRPr>
+            </a:lvl1pPr>
+            <a:lvl2pPr marL="742950" indent="-285750">
+              <a:defRPr>
+                <a:solidFill>
+                  <a:schemeClr val="tx1"/>
+                </a:solidFill>
+                <a:latin typeface="Calibri" panose="020F0502020204030204" pitchFamily="34" charset="0"/>
+              </a:defRPr>
+            </a:lvl2pPr>
+            <a:lvl3pPr marL="1143000" indent="-228600">
+              <a:defRPr>
+                <a:solidFill>
+                  <a:schemeClr val="tx1"/>
+                </a:solidFill>
+                <a:latin typeface="Calibri" panose="020F0502020204030204" pitchFamily="34" charset="0"/>
+              </a:defRPr>
+            </a:lvl3pPr>
+            <a:lvl4pPr marL="1600200" indent="-228600">
+              <a:defRPr>
+                <a:solidFill>
+                  <a:schemeClr val="tx1"/>
+                </a:solidFill>
+                <a:latin typeface="Calibri" panose="020F0502020204030204" pitchFamily="34" charset="0"/>
+              </a:defRPr>
+            </a:lvl4pPr>
+            <a:lvl5pPr marL="2057400" indent="-228600">
+              <a:defRPr>
+                <a:solidFill>
+                  <a:schemeClr val="tx1"/>
+                </a:solidFill>
+                <a:latin typeface="Calibri" panose="020F0502020204030204" pitchFamily="34" charset="0"/>
+              </a:defRPr>
+            </a:lvl5pPr>
+            <a:lvl6pPr marL="2514600" indent="-228600" eaLnBrk="0" fontAlgn="base" hangingPunct="0">
+              <a:spcBef>
+                <a:spcPct val="0"/>
+              </a:spcBef>
+              <a:spcAft>
+                <a:spcPct val="0"/>
+              </a:spcAft>
+              <a:defRPr>
+                <a:solidFill>
+                  <a:schemeClr val="tx1"/>
+                </a:solidFill>
+                <a:latin typeface="Calibri" panose="020F0502020204030204" pitchFamily="34" charset="0"/>
+              </a:defRPr>
+            </a:lvl6pPr>
+            <a:lvl7pPr marL="2971800" indent="-228600" eaLnBrk="0" fontAlgn="base" hangingPunct="0">
+              <a:spcBef>
+                <a:spcPct val="0"/>
+              </a:spcBef>
+              <a:spcAft>
+                <a:spcPct val="0"/>
+              </a:spcAft>
+              <a:defRPr>
+                <a:solidFill>
+                  <a:schemeClr val="tx1"/>
+                </a:solidFill>
+                <a:latin typeface="Calibri" panose="020F0502020204030204" pitchFamily="34" charset="0"/>
+              </a:defRPr>
+            </a:lvl7pPr>
+            <a:lvl8pPr marL="3429000" indent="-228600" eaLnBrk="0" fontAlgn="base" hangingPunct="0">
+              <a:spcBef>
+                <a:spcPct val="0"/>
+              </a:spcBef>
+              <a:spcAft>
+                <a:spcPct val="0"/>
+              </a:spcAft>
+              <a:defRPr>
+                <a:solidFill>
+                  <a:schemeClr val="tx1"/>
+                </a:solidFill>
+                <a:latin typeface="Calibri" panose="020F0502020204030204" pitchFamily="34" charset="0"/>
+              </a:defRPr>
+            </a:lvl8pPr>
+            <a:lvl9pPr marL="3886200" indent="-228600" eaLnBrk="0" fontAlgn="base" hangingPunct="0">
+              <a:spcBef>
+                <a:spcPct val="0"/>
+              </a:spcBef>
+              <a:spcAft>
+                <a:spcPct val="0"/>
+              </a:spcAft>
+              <a:defRPr>
+                <a:solidFill>
+                  <a:schemeClr val="tx1"/>
+                </a:solidFill>
+                <a:latin typeface="Calibri" panose="020F0502020204030204" pitchFamily="34" charset="0"/>
+              </a:defRPr>
+            </a:lvl9pPr>
+          </a:lstStyle>
+          <a:p>
+            <a:pPr algn="ctr" eaLnBrk="1" hangingPunct="1"/>
+            <a:r>
+              <a:rPr lang="en-US" altLang="en-US" sz="1100" dirty="0">
+                <a:latin typeface="Arial" panose="020B0604020202020204" pitchFamily="34" charset="0"/>
+                <a:ea typeface="Amazon Ember" panose="020B0603020204020204" pitchFamily="34" charset="0"/>
+                <a:cs typeface="Arial" panose="020B0604020202020204" pitchFamily="34" charset="0"/>
+              </a:rPr>
+              <a:t>Lambda</a:t>
+            </a:r>
+          </a:p>
+          <a:p>
+            <a:pPr algn="ctr" eaLnBrk="1" hangingPunct="1"/>
+            <a:r>
+              <a:rPr lang="en-US" altLang="en-US" sz="1100" dirty="0">
+                <a:latin typeface="Arial" panose="020B0604020202020204" pitchFamily="34" charset="0"/>
+                <a:ea typeface="Amazon Ember" panose="020B0603020204020204" pitchFamily="34" charset="0"/>
+                <a:cs typeface="Arial" panose="020B0604020202020204" pitchFamily="34" charset="0"/>
+              </a:rPr>
+              <a:t>Layer</a:t>
+            </a:r>
+          </a:p>
+        </p:txBody>
+      </p:sp>
+      <p:sp>
+        <p:nvSpPr>
+          <p:cNvPr id="104" name="TextBox 103">
+            <a:extLst>
+              <a:ext uri="{FF2B5EF4-FFF2-40B4-BE49-F238E27FC236}">
+                <a16:creationId xmlns:a16="http://schemas.microsoft.com/office/drawing/2014/main" id="{FAA82B51-6E98-0AF9-5BD6-B0B4BEC402B7}"/>
+              </a:ext>
+            </a:extLst>
+          </p:cNvPr>
+          <p:cNvSpPr txBox="1"/>
+          <p:nvPr/>
+        </p:nvSpPr>
+        <p:spPr>
+          <a:xfrm>
+            <a:off x="3924783" y="1470371"/>
+            <a:ext cx="1103001" cy="261610"/>
+          </a:xfrm>
+          <a:prstGeom prst="rect">
+            <a:avLst/>
+          </a:prstGeom>
+          <a:noFill/>
+        </p:spPr>
+        <p:txBody>
+          <a:bodyPr wrap="square" rtlCol="0">
+            <a:spAutoFit/>
+          </a:bodyPr>
+          <a:lstStyle/>
+          <a:p>
+            <a:pPr algn="ctr"/>
+            <a:r>
+              <a:rPr lang="en-US" sz="1100" dirty="0">
+                <a:latin typeface="Arial" panose="020B0604020202020204" pitchFamily="34" charset="0"/>
+                <a:cs typeface="Arial" panose="020B0604020202020204" pitchFamily="34" charset="0"/>
+              </a:rPr>
+              <a:t>Lambda Role</a:t>
+            </a:r>
+          </a:p>
+        </p:txBody>
+      </p:sp>
+      <p:pic>
+        <p:nvPicPr>
+          <p:cNvPr id="105" name="Graphic 104">
+            <a:extLst>
+              <a:ext uri="{FF2B5EF4-FFF2-40B4-BE49-F238E27FC236}">
+                <a16:creationId xmlns:a16="http://schemas.microsoft.com/office/drawing/2014/main" id="{D19144BD-63B5-E1C9-A3D2-74AAD0B20668}"/>
+              </a:ext>
+            </a:extLst>
+          </p:cNvPr>
+          <p:cNvPicPr>
+            <a:picLocks noChangeAspect="1"/>
+          </p:cNvPicPr>
+          <p:nvPr/>
+        </p:nvPicPr>
+        <p:blipFill>
+          <a:blip r:embed="rId13">
+            <a:extLst>
+              <a:ext uri="{96DAC541-7B7A-43D3-8B79-37D633B846F1}">
+                <asvg:svgBlip xmlns:asvg="http://schemas.microsoft.com/office/drawing/2016/SVG/main" r:embed="rId14"/>
+              </a:ext>
+            </a:extLst>
+          </a:blip>
+          <a:stretch>
+            <a:fillRect/>
+          </a:stretch>
+        </p:blipFill>
+        <p:spPr>
+          <a:xfrm>
+            <a:off x="4222809" y="1078091"/>
+            <a:ext cx="469900" cy="469900"/>
+          </a:xfrm>
+          <a:prstGeom prst="rect">
+            <a:avLst/>
+          </a:prstGeom>
+        </p:spPr>
+      </p:pic>
+      <p:sp>
+        <p:nvSpPr>
+          <p:cNvPr id="106" name="Oval 105">
+            <a:extLst>
+              <a:ext uri="{FF2B5EF4-FFF2-40B4-BE49-F238E27FC236}">
+                <a16:creationId xmlns:a16="http://schemas.microsoft.com/office/drawing/2014/main" id="{B7A286B3-F820-D194-7FD8-80A1575FB798}"/>
+              </a:ext>
+            </a:extLst>
+          </p:cNvPr>
+          <p:cNvSpPr/>
+          <p:nvPr/>
+        </p:nvSpPr>
+        <p:spPr>
+          <a:xfrm>
+            <a:off x="4049071" y="1078866"/>
+            <a:ext cx="253435" cy="212902"/>
+          </a:xfrm>
+          <a:prstGeom prst="ellipse">
+            <a:avLst/>
+          </a:prstGeom>
+          <a:solidFill>
+            <a:schemeClr val="tx1"/>
+          </a:solidFill>
+          <a:ln>
+            <a:solidFill>
+              <a:schemeClr val="tx1"/>
+            </a:solidFill>
+          </a:ln>
+        </p:spPr>
+        <p:style>
+          <a:lnRef idx="2">
+            <a:schemeClr val="accent1">
+              <a:shade val="50000"/>
+            </a:schemeClr>
+          </a:lnRef>
+          <a:fillRef idx="1">
+            <a:schemeClr val="accent1"/>
+          </a:fillRef>
+          <a:effectRef idx="0">
+            <a:schemeClr val="accent1"/>
+          </a:effectRef>
+          <a:fontRef idx="minor">
+            <a:schemeClr val="lt1"/>
+          </a:fontRef>
+        </p:style>
+        <p:txBody>
+          <a:bodyPr lIns="0" tIns="0" rIns="0" bIns="0" rtlCol="0" anchor="ctr"/>
+          <a:lstStyle/>
+          <a:p>
+            <a:pPr algn="ctr"/>
+            <a:r>
+              <a:rPr lang="en-US" sz="800" dirty="0">
+                <a:latin typeface="Arial" panose="020B0604020202020204" pitchFamily="34" charset="0"/>
+                <a:cs typeface="Arial" panose="020B0604020202020204" pitchFamily="34" charset="0"/>
+              </a:rPr>
+              <a:t>1.4</a:t>
+            </a:r>
+          </a:p>
+        </p:txBody>
+      </p:sp>
+      <p:sp>
+        <p:nvSpPr>
+          <p:cNvPr id="188" name="Oval 187">
+            <a:extLst>
+              <a:ext uri="{FF2B5EF4-FFF2-40B4-BE49-F238E27FC236}">
+                <a16:creationId xmlns:a16="http://schemas.microsoft.com/office/drawing/2014/main" id="{C2221D33-75AF-432C-B6AB-D1DB0348201A}"/>
+              </a:ext>
+            </a:extLst>
+          </p:cNvPr>
+          <p:cNvSpPr/>
+          <p:nvPr/>
+        </p:nvSpPr>
+        <p:spPr>
+          <a:xfrm>
+            <a:off x="2534424" y="3073631"/>
+            <a:ext cx="253435" cy="212902"/>
+          </a:xfrm>
+          <a:prstGeom prst="ellipse">
+            <a:avLst/>
+          </a:prstGeom>
+          <a:solidFill>
+            <a:schemeClr val="tx1"/>
+          </a:solidFill>
+          <a:ln>
+            <a:solidFill>
+              <a:schemeClr val="tx1"/>
+            </a:solidFill>
+          </a:ln>
+        </p:spPr>
+        <p:style>
+          <a:lnRef idx="2">
+            <a:schemeClr val="accent1">
+              <a:shade val="50000"/>
+            </a:schemeClr>
+          </a:lnRef>
+          <a:fillRef idx="1">
+            <a:schemeClr val="accent1"/>
+          </a:fillRef>
+          <a:effectRef idx="0">
+            <a:schemeClr val="accent1"/>
+          </a:effectRef>
+          <a:fontRef idx="minor">
+            <a:schemeClr val="lt1"/>
+          </a:fontRef>
+        </p:style>
+        <p:txBody>
+          <a:bodyPr lIns="0" tIns="0" rIns="0" bIns="0" rtlCol="0" anchor="ctr"/>
+          <a:lstStyle/>
+          <a:p>
+            <a:pPr algn="ctr"/>
+            <a:r>
+              <a:rPr lang="en-US" sz="800" dirty="0">
+                <a:latin typeface="Arial" panose="020B0604020202020204" pitchFamily="34" charset="0"/>
+                <a:cs typeface="Arial" panose="020B0604020202020204" pitchFamily="34" charset="0"/>
+              </a:rPr>
+              <a:t>1.3</a:t>
+            </a:r>
+          </a:p>
+        </p:txBody>
+      </p:sp>
+      <p:cxnSp>
+        <p:nvCxnSpPr>
+          <p:cNvPr id="66" name="Straight Arrow Connector 65">
+            <a:extLst>
+              <a:ext uri="{FF2B5EF4-FFF2-40B4-BE49-F238E27FC236}">
+                <a16:creationId xmlns:a16="http://schemas.microsoft.com/office/drawing/2014/main" id="{259C76E1-733B-6B4E-6401-019CE9D49B3A}"/>
+              </a:ext>
+            </a:extLst>
+          </p:cNvPr>
+          <p:cNvCxnSpPr>
+            <a:cxnSpLocks/>
+          </p:cNvCxnSpPr>
+          <p:nvPr/>
+        </p:nvCxnSpPr>
+        <p:spPr>
+          <a:xfrm>
+            <a:off x="4880312" y="3337739"/>
+            <a:ext cx="702510" cy="0"/>
+          </a:xfrm>
+          <a:prstGeom prst="straightConnector1">
+            <a:avLst/>
+          </a:prstGeom>
+          <a:ln>
+            <a:tailEnd type="triangle"/>
+          </a:ln>
+        </p:spPr>
+        <p:style>
+          <a:lnRef idx="1">
+            <a:schemeClr val="dk1"/>
+          </a:lnRef>
+          <a:fillRef idx="0">
+            <a:schemeClr val="dk1"/>
+          </a:fillRef>
+          <a:effectRef idx="0">
+            <a:schemeClr val="dk1"/>
+          </a:effectRef>
+          <a:fontRef idx="minor">
+            <a:schemeClr val="tx1"/>
+          </a:fontRef>
+        </p:style>
+      </p:cxnSp>
+      <p:sp>
+        <p:nvSpPr>
+          <p:cNvPr id="7" name="Rectangle 6">
+            <a:extLst>
+              <a:ext uri="{FF2B5EF4-FFF2-40B4-BE49-F238E27FC236}">
+                <a16:creationId xmlns:a16="http://schemas.microsoft.com/office/drawing/2014/main" id="{4793769B-F7D4-5BD3-E952-682540C98F34}"/>
+              </a:ext>
+            </a:extLst>
+          </p:cNvPr>
+          <p:cNvSpPr/>
+          <p:nvPr/>
+        </p:nvSpPr>
+        <p:spPr>
+          <a:xfrm>
+            <a:off x="7757328" y="981159"/>
+            <a:ext cx="3430791" cy="2447841"/>
+          </a:xfrm>
+          <a:prstGeom prst="rect">
+            <a:avLst/>
+          </a:prstGeom>
+          <a:noFill/>
+          <a:ln w="12700">
+            <a:solidFill>
+              <a:srgbClr val="5B9CD5"/>
+            </a:solidFill>
+            <a:prstDash val="sysDash"/>
+          </a:ln>
+        </p:spPr>
+        <p:style>
+          <a:lnRef idx="2">
+            <a:schemeClr val="accent1">
+              <a:shade val="50000"/>
+            </a:schemeClr>
+          </a:lnRef>
+          <a:fillRef idx="1">
+            <a:schemeClr val="accent1"/>
+          </a:fillRef>
+          <a:effectRef idx="0">
+            <a:schemeClr val="accent1"/>
+          </a:effectRef>
+          <a:fontRef idx="minor">
+            <a:schemeClr val="lt1"/>
+          </a:fontRef>
+        </p:style>
+        <p:txBody>
+          <a:bodyPr lIns="502920" tIns="91440"/>
+          <a:lstStyle/>
+          <a:p>
+            <a:pPr eaLnBrk="1" fontAlgn="auto" hangingPunct="1">
+              <a:spcBef>
+                <a:spcPts val="0"/>
+              </a:spcBef>
+              <a:spcAft>
+                <a:spcPts val="0"/>
+              </a:spcAft>
+              <a:defRPr/>
+            </a:pPr>
+            <a:r>
+              <a:rPr lang="en-US" sz="1200" dirty="0">
+                <a:solidFill>
+                  <a:srgbClr val="5B9CD5"/>
+                </a:solidFill>
+                <a:latin typeface="Arial" panose="020B0604020202020204" pitchFamily="34" charset="0"/>
+                <a:cs typeface="Arial" panose="020B0604020202020204" pitchFamily="34" charset="0"/>
+              </a:rPr>
+              <a:t>Home Region</a:t>
+            </a:r>
+          </a:p>
+        </p:txBody>
+      </p:sp>
+      <p:pic>
+        <p:nvPicPr>
+          <p:cNvPr id="8" name="Graphic 7">
+            <a:extLst>
+              <a:ext uri="{FF2B5EF4-FFF2-40B4-BE49-F238E27FC236}">
+                <a16:creationId xmlns:a16="http://schemas.microsoft.com/office/drawing/2014/main" id="{AED888BA-1E01-CF61-B362-9CA7575A3249}"/>
+              </a:ext>
+            </a:extLst>
+          </p:cNvPr>
+          <p:cNvPicPr>
+            <a:picLocks noChangeAspect="1"/>
+          </p:cNvPicPr>
+          <p:nvPr/>
+        </p:nvPicPr>
+        <p:blipFill>
+          <a:blip r:embed="rId10">
+            <a:extLst>
+              <a:ext uri="{96DAC541-7B7A-43D3-8B79-37D633B846F1}">
+                <asvg:svgBlip xmlns:asvg="http://schemas.microsoft.com/office/drawing/2016/SVG/main" r:embed="rId11"/>
+              </a:ext>
+            </a:extLst>
+          </a:blip>
+          <a:stretch>
+            <a:fillRect/>
+          </a:stretch>
+        </p:blipFill>
+        <p:spPr>
+          <a:xfrm>
+            <a:off x="7750248" y="968306"/>
+            <a:ext cx="391567" cy="391567"/>
+          </a:xfrm>
+          <a:prstGeom prst="rect">
+            <a:avLst/>
+          </a:prstGeom>
+        </p:spPr>
+      </p:pic>
+      <p:pic>
+        <p:nvPicPr>
+          <p:cNvPr id="9" name="Graphic 8">
+            <a:extLst>
+              <a:ext uri="{FF2B5EF4-FFF2-40B4-BE49-F238E27FC236}">
+                <a16:creationId xmlns:a16="http://schemas.microsoft.com/office/drawing/2014/main" id="{2EBD5CE1-73D8-59FE-2038-165DD1E0F9DD}"/>
+              </a:ext>
+            </a:extLst>
+          </p:cNvPr>
+          <p:cNvPicPr>
+            <a:picLocks noChangeAspect="1"/>
+          </p:cNvPicPr>
+          <p:nvPr/>
+        </p:nvPicPr>
+        <p:blipFill>
+          <a:blip r:embed="rId5">
+            <a:extLst>
+              <a:ext uri="{96DAC541-7B7A-43D3-8B79-37D633B846F1}">
+                <asvg:svgBlip xmlns:asvg="http://schemas.microsoft.com/office/drawing/2016/SVG/main" r:embed="rId6"/>
+              </a:ext>
+            </a:extLst>
+          </a:blip>
+          <a:stretch>
+            <a:fillRect/>
+          </a:stretch>
+        </p:blipFill>
+        <p:spPr>
+          <a:xfrm>
+            <a:off x="7326463" y="590706"/>
+            <a:ext cx="381000" cy="381000"/>
+          </a:xfrm>
+          <a:prstGeom prst="rect">
+            <a:avLst/>
+          </a:prstGeom>
+        </p:spPr>
+      </p:pic>
+      <p:sp>
+        <p:nvSpPr>
+          <p:cNvPr id="10" name="Oval 9">
+            <a:extLst>
+              <a:ext uri="{FF2B5EF4-FFF2-40B4-BE49-F238E27FC236}">
+                <a16:creationId xmlns:a16="http://schemas.microsoft.com/office/drawing/2014/main" id="{DE6B7EDB-57CF-9487-E823-46432D162094}"/>
+              </a:ext>
+            </a:extLst>
+          </p:cNvPr>
+          <p:cNvSpPr/>
+          <p:nvPr/>
+        </p:nvSpPr>
+        <p:spPr>
+          <a:xfrm>
+            <a:off x="7390245" y="974112"/>
+            <a:ext cx="253435" cy="212902"/>
+          </a:xfrm>
+          <a:prstGeom prst="ellipse">
+            <a:avLst/>
+          </a:prstGeom>
+          <a:solidFill>
+            <a:schemeClr val="tx1"/>
+          </a:solidFill>
+          <a:ln>
+            <a:solidFill>
+              <a:schemeClr val="tx1"/>
+            </a:solidFill>
+          </a:ln>
+        </p:spPr>
+        <p:style>
+          <a:lnRef idx="2">
+            <a:schemeClr val="accent1">
+              <a:shade val="50000"/>
+            </a:schemeClr>
+          </a:lnRef>
+          <a:fillRef idx="1">
+            <a:schemeClr val="accent1"/>
+          </a:fillRef>
+          <a:effectRef idx="0">
+            <a:schemeClr val="accent1"/>
+          </a:effectRef>
+          <a:fontRef idx="minor">
+            <a:schemeClr val="lt1"/>
+          </a:fontRef>
+        </p:style>
+        <p:txBody>
+          <a:bodyPr lIns="0" tIns="0" rIns="0" bIns="0" rtlCol="0" anchor="ctr"/>
+          <a:lstStyle/>
+          <a:p>
+            <a:pPr algn="ctr"/>
+            <a:r>
+              <a:rPr lang="en-US" sz="800" dirty="0">
+                <a:latin typeface="Arial" panose="020B0604020202020204" pitchFamily="34" charset="0"/>
+                <a:cs typeface="Arial" panose="020B0604020202020204" pitchFamily="34" charset="0"/>
+              </a:rPr>
+              <a:t>2.0</a:t>
+            </a:r>
+          </a:p>
+        </p:txBody>
+      </p:sp>
+      <p:sp>
+        <p:nvSpPr>
+          <p:cNvPr id="11" name="TextBox 10">
+            <a:extLst>
+              <a:ext uri="{FF2B5EF4-FFF2-40B4-BE49-F238E27FC236}">
+                <a16:creationId xmlns:a16="http://schemas.microsoft.com/office/drawing/2014/main" id="{B7442AB9-62E8-F826-BC5C-C469E9BE5C2D}"/>
+              </a:ext>
+            </a:extLst>
+          </p:cNvPr>
+          <p:cNvSpPr txBox="1"/>
+          <p:nvPr/>
+        </p:nvSpPr>
+        <p:spPr>
+          <a:xfrm>
+            <a:off x="7879677" y="1988523"/>
+            <a:ext cx="1233913" cy="430887"/>
+          </a:xfrm>
+          <a:prstGeom prst="rect">
+            <a:avLst/>
+          </a:prstGeom>
+          <a:noFill/>
+        </p:spPr>
+        <p:txBody>
+          <a:bodyPr wrap="square" rtlCol="0">
+            <a:spAutoFit/>
+          </a:bodyPr>
+          <a:lstStyle/>
+          <a:p>
+            <a:pPr algn="ctr"/>
+            <a:r>
+              <a:rPr lang="en-US" sz="1100" dirty="0">
+                <a:latin typeface="Arial" panose="020B0604020202020204" pitchFamily="34" charset="0"/>
+                <a:cs typeface="Arial" panose="020B0604020202020204" pitchFamily="34" charset="0"/>
+              </a:rPr>
+              <a:t>AWS CloudFormation</a:t>
+            </a:r>
+          </a:p>
+        </p:txBody>
+      </p:sp>
+      <p:pic>
+        <p:nvPicPr>
+          <p:cNvPr id="14" name="Graphic 13">
+            <a:extLst>
+              <a:ext uri="{FF2B5EF4-FFF2-40B4-BE49-F238E27FC236}">
+                <a16:creationId xmlns:a16="http://schemas.microsoft.com/office/drawing/2014/main" id="{31202A87-7F91-15E5-A70A-3D1959D16017}"/>
+              </a:ext>
+            </a:extLst>
+          </p:cNvPr>
+          <p:cNvPicPr>
+            <a:picLocks noChangeAspect="1"/>
+          </p:cNvPicPr>
+          <p:nvPr/>
+        </p:nvPicPr>
+        <p:blipFill>
+          <a:blip r:embed="rId15">
+            <a:extLst>
+              <a:ext uri="{96DAC541-7B7A-43D3-8B79-37D633B846F1}">
+                <asvg:svgBlip xmlns:asvg="http://schemas.microsoft.com/office/drawing/2016/SVG/main" r:embed="rId16"/>
+              </a:ext>
+            </a:extLst>
+          </a:blip>
+          <a:stretch>
+            <a:fillRect/>
+          </a:stretch>
+        </p:blipFill>
+        <p:spPr>
+          <a:xfrm>
+            <a:off x="8242763" y="1562182"/>
+            <a:ext cx="457200" cy="457200"/>
+          </a:xfrm>
+          <a:prstGeom prst="rect">
+            <a:avLst/>
+          </a:prstGeom>
+        </p:spPr>
+      </p:pic>
+      <p:sp>
+        <p:nvSpPr>
+          <p:cNvPr id="17" name="Oval 16">
+            <a:extLst>
+              <a:ext uri="{FF2B5EF4-FFF2-40B4-BE49-F238E27FC236}">
+                <a16:creationId xmlns:a16="http://schemas.microsoft.com/office/drawing/2014/main" id="{301F0E3D-1144-7740-CD38-BF607A57E355}"/>
+              </a:ext>
+            </a:extLst>
+          </p:cNvPr>
+          <p:cNvSpPr/>
+          <p:nvPr/>
+        </p:nvSpPr>
+        <p:spPr>
+          <a:xfrm>
+            <a:off x="8100879" y="1459610"/>
+            <a:ext cx="253435" cy="212902"/>
+          </a:xfrm>
+          <a:prstGeom prst="ellipse">
+            <a:avLst/>
+          </a:prstGeom>
+          <a:solidFill>
+            <a:schemeClr val="tx1"/>
+          </a:solidFill>
+          <a:ln>
+            <a:solidFill>
+              <a:schemeClr val="tx1"/>
+            </a:solidFill>
+          </a:ln>
+        </p:spPr>
+        <p:style>
+          <a:lnRef idx="2">
+            <a:schemeClr val="accent1">
+              <a:shade val="50000"/>
+            </a:schemeClr>
+          </a:lnRef>
+          <a:fillRef idx="1">
+            <a:schemeClr val="accent1"/>
+          </a:fillRef>
+          <a:effectRef idx="0">
+            <a:schemeClr val="accent1"/>
+          </a:effectRef>
+          <a:fontRef idx="minor">
+            <a:schemeClr val="lt1"/>
+          </a:fontRef>
+        </p:style>
+        <p:txBody>
+          <a:bodyPr lIns="0" tIns="0" rIns="0" bIns="0" rtlCol="0" anchor="ctr"/>
+          <a:lstStyle/>
+          <a:p>
+            <a:pPr algn="ctr"/>
+            <a:r>
+              <a:rPr lang="en-US" sz="800" dirty="0">
+                <a:latin typeface="Arial" panose="020B0604020202020204" pitchFamily="34" charset="0"/>
+                <a:cs typeface="Arial" panose="020B0604020202020204" pitchFamily="34" charset="0"/>
+              </a:rPr>
+              <a:t>2.1</a:t>
+            </a:r>
+          </a:p>
+        </p:txBody>
+      </p:sp>
+      <p:pic>
+        <p:nvPicPr>
+          <p:cNvPr id="19" name="Graphic 18">
+            <a:extLst>
+              <a:ext uri="{FF2B5EF4-FFF2-40B4-BE49-F238E27FC236}">
+                <a16:creationId xmlns:a16="http://schemas.microsoft.com/office/drawing/2014/main" id="{57A9B0D6-F682-C12B-10E9-A798897D1495}"/>
+              </a:ext>
+            </a:extLst>
+          </p:cNvPr>
+          <p:cNvPicPr>
+            <a:picLocks noChangeAspect="1"/>
+          </p:cNvPicPr>
+          <p:nvPr/>
+        </p:nvPicPr>
+        <p:blipFill>
+          <a:blip r:embed="rId5">
+            <a:extLst>
+              <a:ext uri="{96DAC541-7B7A-43D3-8B79-37D633B846F1}">
+                <asvg:svgBlip xmlns:asvg="http://schemas.microsoft.com/office/drawing/2016/SVG/main" r:embed="rId6"/>
+              </a:ext>
+            </a:extLst>
+          </a:blip>
+          <a:stretch>
+            <a:fillRect/>
+          </a:stretch>
+        </p:blipFill>
+        <p:spPr>
+          <a:xfrm>
+            <a:off x="7326463" y="3663848"/>
+            <a:ext cx="381000" cy="381000"/>
+          </a:xfrm>
+          <a:prstGeom prst="rect">
+            <a:avLst/>
+          </a:prstGeom>
+        </p:spPr>
+      </p:pic>
+      <p:sp>
+        <p:nvSpPr>
+          <p:cNvPr id="20" name="Oval 19">
+            <a:extLst>
+              <a:ext uri="{FF2B5EF4-FFF2-40B4-BE49-F238E27FC236}">
+                <a16:creationId xmlns:a16="http://schemas.microsoft.com/office/drawing/2014/main" id="{A7EEA5B6-7154-05A0-782C-38C04576D548}"/>
+              </a:ext>
+            </a:extLst>
+          </p:cNvPr>
+          <p:cNvSpPr/>
+          <p:nvPr/>
+        </p:nvSpPr>
+        <p:spPr>
+          <a:xfrm>
+            <a:off x="7384189" y="4057615"/>
+            <a:ext cx="253435" cy="212902"/>
+          </a:xfrm>
+          <a:prstGeom prst="ellipse">
+            <a:avLst/>
+          </a:prstGeom>
+          <a:solidFill>
+            <a:schemeClr val="tx1"/>
+          </a:solidFill>
+          <a:ln>
+            <a:solidFill>
+              <a:schemeClr val="tx1"/>
+            </a:solidFill>
+          </a:ln>
+        </p:spPr>
+        <p:style>
+          <a:lnRef idx="2">
+            <a:schemeClr val="accent1">
+              <a:shade val="50000"/>
+            </a:schemeClr>
+          </a:lnRef>
+          <a:fillRef idx="1">
+            <a:schemeClr val="accent1"/>
+          </a:fillRef>
+          <a:effectRef idx="0">
+            <a:schemeClr val="accent1"/>
+          </a:effectRef>
+          <a:fontRef idx="minor">
+            <a:schemeClr val="lt1"/>
+          </a:fontRef>
+        </p:style>
+        <p:txBody>
+          <a:bodyPr lIns="0" tIns="0" rIns="0" bIns="0" rtlCol="0" anchor="ctr"/>
+          <a:lstStyle/>
+          <a:p>
+            <a:pPr algn="ctr"/>
+            <a:r>
+              <a:rPr lang="en-US" sz="800" dirty="0"/>
+              <a:t>3.0</a:t>
+            </a:r>
+          </a:p>
+        </p:txBody>
+      </p:sp>
+      <p:sp>
+        <p:nvSpPr>
+          <p:cNvPr id="29" name="Rectangle 28">
+            <a:extLst>
+              <a:ext uri="{FF2B5EF4-FFF2-40B4-BE49-F238E27FC236}">
+                <a16:creationId xmlns:a16="http://schemas.microsoft.com/office/drawing/2014/main" id="{9D6B63E1-559B-4C77-7B67-EB2FA26CC563}"/>
+              </a:ext>
+            </a:extLst>
+          </p:cNvPr>
+          <p:cNvSpPr/>
+          <p:nvPr/>
+        </p:nvSpPr>
+        <p:spPr>
+          <a:xfrm>
+            <a:off x="7735322" y="4146636"/>
+            <a:ext cx="3452797" cy="2300867"/>
+          </a:xfrm>
+          <a:prstGeom prst="rect">
+            <a:avLst/>
+          </a:prstGeom>
+          <a:noFill/>
+          <a:ln w="12700">
+            <a:solidFill>
+              <a:srgbClr val="5B9CD5"/>
+            </a:solidFill>
+            <a:prstDash val="sysDash"/>
+          </a:ln>
+        </p:spPr>
+        <p:style>
+          <a:lnRef idx="2">
+            <a:schemeClr val="accent1">
+              <a:shade val="50000"/>
+            </a:schemeClr>
+          </a:lnRef>
+          <a:fillRef idx="1">
+            <a:schemeClr val="accent1"/>
+          </a:fillRef>
+          <a:effectRef idx="0">
+            <a:schemeClr val="accent1"/>
+          </a:effectRef>
+          <a:fontRef idx="minor">
+            <a:schemeClr val="lt1"/>
+          </a:fontRef>
+        </p:style>
+        <p:txBody>
+          <a:bodyPr lIns="502920" tIns="91440"/>
+          <a:lstStyle/>
+          <a:p>
+            <a:pPr eaLnBrk="1" fontAlgn="auto" hangingPunct="1">
+              <a:spcBef>
+                <a:spcPts val="0"/>
+              </a:spcBef>
+              <a:spcAft>
+                <a:spcPts val="0"/>
+              </a:spcAft>
+              <a:defRPr/>
+            </a:pPr>
+            <a:r>
+              <a:rPr lang="en-US" sz="1200" dirty="0">
+                <a:solidFill>
+                  <a:srgbClr val="5B9CD5"/>
+                </a:solidFill>
+                <a:latin typeface="Arial" panose="020B0604020202020204" pitchFamily="34" charset="0"/>
+                <a:cs typeface="Arial" panose="020B0604020202020204" pitchFamily="34" charset="0"/>
+              </a:rPr>
+              <a:t>Home Region</a:t>
+            </a:r>
+          </a:p>
+        </p:txBody>
+      </p:sp>
+      <p:pic>
+        <p:nvPicPr>
+          <p:cNvPr id="30" name="Graphic 29">
+            <a:extLst>
+              <a:ext uri="{FF2B5EF4-FFF2-40B4-BE49-F238E27FC236}">
+                <a16:creationId xmlns:a16="http://schemas.microsoft.com/office/drawing/2014/main" id="{E66D2EA4-BEB7-8453-8B9C-DE51FBB58FB1}"/>
+              </a:ext>
+            </a:extLst>
+          </p:cNvPr>
+          <p:cNvPicPr>
+            <a:picLocks noChangeAspect="1"/>
+          </p:cNvPicPr>
+          <p:nvPr/>
+        </p:nvPicPr>
+        <p:blipFill>
+          <a:blip r:embed="rId10">
+            <a:extLst>
+              <a:ext uri="{96DAC541-7B7A-43D3-8B79-37D633B846F1}">
+                <asvg:svgBlip xmlns:asvg="http://schemas.microsoft.com/office/drawing/2016/SVG/main" r:embed="rId11"/>
+              </a:ext>
+            </a:extLst>
+          </a:blip>
+          <a:stretch>
+            <a:fillRect/>
+          </a:stretch>
+        </p:blipFill>
+        <p:spPr>
+          <a:xfrm>
+            <a:off x="7733006" y="4140784"/>
+            <a:ext cx="391567" cy="391567"/>
+          </a:xfrm>
+          <a:prstGeom prst="rect">
+            <a:avLst/>
+          </a:prstGeom>
+        </p:spPr>
+      </p:pic>
+      <p:sp>
+        <p:nvSpPr>
+          <p:cNvPr id="68" name="Rectangle 67">
+            <a:extLst>
+              <a:ext uri="{FF2B5EF4-FFF2-40B4-BE49-F238E27FC236}">
+                <a16:creationId xmlns:a16="http://schemas.microsoft.com/office/drawing/2014/main" id="{949BF49D-C363-55C4-7517-0B09B9EDABE5}"/>
+              </a:ext>
+            </a:extLst>
+          </p:cNvPr>
+          <p:cNvSpPr/>
+          <p:nvPr/>
+        </p:nvSpPr>
+        <p:spPr>
+          <a:xfrm>
+            <a:off x="7322205" y="590707"/>
+            <a:ext cx="4010813" cy="2962886"/>
+          </a:xfrm>
+          <a:prstGeom prst="rect">
+            <a:avLst/>
+          </a:prstGeom>
+          <a:noFill/>
+          <a:ln w="12700">
+            <a:solidFill>
+              <a:srgbClr val="CD2264"/>
+            </a:solidFill>
+          </a:ln>
+        </p:spPr>
+        <p:style>
+          <a:lnRef idx="2">
+            <a:schemeClr val="accent1">
+              <a:shade val="50000"/>
+            </a:schemeClr>
+          </a:lnRef>
+          <a:fillRef idx="1">
+            <a:schemeClr val="accent1"/>
+          </a:fillRef>
+          <a:effectRef idx="0">
+            <a:schemeClr val="accent1"/>
+          </a:effectRef>
+          <a:fontRef idx="minor">
+            <a:schemeClr val="lt1"/>
+          </a:fontRef>
+        </p:style>
+        <p:txBody>
+          <a:bodyPr lIns="502920" tIns="91440"/>
+          <a:lstStyle/>
+          <a:p>
+            <a:pPr eaLnBrk="1" fontAlgn="auto" hangingPunct="1">
+              <a:spcBef>
+                <a:spcPts val="0"/>
+              </a:spcBef>
+              <a:spcAft>
+                <a:spcPts val="0"/>
+              </a:spcAft>
+              <a:defRPr/>
+            </a:pPr>
+            <a:r>
+              <a:rPr lang="en-US" sz="1200" dirty="0">
+                <a:solidFill>
+                  <a:srgbClr val="CD2264"/>
+                </a:solidFill>
+                <a:latin typeface="Arial" panose="020B0604020202020204" pitchFamily="34" charset="0"/>
+                <a:cs typeface="Arial" panose="020B0604020202020204" pitchFamily="34" charset="0"/>
+              </a:rPr>
+              <a:t>Audit Account</a:t>
+            </a:r>
+          </a:p>
+        </p:txBody>
+      </p:sp>
+      <p:sp>
+        <p:nvSpPr>
+          <p:cNvPr id="69" name="Rectangle 68">
+            <a:extLst>
+              <a:ext uri="{FF2B5EF4-FFF2-40B4-BE49-F238E27FC236}">
+                <a16:creationId xmlns:a16="http://schemas.microsoft.com/office/drawing/2014/main" id="{E10629C8-6D92-1A3C-9789-AF2BF510DEA9}"/>
+              </a:ext>
+            </a:extLst>
+          </p:cNvPr>
+          <p:cNvSpPr/>
+          <p:nvPr/>
+        </p:nvSpPr>
+        <p:spPr>
+          <a:xfrm>
+            <a:off x="7333860" y="3662450"/>
+            <a:ext cx="3999158" cy="2897375"/>
+          </a:xfrm>
+          <a:prstGeom prst="rect">
+            <a:avLst/>
+          </a:prstGeom>
+          <a:noFill/>
+          <a:ln w="12700">
+            <a:solidFill>
+              <a:srgbClr val="CD2264"/>
+            </a:solidFill>
+          </a:ln>
+        </p:spPr>
+        <p:style>
+          <a:lnRef idx="2">
+            <a:schemeClr val="accent1">
+              <a:shade val="50000"/>
+            </a:schemeClr>
+          </a:lnRef>
+          <a:fillRef idx="1">
+            <a:schemeClr val="accent1"/>
+          </a:fillRef>
+          <a:effectRef idx="0">
+            <a:schemeClr val="accent1"/>
+          </a:effectRef>
+          <a:fontRef idx="minor">
+            <a:schemeClr val="lt1"/>
+          </a:fontRef>
+        </p:style>
+        <p:txBody>
+          <a:bodyPr lIns="502920" tIns="91440"/>
+          <a:lstStyle/>
+          <a:p>
+            <a:pPr eaLnBrk="1" fontAlgn="auto" hangingPunct="1">
+              <a:spcBef>
+                <a:spcPts val="0"/>
+              </a:spcBef>
+              <a:spcAft>
+                <a:spcPts val="0"/>
+              </a:spcAft>
+              <a:defRPr/>
+            </a:pPr>
+            <a:r>
+              <a:rPr lang="en-US" sz="1200" dirty="0">
+                <a:solidFill>
+                  <a:srgbClr val="CD2264"/>
+                </a:solidFill>
+                <a:latin typeface="Arial" panose="020B0604020202020204" pitchFamily="34" charset="0"/>
+                <a:cs typeface="Arial" panose="020B0604020202020204" pitchFamily="34" charset="0"/>
+              </a:rPr>
+              <a:t>Log Archive Account</a:t>
+            </a:r>
+          </a:p>
+        </p:txBody>
+      </p:sp>
+      <p:sp>
+        <p:nvSpPr>
+          <p:cNvPr id="133" name="Oval 132">
+            <a:extLst>
+              <a:ext uri="{FF2B5EF4-FFF2-40B4-BE49-F238E27FC236}">
+                <a16:creationId xmlns:a16="http://schemas.microsoft.com/office/drawing/2014/main" id="{40C04EF0-8999-4E87-9938-BB23E34A77B4}"/>
+              </a:ext>
+            </a:extLst>
+          </p:cNvPr>
+          <p:cNvSpPr/>
+          <p:nvPr/>
+        </p:nvSpPr>
+        <p:spPr>
+          <a:xfrm>
+            <a:off x="4080776" y="4327947"/>
+            <a:ext cx="253435" cy="212902"/>
+          </a:xfrm>
+          <a:prstGeom prst="ellipse">
+            <a:avLst/>
+          </a:prstGeom>
+          <a:solidFill>
+            <a:schemeClr val="tx1"/>
+          </a:solidFill>
+          <a:ln>
+            <a:solidFill>
+              <a:schemeClr val="tx1"/>
+            </a:solidFill>
+          </a:ln>
+        </p:spPr>
+        <p:style>
+          <a:lnRef idx="2">
+            <a:schemeClr val="accent1">
+              <a:shade val="50000"/>
+            </a:schemeClr>
+          </a:lnRef>
+          <a:fillRef idx="1">
+            <a:schemeClr val="accent1"/>
+          </a:fillRef>
+          <a:effectRef idx="0">
+            <a:schemeClr val="accent1"/>
+          </a:effectRef>
+          <a:fontRef idx="minor">
+            <a:schemeClr val="lt1"/>
+          </a:fontRef>
+        </p:style>
+        <p:txBody>
+          <a:bodyPr lIns="0" tIns="0" rIns="0" bIns="0" rtlCol="0" anchor="ctr"/>
+          <a:lstStyle/>
+          <a:p>
+            <a:pPr algn="ctr"/>
+            <a:r>
+              <a:rPr lang="en-US" sz="800" dirty="0">
+                <a:latin typeface="Arial" panose="020B0604020202020204" pitchFamily="34" charset="0"/>
+                <a:cs typeface="Arial" panose="020B0604020202020204" pitchFamily="34" charset="0"/>
+              </a:rPr>
+              <a:t>1.5</a:t>
+            </a:r>
+          </a:p>
+        </p:txBody>
+      </p:sp>
+      <p:cxnSp>
+        <p:nvCxnSpPr>
+          <p:cNvPr id="18" name="Straight Arrow Connector 17">
+            <a:extLst>
+              <a:ext uri="{FF2B5EF4-FFF2-40B4-BE49-F238E27FC236}">
+                <a16:creationId xmlns:a16="http://schemas.microsoft.com/office/drawing/2014/main" id="{303ADBA2-0BDE-A4FF-EC4F-3EBE63D0AB5C}"/>
+              </a:ext>
+            </a:extLst>
+          </p:cNvPr>
+          <p:cNvCxnSpPr>
+            <a:cxnSpLocks/>
+          </p:cNvCxnSpPr>
+          <p:nvPr/>
+        </p:nvCxnSpPr>
+        <p:spPr>
+          <a:xfrm>
+            <a:off x="5981405" y="3870012"/>
+            <a:ext cx="0" cy="393256"/>
+          </a:xfrm>
+          <a:prstGeom prst="straightConnector1">
+            <a:avLst/>
+          </a:prstGeom>
+          <a:ln>
+            <a:tailEnd type="triangle"/>
+          </a:ln>
+        </p:spPr>
+        <p:style>
+          <a:lnRef idx="1">
+            <a:schemeClr val="dk1"/>
+          </a:lnRef>
+          <a:fillRef idx="0">
+            <a:schemeClr val="dk1"/>
+          </a:fillRef>
+          <a:effectRef idx="0">
+            <a:schemeClr val="dk1"/>
+          </a:effectRef>
+          <a:fontRef idx="minor">
+            <a:schemeClr val="tx1"/>
+          </a:fontRef>
+        </p:style>
+      </p:cxnSp>
+      <p:pic>
+        <p:nvPicPr>
+          <p:cNvPr id="15" name="Graphic 14">
+            <a:extLst>
+              <a:ext uri="{FF2B5EF4-FFF2-40B4-BE49-F238E27FC236}">
+                <a16:creationId xmlns:a16="http://schemas.microsoft.com/office/drawing/2014/main" id="{337BC693-77DA-FB3F-7758-5EAA861C8B2D}"/>
+              </a:ext>
+            </a:extLst>
+          </p:cNvPr>
+          <p:cNvPicPr>
+            <a:picLocks noChangeAspect="1"/>
+          </p:cNvPicPr>
+          <p:nvPr/>
+        </p:nvPicPr>
+        <p:blipFill>
+          <a:blip r:embed="rId17">
+            <a:extLst>
+              <a:ext uri="{96DAC541-7B7A-43D3-8B79-37D633B846F1}">
+                <asvg:svgBlip xmlns:asvg="http://schemas.microsoft.com/office/drawing/2016/SVG/main" r:embed="rId18"/>
+              </a:ext>
+            </a:extLst>
+          </a:blip>
+          <a:stretch>
+            <a:fillRect/>
+          </a:stretch>
+        </p:blipFill>
+        <p:spPr>
+          <a:xfrm>
+            <a:off x="5776818" y="3115135"/>
+            <a:ext cx="430560" cy="430560"/>
+          </a:xfrm>
+          <a:prstGeom prst="rect">
+            <a:avLst/>
+          </a:prstGeom>
+        </p:spPr>
+      </p:pic>
+      <p:sp>
+        <p:nvSpPr>
+          <p:cNvPr id="16" name="TextBox 15">
+            <a:extLst>
+              <a:ext uri="{FF2B5EF4-FFF2-40B4-BE49-F238E27FC236}">
+                <a16:creationId xmlns:a16="http://schemas.microsoft.com/office/drawing/2014/main" id="{3FCEABE2-3D68-CB8C-47B2-4432A4AB81C8}"/>
+              </a:ext>
+            </a:extLst>
+          </p:cNvPr>
+          <p:cNvSpPr txBox="1"/>
+          <p:nvPr/>
+        </p:nvSpPr>
+        <p:spPr>
+          <a:xfrm>
+            <a:off x="5548915" y="3545696"/>
+            <a:ext cx="832921" cy="261610"/>
+          </a:xfrm>
+          <a:prstGeom prst="rect">
+            <a:avLst/>
+          </a:prstGeom>
+          <a:noFill/>
+        </p:spPr>
+        <p:txBody>
+          <a:bodyPr wrap="square" rtlCol="0">
+            <a:spAutoFit/>
+          </a:bodyPr>
+          <a:lstStyle/>
+          <a:p>
+            <a:pPr algn="ctr"/>
+            <a:r>
+              <a:rPr lang="en-US" sz="1100" dirty="0">
+                <a:latin typeface="Arial" panose="020B0604020202020204" pitchFamily="34" charset="0"/>
+                <a:cs typeface="Arial" panose="020B0604020202020204" pitchFamily="34" charset="0"/>
+              </a:rPr>
+              <a:t>CloudTrail</a:t>
+            </a:r>
+          </a:p>
+        </p:txBody>
+      </p:sp>
+      <p:sp>
+        <p:nvSpPr>
+          <p:cNvPr id="22" name="Oval 21">
+            <a:extLst>
+              <a:ext uri="{FF2B5EF4-FFF2-40B4-BE49-F238E27FC236}">
+                <a16:creationId xmlns:a16="http://schemas.microsoft.com/office/drawing/2014/main" id="{A9C807DA-B22B-CD8F-FBA8-640DFE4531F5}"/>
+              </a:ext>
+            </a:extLst>
+          </p:cNvPr>
+          <p:cNvSpPr/>
+          <p:nvPr/>
+        </p:nvSpPr>
+        <p:spPr>
+          <a:xfrm>
+            <a:off x="5650100" y="3069216"/>
+            <a:ext cx="253435" cy="212902"/>
+          </a:xfrm>
+          <a:prstGeom prst="ellipse">
+            <a:avLst/>
+          </a:prstGeom>
+          <a:solidFill>
+            <a:schemeClr val="tx1"/>
+          </a:solidFill>
+          <a:ln>
+            <a:solidFill>
+              <a:schemeClr val="tx1"/>
+            </a:solidFill>
+          </a:ln>
+        </p:spPr>
+        <p:style>
+          <a:lnRef idx="2">
+            <a:schemeClr val="accent1">
+              <a:shade val="50000"/>
+            </a:schemeClr>
+          </a:lnRef>
+          <a:fillRef idx="1">
+            <a:schemeClr val="accent1"/>
+          </a:fillRef>
+          <a:effectRef idx="0">
+            <a:schemeClr val="accent1"/>
+          </a:effectRef>
+          <a:fontRef idx="minor">
+            <a:schemeClr val="lt1"/>
+          </a:fontRef>
+        </p:style>
+        <p:txBody>
+          <a:bodyPr lIns="0" tIns="0" rIns="0" bIns="0" rtlCol="0" anchor="ctr"/>
+          <a:lstStyle/>
+          <a:p>
+            <a:pPr algn="ctr"/>
+            <a:r>
+              <a:rPr lang="en-US" sz="800" dirty="0">
+                <a:latin typeface="Arial" panose="020B0604020202020204" pitchFamily="34" charset="0"/>
+                <a:cs typeface="Arial" panose="020B0604020202020204" pitchFamily="34" charset="0"/>
+              </a:rPr>
+              <a:t>1.6</a:t>
+            </a:r>
+          </a:p>
+        </p:txBody>
+      </p:sp>
+      <p:sp>
+        <p:nvSpPr>
+          <p:cNvPr id="25" name="TextBox 2">
+            <a:extLst>
+              <a:ext uri="{FF2B5EF4-FFF2-40B4-BE49-F238E27FC236}">
+                <a16:creationId xmlns:a16="http://schemas.microsoft.com/office/drawing/2014/main" id="{7829751F-22F5-9CB2-F15B-4B56C94C3AD5}"/>
+              </a:ext>
+            </a:extLst>
+          </p:cNvPr>
+          <p:cNvSpPr txBox="1"/>
+          <p:nvPr/>
+        </p:nvSpPr>
+        <p:spPr>
+          <a:xfrm>
+            <a:off x="5507690" y="4808985"/>
+            <a:ext cx="1098724" cy="430887"/>
           </a:xfrm>
           <a:prstGeom prst="rect">
             <a:avLst/>
@@ -4199,17 +6175,315 @@
                 <a:latin typeface="Arial" panose="020B0604020202020204" pitchFamily="34" charset="0"/>
                 <a:cs typeface="Arial" panose="020B0604020202020204" pitchFamily="34" charset="0"/>
               </a:rPr>
-              <a:t>S3 Bucket</a:t>
-            </a:r>
-          </a:p>
-        </p:txBody>
-      </p:sp>
-      <p:sp>
-        <p:nvSpPr>
-          <p:cNvPr id="24" name="TextBox 2">
-            <a:extLst>
-              <a:ext uri="{FF2B5EF4-FFF2-40B4-BE49-F238E27FC236}">
-                <a16:creationId xmlns:a16="http://schemas.microsoft.com/office/drawing/2014/main" id="{07FFD671-05AC-4B44-9978-EE16BC024CE5}"/>
+              <a:t>CloudWatch Log Group</a:t>
+            </a:r>
+          </a:p>
+        </p:txBody>
+      </p:sp>
+      <p:pic>
+        <p:nvPicPr>
+          <p:cNvPr id="26" name="Graphic 7">
+            <a:extLst>
+              <a:ext uri="{FF2B5EF4-FFF2-40B4-BE49-F238E27FC236}">
+                <a16:creationId xmlns:a16="http://schemas.microsoft.com/office/drawing/2014/main" id="{396B5DB7-B659-6AE3-A21D-BAEA0A2523AD}"/>
+              </a:ext>
+            </a:extLst>
+          </p:cNvPr>
+          <p:cNvPicPr>
+            <a:picLocks noChangeAspect="1" noChangeArrowheads="1"/>
+          </p:cNvPicPr>
+          <p:nvPr/>
+        </p:nvPicPr>
+        <p:blipFill>
+          <a:blip r:embed="rId8">
+            <a:extLst>
+              <a:ext uri="{28A0092B-C50C-407E-A947-70E740481C1C}">
+                <a14:useLocalDpi xmlns:a14="http://schemas.microsoft.com/office/drawing/2010/main" val="0"/>
+              </a:ext>
+            </a:extLst>
+          </a:blip>
+          <a:srcRect/>
+          <a:stretch>
+            <a:fillRect/>
+          </a:stretch>
+        </p:blipFill>
+        <p:spPr bwMode="auto">
+          <a:xfrm>
+            <a:off x="5853746" y="4368772"/>
+            <a:ext cx="457200" cy="457200"/>
+          </a:xfrm>
+          <a:prstGeom prst="rect">
+            <a:avLst/>
+          </a:prstGeom>
+          <a:noFill/>
+          <a:ln>
+            <a:noFill/>
+          </a:ln>
+          <a:extLst>
+            <a:ext uri="{909E8E84-426E-40DD-AFC4-6F175D3DCCD1}">
+              <a14:hiddenFill xmlns:a14="http://schemas.microsoft.com/office/drawing/2010/main">
+                <a:solidFill>
+                  <a:srgbClr val="FFFFFF"/>
+                </a:solidFill>
+              </a14:hiddenFill>
+            </a:ext>
+            <a:ext uri="{91240B29-F687-4F45-9708-019B960494DF}">
+              <a14:hiddenLine xmlns:a14="http://schemas.microsoft.com/office/drawing/2010/main" w="9525">
+                <a:solidFill>
+                  <a:srgbClr val="000000"/>
+                </a:solidFill>
+                <a:miter lim="800000"/>
+                <a:headEnd/>
+                <a:tailEnd/>
+              </a14:hiddenLine>
+            </a:ext>
+          </a:extLst>
+        </p:spPr>
+      </p:pic>
+      <p:sp>
+        <p:nvSpPr>
+          <p:cNvPr id="27" name="Oval 26">
+            <a:extLst>
+              <a:ext uri="{FF2B5EF4-FFF2-40B4-BE49-F238E27FC236}">
+                <a16:creationId xmlns:a16="http://schemas.microsoft.com/office/drawing/2014/main" id="{191ED61C-4E3C-29C8-2A84-B831BE64A4F5}"/>
+              </a:ext>
+            </a:extLst>
+          </p:cNvPr>
+          <p:cNvSpPr/>
+          <p:nvPr/>
+        </p:nvSpPr>
+        <p:spPr>
+          <a:xfrm>
+            <a:off x="5666422" y="4330699"/>
+            <a:ext cx="253435" cy="212902"/>
+          </a:xfrm>
+          <a:prstGeom prst="ellipse">
+            <a:avLst/>
+          </a:prstGeom>
+          <a:solidFill>
+            <a:schemeClr val="tx1"/>
+          </a:solidFill>
+          <a:ln>
+            <a:solidFill>
+              <a:schemeClr val="tx1"/>
+            </a:solidFill>
+          </a:ln>
+        </p:spPr>
+        <p:style>
+          <a:lnRef idx="2">
+            <a:schemeClr val="accent1">
+              <a:shade val="50000"/>
+            </a:schemeClr>
+          </a:lnRef>
+          <a:fillRef idx="1">
+            <a:schemeClr val="accent1"/>
+          </a:fillRef>
+          <a:effectRef idx="0">
+            <a:schemeClr val="accent1"/>
+          </a:effectRef>
+          <a:fontRef idx="minor">
+            <a:schemeClr val="lt1"/>
+          </a:fontRef>
+        </p:style>
+        <p:txBody>
+          <a:bodyPr lIns="0" tIns="0" rIns="0" bIns="0" rtlCol="0" anchor="ctr"/>
+          <a:lstStyle/>
+          <a:p>
+            <a:pPr algn="ctr"/>
+            <a:r>
+              <a:rPr lang="en-US" sz="800" dirty="0">
+                <a:latin typeface="Arial" panose="020B0604020202020204" pitchFamily="34" charset="0"/>
+                <a:cs typeface="Arial" panose="020B0604020202020204" pitchFamily="34" charset="0"/>
+              </a:rPr>
+              <a:t>1.8</a:t>
+            </a:r>
+          </a:p>
+        </p:txBody>
+      </p:sp>
+      <p:cxnSp>
+        <p:nvCxnSpPr>
+          <p:cNvPr id="41" name="Straight Arrow Connector 40">
+            <a:extLst>
+              <a:ext uri="{FF2B5EF4-FFF2-40B4-BE49-F238E27FC236}">
+                <a16:creationId xmlns:a16="http://schemas.microsoft.com/office/drawing/2014/main" id="{6E327E1E-35DC-2299-40EC-340CF4135D13}"/>
+              </a:ext>
+            </a:extLst>
+          </p:cNvPr>
+          <p:cNvCxnSpPr>
+            <a:cxnSpLocks/>
+          </p:cNvCxnSpPr>
+          <p:nvPr/>
+        </p:nvCxnSpPr>
+        <p:spPr>
+          <a:xfrm>
+            <a:off x="3249257" y="3333300"/>
+            <a:ext cx="702510" cy="0"/>
+          </a:xfrm>
+          <a:prstGeom prst="straightConnector1">
+            <a:avLst/>
+          </a:prstGeom>
+          <a:ln>
+            <a:tailEnd type="triangle"/>
+          </a:ln>
+        </p:spPr>
+        <p:style>
+          <a:lnRef idx="1">
+            <a:schemeClr val="dk1"/>
+          </a:lnRef>
+          <a:fillRef idx="0">
+            <a:schemeClr val="dk1"/>
+          </a:fillRef>
+          <a:effectRef idx="0">
+            <a:schemeClr val="dk1"/>
+          </a:effectRef>
+          <a:fontRef idx="minor">
+            <a:schemeClr val="tx1"/>
+          </a:fontRef>
+        </p:style>
+      </p:cxnSp>
+      <p:cxnSp>
+        <p:nvCxnSpPr>
+          <p:cNvPr id="70" name="Straight Arrow Connector 69">
+            <a:extLst>
+              <a:ext uri="{FF2B5EF4-FFF2-40B4-BE49-F238E27FC236}">
+                <a16:creationId xmlns:a16="http://schemas.microsoft.com/office/drawing/2014/main" id="{A5D802DE-6BD0-6073-9CAB-26E222C4C8EC}"/>
+              </a:ext>
+            </a:extLst>
+          </p:cNvPr>
+          <p:cNvCxnSpPr>
+            <a:cxnSpLocks/>
+          </p:cNvCxnSpPr>
+          <p:nvPr/>
+        </p:nvCxnSpPr>
+        <p:spPr>
+          <a:xfrm>
+            <a:off x="4396445" y="3870012"/>
+            <a:ext cx="0" cy="393256"/>
+          </a:xfrm>
+          <a:prstGeom prst="straightConnector1">
+            <a:avLst/>
+          </a:prstGeom>
+          <a:ln>
+            <a:tailEnd type="triangle"/>
+          </a:ln>
+        </p:spPr>
+        <p:style>
+          <a:lnRef idx="1">
+            <a:schemeClr val="dk1"/>
+          </a:lnRef>
+          <a:fillRef idx="0">
+            <a:schemeClr val="dk1"/>
+          </a:fillRef>
+          <a:effectRef idx="0">
+            <a:schemeClr val="dk1"/>
+          </a:effectRef>
+          <a:fontRef idx="minor">
+            <a:schemeClr val="tx1"/>
+          </a:fontRef>
+        </p:style>
+      </p:cxnSp>
+      <p:pic>
+        <p:nvPicPr>
+          <p:cNvPr id="71" name="Graphic 70">
+            <a:extLst>
+              <a:ext uri="{FF2B5EF4-FFF2-40B4-BE49-F238E27FC236}">
+                <a16:creationId xmlns:a16="http://schemas.microsoft.com/office/drawing/2014/main" id="{577C98F5-BCFA-3478-1A00-1FB0821A2E32}"/>
+              </a:ext>
+            </a:extLst>
+          </p:cNvPr>
+          <p:cNvPicPr>
+            <a:picLocks noChangeAspect="1"/>
+          </p:cNvPicPr>
+          <p:nvPr/>
+        </p:nvPicPr>
+        <p:blipFill>
+          <a:blip r:embed="rId13">
+            <a:extLst>
+              <a:ext uri="{96DAC541-7B7A-43D3-8B79-37D633B846F1}">
+                <asvg:svgBlip xmlns:asvg="http://schemas.microsoft.com/office/drawing/2016/SVG/main" r:embed="rId14"/>
+              </a:ext>
+            </a:extLst>
+          </a:blip>
+          <a:stretch>
+            <a:fillRect/>
+          </a:stretch>
+        </p:blipFill>
+        <p:spPr>
+          <a:xfrm>
+            <a:off x="5808427" y="1078091"/>
+            <a:ext cx="469900" cy="469900"/>
+          </a:xfrm>
+          <a:prstGeom prst="rect">
+            <a:avLst/>
+          </a:prstGeom>
+        </p:spPr>
+      </p:pic>
+      <p:sp>
+        <p:nvSpPr>
+          <p:cNvPr id="72" name="Oval 71">
+            <a:extLst>
+              <a:ext uri="{FF2B5EF4-FFF2-40B4-BE49-F238E27FC236}">
+                <a16:creationId xmlns:a16="http://schemas.microsoft.com/office/drawing/2014/main" id="{836A1686-69D5-884A-3385-C6A99D528D6F}"/>
+              </a:ext>
+            </a:extLst>
+          </p:cNvPr>
+          <p:cNvSpPr/>
+          <p:nvPr/>
+        </p:nvSpPr>
+        <p:spPr>
+          <a:xfrm>
+            <a:off x="5627655" y="1078866"/>
+            <a:ext cx="253435" cy="212902"/>
+          </a:xfrm>
+          <a:prstGeom prst="ellipse">
+            <a:avLst/>
+          </a:prstGeom>
+          <a:solidFill>
+            <a:schemeClr val="tx1"/>
+          </a:solidFill>
+          <a:ln>
+            <a:solidFill>
+              <a:schemeClr val="tx1"/>
+            </a:solidFill>
+          </a:ln>
+        </p:spPr>
+        <p:style>
+          <a:lnRef idx="2">
+            <a:schemeClr val="accent1">
+              <a:shade val="50000"/>
+            </a:schemeClr>
+          </a:lnRef>
+          <a:fillRef idx="1">
+            <a:schemeClr val="accent1"/>
+          </a:fillRef>
+          <a:effectRef idx="0">
+            <a:schemeClr val="accent1"/>
+          </a:effectRef>
+          <a:fontRef idx="minor">
+            <a:schemeClr val="lt1"/>
+          </a:fontRef>
+        </p:style>
+        <p:txBody>
+          <a:bodyPr lIns="0" tIns="0" rIns="0" bIns="0" rtlCol="0" anchor="ctr"/>
+          <a:lstStyle/>
+          <a:p>
+            <a:pPr algn="ctr"/>
+            <a:r>
+              <a:rPr lang="en-US" sz="800" dirty="0">
+                <a:latin typeface="Arial" panose="020B0604020202020204" pitchFamily="34" charset="0"/>
+                <a:cs typeface="Arial" panose="020B0604020202020204" pitchFamily="34" charset="0"/>
+              </a:rPr>
+              <a:t>1.7</a:t>
+            </a:r>
+          </a:p>
+        </p:txBody>
+      </p:sp>
+      <p:sp>
+        <p:nvSpPr>
+          <p:cNvPr id="75" name="TextBox 74">
+            <a:extLst>
+              <a:ext uri="{FF2B5EF4-FFF2-40B4-BE49-F238E27FC236}">
+                <a16:creationId xmlns:a16="http://schemas.microsoft.com/office/drawing/2014/main" id="{301A76E2-781A-F16B-A2C9-DD034ED7E3DD}"/>
               </a:ext>
             </a:extLst>
           </p:cNvPr>
@@ -4218,8 +6492,83 @@
         </p:nvSpPr>
         <p:spPr>
           <a:xfrm>
-            <a:off x="5400908" y="2523578"/>
-            <a:ext cx="1427732" cy="261610"/>
+            <a:off x="5514638" y="1476792"/>
+            <a:ext cx="1177290" cy="261610"/>
+          </a:xfrm>
+          <a:prstGeom prst="rect">
+            <a:avLst/>
+          </a:prstGeom>
+          <a:noFill/>
+        </p:spPr>
+        <p:txBody>
+          <a:bodyPr wrap="square" rtlCol="0">
+            <a:spAutoFit/>
+          </a:bodyPr>
+          <a:lstStyle/>
+          <a:p>
+            <a:pPr algn="ctr"/>
+            <a:r>
+              <a:rPr lang="en-US" sz="1100" dirty="0">
+                <a:latin typeface="Arial" panose="020B0604020202020204" pitchFamily="34" charset="0"/>
+                <a:cs typeface="Arial" panose="020B0604020202020204" pitchFamily="34" charset="0"/>
+              </a:rPr>
+              <a:t>Log Group Role</a:t>
+            </a:r>
+          </a:p>
+        </p:txBody>
+      </p:sp>
+      <p:pic>
+        <p:nvPicPr>
+          <p:cNvPr id="76" name="Graphic 1">
+            <a:extLst>
+              <a:ext uri="{FF2B5EF4-FFF2-40B4-BE49-F238E27FC236}">
+                <a16:creationId xmlns:a16="http://schemas.microsoft.com/office/drawing/2014/main" id="{D14E8AD4-AEAC-9F4E-17A1-1BFDA9CF6652}"/>
+              </a:ext>
+            </a:extLst>
+          </p:cNvPr>
+          <p:cNvPicPr>
+            <a:picLocks noChangeAspect="1"/>
+          </p:cNvPicPr>
+          <p:nvPr/>
+        </p:nvPicPr>
+        <p:blipFill>
+          <a:blip r:embed="rId19">
+            <a:extLst>
+              <a:ext uri="{96DAC541-7B7A-43D3-8B79-37D633B846F1}">
+                <asvg:svgBlip xmlns:asvg="http://schemas.microsoft.com/office/drawing/2016/SVG/main" r:embed="rId20"/>
+              </a:ext>
+            </a:extLst>
+          </a:blip>
+          <a:stretch>
+            <a:fillRect/>
+          </a:stretch>
+        </p:blipFill>
+        <p:spPr>
+          <a:xfrm>
+            <a:off x="9276651" y="1561030"/>
+            <a:ext cx="457200" cy="457200"/>
+          </a:xfrm>
+          <a:prstGeom prst="rect">
+            <a:avLst/>
+          </a:prstGeom>
+        </p:spPr>
+      </p:pic>
+      <p:sp>
+        <p:nvSpPr>
+          <p:cNvPr id="77" name="TextBox 2">
+            <a:extLst>
+              <a:ext uri="{FF2B5EF4-FFF2-40B4-BE49-F238E27FC236}">
+                <a16:creationId xmlns:a16="http://schemas.microsoft.com/office/drawing/2014/main" id="{C8B6726B-0C7D-497E-73A6-0605449ED475}"/>
+              </a:ext>
+            </a:extLst>
+          </p:cNvPr>
+          <p:cNvSpPr txBox="1"/>
+          <p:nvPr/>
+        </p:nvSpPr>
+        <p:spPr>
+          <a:xfrm>
+            <a:off x="8933838" y="2016422"/>
+            <a:ext cx="1142826" cy="430887"/>
           </a:xfrm>
           <a:prstGeom prst="rect">
             <a:avLst/>
@@ -4314,17 +6663,137 @@
                 <a:latin typeface="Arial" panose="020B0604020202020204" pitchFamily="34" charset="0"/>
                 <a:cs typeface="Arial" panose="020B0604020202020204" pitchFamily="34" charset="0"/>
               </a:rPr>
-              <a:t>Lambda Function</a:t>
-            </a:r>
-          </a:p>
-        </p:txBody>
-      </p:sp>
-      <p:sp>
-        <p:nvSpPr>
-          <p:cNvPr id="26" name="TextBox 2">
-            <a:extLst>
-              <a:ext uri="{FF2B5EF4-FFF2-40B4-BE49-F238E27FC236}">
-                <a16:creationId xmlns:a16="http://schemas.microsoft.com/office/drawing/2014/main" id="{00C34D1D-DBB2-C142-B3FF-DB72016190FD}"/>
+              <a:t>CloudTrail KMS Key</a:t>
+            </a:r>
+          </a:p>
+        </p:txBody>
+      </p:sp>
+      <p:sp>
+        <p:nvSpPr>
+          <p:cNvPr id="79" name="Oval 78">
+            <a:extLst>
+              <a:ext uri="{FF2B5EF4-FFF2-40B4-BE49-F238E27FC236}">
+                <a16:creationId xmlns:a16="http://schemas.microsoft.com/office/drawing/2014/main" id="{77B37CB8-2AB0-75FB-EE18-B007268D29B8}"/>
+              </a:ext>
+            </a:extLst>
+          </p:cNvPr>
+          <p:cNvSpPr/>
+          <p:nvPr/>
+        </p:nvSpPr>
+        <p:spPr>
+          <a:xfrm>
+            <a:off x="9106576" y="1486273"/>
+            <a:ext cx="253435" cy="212902"/>
+          </a:xfrm>
+          <a:prstGeom prst="ellipse">
+            <a:avLst/>
+          </a:prstGeom>
+          <a:solidFill>
+            <a:schemeClr val="tx1"/>
+          </a:solidFill>
+          <a:ln>
+            <a:solidFill>
+              <a:schemeClr val="tx1"/>
+            </a:solidFill>
+          </a:ln>
+        </p:spPr>
+        <p:style>
+          <a:lnRef idx="2">
+            <a:schemeClr val="accent1">
+              <a:shade val="50000"/>
+            </a:schemeClr>
+          </a:lnRef>
+          <a:fillRef idx="1">
+            <a:schemeClr val="accent1"/>
+          </a:fillRef>
+          <a:effectRef idx="0">
+            <a:schemeClr val="accent1"/>
+          </a:effectRef>
+          <a:fontRef idx="minor">
+            <a:schemeClr val="lt1"/>
+          </a:fontRef>
+        </p:style>
+        <p:txBody>
+          <a:bodyPr lIns="0" tIns="0" rIns="0" bIns="0" rtlCol="0" anchor="ctr"/>
+          <a:lstStyle/>
+          <a:p>
+            <a:pPr algn="ctr"/>
+            <a:r>
+              <a:rPr lang="en-US" sz="800" dirty="0">
+                <a:latin typeface="Arial" panose="020B0604020202020204" pitchFamily="34" charset="0"/>
+                <a:cs typeface="Arial" panose="020B0604020202020204" pitchFamily="34" charset="0"/>
+              </a:rPr>
+              <a:t>2.2</a:t>
+            </a:r>
+          </a:p>
+        </p:txBody>
+      </p:sp>
+      <p:pic>
+        <p:nvPicPr>
+          <p:cNvPr id="80" name="Graphic 17">
+            <a:extLst>
+              <a:ext uri="{FF2B5EF4-FFF2-40B4-BE49-F238E27FC236}">
+                <a16:creationId xmlns:a16="http://schemas.microsoft.com/office/drawing/2014/main" id="{0E0240CF-2005-F89D-4EE3-41D5FF820F68}"/>
+              </a:ext>
+            </a:extLst>
+          </p:cNvPr>
+          <p:cNvPicPr>
+            <a:picLocks noChangeAspect="1" noChangeArrowheads="1"/>
+          </p:cNvPicPr>
+          <p:nvPr/>
+        </p:nvPicPr>
+        <p:blipFill>
+          <a:blip r:embed="rId21">
+            <a:extLst>
+              <a:ext uri="{28A0092B-C50C-407E-A947-70E740481C1C}">
+                <a14:useLocalDpi xmlns:a14="http://schemas.microsoft.com/office/drawing/2010/main" val="0"/>
+              </a:ext>
+            </a:extLst>
+          </a:blip>
+          <a:srcRect/>
+          <a:stretch>
+            <a:fillRect/>
+          </a:stretch>
+        </p:blipFill>
+        <p:spPr bwMode="auto">
+          <a:xfrm>
+            <a:off x="10304371" y="1559716"/>
+            <a:ext cx="457200" cy="457200"/>
+          </a:xfrm>
+          <a:prstGeom prst="rect">
+            <a:avLst/>
+          </a:prstGeom>
+          <a:noFill/>
+          <a:ln>
+            <a:noFill/>
+          </a:ln>
+          <a:extLst>
+            <a:ext uri="{909E8E84-426E-40DD-AFC4-6F175D3DCCD1}">
+              <a14:hiddenFill xmlns:a14="http://schemas.microsoft.com/office/drawing/2010/main">
+                <a:solidFill>
+                  <a:srgbClr val="FFFFFF"/>
+                </a:solidFill>
+              </a14:hiddenFill>
+            </a:ext>
+            <a:ext uri="{91240B29-F687-4F45-9708-019B960494DF}">
+              <a14:hiddenLine xmlns:a14="http://schemas.microsoft.com/office/drawing/2010/main" w="9525">
+                <a:solidFill>
+                  <a:srgbClr val="000000"/>
+                </a:solidFill>
+                <a:miter lim="800000"/>
+                <a:headEnd/>
+                <a:tailEnd/>
+              </a14:hiddenLine>
+            </a:ext>
+          </a:extLst>
+        </p:spPr>
+      </p:pic>
+      <p:sp>
+        <p:nvSpPr>
+          <p:cNvPr id="83" name="TextBox 2">
+            <a:extLst>
+              <a:ext uri="{FF2B5EF4-FFF2-40B4-BE49-F238E27FC236}">
+                <a16:creationId xmlns:a16="http://schemas.microsoft.com/office/drawing/2014/main" id="{6F845E01-6C57-992D-DA03-ACA8810AAEA7}"/>
               </a:ext>
             </a:extLst>
           </p:cNvPr>
@@ -4333,8 +6802,8 @@
         </p:nvSpPr>
         <p:spPr>
           <a:xfrm>
-            <a:off x="5466954" y="3503216"/>
-            <a:ext cx="1103001" cy="430887"/>
+            <a:off x="10122952" y="2016422"/>
+            <a:ext cx="810161" cy="430887"/>
           </a:xfrm>
           <a:prstGeom prst="rect">
             <a:avLst/>
@@ -4429,262 +6898,38 @@
                 <a:latin typeface="Arial" panose="020B0604020202020204" pitchFamily="34" charset="0"/>
                 <a:cs typeface="Arial" panose="020B0604020202020204" pitchFamily="34" charset="0"/>
               </a:rPr>
-              <a:t>CloudWatch Log Group</a:t>
-            </a:r>
-          </a:p>
-        </p:txBody>
-      </p:sp>
-      <p:sp>
-        <p:nvSpPr>
-          <p:cNvPr id="28" name="TextBox 27">
-            <a:extLst>
-              <a:ext uri="{FF2B5EF4-FFF2-40B4-BE49-F238E27FC236}">
-                <a16:creationId xmlns:a16="http://schemas.microsoft.com/office/drawing/2014/main" id="{87C80F56-7337-084F-A922-E2DD22E3AB2D}"/>
-              </a:ext>
-            </a:extLst>
-          </p:cNvPr>
-          <p:cNvSpPr txBox="1"/>
+              <a:t>KMS Key Secret</a:t>
+            </a:r>
+          </a:p>
+        </p:txBody>
+      </p:sp>
+      <p:sp>
+        <p:nvSpPr>
+          <p:cNvPr id="84" name="Oval 83">
+            <a:extLst>
+              <a:ext uri="{FF2B5EF4-FFF2-40B4-BE49-F238E27FC236}">
+                <a16:creationId xmlns:a16="http://schemas.microsoft.com/office/drawing/2014/main" id="{F9259227-567A-422D-EE24-8A005D04CCD0}"/>
+              </a:ext>
+            </a:extLst>
+          </p:cNvPr>
+          <p:cNvSpPr/>
           <p:nvPr/>
         </p:nvSpPr>
         <p:spPr>
           <a:xfrm>
-            <a:off x="5502712" y="1581451"/>
-            <a:ext cx="1103001" cy="261610"/>
-          </a:xfrm>
-          <a:prstGeom prst="rect">
+            <a:off x="10141603" y="1486273"/>
+            <a:ext cx="253435" cy="212902"/>
+          </a:xfrm>
+          <a:prstGeom prst="ellipse">
             <a:avLst/>
           </a:prstGeom>
-          <a:noFill/>
-        </p:spPr>
-        <p:txBody>
-          <a:bodyPr wrap="square" rtlCol="0">
-            <a:spAutoFit/>
-          </a:bodyPr>
-          <a:lstStyle/>
-          <a:p>
-            <a:pPr algn="ctr"/>
-            <a:r>
-              <a:rPr lang="en-US" sz="1100" dirty="0">
-                <a:latin typeface="Arial" panose="020B0604020202020204" pitchFamily="34" charset="0"/>
-                <a:cs typeface="Arial" panose="020B0604020202020204" pitchFamily="34" charset="0"/>
-              </a:rPr>
-              <a:t>Lambda Role</a:t>
-            </a:r>
-          </a:p>
-        </p:txBody>
-      </p:sp>
-      <p:pic>
-        <p:nvPicPr>
-          <p:cNvPr id="29" name="Graphic 28">
-            <a:extLst>
-              <a:ext uri="{FF2B5EF4-FFF2-40B4-BE49-F238E27FC236}">
-                <a16:creationId xmlns:a16="http://schemas.microsoft.com/office/drawing/2014/main" id="{0A41393E-D1A0-DC45-AF2C-FC996863891B}"/>
-              </a:ext>
-            </a:extLst>
-          </p:cNvPr>
-          <p:cNvPicPr>
-            <a:picLocks noChangeAspect="1"/>
-          </p:cNvPicPr>
-          <p:nvPr/>
-        </p:nvPicPr>
-        <p:blipFill>
-          <a:blip r:embed="rId8">
-            <a:extLst>
-              <a:ext uri="{96DAC541-7B7A-43D3-8B79-37D633B846F1}">
-                <asvg:svgBlip xmlns:asvg="http://schemas.microsoft.com/office/drawing/2016/SVG/main" r:embed="rId9"/>
-              </a:ext>
-            </a:extLst>
-          </a:blip>
-          <a:stretch>
-            <a:fillRect/>
-          </a:stretch>
-        </p:blipFill>
-        <p:spPr>
-          <a:xfrm>
-            <a:off x="5811600" y="1249002"/>
-            <a:ext cx="469900" cy="469900"/>
-          </a:xfrm>
-          <a:prstGeom prst="rect">
-            <a:avLst/>
-          </a:prstGeom>
-        </p:spPr>
-      </p:pic>
-      <p:sp>
-        <p:nvSpPr>
-          <p:cNvPr id="30" name="TextBox 29">
-            <a:extLst>
-              <a:ext uri="{FF2B5EF4-FFF2-40B4-BE49-F238E27FC236}">
-                <a16:creationId xmlns:a16="http://schemas.microsoft.com/office/drawing/2014/main" id="{DEF1EA1E-079E-1943-91D5-3521ECB671F3}"/>
-              </a:ext>
-            </a:extLst>
-          </p:cNvPr>
-          <p:cNvSpPr txBox="1"/>
-          <p:nvPr/>
-        </p:nvSpPr>
-        <p:spPr>
-          <a:xfrm>
-            <a:off x="7500846" y="1600442"/>
-            <a:ext cx="1219143" cy="261610"/>
-          </a:xfrm>
-          <a:prstGeom prst="rect">
-            <a:avLst/>
-          </a:prstGeom>
-          <a:noFill/>
-        </p:spPr>
-        <p:txBody>
-          <a:bodyPr wrap="square" rtlCol="0">
-            <a:spAutoFit/>
-          </a:bodyPr>
-          <a:lstStyle/>
-          <a:p>
-            <a:pPr algn="ctr"/>
-            <a:r>
-              <a:rPr lang="en-US" sz="1100" dirty="0">
-                <a:latin typeface="Arial" panose="020B0604020202020204" pitchFamily="34" charset="0"/>
-                <a:cs typeface="Arial" panose="020B0604020202020204" pitchFamily="34" charset="0"/>
-              </a:rPr>
-              <a:t>Log Group Role</a:t>
-            </a:r>
-          </a:p>
-        </p:txBody>
-      </p:sp>
-      <p:pic>
-        <p:nvPicPr>
-          <p:cNvPr id="31" name="Graphic 30">
-            <a:extLst>
-              <a:ext uri="{FF2B5EF4-FFF2-40B4-BE49-F238E27FC236}">
-                <a16:creationId xmlns:a16="http://schemas.microsoft.com/office/drawing/2014/main" id="{B6E8919B-F978-8C48-B136-276A746164EF}"/>
-              </a:ext>
-            </a:extLst>
-          </p:cNvPr>
-          <p:cNvPicPr>
-            <a:picLocks noChangeAspect="1"/>
-          </p:cNvPicPr>
-          <p:nvPr/>
-        </p:nvPicPr>
-        <p:blipFill>
-          <a:blip r:embed="rId8">
-            <a:extLst>
-              <a:ext uri="{96DAC541-7B7A-43D3-8B79-37D633B846F1}">
-                <asvg:svgBlip xmlns:asvg="http://schemas.microsoft.com/office/drawing/2016/SVG/main" r:embed="rId9"/>
-              </a:ext>
-            </a:extLst>
-          </a:blip>
-          <a:stretch>
-            <a:fillRect/>
-          </a:stretch>
-        </p:blipFill>
-        <p:spPr>
-          <a:xfrm>
-            <a:off x="7837740" y="1290846"/>
-            <a:ext cx="519379" cy="469900"/>
-          </a:xfrm>
-          <a:prstGeom prst="rect">
-            <a:avLst/>
-          </a:prstGeom>
-        </p:spPr>
-      </p:pic>
-      <p:sp>
-        <p:nvSpPr>
-          <p:cNvPr id="35" name="TextBox 34">
-            <a:extLst>
-              <a:ext uri="{FF2B5EF4-FFF2-40B4-BE49-F238E27FC236}">
-                <a16:creationId xmlns:a16="http://schemas.microsoft.com/office/drawing/2014/main" id="{3ECF5BF4-90EE-7543-B53F-20106F407FD7}"/>
-              </a:ext>
-            </a:extLst>
-          </p:cNvPr>
-          <p:cNvSpPr txBox="1"/>
-          <p:nvPr/>
-        </p:nvSpPr>
-        <p:spPr>
-          <a:xfrm>
-            <a:off x="4130072" y="2977407"/>
-            <a:ext cx="1307240" cy="430887"/>
-          </a:xfrm>
-          <a:prstGeom prst="rect">
-            <a:avLst/>
-          </a:prstGeom>
-          <a:noFill/>
-        </p:spPr>
-        <p:txBody>
-          <a:bodyPr wrap="square" rtlCol="0">
-            <a:spAutoFit/>
-          </a:bodyPr>
-          <a:lstStyle/>
-          <a:p>
-            <a:pPr algn="ctr"/>
-            <a:r>
-              <a:rPr lang="en-US" sz="1100" dirty="0">
-                <a:latin typeface="Arial" panose="020B0604020202020204" pitchFamily="34" charset="0"/>
-                <a:cs typeface="Arial" panose="020B0604020202020204" pitchFamily="34" charset="0"/>
-              </a:rPr>
-              <a:t>AWS CloudFormation</a:t>
-            </a:r>
-          </a:p>
-        </p:txBody>
-      </p:sp>
-      <p:pic>
-        <p:nvPicPr>
-          <p:cNvPr id="36" name="Graphic 35">
-            <a:extLst>
-              <a:ext uri="{FF2B5EF4-FFF2-40B4-BE49-F238E27FC236}">
-                <a16:creationId xmlns:a16="http://schemas.microsoft.com/office/drawing/2014/main" id="{F3F17F92-5C34-9443-A0B1-080A54E9E04D}"/>
-              </a:ext>
-            </a:extLst>
-          </p:cNvPr>
-          <p:cNvPicPr>
-            <a:picLocks noChangeAspect="1"/>
-          </p:cNvPicPr>
-          <p:nvPr/>
-        </p:nvPicPr>
-        <p:blipFill>
-          <a:blip r:embed="rId10">
-            <a:extLst>
-              <a:ext uri="{96DAC541-7B7A-43D3-8B79-37D633B846F1}">
-                <asvg:svgBlip xmlns:asvg="http://schemas.microsoft.com/office/drawing/2016/SVG/main" r:embed="rId11"/>
-              </a:ext>
-            </a:extLst>
-          </a:blip>
-          <a:stretch>
-            <a:fillRect/>
-          </a:stretch>
-        </p:blipFill>
-        <p:spPr>
-          <a:xfrm>
-            <a:off x="4556548" y="2537727"/>
-            <a:ext cx="457200" cy="457200"/>
-          </a:xfrm>
-          <a:prstGeom prst="rect">
-            <a:avLst/>
-          </a:prstGeom>
-        </p:spPr>
-      </p:pic>
-      <p:sp>
-        <p:nvSpPr>
-          <p:cNvPr id="37" name="Rectangle 36">
-            <a:extLst>
-              <a:ext uri="{FF2B5EF4-FFF2-40B4-BE49-F238E27FC236}">
-                <a16:creationId xmlns:a16="http://schemas.microsoft.com/office/drawing/2014/main" id="{7A9383E1-1702-C44D-9AB9-07EE18CD8B29}"/>
-              </a:ext>
-            </a:extLst>
-          </p:cNvPr>
-          <p:cNvSpPr/>
-          <p:nvPr/>
-        </p:nvSpPr>
-        <p:spPr>
-          <a:xfrm>
-            <a:off x="4027534" y="1854595"/>
-            <a:ext cx="4692455" cy="2108325"/>
-          </a:xfrm>
-          <a:prstGeom prst="rect">
-            <a:avLst/>
-          </a:prstGeom>
-          <a:noFill/>
-          <a:ln w="12700">
+          <a:solidFill>
+            <a:schemeClr val="tx1"/>
+          </a:solidFill>
+          <a:ln>
             <a:solidFill>
               <a:schemeClr val="tx1"/>
             </a:solidFill>
-            <a:prstDash val="dash"/>
           </a:ln>
         </p:spPr>
         <p:style>
@@ -4704,79 +6949,26 @@
           </a:fontRef>
         </p:style>
         <p:txBody>
-          <a:bodyPr rot="0" spcFirstLastPara="0" vertOverflow="overflow" horzOverflow="overflow" vert="horz" wrap="square" lIns="91440" tIns="0" rIns="91440" bIns="45720" numCol="1" spcCol="0" rtlCol="0" fromWordArt="0" anchor="t" anchorCtr="0" forceAA="0" compatLnSpc="1">
-            <a:prstTxWarp prst="textNoShape">
-              <a:avLst/>
-            </a:prstTxWarp>
-            <a:noAutofit/>
-          </a:bodyPr>
-          <a:lstStyle/>
-          <a:p>
-            <a:r>
-              <a:rPr lang="en-US" sz="1100" b="1" dirty="0">
-                <a:solidFill>
-                  <a:schemeClr val="tx1"/>
-                </a:solidFill>
+          <a:bodyPr lIns="0" tIns="0" rIns="0" bIns="0" rtlCol="0" anchor="ctr"/>
+          <a:lstStyle/>
+          <a:p>
+            <a:pPr algn="ctr"/>
+            <a:r>
+              <a:rPr lang="en-US" sz="800" dirty="0">
                 <a:latin typeface="Arial" panose="020B0604020202020204" pitchFamily="34" charset="0"/>
                 <a:cs typeface="Arial" panose="020B0604020202020204" pitchFamily="34" charset="0"/>
               </a:rPr>
-              <a:t>Home-region</a:t>
-            </a:r>
-            <a:endParaRPr lang="en-US" sz="1400" b="1" dirty="0">
-              <a:solidFill>
-                <a:schemeClr val="tx1"/>
-              </a:solidFill>
-              <a:latin typeface="Arial" panose="020B0604020202020204" pitchFamily="34" charset="0"/>
-              <a:cs typeface="Arial" panose="020B0604020202020204" pitchFamily="34" charset="0"/>
-            </a:endParaRPr>
-          </a:p>
-        </p:txBody>
-      </p:sp>
-      <p:sp>
-        <p:nvSpPr>
-          <p:cNvPr id="40" name="TextBox 39">
-            <a:extLst>
-              <a:ext uri="{FF2B5EF4-FFF2-40B4-BE49-F238E27FC236}">
-                <a16:creationId xmlns:a16="http://schemas.microsoft.com/office/drawing/2014/main" id="{0D8D2387-A839-014C-928D-A380E557D6F2}"/>
-              </a:ext>
-            </a:extLst>
-          </p:cNvPr>
-          <p:cNvSpPr txBox="1"/>
-          <p:nvPr/>
-        </p:nvSpPr>
-        <p:spPr>
-          <a:xfrm>
-            <a:off x="6464380" y="5416245"/>
-            <a:ext cx="1180988" cy="430887"/>
-          </a:xfrm>
-          <a:prstGeom prst="rect">
-            <a:avLst/>
-          </a:prstGeom>
-          <a:noFill/>
-        </p:spPr>
-        <p:txBody>
-          <a:bodyPr wrap="square" rtlCol="0">
-            <a:spAutoFit/>
-          </a:bodyPr>
-          <a:lstStyle/>
-          <a:p>
-            <a:pPr algn="ctr"/>
-            <a:r>
-              <a:rPr lang="en-US" sz="1100" dirty="0">
-                <a:latin typeface="Arial" panose="020B0604020202020204" pitchFamily="34" charset="0"/>
-                <a:cs typeface="Arial" panose="020B0604020202020204" pitchFamily="34" charset="0"/>
-              </a:rPr>
-              <a:t>AWS CloudFormation</a:t>
+              <a:t>2.3</a:t>
             </a:r>
           </a:p>
         </p:txBody>
       </p:sp>
       <p:pic>
         <p:nvPicPr>
-          <p:cNvPr id="41" name="Graphic 40">
-            <a:extLst>
-              <a:ext uri="{FF2B5EF4-FFF2-40B4-BE49-F238E27FC236}">
-                <a16:creationId xmlns:a16="http://schemas.microsoft.com/office/drawing/2014/main" id="{C8033FC8-2BA7-0743-9AE9-81D8BBB1B854}"/>
+          <p:cNvPr id="85" name="Graphic 84">
+            <a:extLst>
+              <a:ext uri="{FF2B5EF4-FFF2-40B4-BE49-F238E27FC236}">
+                <a16:creationId xmlns:a16="http://schemas.microsoft.com/office/drawing/2014/main" id="{2E742FA0-DD8B-31FF-7806-5695DEA667E0}"/>
               </a:ext>
             </a:extLst>
           </p:cNvPr>
@@ -4786,10 +6978,10 @@
           <p:nvPr/>
         </p:nvPicPr>
         <p:blipFill>
-          <a:blip r:embed="rId10">
+          <a:blip r:embed="rId15">
             <a:extLst>
               <a:ext uri="{96DAC541-7B7A-43D3-8B79-37D633B846F1}">
-                <asvg:svgBlip xmlns:asvg="http://schemas.microsoft.com/office/drawing/2016/SVG/main" r:embed="rId11"/>
+                <asvg:svgBlip xmlns:asvg="http://schemas.microsoft.com/office/drawing/2016/SVG/main" r:embed="rId16"/>
               </a:ext>
             </a:extLst>
           </a:blip>
@@ -4799,7 +6991,7 @@
         </p:blipFill>
         <p:spPr>
           <a:xfrm>
-            <a:off x="6823721" y="4972435"/>
+            <a:off x="8248438" y="5117615"/>
             <a:ext cx="457200" cy="457200"/>
           </a:xfrm>
           <a:prstGeom prst="rect">
@@ -4809,105 +7001,31 @@
       </p:pic>
       <p:sp>
         <p:nvSpPr>
-          <p:cNvPr id="42" name="TextBox 41">
-            <a:extLst>
-              <a:ext uri="{FF2B5EF4-FFF2-40B4-BE49-F238E27FC236}">
-                <a16:creationId xmlns:a16="http://schemas.microsoft.com/office/drawing/2014/main" id="{80BEC1ED-9E7C-964F-BBDB-736D8F0440EC}"/>
-              </a:ext>
-            </a:extLst>
-          </p:cNvPr>
-          <p:cNvSpPr txBox="1"/>
+          <p:cNvPr id="86" name="Oval 85">
+            <a:extLst>
+              <a:ext uri="{FF2B5EF4-FFF2-40B4-BE49-F238E27FC236}">
+                <a16:creationId xmlns:a16="http://schemas.microsoft.com/office/drawing/2014/main" id="{4D6D2C03-C0AE-895D-72D2-A3CC5839F65E}"/>
+              </a:ext>
+            </a:extLst>
+          </p:cNvPr>
+          <p:cNvSpPr/>
           <p:nvPr/>
         </p:nvSpPr>
         <p:spPr>
           <a:xfrm>
-            <a:off x="3042075" y="5422902"/>
-            <a:ext cx="1282714" cy="430887"/>
-          </a:xfrm>
-          <a:prstGeom prst="rect">
+            <a:off x="8106554" y="5015043"/>
+            <a:ext cx="253435" cy="212902"/>
+          </a:xfrm>
+          <a:prstGeom prst="ellipse">
             <a:avLst/>
           </a:prstGeom>
-          <a:noFill/>
-        </p:spPr>
-        <p:txBody>
-          <a:bodyPr wrap="square" rtlCol="0">
-            <a:spAutoFit/>
-          </a:bodyPr>
-          <a:lstStyle/>
-          <a:p>
-            <a:pPr algn="ctr"/>
-            <a:r>
-              <a:rPr lang="en-US" sz="1100" dirty="0">
-                <a:latin typeface="Arial" panose="020B0604020202020204" pitchFamily="34" charset="0"/>
-                <a:cs typeface="Arial" panose="020B0604020202020204" pitchFamily="34" charset="0"/>
-              </a:rPr>
-              <a:t>AWS CloudFormation</a:t>
-            </a:r>
-          </a:p>
-        </p:txBody>
-      </p:sp>
-      <p:pic>
-        <p:nvPicPr>
-          <p:cNvPr id="43" name="Graphic 42">
-            <a:extLst>
-              <a:ext uri="{FF2B5EF4-FFF2-40B4-BE49-F238E27FC236}">
-                <a16:creationId xmlns:a16="http://schemas.microsoft.com/office/drawing/2014/main" id="{C512E357-2397-DF40-96D0-C47151ADE0A6}"/>
-              </a:ext>
-            </a:extLst>
-          </p:cNvPr>
-          <p:cNvPicPr>
-            <a:picLocks noChangeAspect="1"/>
-          </p:cNvPicPr>
-          <p:nvPr/>
-        </p:nvPicPr>
-        <p:blipFill>
-          <a:blip r:embed="rId10">
-            <a:extLst>
-              <a:ext uri="{96DAC541-7B7A-43D3-8B79-37D633B846F1}">
-                <asvg:svgBlip xmlns:asvg="http://schemas.microsoft.com/office/drawing/2016/SVG/main" r:embed="rId11"/>
-              </a:ext>
-            </a:extLst>
-          </a:blip>
-          <a:stretch>
-            <a:fillRect/>
-          </a:stretch>
-        </p:blipFill>
-        <p:spPr>
-          <a:xfrm>
-            <a:off x="3454832" y="4975586"/>
-            <a:ext cx="457200" cy="457200"/>
-          </a:xfrm>
-          <a:prstGeom prst="rect">
-            <a:avLst/>
-          </a:prstGeom>
-        </p:spPr>
-      </p:pic>
-      <p:sp>
-        <p:nvSpPr>
-          <p:cNvPr id="44" name="Rectangle 43">
-            <a:extLst>
-              <a:ext uri="{FF2B5EF4-FFF2-40B4-BE49-F238E27FC236}">
-                <a16:creationId xmlns:a16="http://schemas.microsoft.com/office/drawing/2014/main" id="{E98E52C2-8630-D340-8213-5F6EC189FC66}"/>
-              </a:ext>
-            </a:extLst>
-          </p:cNvPr>
-          <p:cNvSpPr/>
-          <p:nvPr/>
-        </p:nvSpPr>
-        <p:spPr>
-          <a:xfrm>
-            <a:off x="3114269" y="4726238"/>
-            <a:ext cx="3032719" cy="1183227"/>
-          </a:xfrm>
-          <a:prstGeom prst="rect">
-            <a:avLst/>
-          </a:prstGeom>
-          <a:noFill/>
-          <a:ln w="12700">
+          <a:solidFill>
+            <a:schemeClr val="tx1"/>
+          </a:solidFill>
+          <a:ln>
             <a:solidFill>
               <a:schemeClr val="tx1"/>
             </a:solidFill>
-            <a:prstDash val="dash"/>
           </a:ln>
         </p:spPr>
         <p:style>
@@ -4927,859 +7045,6 @@
           </a:fontRef>
         </p:style>
         <p:txBody>
-          <a:bodyPr rot="0" spcFirstLastPara="0" vertOverflow="overflow" horzOverflow="overflow" vert="horz" wrap="square" lIns="91440" tIns="0" rIns="91440" bIns="45720" numCol="1" spcCol="0" rtlCol="0" fromWordArt="0" anchor="t" anchorCtr="0" forceAA="0" compatLnSpc="1">
-            <a:prstTxWarp prst="textNoShape">
-              <a:avLst/>
-            </a:prstTxWarp>
-            <a:noAutofit/>
-          </a:bodyPr>
-          <a:lstStyle/>
-          <a:p>
-            <a:r>
-              <a:rPr lang="en-US" sz="1100" b="1" dirty="0">
-                <a:solidFill>
-                  <a:schemeClr val="tx1"/>
-                </a:solidFill>
-                <a:latin typeface="Arial" panose="020B0604020202020204" pitchFamily="34" charset="0"/>
-                <a:cs typeface="Arial" panose="020B0604020202020204" pitchFamily="34" charset="0"/>
-              </a:rPr>
-              <a:t>Home-region</a:t>
-            </a:r>
-          </a:p>
-        </p:txBody>
-      </p:sp>
-      <p:sp>
-        <p:nvSpPr>
-          <p:cNvPr id="46" name="Rectangle 45">
-            <a:extLst>
-              <a:ext uri="{FF2B5EF4-FFF2-40B4-BE49-F238E27FC236}">
-                <a16:creationId xmlns:a16="http://schemas.microsoft.com/office/drawing/2014/main" id="{FB5A2864-1985-104A-BAA9-EA02B613BDAE}"/>
-              </a:ext>
-            </a:extLst>
-          </p:cNvPr>
-          <p:cNvSpPr/>
-          <p:nvPr/>
-        </p:nvSpPr>
-        <p:spPr>
-          <a:xfrm>
-            <a:off x="6499338" y="4726238"/>
-            <a:ext cx="3072301" cy="1183227"/>
-          </a:xfrm>
-          <a:prstGeom prst="rect">
-            <a:avLst/>
-          </a:prstGeom>
-          <a:noFill/>
-          <a:ln w="12700">
-            <a:solidFill>
-              <a:schemeClr val="tx1"/>
-            </a:solidFill>
-            <a:prstDash val="dash"/>
-          </a:ln>
-        </p:spPr>
-        <p:style>
-          <a:lnRef idx="2">
-            <a:schemeClr val="accent1">
-              <a:shade val="50000"/>
-            </a:schemeClr>
-          </a:lnRef>
-          <a:fillRef idx="1">
-            <a:schemeClr val="accent1"/>
-          </a:fillRef>
-          <a:effectRef idx="0">
-            <a:schemeClr val="accent1"/>
-          </a:effectRef>
-          <a:fontRef idx="minor">
-            <a:schemeClr val="lt1"/>
-          </a:fontRef>
-        </p:style>
-        <p:txBody>
-          <a:bodyPr rot="0" spcFirstLastPara="0" vertOverflow="overflow" horzOverflow="overflow" vert="horz" wrap="square" lIns="91440" tIns="0" rIns="91440" bIns="45720" numCol="1" spcCol="0" rtlCol="0" fromWordArt="0" anchor="t" anchorCtr="0" forceAA="0" compatLnSpc="1">
-            <a:prstTxWarp prst="textNoShape">
-              <a:avLst/>
-            </a:prstTxWarp>
-            <a:noAutofit/>
-          </a:bodyPr>
-          <a:lstStyle/>
-          <a:p>
-            <a:r>
-              <a:rPr lang="en-US" sz="1100" b="1" dirty="0">
-                <a:solidFill>
-                  <a:schemeClr val="tx1"/>
-                </a:solidFill>
-                <a:latin typeface="Arial" panose="020B0604020202020204" pitchFamily="34" charset="0"/>
-                <a:cs typeface="Arial" panose="020B0604020202020204" pitchFamily="34" charset="0"/>
-              </a:rPr>
-              <a:t>Home-region</a:t>
-            </a:r>
-          </a:p>
-        </p:txBody>
-      </p:sp>
-      <p:sp>
-        <p:nvSpPr>
-          <p:cNvPr id="66" name="Oval 65">
-            <a:extLst>
-              <a:ext uri="{FF2B5EF4-FFF2-40B4-BE49-F238E27FC236}">
-                <a16:creationId xmlns:a16="http://schemas.microsoft.com/office/drawing/2014/main" id="{E91EE425-4F5F-874D-A485-257803383C8B}"/>
-              </a:ext>
-            </a:extLst>
-          </p:cNvPr>
-          <p:cNvSpPr/>
-          <p:nvPr/>
-        </p:nvSpPr>
-        <p:spPr>
-          <a:xfrm>
-            <a:off x="3921080" y="895909"/>
-            <a:ext cx="253435" cy="212902"/>
-          </a:xfrm>
-          <a:prstGeom prst="ellipse">
-            <a:avLst/>
-          </a:prstGeom>
-          <a:solidFill>
-            <a:schemeClr val="tx1"/>
-          </a:solidFill>
-          <a:ln>
-            <a:solidFill>
-              <a:schemeClr val="tx1"/>
-            </a:solidFill>
-          </a:ln>
-        </p:spPr>
-        <p:style>
-          <a:lnRef idx="2">
-            <a:schemeClr val="accent1">
-              <a:shade val="50000"/>
-            </a:schemeClr>
-          </a:lnRef>
-          <a:fillRef idx="1">
-            <a:schemeClr val="accent1"/>
-          </a:fillRef>
-          <a:effectRef idx="0">
-            <a:schemeClr val="accent1"/>
-          </a:effectRef>
-          <a:fontRef idx="minor">
-            <a:schemeClr val="lt1"/>
-          </a:fontRef>
-        </p:style>
-        <p:txBody>
-          <a:bodyPr lIns="0" tIns="0" rIns="0" bIns="0" rtlCol="0" anchor="ctr"/>
-          <a:lstStyle/>
-          <a:p>
-            <a:pPr algn="ctr"/>
-            <a:r>
-              <a:rPr lang="en-US" sz="800" dirty="0">
-                <a:latin typeface="Arial" panose="020B0604020202020204" pitchFamily="34" charset="0"/>
-                <a:cs typeface="Arial" panose="020B0604020202020204" pitchFamily="34" charset="0"/>
-              </a:rPr>
-              <a:t>1.0</a:t>
-            </a:r>
-          </a:p>
-        </p:txBody>
-      </p:sp>
-      <p:sp>
-        <p:nvSpPr>
-          <p:cNvPr id="67" name="Oval 66">
-            <a:extLst>
-              <a:ext uri="{FF2B5EF4-FFF2-40B4-BE49-F238E27FC236}">
-                <a16:creationId xmlns:a16="http://schemas.microsoft.com/office/drawing/2014/main" id="{F94D548C-13EA-6948-B994-B5095F795F5F}"/>
-              </a:ext>
-            </a:extLst>
-          </p:cNvPr>
-          <p:cNvSpPr/>
-          <p:nvPr/>
-        </p:nvSpPr>
-        <p:spPr>
-          <a:xfrm>
-            <a:off x="4578159" y="2547955"/>
-            <a:ext cx="253435" cy="212902"/>
-          </a:xfrm>
-          <a:prstGeom prst="ellipse">
-            <a:avLst/>
-          </a:prstGeom>
-          <a:solidFill>
-            <a:schemeClr val="tx1"/>
-          </a:solidFill>
-          <a:ln>
-            <a:solidFill>
-              <a:schemeClr val="tx1"/>
-            </a:solidFill>
-          </a:ln>
-        </p:spPr>
-        <p:style>
-          <a:lnRef idx="2">
-            <a:schemeClr val="accent1">
-              <a:shade val="50000"/>
-            </a:schemeClr>
-          </a:lnRef>
-          <a:fillRef idx="1">
-            <a:schemeClr val="accent1"/>
-          </a:fillRef>
-          <a:effectRef idx="0">
-            <a:schemeClr val="accent1"/>
-          </a:effectRef>
-          <a:fontRef idx="minor">
-            <a:schemeClr val="lt1"/>
-          </a:fontRef>
-        </p:style>
-        <p:txBody>
-          <a:bodyPr lIns="0" tIns="0" rIns="0" bIns="0" rtlCol="0" anchor="ctr"/>
-          <a:lstStyle/>
-          <a:p>
-            <a:pPr algn="ctr"/>
-            <a:r>
-              <a:rPr lang="en-US" sz="800" dirty="0">
-                <a:latin typeface="Arial" panose="020B0604020202020204" pitchFamily="34" charset="0"/>
-                <a:cs typeface="Arial" panose="020B0604020202020204" pitchFamily="34" charset="0"/>
-              </a:rPr>
-              <a:t>1.1</a:t>
-            </a:r>
-          </a:p>
-        </p:txBody>
-      </p:sp>
-      <p:sp>
-        <p:nvSpPr>
-          <p:cNvPr id="68" name="Oval 67">
-            <a:extLst>
-              <a:ext uri="{FF2B5EF4-FFF2-40B4-BE49-F238E27FC236}">
-                <a16:creationId xmlns:a16="http://schemas.microsoft.com/office/drawing/2014/main" id="{56D31EED-F9ED-E849-9FEE-968DEFFF5BB6}"/>
-              </a:ext>
-            </a:extLst>
-          </p:cNvPr>
-          <p:cNvSpPr/>
-          <p:nvPr/>
-        </p:nvSpPr>
-        <p:spPr>
-          <a:xfrm>
-            <a:off x="5667689" y="2036695"/>
-            <a:ext cx="253435" cy="212902"/>
-          </a:xfrm>
-          <a:prstGeom prst="ellipse">
-            <a:avLst/>
-          </a:prstGeom>
-          <a:solidFill>
-            <a:schemeClr val="tx1"/>
-          </a:solidFill>
-          <a:ln>
-            <a:solidFill>
-              <a:schemeClr val="tx1"/>
-            </a:solidFill>
-          </a:ln>
-        </p:spPr>
-        <p:style>
-          <a:lnRef idx="2">
-            <a:schemeClr val="accent1">
-              <a:shade val="50000"/>
-            </a:schemeClr>
-          </a:lnRef>
-          <a:fillRef idx="1">
-            <a:schemeClr val="accent1"/>
-          </a:fillRef>
-          <a:effectRef idx="0">
-            <a:schemeClr val="accent1"/>
-          </a:effectRef>
-          <a:fontRef idx="minor">
-            <a:schemeClr val="lt1"/>
-          </a:fontRef>
-        </p:style>
-        <p:txBody>
-          <a:bodyPr lIns="0" tIns="0" rIns="0" bIns="0" rtlCol="0" anchor="ctr"/>
-          <a:lstStyle/>
-          <a:p>
-            <a:pPr algn="ctr"/>
-            <a:r>
-              <a:rPr lang="en-US" sz="800" dirty="0">
-                <a:latin typeface="Arial" panose="020B0604020202020204" pitchFamily="34" charset="0"/>
-                <a:cs typeface="Arial" panose="020B0604020202020204" pitchFamily="34" charset="0"/>
-              </a:rPr>
-              <a:t>1.2</a:t>
-            </a:r>
-          </a:p>
-        </p:txBody>
-      </p:sp>
-      <p:sp>
-        <p:nvSpPr>
-          <p:cNvPr id="69" name="Oval 68">
-            <a:extLst>
-              <a:ext uri="{FF2B5EF4-FFF2-40B4-BE49-F238E27FC236}">
-                <a16:creationId xmlns:a16="http://schemas.microsoft.com/office/drawing/2014/main" id="{CC50C317-87D4-644D-B0CC-D42FE30F0B6C}"/>
-              </a:ext>
-            </a:extLst>
-          </p:cNvPr>
-          <p:cNvSpPr/>
-          <p:nvPr/>
-        </p:nvSpPr>
-        <p:spPr>
-          <a:xfrm>
-            <a:off x="5589212" y="1311487"/>
-            <a:ext cx="253435" cy="212902"/>
-          </a:xfrm>
-          <a:prstGeom prst="ellipse">
-            <a:avLst/>
-          </a:prstGeom>
-          <a:solidFill>
-            <a:schemeClr val="tx1"/>
-          </a:solidFill>
-          <a:ln>
-            <a:solidFill>
-              <a:schemeClr val="tx1"/>
-            </a:solidFill>
-          </a:ln>
-        </p:spPr>
-        <p:style>
-          <a:lnRef idx="2">
-            <a:schemeClr val="accent1">
-              <a:shade val="50000"/>
-            </a:schemeClr>
-          </a:lnRef>
-          <a:fillRef idx="1">
-            <a:schemeClr val="accent1"/>
-          </a:fillRef>
-          <a:effectRef idx="0">
-            <a:schemeClr val="accent1"/>
-          </a:effectRef>
-          <a:fontRef idx="minor">
-            <a:schemeClr val="lt1"/>
-          </a:fontRef>
-        </p:style>
-        <p:txBody>
-          <a:bodyPr lIns="0" tIns="0" rIns="0" bIns="0" rtlCol="0" anchor="ctr"/>
-          <a:lstStyle/>
-          <a:p>
-            <a:pPr algn="ctr"/>
-            <a:r>
-              <a:rPr lang="en-US" sz="800" dirty="0">
-                <a:latin typeface="Arial" panose="020B0604020202020204" pitchFamily="34" charset="0"/>
-                <a:cs typeface="Arial" panose="020B0604020202020204" pitchFamily="34" charset="0"/>
-              </a:rPr>
-              <a:t>1.3</a:t>
-            </a:r>
-          </a:p>
-        </p:txBody>
-      </p:sp>
-      <p:sp>
-        <p:nvSpPr>
-          <p:cNvPr id="70" name="Oval 69">
-            <a:extLst>
-              <a:ext uri="{FF2B5EF4-FFF2-40B4-BE49-F238E27FC236}">
-                <a16:creationId xmlns:a16="http://schemas.microsoft.com/office/drawing/2014/main" id="{888C35FC-E4E3-9D4C-BAD4-6F76B51B1B51}"/>
-              </a:ext>
-            </a:extLst>
-          </p:cNvPr>
-          <p:cNvSpPr/>
-          <p:nvPr/>
-        </p:nvSpPr>
-        <p:spPr>
-          <a:xfrm>
-            <a:off x="5525441" y="3176190"/>
-            <a:ext cx="253435" cy="212902"/>
-          </a:xfrm>
-          <a:prstGeom prst="ellipse">
-            <a:avLst/>
-          </a:prstGeom>
-          <a:solidFill>
-            <a:schemeClr val="tx1"/>
-          </a:solidFill>
-          <a:ln>
-            <a:solidFill>
-              <a:schemeClr val="tx1"/>
-            </a:solidFill>
-          </a:ln>
-        </p:spPr>
-        <p:style>
-          <a:lnRef idx="2">
-            <a:schemeClr val="accent1">
-              <a:shade val="50000"/>
-            </a:schemeClr>
-          </a:lnRef>
-          <a:fillRef idx="1">
-            <a:schemeClr val="accent1"/>
-          </a:fillRef>
-          <a:effectRef idx="0">
-            <a:schemeClr val="accent1"/>
-          </a:effectRef>
-          <a:fontRef idx="minor">
-            <a:schemeClr val="lt1"/>
-          </a:fontRef>
-        </p:style>
-        <p:txBody>
-          <a:bodyPr lIns="0" tIns="0" rIns="0" bIns="0" rtlCol="0" anchor="ctr"/>
-          <a:lstStyle/>
-          <a:p>
-            <a:pPr algn="ctr"/>
-            <a:r>
-              <a:rPr lang="en-US" sz="800" dirty="0">
-                <a:latin typeface="Arial" panose="020B0604020202020204" pitchFamily="34" charset="0"/>
-                <a:cs typeface="Arial" panose="020B0604020202020204" pitchFamily="34" charset="0"/>
-              </a:rPr>
-              <a:t>1.4</a:t>
-            </a:r>
-          </a:p>
-        </p:txBody>
-      </p:sp>
-      <p:sp>
-        <p:nvSpPr>
-          <p:cNvPr id="71" name="Oval 70">
-            <a:extLst>
-              <a:ext uri="{FF2B5EF4-FFF2-40B4-BE49-F238E27FC236}">
-                <a16:creationId xmlns:a16="http://schemas.microsoft.com/office/drawing/2014/main" id="{6ABAEC87-4D61-6D40-B390-5FAD029198F7}"/>
-              </a:ext>
-            </a:extLst>
-          </p:cNvPr>
-          <p:cNvSpPr/>
-          <p:nvPr/>
-        </p:nvSpPr>
-        <p:spPr>
-          <a:xfrm>
-            <a:off x="7880017" y="2165911"/>
-            <a:ext cx="253435" cy="212902"/>
-          </a:xfrm>
-          <a:prstGeom prst="ellipse">
-            <a:avLst/>
-          </a:prstGeom>
-          <a:solidFill>
-            <a:schemeClr val="tx1"/>
-          </a:solidFill>
-          <a:ln>
-            <a:solidFill>
-              <a:schemeClr val="tx1"/>
-            </a:solidFill>
-          </a:ln>
-        </p:spPr>
-        <p:style>
-          <a:lnRef idx="2">
-            <a:schemeClr val="accent1">
-              <a:shade val="50000"/>
-            </a:schemeClr>
-          </a:lnRef>
-          <a:fillRef idx="1">
-            <a:schemeClr val="accent1"/>
-          </a:fillRef>
-          <a:effectRef idx="0">
-            <a:schemeClr val="accent1"/>
-          </a:effectRef>
-          <a:fontRef idx="minor">
-            <a:schemeClr val="lt1"/>
-          </a:fontRef>
-        </p:style>
-        <p:txBody>
-          <a:bodyPr lIns="0" tIns="0" rIns="0" bIns="0" rtlCol="0" anchor="ctr"/>
-          <a:lstStyle/>
-          <a:p>
-            <a:pPr algn="ctr"/>
-            <a:r>
-              <a:rPr lang="en-US" sz="800" dirty="0">
-                <a:latin typeface="Arial" panose="020B0604020202020204" pitchFamily="34" charset="0"/>
-                <a:cs typeface="Arial" panose="020B0604020202020204" pitchFamily="34" charset="0"/>
-              </a:rPr>
-              <a:t>1.5</a:t>
-            </a:r>
-          </a:p>
-        </p:txBody>
-      </p:sp>
-      <p:sp>
-        <p:nvSpPr>
-          <p:cNvPr id="72" name="Oval 71">
-            <a:extLst>
-              <a:ext uri="{FF2B5EF4-FFF2-40B4-BE49-F238E27FC236}">
-                <a16:creationId xmlns:a16="http://schemas.microsoft.com/office/drawing/2014/main" id="{859F9DA5-8660-C64B-896B-5605B9B13BA9}"/>
-              </a:ext>
-            </a:extLst>
-          </p:cNvPr>
-          <p:cNvSpPr/>
-          <p:nvPr/>
-        </p:nvSpPr>
-        <p:spPr>
-          <a:xfrm>
-            <a:off x="7658999" y="1313676"/>
-            <a:ext cx="280121" cy="212902"/>
-          </a:xfrm>
-          <a:prstGeom prst="ellipse">
-            <a:avLst/>
-          </a:prstGeom>
-          <a:solidFill>
-            <a:schemeClr val="tx1"/>
-          </a:solidFill>
-          <a:ln>
-            <a:solidFill>
-              <a:schemeClr val="tx1"/>
-            </a:solidFill>
-          </a:ln>
-        </p:spPr>
-        <p:style>
-          <a:lnRef idx="2">
-            <a:schemeClr val="accent1">
-              <a:shade val="50000"/>
-            </a:schemeClr>
-          </a:lnRef>
-          <a:fillRef idx="1">
-            <a:schemeClr val="accent1"/>
-          </a:fillRef>
-          <a:effectRef idx="0">
-            <a:schemeClr val="accent1"/>
-          </a:effectRef>
-          <a:fontRef idx="minor">
-            <a:schemeClr val="lt1"/>
-          </a:fontRef>
-        </p:style>
-        <p:txBody>
-          <a:bodyPr lIns="0" tIns="0" rIns="0" bIns="0" rtlCol="0" anchor="ctr"/>
-          <a:lstStyle/>
-          <a:p>
-            <a:pPr algn="ctr"/>
-            <a:r>
-              <a:rPr lang="en-US" sz="800" dirty="0">
-                <a:latin typeface="Arial" panose="020B0604020202020204" pitchFamily="34" charset="0"/>
-                <a:cs typeface="Arial" panose="020B0604020202020204" pitchFamily="34" charset="0"/>
-              </a:rPr>
-              <a:t>1.6</a:t>
-            </a:r>
-          </a:p>
-        </p:txBody>
-      </p:sp>
-      <p:sp>
-        <p:nvSpPr>
-          <p:cNvPr id="73" name="Oval 72">
-            <a:extLst>
-              <a:ext uri="{FF2B5EF4-FFF2-40B4-BE49-F238E27FC236}">
-                <a16:creationId xmlns:a16="http://schemas.microsoft.com/office/drawing/2014/main" id="{BE5C8594-D0EF-A64F-9CCC-CBDDFEE77D74}"/>
-              </a:ext>
-            </a:extLst>
-          </p:cNvPr>
-          <p:cNvSpPr/>
-          <p:nvPr/>
-        </p:nvSpPr>
-        <p:spPr>
-          <a:xfrm>
-            <a:off x="7628372" y="3169229"/>
-            <a:ext cx="253435" cy="212902"/>
-          </a:xfrm>
-          <a:prstGeom prst="ellipse">
-            <a:avLst/>
-          </a:prstGeom>
-          <a:solidFill>
-            <a:schemeClr val="tx1"/>
-          </a:solidFill>
-          <a:ln>
-            <a:solidFill>
-              <a:schemeClr val="tx1"/>
-            </a:solidFill>
-          </a:ln>
-        </p:spPr>
-        <p:style>
-          <a:lnRef idx="2">
-            <a:schemeClr val="accent1">
-              <a:shade val="50000"/>
-            </a:schemeClr>
-          </a:lnRef>
-          <a:fillRef idx="1">
-            <a:schemeClr val="accent1"/>
-          </a:fillRef>
-          <a:effectRef idx="0">
-            <a:schemeClr val="accent1"/>
-          </a:effectRef>
-          <a:fontRef idx="minor">
-            <a:schemeClr val="lt1"/>
-          </a:fontRef>
-        </p:style>
-        <p:txBody>
-          <a:bodyPr lIns="0" tIns="0" rIns="0" bIns="0" rtlCol="0" anchor="ctr"/>
-          <a:lstStyle/>
-          <a:p>
-            <a:pPr algn="ctr"/>
-            <a:r>
-              <a:rPr lang="en-US" sz="800" dirty="0">
-                <a:latin typeface="Arial" panose="020B0604020202020204" pitchFamily="34" charset="0"/>
-                <a:cs typeface="Arial" panose="020B0604020202020204" pitchFamily="34" charset="0"/>
-              </a:rPr>
-              <a:t>1.7</a:t>
-            </a:r>
-          </a:p>
-        </p:txBody>
-      </p:sp>
-      <p:sp>
-        <p:nvSpPr>
-          <p:cNvPr id="74" name="Oval 73">
-            <a:extLst>
-              <a:ext uri="{FF2B5EF4-FFF2-40B4-BE49-F238E27FC236}">
-                <a16:creationId xmlns:a16="http://schemas.microsoft.com/office/drawing/2014/main" id="{E16E2997-2A45-624F-97B3-A39EBBBAABA8}"/>
-              </a:ext>
-            </a:extLst>
-          </p:cNvPr>
-          <p:cNvSpPr/>
-          <p:nvPr/>
-        </p:nvSpPr>
-        <p:spPr>
-          <a:xfrm>
-            <a:off x="3031690" y="4234256"/>
-            <a:ext cx="253435" cy="212902"/>
-          </a:xfrm>
-          <a:prstGeom prst="ellipse">
-            <a:avLst/>
-          </a:prstGeom>
-          <a:solidFill>
-            <a:schemeClr val="tx1"/>
-          </a:solidFill>
-          <a:ln>
-            <a:solidFill>
-              <a:schemeClr val="tx1"/>
-            </a:solidFill>
-          </a:ln>
-        </p:spPr>
-        <p:style>
-          <a:lnRef idx="2">
-            <a:schemeClr val="accent1">
-              <a:shade val="50000"/>
-            </a:schemeClr>
-          </a:lnRef>
-          <a:fillRef idx="1">
-            <a:schemeClr val="accent1"/>
-          </a:fillRef>
-          <a:effectRef idx="0">
-            <a:schemeClr val="accent1"/>
-          </a:effectRef>
-          <a:fontRef idx="minor">
-            <a:schemeClr val="lt1"/>
-          </a:fontRef>
-        </p:style>
-        <p:txBody>
-          <a:bodyPr lIns="0" tIns="0" rIns="0" bIns="0" rtlCol="0" anchor="ctr"/>
-          <a:lstStyle/>
-          <a:p>
-            <a:pPr algn="ctr"/>
-            <a:r>
-              <a:rPr lang="en-US" sz="800" dirty="0">
-                <a:latin typeface="Arial" panose="020B0604020202020204" pitchFamily="34" charset="0"/>
-                <a:cs typeface="Arial" panose="020B0604020202020204" pitchFamily="34" charset="0"/>
-              </a:rPr>
-              <a:t>2.0</a:t>
-            </a:r>
-          </a:p>
-        </p:txBody>
-      </p:sp>
-      <p:sp>
-        <p:nvSpPr>
-          <p:cNvPr id="75" name="Oval 74">
-            <a:extLst>
-              <a:ext uri="{FF2B5EF4-FFF2-40B4-BE49-F238E27FC236}">
-                <a16:creationId xmlns:a16="http://schemas.microsoft.com/office/drawing/2014/main" id="{93005DD9-D91C-C949-AE9D-ECB098FE227E}"/>
-              </a:ext>
-            </a:extLst>
-          </p:cNvPr>
-          <p:cNvSpPr/>
-          <p:nvPr/>
-        </p:nvSpPr>
-        <p:spPr>
-          <a:xfrm>
-            <a:off x="3476354" y="4989700"/>
-            <a:ext cx="253435" cy="212902"/>
-          </a:xfrm>
-          <a:prstGeom prst="ellipse">
-            <a:avLst/>
-          </a:prstGeom>
-          <a:solidFill>
-            <a:schemeClr val="tx1"/>
-          </a:solidFill>
-          <a:ln>
-            <a:solidFill>
-              <a:schemeClr val="tx1"/>
-            </a:solidFill>
-          </a:ln>
-        </p:spPr>
-        <p:style>
-          <a:lnRef idx="2">
-            <a:schemeClr val="accent1">
-              <a:shade val="50000"/>
-            </a:schemeClr>
-          </a:lnRef>
-          <a:fillRef idx="1">
-            <a:schemeClr val="accent1"/>
-          </a:fillRef>
-          <a:effectRef idx="0">
-            <a:schemeClr val="accent1"/>
-          </a:effectRef>
-          <a:fontRef idx="minor">
-            <a:schemeClr val="lt1"/>
-          </a:fontRef>
-        </p:style>
-        <p:txBody>
-          <a:bodyPr lIns="0" tIns="0" rIns="0" bIns="0" rtlCol="0" anchor="ctr"/>
-          <a:lstStyle/>
-          <a:p>
-            <a:pPr algn="ctr"/>
-            <a:r>
-              <a:rPr lang="en-US" sz="800" dirty="0">
-                <a:latin typeface="Arial" panose="020B0604020202020204" pitchFamily="34" charset="0"/>
-                <a:cs typeface="Arial" panose="020B0604020202020204" pitchFamily="34" charset="0"/>
-              </a:rPr>
-              <a:t>2.1</a:t>
-            </a:r>
-          </a:p>
-        </p:txBody>
-      </p:sp>
-      <p:sp>
-        <p:nvSpPr>
-          <p:cNvPr id="76" name="Oval 75">
-            <a:extLst>
-              <a:ext uri="{FF2B5EF4-FFF2-40B4-BE49-F238E27FC236}">
-                <a16:creationId xmlns:a16="http://schemas.microsoft.com/office/drawing/2014/main" id="{23786D44-EE15-9D4D-9519-7FC1F808F463}"/>
-              </a:ext>
-            </a:extLst>
-          </p:cNvPr>
-          <p:cNvSpPr/>
-          <p:nvPr/>
-        </p:nvSpPr>
-        <p:spPr>
-          <a:xfrm>
-            <a:off x="4494828" y="4991284"/>
-            <a:ext cx="253435" cy="212902"/>
-          </a:xfrm>
-          <a:prstGeom prst="ellipse">
-            <a:avLst/>
-          </a:prstGeom>
-          <a:solidFill>
-            <a:schemeClr val="tx1"/>
-          </a:solidFill>
-          <a:ln>
-            <a:solidFill>
-              <a:schemeClr val="tx1"/>
-            </a:solidFill>
-          </a:ln>
-        </p:spPr>
-        <p:style>
-          <a:lnRef idx="2">
-            <a:schemeClr val="accent1">
-              <a:shade val="50000"/>
-            </a:schemeClr>
-          </a:lnRef>
-          <a:fillRef idx="1">
-            <a:schemeClr val="accent1"/>
-          </a:fillRef>
-          <a:effectRef idx="0">
-            <a:schemeClr val="accent1"/>
-          </a:effectRef>
-          <a:fontRef idx="minor">
-            <a:schemeClr val="lt1"/>
-          </a:fontRef>
-        </p:style>
-        <p:txBody>
-          <a:bodyPr lIns="0" tIns="0" rIns="0" bIns="0" rtlCol="0" anchor="ctr"/>
-          <a:lstStyle/>
-          <a:p>
-            <a:pPr algn="ctr"/>
-            <a:r>
-              <a:rPr lang="en-US" sz="800" dirty="0">
-                <a:latin typeface="Arial" panose="020B0604020202020204" pitchFamily="34" charset="0"/>
-                <a:cs typeface="Arial" panose="020B0604020202020204" pitchFamily="34" charset="0"/>
-              </a:rPr>
-              <a:t>2.2</a:t>
-            </a:r>
-          </a:p>
-        </p:txBody>
-      </p:sp>
-      <p:sp>
-        <p:nvSpPr>
-          <p:cNvPr id="78" name="Oval 77">
-            <a:extLst>
-              <a:ext uri="{FF2B5EF4-FFF2-40B4-BE49-F238E27FC236}">
-                <a16:creationId xmlns:a16="http://schemas.microsoft.com/office/drawing/2014/main" id="{AF305BC2-B36B-A546-B854-8F9B49EE61AD}"/>
-              </a:ext>
-            </a:extLst>
-          </p:cNvPr>
-          <p:cNvSpPr/>
-          <p:nvPr/>
-        </p:nvSpPr>
-        <p:spPr>
-          <a:xfrm>
-            <a:off x="6391276" y="4229980"/>
-            <a:ext cx="253435" cy="212902"/>
-          </a:xfrm>
-          <a:prstGeom prst="ellipse">
-            <a:avLst/>
-          </a:prstGeom>
-          <a:solidFill>
-            <a:schemeClr val="tx1"/>
-          </a:solidFill>
-          <a:ln>
-            <a:solidFill>
-              <a:schemeClr val="tx1"/>
-            </a:solidFill>
-          </a:ln>
-        </p:spPr>
-        <p:style>
-          <a:lnRef idx="2">
-            <a:schemeClr val="accent1">
-              <a:shade val="50000"/>
-            </a:schemeClr>
-          </a:lnRef>
-          <a:fillRef idx="1">
-            <a:schemeClr val="accent1"/>
-          </a:fillRef>
-          <a:effectRef idx="0">
-            <a:schemeClr val="accent1"/>
-          </a:effectRef>
-          <a:fontRef idx="minor">
-            <a:schemeClr val="lt1"/>
-          </a:fontRef>
-        </p:style>
-        <p:txBody>
-          <a:bodyPr lIns="0" tIns="0" rIns="0" bIns="0" rtlCol="0" anchor="ctr"/>
-          <a:lstStyle/>
-          <a:p>
-            <a:pPr algn="ctr"/>
-            <a:r>
-              <a:rPr lang="en-US" sz="800" dirty="0">
-                <a:latin typeface="Arial" panose="020B0604020202020204" pitchFamily="34" charset="0"/>
-                <a:cs typeface="Arial" panose="020B0604020202020204" pitchFamily="34" charset="0"/>
-              </a:rPr>
-              <a:t>3.0</a:t>
-            </a:r>
-          </a:p>
-        </p:txBody>
-      </p:sp>
-      <p:sp>
-        <p:nvSpPr>
-          <p:cNvPr id="79" name="Oval 78">
-            <a:extLst>
-              <a:ext uri="{FF2B5EF4-FFF2-40B4-BE49-F238E27FC236}">
-                <a16:creationId xmlns:a16="http://schemas.microsoft.com/office/drawing/2014/main" id="{79317247-F07F-6544-BBCA-C9327D54BC39}"/>
-              </a:ext>
-            </a:extLst>
-          </p:cNvPr>
-          <p:cNvSpPr/>
-          <p:nvPr/>
-        </p:nvSpPr>
-        <p:spPr>
-          <a:xfrm>
-            <a:off x="6839173" y="4985021"/>
-            <a:ext cx="253435" cy="212902"/>
-          </a:xfrm>
-          <a:prstGeom prst="ellipse">
-            <a:avLst/>
-          </a:prstGeom>
-          <a:solidFill>
-            <a:schemeClr val="tx1"/>
-          </a:solidFill>
-          <a:ln>
-            <a:solidFill>
-              <a:schemeClr val="tx1"/>
-            </a:solidFill>
-          </a:ln>
-        </p:spPr>
-        <p:style>
-          <a:lnRef idx="2">
-            <a:schemeClr val="accent1">
-              <a:shade val="50000"/>
-            </a:schemeClr>
-          </a:lnRef>
-          <a:fillRef idx="1">
-            <a:schemeClr val="accent1"/>
-          </a:fillRef>
-          <a:effectRef idx="0">
-            <a:schemeClr val="accent1"/>
-          </a:effectRef>
-          <a:fontRef idx="minor">
-            <a:schemeClr val="lt1"/>
-          </a:fontRef>
-        </p:style>
-        <p:txBody>
           <a:bodyPr lIns="0" tIns="0" rIns="0" bIns="0" rtlCol="0" anchor="ctr"/>
           <a:lstStyle/>
           <a:p>
@@ -5796,10 +7061,10 @@
       </p:sp>
       <p:pic>
         <p:nvPicPr>
-          <p:cNvPr id="58" name="Graphic 7">
-            <a:extLst>
-              <a:ext uri="{FF2B5EF4-FFF2-40B4-BE49-F238E27FC236}">
-                <a16:creationId xmlns:a16="http://schemas.microsoft.com/office/drawing/2014/main" id="{75B27E1D-9B39-A446-B395-F538671C9EED}"/>
+          <p:cNvPr id="92" name="Graphic 17">
+            <a:extLst>
+              <a:ext uri="{FF2B5EF4-FFF2-40B4-BE49-F238E27FC236}">
+                <a16:creationId xmlns:a16="http://schemas.microsoft.com/office/drawing/2014/main" id="{4F5EF3A2-56E0-ED10-3713-AC4E6B9F60BC}"/>
               </a:ext>
             </a:extLst>
           </p:cNvPr>
@@ -5809,7 +7074,7 @@
           <p:nvPr/>
         </p:nvPicPr>
         <p:blipFill>
-          <a:blip r:embed="rId12">
+          <a:blip r:embed="rId21">
             <a:extLst>
               <a:ext uri="{28A0092B-C50C-407E-A947-70E740481C1C}">
                 <a14:useLocalDpi xmlns:a14="http://schemas.microsoft.com/office/drawing/2010/main" val="0"/>
@@ -5823,7 +7088,7 @@
         </p:blipFill>
         <p:spPr bwMode="auto">
           <a:xfrm>
-            <a:off x="5817551" y="3128913"/>
+            <a:off x="10310046" y="5115149"/>
             <a:ext cx="457200" cy="457200"/>
           </a:xfrm>
           <a:prstGeom prst="rect">
@@ -5854,12 +7119,111 @@
           </a:extLst>
         </p:spPr>
       </p:pic>
+      <p:sp>
+        <p:nvSpPr>
+          <p:cNvPr id="93" name="Oval 92">
+            <a:extLst>
+              <a:ext uri="{FF2B5EF4-FFF2-40B4-BE49-F238E27FC236}">
+                <a16:creationId xmlns:a16="http://schemas.microsoft.com/office/drawing/2014/main" id="{C8C7703D-F0DD-6321-801D-61C701419AEC}"/>
+              </a:ext>
+            </a:extLst>
+          </p:cNvPr>
+          <p:cNvSpPr/>
+          <p:nvPr/>
+        </p:nvSpPr>
+        <p:spPr>
+          <a:xfrm>
+            <a:off x="10143338" y="5020030"/>
+            <a:ext cx="253435" cy="212902"/>
+          </a:xfrm>
+          <a:prstGeom prst="ellipse">
+            <a:avLst/>
+          </a:prstGeom>
+          <a:solidFill>
+            <a:schemeClr val="tx1"/>
+          </a:solidFill>
+          <a:ln>
+            <a:solidFill>
+              <a:schemeClr val="tx1"/>
+            </a:solidFill>
+          </a:ln>
+        </p:spPr>
+        <p:style>
+          <a:lnRef idx="2">
+            <a:schemeClr val="accent1">
+              <a:shade val="50000"/>
+            </a:schemeClr>
+          </a:lnRef>
+          <a:fillRef idx="1">
+            <a:schemeClr val="accent1"/>
+          </a:fillRef>
+          <a:effectRef idx="0">
+            <a:schemeClr val="accent1"/>
+          </a:effectRef>
+          <a:fontRef idx="minor">
+            <a:schemeClr val="lt1"/>
+          </a:fontRef>
+        </p:style>
+        <p:txBody>
+          <a:bodyPr lIns="0" tIns="0" rIns="0" bIns="0" rtlCol="0" anchor="ctr"/>
+          <a:lstStyle/>
+          <a:p>
+            <a:pPr algn="ctr"/>
+            <a:r>
+              <a:rPr lang="en-US" sz="800" dirty="0">
+                <a:latin typeface="Arial" panose="020B0604020202020204" pitchFamily="34" charset="0"/>
+                <a:cs typeface="Arial" panose="020B0604020202020204" pitchFamily="34" charset="0"/>
+              </a:rPr>
+              <a:t>3.3</a:t>
+            </a:r>
+          </a:p>
+        </p:txBody>
+      </p:sp>
+      <p:sp>
+        <p:nvSpPr>
+          <p:cNvPr id="101" name="TextBox 100">
+            <a:extLst>
+              <a:ext uri="{FF2B5EF4-FFF2-40B4-BE49-F238E27FC236}">
+                <a16:creationId xmlns:a16="http://schemas.microsoft.com/office/drawing/2014/main" id="{382EF3B0-C21C-CA9B-ADC9-D9EE4F2AC0F7}"/>
+              </a:ext>
+            </a:extLst>
+          </p:cNvPr>
+          <p:cNvSpPr txBox="1"/>
+          <p:nvPr/>
+        </p:nvSpPr>
+        <p:spPr>
+          <a:xfrm>
+            <a:off x="7847682" y="5571854"/>
+            <a:ext cx="1233913" cy="430887"/>
+          </a:xfrm>
+          <a:prstGeom prst="rect">
+            <a:avLst/>
+          </a:prstGeom>
+          <a:noFill/>
+        </p:spPr>
+        <p:txBody>
+          <a:bodyPr wrap="square" rtlCol="0">
+            <a:spAutoFit/>
+          </a:bodyPr>
+          <a:lstStyle/>
+          <a:p>
+            <a:pPr algn="ctr"/>
+            <a:r>
+              <a:rPr lang="en-US" sz="1100" dirty="0">
+                <a:latin typeface="Arial" panose="020B0604020202020204" pitchFamily="34" charset="0"/>
+                <a:cs typeface="Arial" panose="020B0604020202020204" pitchFamily="34" charset="0"/>
+              </a:rPr>
+              <a:t>AWS CloudFormation</a:t>
+            </a:r>
+          </a:p>
+        </p:txBody>
+      </p:sp>
       <p:pic>
         <p:nvPicPr>
-          <p:cNvPr id="59" name="Graphic 7">
-            <a:extLst>
-              <a:ext uri="{FF2B5EF4-FFF2-40B4-BE49-F238E27FC236}">
-                <a16:creationId xmlns:a16="http://schemas.microsoft.com/office/drawing/2014/main" id="{A051C423-BC6B-AC42-AC0F-47D5DBB29B3A}"/>
+          <p:cNvPr id="103" name="Graphic 14">
+            <a:extLst>
+              <a:ext uri="{FF2B5EF4-FFF2-40B4-BE49-F238E27FC236}">
+                <a16:creationId xmlns:a16="http://schemas.microsoft.com/office/drawing/2014/main" id="{8D03A742-7B80-EA19-B8FF-B83D141E54FF}"/>
               </a:ext>
             </a:extLst>
           </p:cNvPr>
@@ -5869,7 +7233,7 @@
           <p:nvPr/>
         </p:nvPicPr>
         <p:blipFill>
-          <a:blip r:embed="rId12">
+          <a:blip r:embed="rId22">
             <a:extLst>
               <a:ext uri="{28A0092B-C50C-407E-A947-70E740481C1C}">
                 <a14:useLocalDpi xmlns:a14="http://schemas.microsoft.com/office/drawing/2010/main" val="0"/>
@@ -5883,8 +7247,8 @@
         </p:blipFill>
         <p:spPr bwMode="auto">
           <a:xfrm>
-            <a:off x="7891763" y="3102602"/>
-            <a:ext cx="457200" cy="457200"/>
+            <a:off x="9244363" y="5118493"/>
+            <a:ext cx="457201" cy="457201"/>
           </a:xfrm>
           <a:prstGeom prst="rect">
             <a:avLst/>
@@ -5914,318 +7278,12 @@
           </a:extLst>
         </p:spPr>
       </p:pic>
-      <p:cxnSp>
-        <p:nvCxnSpPr>
-          <p:cNvPr id="60" name="Straight Arrow Connector 59">
-            <a:extLst>
-              <a:ext uri="{FF2B5EF4-FFF2-40B4-BE49-F238E27FC236}">
-                <a16:creationId xmlns:a16="http://schemas.microsoft.com/office/drawing/2014/main" id="{2BF46915-BB1A-5D4C-B857-7122DF100EFC}"/>
-              </a:ext>
-            </a:extLst>
-          </p:cNvPr>
-          <p:cNvCxnSpPr>
-            <a:cxnSpLocks/>
-            <a:stCxn id="11" idx="2"/>
-            <a:endCxn id="59" idx="0"/>
-          </p:cNvCxnSpPr>
-          <p:nvPr/>
-        </p:nvCxnSpPr>
-        <p:spPr>
-          <a:xfrm>
-            <a:off x="8120363" y="2865256"/>
-            <a:ext cx="0" cy="237346"/>
-          </a:xfrm>
-          <a:prstGeom prst="straightConnector1">
-            <a:avLst/>
-          </a:prstGeom>
-          <a:ln>
-            <a:tailEnd type="triangle"/>
-          </a:ln>
-        </p:spPr>
-        <p:style>
-          <a:lnRef idx="1">
-            <a:schemeClr val="dk1"/>
-          </a:lnRef>
-          <a:fillRef idx="0">
-            <a:schemeClr val="dk1"/>
-          </a:fillRef>
-          <a:effectRef idx="0">
-            <a:schemeClr val="dk1"/>
-          </a:effectRef>
-          <a:fontRef idx="minor">
-            <a:schemeClr val="tx1"/>
-          </a:fontRef>
-        </p:style>
-      </p:cxnSp>
-      <p:cxnSp>
-        <p:nvCxnSpPr>
-          <p:cNvPr id="63" name="Straight Arrow Connector 62">
-            <a:extLst>
-              <a:ext uri="{FF2B5EF4-FFF2-40B4-BE49-F238E27FC236}">
-                <a16:creationId xmlns:a16="http://schemas.microsoft.com/office/drawing/2014/main" id="{242371DE-6996-FF4B-A389-02106BCD96F2}"/>
-              </a:ext>
-            </a:extLst>
-          </p:cNvPr>
-          <p:cNvCxnSpPr>
-            <a:cxnSpLocks/>
-            <a:endCxn id="58" idx="0"/>
-          </p:cNvCxnSpPr>
-          <p:nvPr/>
-        </p:nvCxnSpPr>
-        <p:spPr>
-          <a:xfrm>
-            <a:off x="6045752" y="2809346"/>
-            <a:ext cx="399" cy="319567"/>
-          </a:xfrm>
-          <a:prstGeom prst="straightConnector1">
-            <a:avLst/>
-          </a:prstGeom>
-          <a:ln>
-            <a:tailEnd type="triangle"/>
-          </a:ln>
-        </p:spPr>
-        <p:style>
-          <a:lnRef idx="1">
-            <a:schemeClr val="dk1"/>
-          </a:lnRef>
-          <a:fillRef idx="0">
-            <a:schemeClr val="dk1"/>
-          </a:fillRef>
-          <a:effectRef idx="0">
-            <a:schemeClr val="dk1"/>
-          </a:effectRef>
-          <a:fontRef idx="minor">
-            <a:schemeClr val="tx1"/>
-          </a:fontRef>
-        </p:style>
-      </p:cxnSp>
-      <p:pic>
-        <p:nvPicPr>
-          <p:cNvPr id="81" name="Graphic 13">
-            <a:extLst>
-              <a:ext uri="{FF2B5EF4-FFF2-40B4-BE49-F238E27FC236}">
-                <a16:creationId xmlns:a16="http://schemas.microsoft.com/office/drawing/2014/main" id="{A9FAE202-A507-B84E-8053-91075A662342}"/>
-              </a:ext>
-            </a:extLst>
-          </p:cNvPr>
-          <p:cNvPicPr>
-            <a:picLocks noChangeAspect="1" noChangeArrowheads="1"/>
-          </p:cNvPicPr>
-          <p:nvPr/>
-        </p:nvPicPr>
-        <p:blipFill>
-          <a:blip r:embed="rId13">
-            <a:extLst>
-              <a:ext uri="{28A0092B-C50C-407E-A947-70E740481C1C}">
-                <a14:useLocalDpi xmlns:a14="http://schemas.microsoft.com/office/drawing/2010/main" val="0"/>
-              </a:ext>
-            </a:extLst>
-          </a:blip>
-          <a:srcRect/>
-          <a:stretch>
-            <a:fillRect/>
-          </a:stretch>
-        </p:blipFill>
-        <p:spPr bwMode="auto">
-          <a:xfrm>
-            <a:off x="5817551" y="2139297"/>
-            <a:ext cx="457200" cy="457200"/>
-          </a:xfrm>
-          <a:prstGeom prst="rect">
-            <a:avLst/>
-          </a:prstGeom>
-          <a:noFill/>
-          <a:ln>
-            <a:noFill/>
-          </a:ln>
-          <a:extLst>
-            <a:ext uri="{909E8E84-426E-40DD-AFC4-6F175D3DCCD1}">
-              <a14:hiddenFill xmlns:a14="http://schemas.microsoft.com/office/drawing/2010/main">
-                <a:solidFill>
-                  <a:srgbClr val="FFFFFF"/>
-                </a:solidFill>
-              </a14:hiddenFill>
-            </a:ext>
-            <a:ext uri="{91240B29-F687-4F45-9708-019B960494DF}">
-              <a14:hiddenLine xmlns:a14="http://schemas.microsoft.com/office/drawing/2010/main" w="9525">
-                <a:solidFill>
-                  <a:srgbClr val="000000"/>
-                </a:solidFill>
-                <a:miter lim="800000"/>
-                <a:headEnd/>
-                <a:tailEnd/>
-              </a14:hiddenLine>
-            </a:ext>
-          </a:extLst>
-        </p:spPr>
-      </p:pic>
-      <p:pic>
-        <p:nvPicPr>
-          <p:cNvPr id="82" name="Graphic 14">
-            <a:extLst>
-              <a:ext uri="{FF2B5EF4-FFF2-40B4-BE49-F238E27FC236}">
-                <a16:creationId xmlns:a16="http://schemas.microsoft.com/office/drawing/2014/main" id="{CA2BC85C-8293-1942-8BFF-1B04C8980414}"/>
-              </a:ext>
-            </a:extLst>
-          </p:cNvPr>
-          <p:cNvPicPr>
-            <a:picLocks noChangeAspect="1" noChangeArrowheads="1"/>
-          </p:cNvPicPr>
-          <p:nvPr/>
-        </p:nvPicPr>
-        <p:blipFill>
-          <a:blip r:embed="rId14">
-            <a:extLst>
-              <a:ext uri="{28A0092B-C50C-407E-A947-70E740481C1C}">
-                <a14:useLocalDpi xmlns:a14="http://schemas.microsoft.com/office/drawing/2010/main" val="0"/>
-              </a:ext>
-            </a:extLst>
-          </a:blip>
-          <a:srcRect/>
-          <a:stretch>
-            <a:fillRect/>
-          </a:stretch>
-        </p:blipFill>
-        <p:spPr bwMode="auto">
-          <a:xfrm>
-            <a:off x="7858940" y="4991284"/>
-            <a:ext cx="457200" cy="457200"/>
-          </a:xfrm>
-          <a:prstGeom prst="rect">
-            <a:avLst/>
-          </a:prstGeom>
-          <a:noFill/>
-          <a:ln>
-            <a:noFill/>
-          </a:ln>
-          <a:extLst>
-            <a:ext uri="{909E8E84-426E-40DD-AFC4-6F175D3DCCD1}">
-              <a14:hiddenFill xmlns:a14="http://schemas.microsoft.com/office/drawing/2010/main">
-                <a:solidFill>
-                  <a:srgbClr val="FFFFFF"/>
-                </a:solidFill>
-              </a14:hiddenFill>
-            </a:ext>
-            <a:ext uri="{91240B29-F687-4F45-9708-019B960494DF}">
-              <a14:hiddenLine xmlns:a14="http://schemas.microsoft.com/office/drawing/2010/main" w="9525">
-                <a:solidFill>
-                  <a:srgbClr val="000000"/>
-                </a:solidFill>
-                <a:miter lim="800000"/>
-                <a:headEnd/>
-                <a:tailEnd/>
-              </a14:hiddenLine>
-            </a:ext>
-          </a:extLst>
-        </p:spPr>
-      </p:pic>
-      <p:cxnSp>
-        <p:nvCxnSpPr>
-          <p:cNvPr id="87" name="Straight Arrow Connector 86">
-            <a:extLst>
-              <a:ext uri="{FF2B5EF4-FFF2-40B4-BE49-F238E27FC236}">
-                <a16:creationId xmlns:a16="http://schemas.microsoft.com/office/drawing/2014/main" id="{A29B98B9-DB13-4647-9697-6D869BF46A54}"/>
-              </a:ext>
-            </a:extLst>
-          </p:cNvPr>
-          <p:cNvCxnSpPr>
-            <a:cxnSpLocks/>
-          </p:cNvCxnSpPr>
-          <p:nvPr/>
-        </p:nvCxnSpPr>
-        <p:spPr>
-          <a:xfrm>
-            <a:off x="6605713" y="2366400"/>
-            <a:ext cx="869156" cy="1497"/>
-          </a:xfrm>
-          <a:prstGeom prst="straightConnector1">
-            <a:avLst/>
-          </a:prstGeom>
-          <a:ln>
-            <a:tailEnd type="triangle"/>
-          </a:ln>
-        </p:spPr>
-        <p:style>
-          <a:lnRef idx="1">
-            <a:schemeClr val="dk1"/>
-          </a:lnRef>
-          <a:fillRef idx="0">
-            <a:schemeClr val="dk1"/>
-          </a:fillRef>
-          <a:effectRef idx="0">
-            <a:schemeClr val="dk1"/>
-          </a:effectRef>
-          <a:fontRef idx="minor">
-            <a:schemeClr val="tx1"/>
-          </a:fontRef>
-        </p:style>
-      </p:cxnSp>
-      <p:pic>
-        <p:nvPicPr>
-          <p:cNvPr id="88" name="Graphic 17">
-            <a:extLst>
-              <a:ext uri="{FF2B5EF4-FFF2-40B4-BE49-F238E27FC236}">
-                <a16:creationId xmlns:a16="http://schemas.microsoft.com/office/drawing/2014/main" id="{DB6F5160-3FD1-AC4B-829B-C202446DF78D}"/>
-              </a:ext>
-            </a:extLst>
-          </p:cNvPr>
-          <p:cNvPicPr>
-            <a:picLocks noChangeAspect="1" noChangeArrowheads="1"/>
-          </p:cNvPicPr>
-          <p:nvPr/>
-        </p:nvPicPr>
-        <p:blipFill>
-          <a:blip r:embed="rId15">
-            <a:extLst>
-              <a:ext uri="{28A0092B-C50C-407E-A947-70E740481C1C}">
-                <a14:useLocalDpi xmlns:a14="http://schemas.microsoft.com/office/drawing/2010/main" val="0"/>
-              </a:ext>
-            </a:extLst>
-          </a:blip>
-          <a:srcRect/>
-          <a:stretch>
-            <a:fillRect/>
-          </a:stretch>
-        </p:blipFill>
-        <p:spPr bwMode="auto">
-          <a:xfrm>
-            <a:off x="5510271" y="4975116"/>
-            <a:ext cx="457200" cy="457200"/>
-          </a:xfrm>
-          <a:prstGeom prst="rect">
-            <a:avLst/>
-          </a:prstGeom>
-          <a:noFill/>
-          <a:ln>
-            <a:noFill/>
-          </a:ln>
-          <a:extLst>
-            <a:ext uri="{909E8E84-426E-40DD-AFC4-6F175D3DCCD1}">
-              <a14:hiddenFill xmlns:a14="http://schemas.microsoft.com/office/drawing/2010/main">
-                <a:solidFill>
-                  <a:srgbClr val="FFFFFF"/>
-                </a:solidFill>
-              </a14:hiddenFill>
-            </a:ext>
-            <a:ext uri="{91240B29-F687-4F45-9708-019B960494DF}">
-              <a14:hiddenLine xmlns:a14="http://schemas.microsoft.com/office/drawing/2010/main" w="9525">
-                <a:solidFill>
-                  <a:srgbClr val="000000"/>
-                </a:solidFill>
-                <a:miter lim="800000"/>
-                <a:headEnd/>
-                <a:tailEnd/>
-              </a14:hiddenLine>
-            </a:ext>
-          </a:extLst>
-        </p:spPr>
-      </p:pic>
-      <p:sp>
-        <p:nvSpPr>
-          <p:cNvPr id="91" name="TextBox 2">
-            <a:extLst>
-              <a:ext uri="{FF2B5EF4-FFF2-40B4-BE49-F238E27FC236}">
-                <a16:creationId xmlns:a16="http://schemas.microsoft.com/office/drawing/2014/main" id="{1C50B2B9-4453-9149-8B0F-1125095B25A0}"/>
+      <p:sp>
+        <p:nvSpPr>
+          <p:cNvPr id="107" name="TextBox 2">
+            <a:extLst>
+              <a:ext uri="{FF2B5EF4-FFF2-40B4-BE49-F238E27FC236}">
+                <a16:creationId xmlns:a16="http://schemas.microsoft.com/office/drawing/2014/main" id="{416FB986-C7F9-8093-1659-8AC371ECE24A}"/>
               </a:ext>
             </a:extLst>
           </p:cNvPr>
@@ -6234,8 +7292,8 @@
         </p:nvSpPr>
         <p:spPr>
           <a:xfrm>
-            <a:off x="5328852" y="5431822"/>
-            <a:ext cx="810161" cy="430887"/>
+            <a:off x="10103026" y="5579038"/>
+            <a:ext cx="827407" cy="430887"/>
           </a:xfrm>
           <a:prstGeom prst="rect">
             <a:avLst/>
@@ -6330,17 +7388,56 @@
                 <a:latin typeface="Arial" panose="020B0604020202020204" pitchFamily="34" charset="0"/>
                 <a:cs typeface="Arial" panose="020B0604020202020204" pitchFamily="34" charset="0"/>
               </a:rPr>
-              <a:t>KMS Key Secret</a:t>
-            </a:r>
-          </a:p>
-        </p:txBody>
-      </p:sp>
-      <p:sp>
-        <p:nvSpPr>
-          <p:cNvPr id="93" name="Oval 92">
-            <a:extLst>
-              <a:ext uri="{FF2B5EF4-FFF2-40B4-BE49-F238E27FC236}">
-                <a16:creationId xmlns:a16="http://schemas.microsoft.com/office/drawing/2014/main" id="{ADFF5F4F-F555-C54B-BB12-CDF587B77932}"/>
+              <a:t>S3 Bucket Secret</a:t>
+            </a:r>
+          </a:p>
+        </p:txBody>
+      </p:sp>
+      <p:sp>
+        <p:nvSpPr>
+          <p:cNvPr id="109" name="TextBox 108">
+            <a:extLst>
+              <a:ext uri="{FF2B5EF4-FFF2-40B4-BE49-F238E27FC236}">
+                <a16:creationId xmlns:a16="http://schemas.microsoft.com/office/drawing/2014/main" id="{F2C74586-1765-C597-2C42-E037127BBAAD}"/>
+              </a:ext>
+            </a:extLst>
+          </p:cNvPr>
+          <p:cNvSpPr txBox="1"/>
+          <p:nvPr/>
+        </p:nvSpPr>
+        <p:spPr>
+          <a:xfrm>
+            <a:off x="8847849" y="5579038"/>
+            <a:ext cx="1280778" cy="430887"/>
+          </a:xfrm>
+          <a:prstGeom prst="rect">
+            <a:avLst/>
+          </a:prstGeom>
+          <a:noFill/>
+        </p:spPr>
+        <p:txBody>
+          <a:bodyPr wrap="square">
+            <a:spAutoFit/>
+          </a:bodyPr>
+          <a:lstStyle/>
+          <a:p>
+            <a:pPr algn="ctr"/>
+            <a:r>
+              <a:rPr lang="en-US" sz="1100" dirty="0">
+                <a:latin typeface="Arial" panose="020B0604020202020204" pitchFamily="34" charset="0"/>
+                <a:cs typeface="Arial" panose="020B0604020202020204" pitchFamily="34" charset="0"/>
+              </a:rPr>
+              <a:t>Delivery S3 Bucket</a:t>
+            </a:r>
+          </a:p>
+        </p:txBody>
+      </p:sp>
+      <p:sp>
+        <p:nvSpPr>
+          <p:cNvPr id="110" name="Oval 109">
+            <a:extLst>
+              <a:ext uri="{FF2B5EF4-FFF2-40B4-BE49-F238E27FC236}">
+                <a16:creationId xmlns:a16="http://schemas.microsoft.com/office/drawing/2014/main" id="{B2D38E6D-69DA-CE9C-F676-A7C73115F503}"/>
               </a:ext>
             </a:extLst>
           </p:cNvPr>
@@ -6349,7 +7446,7 @@
         </p:nvSpPr>
         <p:spPr>
           <a:xfrm>
-            <a:off x="5525440" y="4980749"/>
+            <a:off x="9173022" y="5010398"/>
             <a:ext cx="253435" cy="212902"/>
           </a:xfrm>
           <a:prstGeom prst="ellipse">
@@ -6390,174 +7487,74 @@
                 <a:latin typeface="Arial" panose="020B0604020202020204" pitchFamily="34" charset="0"/>
                 <a:cs typeface="Arial" panose="020B0604020202020204" pitchFamily="34" charset="0"/>
               </a:rPr>
-              <a:t>2.3</a:t>
+              <a:t>3.2</a:t>
             </a:r>
           </a:p>
         </p:txBody>
       </p:sp>
       <p:pic>
         <p:nvPicPr>
-          <p:cNvPr id="94" name="Graphic 17">
-            <a:extLst>
-              <a:ext uri="{FF2B5EF4-FFF2-40B4-BE49-F238E27FC236}">
-                <a16:creationId xmlns:a16="http://schemas.microsoft.com/office/drawing/2014/main" id="{500C4714-29C8-C54F-AC1F-1031983778B6}"/>
+          <p:cNvPr id="111" name="Graphic 110">
+            <a:extLst>
+              <a:ext uri="{FF2B5EF4-FFF2-40B4-BE49-F238E27FC236}">
+                <a16:creationId xmlns:a16="http://schemas.microsoft.com/office/drawing/2014/main" id="{D8F9D24B-54A5-6788-EACD-9A3D6DEE92A4}"/>
               </a:ext>
             </a:extLst>
           </p:cNvPr>
           <p:cNvPicPr>
-            <a:picLocks noChangeAspect="1" noChangeArrowheads="1"/>
+            <a:picLocks noChangeAspect="1"/>
           </p:cNvPicPr>
           <p:nvPr/>
         </p:nvPicPr>
         <p:blipFill>
-          <a:blip r:embed="rId15">
-            <a:extLst>
-              <a:ext uri="{28A0092B-C50C-407E-A947-70E740481C1C}">
-                <a14:useLocalDpi xmlns:a14="http://schemas.microsoft.com/office/drawing/2010/main" val="0"/>
+          <a:blip r:embed="rId17">
+            <a:extLst>
+              <a:ext uri="{96DAC541-7B7A-43D3-8B79-37D633B846F1}">
+                <asvg:svgBlip xmlns:asvg="http://schemas.microsoft.com/office/drawing/2016/SVG/main" r:embed="rId18"/>
               </a:ext>
             </a:extLst>
           </a:blip>
-          <a:srcRect/>
           <a:stretch>
             <a:fillRect/>
           </a:stretch>
         </p:blipFill>
-        <p:spPr bwMode="auto">
-          <a:xfrm>
-            <a:off x="8832085" y="4967394"/>
-            <a:ext cx="457200" cy="457200"/>
+        <p:spPr>
+          <a:xfrm>
+            <a:off x="9276650" y="2550562"/>
+            <a:ext cx="457201" cy="457201"/>
+          </a:xfrm>
+          <a:prstGeom prst="rect">
+            <a:avLst/>
+          </a:prstGeom>
+        </p:spPr>
+      </p:pic>
+      <p:sp>
+        <p:nvSpPr>
+          <p:cNvPr id="112" name="TextBox 111">
+            <a:extLst>
+              <a:ext uri="{FF2B5EF4-FFF2-40B4-BE49-F238E27FC236}">
+                <a16:creationId xmlns:a16="http://schemas.microsoft.com/office/drawing/2014/main" id="{7A4E8A2F-1220-8415-9D08-B036A301CB15}"/>
+              </a:ext>
+            </a:extLst>
+          </p:cNvPr>
+          <p:cNvSpPr txBox="1"/>
+          <p:nvPr/>
+        </p:nvSpPr>
+        <p:spPr>
+          <a:xfrm>
+            <a:off x="9043101" y="3007765"/>
+            <a:ext cx="832921" cy="261610"/>
           </a:xfrm>
           <a:prstGeom prst="rect">
             <a:avLst/>
           </a:prstGeom>
           <a:noFill/>
-          <a:ln>
-            <a:noFill/>
-          </a:ln>
-          <a:extLst>
-            <a:ext uri="{909E8E84-426E-40DD-AFC4-6F175D3DCCD1}">
-              <a14:hiddenFill xmlns:a14="http://schemas.microsoft.com/office/drawing/2010/main">
-                <a:solidFill>
-                  <a:srgbClr val="FFFFFF"/>
-                </a:solidFill>
-              </a14:hiddenFill>
-            </a:ext>
-            <a:ext uri="{91240B29-F687-4F45-9708-019B960494DF}">
-              <a14:hiddenLine xmlns:a14="http://schemas.microsoft.com/office/drawing/2010/main" w="9525">
-                <a:solidFill>
-                  <a:srgbClr val="000000"/>
-                </a:solidFill>
-                <a:miter lim="800000"/>
-                <a:headEnd/>
-                <a:tailEnd/>
-              </a14:hiddenLine>
-            </a:ext>
-          </a:extLst>
-        </p:spPr>
-      </p:pic>
-      <p:sp>
-        <p:nvSpPr>
-          <p:cNvPr id="95" name="TextBox 2">
-            <a:extLst>
-              <a:ext uri="{FF2B5EF4-FFF2-40B4-BE49-F238E27FC236}">
-                <a16:creationId xmlns:a16="http://schemas.microsoft.com/office/drawing/2014/main" id="{F475554E-0F05-5242-A6C2-546AC18581C7}"/>
-              </a:ext>
-            </a:extLst>
-          </p:cNvPr>
-          <p:cNvSpPr txBox="1"/>
-          <p:nvPr/>
-        </p:nvSpPr>
-        <p:spPr>
-          <a:xfrm>
-            <a:off x="8646981" y="5424594"/>
-            <a:ext cx="827407" cy="430887"/>
-          </a:xfrm>
-          <a:prstGeom prst="rect">
-            <a:avLst/>
-          </a:prstGeom>
-          <a:noFill/>
-        </p:spPr>
-        <p:style>
-          <a:lnRef idx="0">
-            <a:scrgbClr r="0" g="0" b="0"/>
-          </a:lnRef>
-          <a:fillRef idx="0">
-            <a:scrgbClr r="0" g="0" b="0"/>
-          </a:fillRef>
-          <a:effectRef idx="0">
-            <a:scrgbClr r="0" g="0" b="0"/>
-          </a:effectRef>
-          <a:fontRef idx="major"/>
-        </p:style>
+        </p:spPr>
         <p:txBody>
           <a:bodyPr wrap="square" rtlCol="0">
             <a:spAutoFit/>
           </a:bodyPr>
-          <a:lstStyle>
-            <a:lvl1pPr>
-              <a:defRPr>
-                <a:latin typeface="+mj-lt"/>
-                <a:ea typeface="+mj-ea"/>
-                <a:cs typeface="+mj-cs"/>
-              </a:defRPr>
-            </a:lvl1pPr>
-            <a:lvl2pPr>
-              <a:defRPr>
-                <a:latin typeface="+mj-lt"/>
-                <a:ea typeface="+mj-ea"/>
-                <a:cs typeface="+mj-cs"/>
-              </a:defRPr>
-            </a:lvl2pPr>
-            <a:lvl3pPr>
-              <a:defRPr>
-                <a:latin typeface="+mj-lt"/>
-                <a:ea typeface="+mj-ea"/>
-                <a:cs typeface="+mj-cs"/>
-              </a:defRPr>
-            </a:lvl3pPr>
-            <a:lvl4pPr>
-              <a:defRPr>
-                <a:latin typeface="+mj-lt"/>
-                <a:ea typeface="+mj-ea"/>
-                <a:cs typeface="+mj-cs"/>
-              </a:defRPr>
-            </a:lvl4pPr>
-            <a:lvl5pPr>
-              <a:defRPr>
-                <a:latin typeface="+mj-lt"/>
-                <a:ea typeface="+mj-ea"/>
-                <a:cs typeface="+mj-cs"/>
-              </a:defRPr>
-            </a:lvl5pPr>
-            <a:lvl6pPr>
-              <a:defRPr>
-                <a:latin typeface="+mj-lt"/>
-                <a:ea typeface="+mj-ea"/>
-                <a:cs typeface="+mj-cs"/>
-              </a:defRPr>
-            </a:lvl6pPr>
-            <a:lvl7pPr>
-              <a:defRPr>
-                <a:latin typeface="+mj-lt"/>
-                <a:ea typeface="+mj-ea"/>
-                <a:cs typeface="+mj-cs"/>
-              </a:defRPr>
-            </a:lvl7pPr>
-            <a:lvl8pPr>
-              <a:defRPr>
-                <a:latin typeface="+mj-lt"/>
-                <a:ea typeface="+mj-ea"/>
-                <a:cs typeface="+mj-cs"/>
-              </a:defRPr>
-            </a:lvl8pPr>
-            <a:lvl9pPr>
-              <a:defRPr>
-                <a:latin typeface="+mj-lt"/>
-                <a:ea typeface="+mj-ea"/>
-                <a:cs typeface="+mj-cs"/>
-              </a:defRPr>
-            </a:lvl9pPr>
-          </a:lstStyle>
+          <a:lstStyle/>
           <a:p>
             <a:pPr algn="ctr"/>
             <a:r>
@@ -6565,17 +7562,17 @@
                 <a:latin typeface="Arial" panose="020B0604020202020204" pitchFamily="34" charset="0"/>
                 <a:cs typeface="Arial" panose="020B0604020202020204" pitchFamily="34" charset="0"/>
               </a:rPr>
-              <a:t>S3 Bucket Secret</a:t>
-            </a:r>
-          </a:p>
-        </p:txBody>
-      </p:sp>
-      <p:sp>
-        <p:nvSpPr>
-          <p:cNvPr id="96" name="Oval 95">
-            <a:extLst>
-              <a:ext uri="{FF2B5EF4-FFF2-40B4-BE49-F238E27FC236}">
-                <a16:creationId xmlns:a16="http://schemas.microsoft.com/office/drawing/2014/main" id="{30425177-2E70-3246-9985-D5F142053EB0}"/>
+              <a:t>CloudTrail</a:t>
+            </a:r>
+          </a:p>
+        </p:txBody>
+      </p:sp>
+      <p:sp>
+        <p:nvSpPr>
+          <p:cNvPr id="113" name="Oval 112">
+            <a:extLst>
+              <a:ext uri="{FF2B5EF4-FFF2-40B4-BE49-F238E27FC236}">
+                <a16:creationId xmlns:a16="http://schemas.microsoft.com/office/drawing/2014/main" id="{CA48311D-BE2A-1D9E-492D-752D7343AF69}"/>
               </a:ext>
             </a:extLst>
           </p:cNvPr>
@@ -6584,7 +7581,7 @@
         </p:nvSpPr>
         <p:spPr>
           <a:xfrm>
-            <a:off x="8846755" y="4983562"/>
+            <a:off x="9122533" y="2460162"/>
             <a:ext cx="253435" cy="212902"/>
           </a:xfrm>
           <a:prstGeom prst="ellipse">
@@ -6625,67 +7622,7 @@
                 <a:latin typeface="Arial" panose="020B0604020202020204" pitchFamily="34" charset="0"/>
                 <a:cs typeface="Arial" panose="020B0604020202020204" pitchFamily="34" charset="0"/>
               </a:rPr>
-              <a:t>3.3</a:t>
-            </a:r>
-          </a:p>
-        </p:txBody>
-      </p:sp>
-      <p:sp>
-        <p:nvSpPr>
-          <p:cNvPr id="80" name="Oval 79">
-            <a:extLst>
-              <a:ext uri="{FF2B5EF4-FFF2-40B4-BE49-F238E27FC236}">
-                <a16:creationId xmlns:a16="http://schemas.microsoft.com/office/drawing/2014/main" id="{48C4D317-93F4-5641-8DFB-C87230F448BF}"/>
-              </a:ext>
-            </a:extLst>
-          </p:cNvPr>
-          <p:cNvSpPr/>
-          <p:nvPr/>
-        </p:nvSpPr>
-        <p:spPr>
-          <a:xfrm>
-            <a:off x="7957680" y="4938098"/>
-            <a:ext cx="253435" cy="212902"/>
-          </a:xfrm>
-          <a:prstGeom prst="ellipse">
-            <a:avLst/>
-          </a:prstGeom>
-          <a:solidFill>
-            <a:schemeClr val="tx1"/>
-          </a:solidFill>
-          <a:ln>
-            <a:solidFill>
-              <a:schemeClr val="tx1"/>
-            </a:solidFill>
-          </a:ln>
-        </p:spPr>
-        <p:style>
-          <a:lnRef idx="2">
-            <a:schemeClr val="accent1">
-              <a:shade val="50000"/>
-            </a:schemeClr>
-          </a:lnRef>
-          <a:fillRef idx="1">
-            <a:schemeClr val="accent1"/>
-          </a:fillRef>
-          <a:effectRef idx="0">
-            <a:schemeClr val="accent1"/>
-          </a:effectRef>
-          <a:fontRef idx="minor">
-            <a:schemeClr val="lt1"/>
-          </a:fontRef>
-        </p:style>
-        <p:txBody>
-          <a:bodyPr lIns="0" tIns="0" rIns="0" bIns="0" rtlCol="0" anchor="ctr"/>
-          <a:lstStyle/>
-          <a:p>
-            <a:pPr algn="ctr"/>
-            <a:r>
-              <a:rPr lang="en-US" sz="800" dirty="0">
-                <a:latin typeface="Arial" panose="020B0604020202020204" pitchFamily="34" charset="0"/>
-                <a:cs typeface="Arial" panose="020B0604020202020204" pitchFamily="34" charset="0"/>
-              </a:rPr>
-              <a:t>3.2</a:t>
+              <a:t>2.4</a:t>
             </a:r>
           </a:p>
         </p:txBody>
@@ -6693,7 +7630,7 @@
     </p:spTree>
     <p:extLst>
       <p:ext uri="{BB962C8B-B14F-4D97-AF65-F5344CB8AC3E}">
-        <p14:creationId xmlns:p14="http://schemas.microsoft.com/office/powerpoint/2010/main" val="4028514868"/>
+        <p14:creationId xmlns:p14="http://schemas.microsoft.com/office/powerpoint/2010/main" val="4100004599"/>
       </p:ext>
     </p:extLst>
   </p:cSld>
@@ -6996,4 +7933,299 @@
     </a:ext>
   </a:extLst>
 </a:theme>
+</file>
+
+<file path=ppt/theme/theme2.xml><?xml version="1.0" encoding="utf-8"?>
+<a:theme xmlns:a="http://schemas.openxmlformats.org/drawingml/2006/main" name="Office Theme">
+  <a:themeElements>
+    <a:clrScheme name="Office">
+      <a:dk1>
+        <a:sysClr val="windowText" lastClr="000000"/>
+      </a:dk1>
+      <a:lt1>
+        <a:sysClr val="window" lastClr="FFFFFF"/>
+      </a:lt1>
+      <a:dk2>
+        <a:srgbClr val="44546A"/>
+      </a:dk2>
+      <a:lt2>
+        <a:srgbClr val="E7E6E6"/>
+      </a:lt2>
+      <a:accent1>
+        <a:srgbClr val="4472C4"/>
+      </a:accent1>
+      <a:accent2>
+        <a:srgbClr val="ED7D31"/>
+      </a:accent2>
+      <a:accent3>
+        <a:srgbClr val="A5A5A5"/>
+      </a:accent3>
+      <a:accent4>
+        <a:srgbClr val="FFC000"/>
+      </a:accent4>
+      <a:accent5>
+        <a:srgbClr val="5B9BD5"/>
+      </a:accent5>
+      <a:accent6>
+        <a:srgbClr val="70AD47"/>
+      </a:accent6>
+      <a:hlink>
+        <a:srgbClr val="0563C1"/>
+      </a:hlink>
+      <a:folHlink>
+        <a:srgbClr val="954F72"/>
+      </a:folHlink>
+    </a:clrScheme>
+    <a:fontScheme name="Office">
+      <a:majorFont>
+        <a:latin typeface="Calibri Light" panose="020F0302020204030204"/>
+        <a:ea typeface=""/>
+        <a:cs typeface=""/>
+        <a:font script="Jpan" typeface="游ゴシック Light"/>
+        <a:font script="Hang" typeface="맑은 고딕"/>
+        <a:font script="Hans" typeface="等线 Light"/>
+        <a:font script="Hant" typeface="新細明體"/>
+        <a:font script="Arab" typeface="Times New Roman"/>
+        <a:font script="Hebr" typeface="Times New Roman"/>
+        <a:font script="Thai" typeface="Angsana New"/>
+        <a:font script="Ethi" typeface="Nyala"/>
+        <a:font script="Beng" typeface="Vrinda"/>
+        <a:font script="Gujr" typeface="Shruti"/>
+        <a:font script="Khmr" typeface="MoolBoran"/>
+        <a:font script="Knda" typeface="Tunga"/>
+        <a:font script="Guru" typeface="Raavi"/>
+        <a:font script="Cans" typeface="Euphemia"/>
+        <a:font script="Cher" typeface="Plantagenet Cherokee"/>
+        <a:font script="Yiii" typeface="Microsoft Yi Baiti"/>
+        <a:font script="Tibt" typeface="Microsoft Himalaya"/>
+        <a:font script="Thaa" typeface="MV Boli"/>
+        <a:font script="Deva" typeface="Mangal"/>
+        <a:font script="Telu" typeface="Gautami"/>
+        <a:font script="Taml" typeface="Latha"/>
+        <a:font script="Syrc" typeface="Estrangelo Edessa"/>
+        <a:font script="Orya" typeface="Kalinga"/>
+        <a:font script="Mlym" typeface="Kartika"/>
+        <a:font script="Laoo" typeface="DokChampa"/>
+        <a:font script="Sinh" typeface="Iskoola Pota"/>
+        <a:font script="Mong" typeface="Mongolian Baiti"/>
+        <a:font script="Viet" typeface="Times New Roman"/>
+        <a:font script="Uigh" typeface="Microsoft Uighur"/>
+        <a:font script="Geor" typeface="Sylfaen"/>
+        <a:font script="Armn" typeface="Arial"/>
+        <a:font script="Bugi" typeface="Leelawadee UI"/>
+        <a:font script="Bopo" typeface="Microsoft JhengHei"/>
+        <a:font script="Java" typeface="Javanese Text"/>
+        <a:font script="Lisu" typeface="Segoe UI"/>
+        <a:font script="Mymr" typeface="Myanmar Text"/>
+        <a:font script="Nkoo" typeface="Ebrima"/>
+        <a:font script="Olck" typeface="Nirmala UI"/>
+        <a:font script="Osma" typeface="Ebrima"/>
+        <a:font script="Phag" typeface="Phagspa"/>
+        <a:font script="Syrn" typeface="Estrangelo Edessa"/>
+        <a:font script="Syrj" typeface="Estrangelo Edessa"/>
+        <a:font script="Syre" typeface="Estrangelo Edessa"/>
+        <a:font script="Sora" typeface="Nirmala UI"/>
+        <a:font script="Tale" typeface="Microsoft Tai Le"/>
+        <a:font script="Talu" typeface="Microsoft New Tai Lue"/>
+        <a:font script="Tfng" typeface="Ebrima"/>
+      </a:majorFont>
+      <a:minorFont>
+        <a:latin typeface="Calibri" panose="020F0502020204030204"/>
+        <a:ea typeface=""/>
+        <a:cs typeface=""/>
+        <a:font script="Jpan" typeface="游ゴシック"/>
+        <a:font script="Hang" typeface="맑은 고딕"/>
+        <a:font script="Hans" typeface="等线"/>
+        <a:font script="Hant" typeface="新細明體"/>
+        <a:font script="Arab" typeface="Arial"/>
+        <a:font script="Hebr" typeface="Arial"/>
+        <a:font script="Thai" typeface="Cordia New"/>
+        <a:font script="Ethi" typeface="Nyala"/>
+        <a:font script="Beng" typeface="Vrinda"/>
+        <a:font script="Gujr" typeface="Shruti"/>
+        <a:font script="Khmr" typeface="DaunPenh"/>
+        <a:font script="Knda" typeface="Tunga"/>
+        <a:font script="Guru" typeface="Raavi"/>
+        <a:font script="Cans" typeface="Euphemia"/>
+        <a:font script="Cher" typeface="Plantagenet Cherokee"/>
+        <a:font script="Yiii" typeface="Microsoft Yi Baiti"/>
+        <a:font script="Tibt" typeface="Microsoft Himalaya"/>
+        <a:font script="Thaa" typeface="MV Boli"/>
+        <a:font script="Deva" typeface="Mangal"/>
+        <a:font script="Telu" typeface="Gautami"/>
+        <a:font script="Taml" typeface="Latha"/>
+        <a:font script="Syrc" typeface="Estrangelo Edessa"/>
+        <a:font script="Orya" typeface="Kalinga"/>
+        <a:font script="Mlym" typeface="Kartika"/>
+        <a:font script="Laoo" typeface="DokChampa"/>
+        <a:font script="Sinh" typeface="Iskoola Pota"/>
+        <a:font script="Mong" typeface="Mongolian Baiti"/>
+        <a:font script="Viet" typeface="Arial"/>
+        <a:font script="Uigh" typeface="Microsoft Uighur"/>
+        <a:font script="Geor" typeface="Sylfaen"/>
+        <a:font script="Armn" typeface="Arial"/>
+        <a:font script="Bugi" typeface="Leelawadee UI"/>
+        <a:font script="Bopo" typeface="Microsoft JhengHei"/>
+        <a:font script="Java" typeface="Javanese Text"/>
+        <a:font script="Lisu" typeface="Segoe UI"/>
+        <a:font script="Mymr" typeface="Myanmar Text"/>
+        <a:font script="Nkoo" typeface="Ebrima"/>
+        <a:font script="Olck" typeface="Nirmala UI"/>
+        <a:font script="Osma" typeface="Ebrima"/>
+        <a:font script="Phag" typeface="Phagspa"/>
+        <a:font script="Syrn" typeface="Estrangelo Edessa"/>
+        <a:font script="Syrj" typeface="Estrangelo Edessa"/>
+        <a:font script="Syre" typeface="Estrangelo Edessa"/>
+        <a:font script="Sora" typeface="Nirmala UI"/>
+        <a:font script="Tale" typeface="Microsoft Tai Le"/>
+        <a:font script="Talu" typeface="Microsoft New Tai Lue"/>
+        <a:font script="Tfng" typeface="Ebrima"/>
+      </a:minorFont>
+    </a:fontScheme>
+    <a:fmtScheme name="Office">
+      <a:fillStyleLst>
+        <a:solidFill>
+          <a:schemeClr val="phClr"/>
+        </a:solidFill>
+        <a:gradFill rotWithShape="1">
+          <a:gsLst>
+            <a:gs pos="0">
+              <a:schemeClr val="phClr">
+                <a:lumMod val="110000"/>
+                <a:satMod val="105000"/>
+                <a:tint val="67000"/>
+              </a:schemeClr>
+            </a:gs>
+            <a:gs pos="50000">
+              <a:schemeClr val="phClr">
+                <a:lumMod val="105000"/>
+                <a:satMod val="103000"/>
+                <a:tint val="73000"/>
+              </a:schemeClr>
+            </a:gs>
+            <a:gs pos="100000">
+              <a:schemeClr val="phClr">
+                <a:lumMod val="105000"/>
+                <a:satMod val="109000"/>
+                <a:tint val="81000"/>
+              </a:schemeClr>
+            </a:gs>
+          </a:gsLst>
+          <a:lin ang="5400000" scaled="0"/>
+        </a:gradFill>
+        <a:gradFill rotWithShape="1">
+          <a:gsLst>
+            <a:gs pos="0">
+              <a:schemeClr val="phClr">
+                <a:satMod val="103000"/>
+                <a:lumMod val="102000"/>
+                <a:tint val="94000"/>
+              </a:schemeClr>
+            </a:gs>
+            <a:gs pos="50000">
+              <a:schemeClr val="phClr">
+                <a:satMod val="110000"/>
+                <a:lumMod val="100000"/>
+                <a:shade val="100000"/>
+              </a:schemeClr>
+            </a:gs>
+            <a:gs pos="100000">
+              <a:schemeClr val="phClr">
+                <a:lumMod val="99000"/>
+                <a:satMod val="120000"/>
+                <a:shade val="78000"/>
+              </a:schemeClr>
+            </a:gs>
+          </a:gsLst>
+          <a:lin ang="5400000" scaled="0"/>
+        </a:gradFill>
+      </a:fillStyleLst>
+      <a:lnStyleLst>
+        <a:ln w="6350" cap="flat" cmpd="sng" algn="ctr">
+          <a:solidFill>
+            <a:schemeClr val="phClr"/>
+          </a:solidFill>
+          <a:prstDash val="solid"/>
+          <a:miter lim="800000"/>
+        </a:ln>
+        <a:ln w="12700" cap="flat" cmpd="sng" algn="ctr">
+          <a:solidFill>
+            <a:schemeClr val="phClr"/>
+          </a:solidFill>
+          <a:prstDash val="solid"/>
+          <a:miter lim="800000"/>
+        </a:ln>
+        <a:ln w="19050" cap="flat" cmpd="sng" algn="ctr">
+          <a:solidFill>
+            <a:schemeClr val="phClr"/>
+          </a:solidFill>
+          <a:prstDash val="solid"/>
+          <a:miter lim="800000"/>
+        </a:ln>
+      </a:lnStyleLst>
+      <a:effectStyleLst>
+        <a:effectStyle>
+          <a:effectLst/>
+        </a:effectStyle>
+        <a:effectStyle>
+          <a:effectLst/>
+        </a:effectStyle>
+        <a:effectStyle>
+          <a:effectLst>
+            <a:outerShdw blurRad="57150" dist="19050" dir="5400000" algn="ctr" rotWithShape="0">
+              <a:srgbClr val="000000">
+                <a:alpha val="63000"/>
+              </a:srgbClr>
+            </a:outerShdw>
+          </a:effectLst>
+        </a:effectStyle>
+      </a:effectStyleLst>
+      <a:bgFillStyleLst>
+        <a:solidFill>
+          <a:schemeClr val="phClr"/>
+        </a:solidFill>
+        <a:solidFill>
+          <a:schemeClr val="phClr">
+            <a:tint val="95000"/>
+            <a:satMod val="170000"/>
+          </a:schemeClr>
+        </a:solidFill>
+        <a:gradFill rotWithShape="1">
+          <a:gsLst>
+            <a:gs pos="0">
+              <a:schemeClr val="phClr">
+                <a:tint val="93000"/>
+                <a:satMod val="150000"/>
+                <a:shade val="98000"/>
+                <a:lumMod val="102000"/>
+              </a:schemeClr>
+            </a:gs>
+            <a:gs pos="50000">
+              <a:schemeClr val="phClr">
+                <a:tint val="98000"/>
+                <a:satMod val="130000"/>
+                <a:shade val="90000"/>
+                <a:lumMod val="103000"/>
+              </a:schemeClr>
+            </a:gs>
+            <a:gs pos="100000">
+              <a:schemeClr val="phClr">
+                <a:shade val="63000"/>
+                <a:satMod val="120000"/>
+              </a:schemeClr>
+            </a:gs>
+          </a:gsLst>
+          <a:lin ang="5400000" scaled="0"/>
+        </a:gradFill>
+      </a:bgFillStyleLst>
+    </a:fmtScheme>
+  </a:themeElements>
+  <a:objectDefaults/>
+  <a:extraClrSchemeLst/>
+  <a:extLst>
+    <a:ext uri="{05A4C25C-085E-4340-85A3-A5531E510DB2}">
+      <thm15:themeFamily xmlns:thm15="http://schemas.microsoft.com/office/thememl/2012/main" name="Office Theme" id="{62F939B6-93AF-4DB8-9C6B-D6C7DFDC589F}" vid="{4A3C46E8-61CC-4603-A589-7422A47A8E4A}"/>
+    </a:ext>
+  </a:extLst>
+</a:theme>
 </file>
--- a/aws_sra_examples/solutions/cloudtrail/cloudtrail_org/documentation/sra-cloudtrail-org.pptx
+++ b/aws_sra_examples/solutions/cloudtrail/cloudtrail_org/documentation/sra-cloudtrail-org.pptx
@@ -5,10 +5,11 @@
     <p:sldMasterId id="2147483648" r:id="rId1"/>
   </p:sldMasterIdLst>
   <p:notesMasterIdLst>
-    <p:notesMasterId r:id="rId3"/>
+    <p:notesMasterId r:id="rId4"/>
   </p:notesMasterIdLst>
   <p:sldIdLst>
     <p:sldId id="263" r:id="rId2"/>
+    <p:sldId id="264" r:id="rId3"/>
   </p:sldIdLst>
   <p:sldSz cx="12192000" cy="6858000"/>
   <p:notesSz cx="6858000" cy="9144000"/>
@@ -108,6 +109,20 @@
     </a:lvl9pPr>
   </p:defaultTextStyle>
   <p:extLst>
+    <p:ext uri="{521415D9-36F7-43E2-AB2F-B90AF26B5E84}">
+      <p14:sectionLst xmlns:p14="http://schemas.microsoft.com/office/powerpoint/2010/main">
+        <p14:section name="AWS SRA CloudTrail - Cloudformation" id="{4CB5A416-AE7C-4D6F-B2A0-E70BE5C44239}">
+          <p14:sldIdLst>
+            <p14:sldId id="263"/>
+          </p14:sldIdLst>
+        </p14:section>
+        <p14:section name="AWS SRA CloudTrail - Terraform" id="{3AF104AD-F729-42A9-B980-7F8A2F62F918}">
+          <p14:sldIdLst>
+            <p14:sldId id="264"/>
+          </p14:sldIdLst>
+        </p14:section>
+      </p14:sectionLst>
+    </p:ext>
     <p:ext uri="{EFAFB233-063F-42B5-8137-9DF3F51BA10A}">
       <p15:sldGuideLst xmlns:p15="http://schemas.microsoft.com/office/powerpoint/2012/main">
         <p15:guide id="1" orient="horz" pos="2160" userDrawn="1">
@@ -208,7 +223,7 @@
           <a:p>
             <a:fld id="{50F8E5D1-1998-5E4F-A2C9-0204B53C8FA8}" type="datetimeFigureOut">
               <a:rPr lang="en-US" smtClean="0"/>
-              <a:t>6/5/23</a:t>
+              <a:t>2/5/2024</a:t>
             </a:fld>
             <a:endParaRPr lang="en-US"/>
           </a:p>
@@ -559,6 +574,90 @@
 </p:notes>
 </file>
 
+<file path=ppt/notesSlides/notesSlide2.xml><?xml version="1.0" encoding="utf-8"?>
+<p:notes xmlns:a="http://schemas.openxmlformats.org/drawingml/2006/main" xmlns:r="http://schemas.openxmlformats.org/officeDocument/2006/relationships" xmlns:p="http://schemas.openxmlformats.org/presentationml/2006/main">
+  <p:cSld>
+    <p:spTree>
+      <p:nvGrpSpPr>
+        <p:cNvPr id="1" name=""/>
+        <p:cNvGrpSpPr/>
+        <p:nvPr/>
+      </p:nvGrpSpPr>
+      <p:grpSpPr>
+        <a:xfrm>
+          <a:off x="0" y="0"/>
+          <a:ext cx="0" cy="0"/>
+          <a:chOff x="0" y="0"/>
+          <a:chExt cx="0" cy="0"/>
+        </a:xfrm>
+      </p:grpSpPr>
+      <p:sp>
+        <p:nvSpPr>
+          <p:cNvPr id="2" name="Slide Image Placeholder 1"/>
+          <p:cNvSpPr>
+            <a:spLocks noGrp="1" noRot="1" noChangeAspect="1"/>
+          </p:cNvSpPr>
+          <p:nvPr>
+            <p:ph type="sldImg"/>
+          </p:nvPr>
+        </p:nvSpPr>
+        <p:spPr/>
+      </p:sp>
+      <p:sp>
+        <p:nvSpPr>
+          <p:cNvPr id="3" name="Notes Placeholder 2"/>
+          <p:cNvSpPr>
+            <a:spLocks noGrp="1"/>
+          </p:cNvSpPr>
+          <p:nvPr>
+            <p:ph type="body" idx="1"/>
+          </p:nvPr>
+        </p:nvSpPr>
+        <p:spPr/>
+        <p:txBody>
+          <a:bodyPr/>
+          <a:lstStyle/>
+          <a:p>
+            <a:endParaRPr lang="en-US" dirty="0"/>
+          </a:p>
+        </p:txBody>
+      </p:sp>
+      <p:sp>
+        <p:nvSpPr>
+          <p:cNvPr id="4" name="Slide Number Placeholder 3"/>
+          <p:cNvSpPr>
+            <a:spLocks noGrp="1"/>
+          </p:cNvSpPr>
+          <p:nvPr>
+            <p:ph type="sldNum" sz="quarter" idx="5"/>
+          </p:nvPr>
+        </p:nvSpPr>
+        <p:spPr/>
+        <p:txBody>
+          <a:bodyPr/>
+          <a:lstStyle/>
+          <a:p>
+            <a:fld id="{9E1330C4-BBBB-FC4A-85DD-6AFA452BF0C0}" type="slidenum">
+              <a:rPr lang="en-US" smtClean="0"/>
+              <a:t>2</a:t>
+            </a:fld>
+            <a:endParaRPr lang="en-US"/>
+          </a:p>
+        </p:txBody>
+      </p:sp>
+    </p:spTree>
+    <p:extLst>
+      <p:ext uri="{BB962C8B-B14F-4D97-AF65-F5344CB8AC3E}">
+        <p14:creationId xmlns:p14="http://schemas.microsoft.com/office/powerpoint/2010/main" val="880247208"/>
+      </p:ext>
+    </p:extLst>
+  </p:cSld>
+  <p:clrMapOvr>
+    <a:masterClrMapping/>
+  </p:clrMapOvr>
+</p:notes>
+</file>
+
 <file path=ppt/slideLayouts/slideLayout1.xml><?xml version="1.0" encoding="utf-8"?>
 <p:sldLayout xmlns:a="http://schemas.openxmlformats.org/drawingml/2006/main" xmlns:r="http://schemas.openxmlformats.org/officeDocument/2006/relationships" xmlns:p="http://schemas.openxmlformats.org/presentationml/2006/main" type="title" preserve="1">
   <p:cSld name="Title Slide">
@@ -706,7 +805,7 @@
           <a:p>
             <a:fld id="{662B873F-57DC-7447-B8D3-1026053E3089}" type="datetimeFigureOut">
               <a:rPr lang="en-US" smtClean="0"/>
-              <a:t>6/5/23</a:t>
+              <a:t>2/5/2024</a:t>
             </a:fld>
             <a:endParaRPr lang="en-US"/>
           </a:p>
@@ -904,7 +1003,7 @@
           <a:p>
             <a:fld id="{662B873F-57DC-7447-B8D3-1026053E3089}" type="datetimeFigureOut">
               <a:rPr lang="en-US" smtClean="0"/>
-              <a:t>6/5/23</a:t>
+              <a:t>2/5/2024</a:t>
             </a:fld>
             <a:endParaRPr lang="en-US"/>
           </a:p>
@@ -1112,7 +1211,7 @@
           <a:p>
             <a:fld id="{662B873F-57DC-7447-B8D3-1026053E3089}" type="datetimeFigureOut">
               <a:rPr lang="en-US" smtClean="0"/>
-              <a:t>6/5/23</a:t>
+              <a:t>2/5/2024</a:t>
             </a:fld>
             <a:endParaRPr lang="en-US"/>
           </a:p>
@@ -1310,7 +1409,7 @@
           <a:p>
             <a:fld id="{662B873F-57DC-7447-B8D3-1026053E3089}" type="datetimeFigureOut">
               <a:rPr lang="en-US" smtClean="0"/>
-              <a:t>6/5/23</a:t>
+              <a:t>2/5/2024</a:t>
             </a:fld>
             <a:endParaRPr lang="en-US"/>
           </a:p>
@@ -1585,7 +1684,7 @@
           <a:p>
             <a:fld id="{662B873F-57DC-7447-B8D3-1026053E3089}" type="datetimeFigureOut">
               <a:rPr lang="en-US" smtClean="0"/>
-              <a:t>6/5/23</a:t>
+              <a:t>2/5/2024</a:t>
             </a:fld>
             <a:endParaRPr lang="en-US"/>
           </a:p>
@@ -1850,7 +1949,7 @@
           <a:p>
             <a:fld id="{662B873F-57DC-7447-B8D3-1026053E3089}" type="datetimeFigureOut">
               <a:rPr lang="en-US" smtClean="0"/>
-              <a:t>6/5/23</a:t>
+              <a:t>2/5/2024</a:t>
             </a:fld>
             <a:endParaRPr lang="en-US"/>
           </a:p>
@@ -2262,7 +2361,7 @@
           <a:p>
             <a:fld id="{662B873F-57DC-7447-B8D3-1026053E3089}" type="datetimeFigureOut">
               <a:rPr lang="en-US" smtClean="0"/>
-              <a:t>6/5/23</a:t>
+              <a:t>2/5/2024</a:t>
             </a:fld>
             <a:endParaRPr lang="en-US"/>
           </a:p>
@@ -2403,7 +2502,7 @@
           <a:p>
             <a:fld id="{662B873F-57DC-7447-B8D3-1026053E3089}" type="datetimeFigureOut">
               <a:rPr lang="en-US" smtClean="0"/>
-              <a:t>6/5/23</a:t>
+              <a:t>2/5/2024</a:t>
             </a:fld>
             <a:endParaRPr lang="en-US"/>
           </a:p>
@@ -2516,7 +2615,7 @@
           <a:p>
             <a:fld id="{662B873F-57DC-7447-B8D3-1026053E3089}" type="datetimeFigureOut">
               <a:rPr lang="en-US" smtClean="0"/>
-              <a:t>6/5/23</a:t>
+              <a:t>2/5/2024</a:t>
             </a:fld>
             <a:endParaRPr lang="en-US"/>
           </a:p>
@@ -2827,7 +2926,7 @@
           <a:p>
             <a:fld id="{662B873F-57DC-7447-B8D3-1026053E3089}" type="datetimeFigureOut">
               <a:rPr lang="en-US" smtClean="0"/>
-              <a:t>6/5/23</a:t>
+              <a:t>2/5/2024</a:t>
             </a:fld>
             <a:endParaRPr lang="en-US"/>
           </a:p>
@@ -3115,7 +3214,7 @@
           <a:p>
             <a:fld id="{662B873F-57DC-7447-B8D3-1026053E3089}" type="datetimeFigureOut">
               <a:rPr lang="en-US" smtClean="0"/>
-              <a:t>6/5/23</a:t>
+              <a:t>2/5/2024</a:t>
             </a:fld>
             <a:endParaRPr lang="en-US"/>
           </a:p>
@@ -3356,7 +3455,7 @@
           <a:p>
             <a:fld id="{662B873F-57DC-7447-B8D3-1026053E3089}" type="datetimeFigureOut">
               <a:rPr lang="en-US" smtClean="0"/>
-              <a:t>6/5/23</a:t>
+              <a:t>2/5/2024</a:t>
             </a:fld>
             <a:endParaRPr lang="en-US"/>
           </a:p>
@@ -7631,6 +7730,3461 @@
     <p:extLst>
       <p:ext uri="{BB962C8B-B14F-4D97-AF65-F5344CB8AC3E}">
         <p14:creationId xmlns:p14="http://schemas.microsoft.com/office/powerpoint/2010/main" val="4100004599"/>
+      </p:ext>
+    </p:extLst>
+  </p:cSld>
+  <p:clrMapOvr>
+    <a:masterClrMapping/>
+  </p:clrMapOvr>
+</p:sld>
+</file>
+
+<file path=ppt/slides/slide2.xml><?xml version="1.0" encoding="utf-8"?>
+<p:sld xmlns:a="http://schemas.openxmlformats.org/drawingml/2006/main" xmlns:r="http://schemas.openxmlformats.org/officeDocument/2006/relationships" xmlns:p="http://schemas.openxmlformats.org/presentationml/2006/main">
+  <p:cSld>
+    <p:spTree>
+      <p:nvGrpSpPr>
+        <p:cNvPr id="1" name=""/>
+        <p:cNvGrpSpPr/>
+        <p:nvPr/>
+      </p:nvGrpSpPr>
+      <p:grpSpPr>
+        <a:xfrm>
+          <a:off x="0" y="0"/>
+          <a:ext cx="0" cy="0"/>
+          <a:chOff x="0" y="0"/>
+          <a:chExt cx="0" cy="0"/>
+        </a:xfrm>
+      </p:grpSpPr>
+      <p:sp>
+        <p:nvSpPr>
+          <p:cNvPr id="81" name="Rectangle 80">
+            <a:extLst>
+              <a:ext uri="{FF2B5EF4-FFF2-40B4-BE49-F238E27FC236}">
+                <a16:creationId xmlns:a16="http://schemas.microsoft.com/office/drawing/2014/main" id="{FD0BEA75-341F-49B4-83DB-758CA12480EF}"/>
+              </a:ext>
+            </a:extLst>
+          </p:cNvPr>
+          <p:cNvSpPr/>
+          <p:nvPr/>
+        </p:nvSpPr>
+        <p:spPr>
+          <a:xfrm>
+            <a:off x="503605" y="158632"/>
+            <a:ext cx="10985663" cy="6540737"/>
+          </a:xfrm>
+          <a:prstGeom prst="rect">
+            <a:avLst/>
+          </a:prstGeom>
+          <a:noFill/>
+          <a:ln w="12700">
+            <a:solidFill>
+              <a:schemeClr val="tx1"/>
+            </a:solidFill>
+          </a:ln>
+        </p:spPr>
+        <p:style>
+          <a:lnRef idx="2">
+            <a:schemeClr val="accent1">
+              <a:shade val="50000"/>
+            </a:schemeClr>
+          </a:lnRef>
+          <a:fillRef idx="1">
+            <a:schemeClr val="accent1"/>
+          </a:fillRef>
+          <a:effectRef idx="0">
+            <a:schemeClr val="accent1"/>
+          </a:effectRef>
+          <a:fontRef idx="minor">
+            <a:schemeClr val="lt1"/>
+          </a:fontRef>
+        </p:style>
+        <p:txBody>
+          <a:bodyPr lIns="502920" tIns="91440"/>
+          <a:lstStyle/>
+          <a:p>
+            <a:pPr eaLnBrk="1" fontAlgn="auto" hangingPunct="1">
+              <a:spcBef>
+                <a:spcPts val="0"/>
+              </a:spcBef>
+              <a:spcAft>
+                <a:spcPts val="0"/>
+              </a:spcAft>
+              <a:defRPr/>
+            </a:pPr>
+            <a:r>
+              <a:rPr lang="en-US" sz="1200" dirty="0">
+                <a:solidFill>
+                  <a:sysClr val="windowText" lastClr="000000"/>
+                </a:solidFill>
+                <a:latin typeface="Arial" panose="020B0604020202020204" pitchFamily="34" charset="0"/>
+                <a:cs typeface="Arial" panose="020B0604020202020204" pitchFamily="34" charset="0"/>
+              </a:rPr>
+              <a:t>AWS Cloud</a:t>
+            </a:r>
+          </a:p>
+        </p:txBody>
+      </p:sp>
+      <p:pic>
+        <p:nvPicPr>
+          <p:cNvPr id="82" name="Graphic 81">
+            <a:extLst>
+              <a:ext uri="{FF2B5EF4-FFF2-40B4-BE49-F238E27FC236}">
+                <a16:creationId xmlns:a16="http://schemas.microsoft.com/office/drawing/2014/main" id="{ADF00096-D97F-4D69-B4CB-8B0D7A8DF2BF}"/>
+              </a:ext>
+            </a:extLst>
+          </p:cNvPr>
+          <p:cNvPicPr>
+            <a:picLocks noChangeAspect="1"/>
+          </p:cNvPicPr>
+          <p:nvPr/>
+        </p:nvPicPr>
+        <p:blipFill>
+          <a:blip r:embed="rId3">
+            <a:extLst>
+              <a:ext uri="{96DAC541-7B7A-43D3-8B79-37D633B846F1}">
+                <asvg:svgBlip xmlns:asvg="http://schemas.microsoft.com/office/drawing/2016/SVG/main" r:embed="rId4"/>
+              </a:ext>
+            </a:extLst>
+          </a:blip>
+          <a:srcRect/>
+          <a:stretch/>
+        </p:blipFill>
+        <p:spPr>
+          <a:xfrm>
+            <a:off x="503605" y="158631"/>
+            <a:ext cx="381000" cy="381000"/>
+          </a:xfrm>
+          <a:prstGeom prst="rect">
+            <a:avLst/>
+          </a:prstGeom>
+        </p:spPr>
+      </p:pic>
+      <p:sp>
+        <p:nvSpPr>
+          <p:cNvPr id="87" name="Rectangle 86">
+            <a:extLst>
+              <a:ext uri="{FF2B5EF4-FFF2-40B4-BE49-F238E27FC236}">
+                <a16:creationId xmlns:a16="http://schemas.microsoft.com/office/drawing/2014/main" id="{233194F9-79FD-453D-AC8F-FA9F8DEF9795}"/>
+              </a:ext>
+            </a:extLst>
+          </p:cNvPr>
+          <p:cNvSpPr/>
+          <p:nvPr/>
+        </p:nvSpPr>
+        <p:spPr>
+          <a:xfrm>
+            <a:off x="667130" y="590707"/>
+            <a:ext cx="6559591" cy="5969118"/>
+          </a:xfrm>
+          <a:prstGeom prst="rect">
+            <a:avLst/>
+          </a:prstGeom>
+          <a:noFill/>
+          <a:ln w="12700">
+            <a:solidFill>
+              <a:srgbClr val="CD2264"/>
+            </a:solidFill>
+          </a:ln>
+        </p:spPr>
+        <p:style>
+          <a:lnRef idx="2">
+            <a:schemeClr val="accent1">
+              <a:shade val="50000"/>
+            </a:schemeClr>
+          </a:lnRef>
+          <a:fillRef idx="1">
+            <a:schemeClr val="accent1"/>
+          </a:fillRef>
+          <a:effectRef idx="0">
+            <a:schemeClr val="accent1"/>
+          </a:effectRef>
+          <a:fontRef idx="minor">
+            <a:schemeClr val="lt1"/>
+          </a:fontRef>
+        </p:style>
+        <p:txBody>
+          <a:bodyPr lIns="502920" tIns="91440"/>
+          <a:lstStyle/>
+          <a:p>
+            <a:pPr eaLnBrk="1" fontAlgn="auto" hangingPunct="1">
+              <a:spcBef>
+                <a:spcPts val="0"/>
+              </a:spcBef>
+              <a:spcAft>
+                <a:spcPts val="0"/>
+              </a:spcAft>
+              <a:defRPr/>
+            </a:pPr>
+            <a:r>
+              <a:rPr lang="en-US" sz="1200" dirty="0">
+                <a:solidFill>
+                  <a:srgbClr val="CD2264"/>
+                </a:solidFill>
+                <a:latin typeface="Arial" panose="020B0604020202020204" pitchFamily="34" charset="0"/>
+                <a:cs typeface="Arial" panose="020B0604020202020204" pitchFamily="34" charset="0"/>
+              </a:rPr>
+              <a:t>Organization Management Account</a:t>
+            </a:r>
+          </a:p>
+        </p:txBody>
+      </p:sp>
+      <p:pic>
+        <p:nvPicPr>
+          <p:cNvPr id="88" name="Graphic 87">
+            <a:extLst>
+              <a:ext uri="{FF2B5EF4-FFF2-40B4-BE49-F238E27FC236}">
+                <a16:creationId xmlns:a16="http://schemas.microsoft.com/office/drawing/2014/main" id="{234AB67D-9201-40E8-83E1-AF224AFD12B8}"/>
+              </a:ext>
+            </a:extLst>
+          </p:cNvPr>
+          <p:cNvPicPr>
+            <a:picLocks noChangeAspect="1"/>
+          </p:cNvPicPr>
+          <p:nvPr/>
+        </p:nvPicPr>
+        <p:blipFill>
+          <a:blip r:embed="rId5">
+            <a:extLst>
+              <a:ext uri="{96DAC541-7B7A-43D3-8B79-37D633B846F1}">
+                <asvg:svgBlip xmlns:asvg="http://schemas.microsoft.com/office/drawing/2016/SVG/main" r:embed="rId6"/>
+              </a:ext>
+            </a:extLst>
+          </a:blip>
+          <a:stretch>
+            <a:fillRect/>
+          </a:stretch>
+        </p:blipFill>
+        <p:spPr>
+          <a:xfrm>
+            <a:off x="664112" y="590706"/>
+            <a:ext cx="424469" cy="424469"/>
+          </a:xfrm>
+          <a:prstGeom prst="rect">
+            <a:avLst/>
+          </a:prstGeom>
+        </p:spPr>
+      </p:pic>
+      <p:sp>
+        <p:nvSpPr>
+          <p:cNvPr id="122" name="TextBox 2">
+            <a:extLst>
+              <a:ext uri="{FF2B5EF4-FFF2-40B4-BE49-F238E27FC236}">
+                <a16:creationId xmlns:a16="http://schemas.microsoft.com/office/drawing/2014/main" id="{D779FD12-DEC5-45B4-89B4-2B5EBBA6290B}"/>
+              </a:ext>
+            </a:extLst>
+          </p:cNvPr>
+          <p:cNvSpPr txBox="1"/>
+          <p:nvPr/>
+        </p:nvSpPr>
+        <p:spPr>
+          <a:xfrm>
+            <a:off x="3805715" y="3549027"/>
+            <a:ext cx="1273984" cy="261610"/>
+          </a:xfrm>
+          <a:prstGeom prst="rect">
+            <a:avLst/>
+          </a:prstGeom>
+          <a:noFill/>
+        </p:spPr>
+        <p:style>
+          <a:lnRef idx="0">
+            <a:scrgbClr r="0" g="0" b="0"/>
+          </a:lnRef>
+          <a:fillRef idx="0">
+            <a:scrgbClr r="0" g="0" b="0"/>
+          </a:fillRef>
+          <a:effectRef idx="0">
+            <a:scrgbClr r="0" g="0" b="0"/>
+          </a:effectRef>
+          <a:fontRef idx="major"/>
+        </p:style>
+        <p:txBody>
+          <a:bodyPr wrap="square" rtlCol="0">
+            <a:spAutoFit/>
+          </a:bodyPr>
+          <a:lstStyle>
+            <a:lvl1pPr>
+              <a:defRPr>
+                <a:latin typeface="+mj-lt"/>
+                <a:ea typeface="+mj-ea"/>
+                <a:cs typeface="+mj-cs"/>
+              </a:defRPr>
+            </a:lvl1pPr>
+            <a:lvl2pPr>
+              <a:defRPr>
+                <a:latin typeface="+mj-lt"/>
+                <a:ea typeface="+mj-ea"/>
+                <a:cs typeface="+mj-cs"/>
+              </a:defRPr>
+            </a:lvl2pPr>
+            <a:lvl3pPr>
+              <a:defRPr>
+                <a:latin typeface="+mj-lt"/>
+                <a:ea typeface="+mj-ea"/>
+                <a:cs typeface="+mj-cs"/>
+              </a:defRPr>
+            </a:lvl3pPr>
+            <a:lvl4pPr>
+              <a:defRPr>
+                <a:latin typeface="+mj-lt"/>
+                <a:ea typeface="+mj-ea"/>
+                <a:cs typeface="+mj-cs"/>
+              </a:defRPr>
+            </a:lvl4pPr>
+            <a:lvl5pPr>
+              <a:defRPr>
+                <a:latin typeface="+mj-lt"/>
+                <a:ea typeface="+mj-ea"/>
+                <a:cs typeface="+mj-cs"/>
+              </a:defRPr>
+            </a:lvl5pPr>
+            <a:lvl6pPr>
+              <a:defRPr>
+                <a:latin typeface="+mj-lt"/>
+                <a:ea typeface="+mj-ea"/>
+                <a:cs typeface="+mj-cs"/>
+              </a:defRPr>
+            </a:lvl6pPr>
+            <a:lvl7pPr>
+              <a:defRPr>
+                <a:latin typeface="+mj-lt"/>
+                <a:ea typeface="+mj-ea"/>
+                <a:cs typeface="+mj-cs"/>
+              </a:defRPr>
+            </a:lvl7pPr>
+            <a:lvl8pPr>
+              <a:defRPr>
+                <a:latin typeface="+mj-lt"/>
+                <a:ea typeface="+mj-ea"/>
+                <a:cs typeface="+mj-cs"/>
+              </a:defRPr>
+            </a:lvl8pPr>
+            <a:lvl9pPr>
+              <a:defRPr>
+                <a:latin typeface="+mj-lt"/>
+                <a:ea typeface="+mj-ea"/>
+                <a:cs typeface="+mj-cs"/>
+              </a:defRPr>
+            </a:lvl9pPr>
+          </a:lstStyle>
+          <a:p>
+            <a:pPr algn="ctr"/>
+            <a:r>
+              <a:rPr lang="en-US" sz="1100" dirty="0">
+                <a:latin typeface="Arial" panose="020B0604020202020204" pitchFamily="34" charset="0"/>
+                <a:cs typeface="Arial" panose="020B0604020202020204" pitchFamily="34" charset="0"/>
+              </a:rPr>
+              <a:t>Lambda Function</a:t>
+            </a:r>
+          </a:p>
+        </p:txBody>
+      </p:sp>
+      <p:sp>
+        <p:nvSpPr>
+          <p:cNvPr id="123" name="TextBox 2">
+            <a:extLst>
+              <a:ext uri="{FF2B5EF4-FFF2-40B4-BE49-F238E27FC236}">
+                <a16:creationId xmlns:a16="http://schemas.microsoft.com/office/drawing/2014/main" id="{956DC4A8-C454-4D0C-A193-B9CF227389CD}"/>
+              </a:ext>
+            </a:extLst>
+          </p:cNvPr>
+          <p:cNvSpPr txBox="1"/>
+          <p:nvPr/>
+        </p:nvSpPr>
+        <p:spPr>
+          <a:xfrm>
+            <a:off x="3922044" y="4806233"/>
+            <a:ext cx="1098724" cy="430887"/>
+          </a:xfrm>
+          <a:prstGeom prst="rect">
+            <a:avLst/>
+          </a:prstGeom>
+          <a:noFill/>
+        </p:spPr>
+        <p:style>
+          <a:lnRef idx="0">
+            <a:scrgbClr r="0" g="0" b="0"/>
+          </a:lnRef>
+          <a:fillRef idx="0">
+            <a:scrgbClr r="0" g="0" b="0"/>
+          </a:fillRef>
+          <a:effectRef idx="0">
+            <a:scrgbClr r="0" g="0" b="0"/>
+          </a:effectRef>
+          <a:fontRef idx="major"/>
+        </p:style>
+        <p:txBody>
+          <a:bodyPr wrap="square" rtlCol="0">
+            <a:spAutoFit/>
+          </a:bodyPr>
+          <a:lstStyle>
+            <a:lvl1pPr>
+              <a:defRPr>
+                <a:latin typeface="+mj-lt"/>
+                <a:ea typeface="+mj-ea"/>
+                <a:cs typeface="+mj-cs"/>
+              </a:defRPr>
+            </a:lvl1pPr>
+            <a:lvl2pPr>
+              <a:defRPr>
+                <a:latin typeface="+mj-lt"/>
+                <a:ea typeface="+mj-ea"/>
+                <a:cs typeface="+mj-cs"/>
+              </a:defRPr>
+            </a:lvl2pPr>
+            <a:lvl3pPr>
+              <a:defRPr>
+                <a:latin typeface="+mj-lt"/>
+                <a:ea typeface="+mj-ea"/>
+                <a:cs typeface="+mj-cs"/>
+              </a:defRPr>
+            </a:lvl3pPr>
+            <a:lvl4pPr>
+              <a:defRPr>
+                <a:latin typeface="+mj-lt"/>
+                <a:ea typeface="+mj-ea"/>
+                <a:cs typeface="+mj-cs"/>
+              </a:defRPr>
+            </a:lvl4pPr>
+            <a:lvl5pPr>
+              <a:defRPr>
+                <a:latin typeface="+mj-lt"/>
+                <a:ea typeface="+mj-ea"/>
+                <a:cs typeface="+mj-cs"/>
+              </a:defRPr>
+            </a:lvl5pPr>
+            <a:lvl6pPr>
+              <a:defRPr>
+                <a:latin typeface="+mj-lt"/>
+                <a:ea typeface="+mj-ea"/>
+                <a:cs typeface="+mj-cs"/>
+              </a:defRPr>
+            </a:lvl6pPr>
+            <a:lvl7pPr>
+              <a:defRPr>
+                <a:latin typeface="+mj-lt"/>
+                <a:ea typeface="+mj-ea"/>
+                <a:cs typeface="+mj-cs"/>
+              </a:defRPr>
+            </a:lvl7pPr>
+            <a:lvl8pPr>
+              <a:defRPr>
+                <a:latin typeface="+mj-lt"/>
+                <a:ea typeface="+mj-ea"/>
+                <a:cs typeface="+mj-cs"/>
+              </a:defRPr>
+            </a:lvl8pPr>
+            <a:lvl9pPr>
+              <a:defRPr>
+                <a:latin typeface="+mj-lt"/>
+                <a:ea typeface="+mj-ea"/>
+                <a:cs typeface="+mj-cs"/>
+              </a:defRPr>
+            </a:lvl9pPr>
+          </a:lstStyle>
+          <a:p>
+            <a:pPr algn="ctr"/>
+            <a:r>
+              <a:rPr lang="en-US" sz="1100" dirty="0">
+                <a:latin typeface="Arial" panose="020B0604020202020204" pitchFamily="34" charset="0"/>
+                <a:cs typeface="Arial" panose="020B0604020202020204" pitchFamily="34" charset="0"/>
+              </a:rPr>
+              <a:t>CloudWatch Log Group</a:t>
+            </a:r>
+          </a:p>
+        </p:txBody>
+      </p:sp>
+      <p:pic>
+        <p:nvPicPr>
+          <p:cNvPr id="138" name="Graphic 13">
+            <a:extLst>
+              <a:ext uri="{FF2B5EF4-FFF2-40B4-BE49-F238E27FC236}">
+                <a16:creationId xmlns:a16="http://schemas.microsoft.com/office/drawing/2014/main" id="{DD93BA21-ED60-4BEA-8CCB-AB48DD1F7F7F}"/>
+              </a:ext>
+            </a:extLst>
+          </p:cNvPr>
+          <p:cNvPicPr>
+            <a:picLocks noChangeAspect="1" noChangeArrowheads="1"/>
+          </p:cNvPicPr>
+          <p:nvPr/>
+        </p:nvPicPr>
+        <p:blipFill>
+          <a:blip r:embed="rId7">
+            <a:extLst>
+              <a:ext uri="{28A0092B-C50C-407E-A947-70E740481C1C}">
+                <a14:useLocalDpi xmlns:a14="http://schemas.microsoft.com/office/drawing/2010/main" val="0"/>
+              </a:ext>
+            </a:extLst>
+          </a:blip>
+          <a:srcRect/>
+          <a:stretch>
+            <a:fillRect/>
+          </a:stretch>
+        </p:blipFill>
+        <p:spPr bwMode="auto">
+          <a:xfrm>
+            <a:off x="4175744" y="3115135"/>
+            <a:ext cx="457200" cy="457200"/>
+          </a:xfrm>
+          <a:prstGeom prst="rect">
+            <a:avLst/>
+          </a:prstGeom>
+          <a:noFill/>
+          <a:ln>
+            <a:noFill/>
+          </a:ln>
+          <a:extLst>
+            <a:ext uri="{909E8E84-426E-40DD-AFC4-6F175D3DCCD1}">
+              <a14:hiddenFill xmlns:a14="http://schemas.microsoft.com/office/drawing/2010/main">
+                <a:solidFill>
+                  <a:srgbClr val="FFFFFF"/>
+                </a:solidFill>
+              </a14:hiddenFill>
+            </a:ext>
+            <a:ext uri="{91240B29-F687-4F45-9708-019B960494DF}">
+              <a14:hiddenLine xmlns:a14="http://schemas.microsoft.com/office/drawing/2010/main" w="9525">
+                <a:solidFill>
+                  <a:srgbClr val="000000"/>
+                </a:solidFill>
+                <a:miter lim="800000"/>
+                <a:headEnd/>
+                <a:tailEnd/>
+              </a14:hiddenLine>
+            </a:ext>
+          </a:extLst>
+        </p:spPr>
+      </p:pic>
+      <p:sp>
+        <p:nvSpPr>
+          <p:cNvPr id="159" name="Oval 158">
+            <a:extLst>
+              <a:ext uri="{FF2B5EF4-FFF2-40B4-BE49-F238E27FC236}">
+                <a16:creationId xmlns:a16="http://schemas.microsoft.com/office/drawing/2014/main" id="{4A05C662-2FBC-439F-B802-9699E92DB84C}"/>
+              </a:ext>
+            </a:extLst>
+          </p:cNvPr>
+          <p:cNvSpPr/>
+          <p:nvPr/>
+        </p:nvSpPr>
+        <p:spPr>
+          <a:xfrm>
+            <a:off x="4087196" y="3069216"/>
+            <a:ext cx="253435" cy="212902"/>
+          </a:xfrm>
+          <a:prstGeom prst="ellipse">
+            <a:avLst/>
+          </a:prstGeom>
+          <a:solidFill>
+            <a:schemeClr val="tx1"/>
+          </a:solidFill>
+          <a:ln>
+            <a:solidFill>
+              <a:schemeClr val="tx1"/>
+            </a:solidFill>
+          </a:ln>
+        </p:spPr>
+        <p:style>
+          <a:lnRef idx="2">
+            <a:schemeClr val="accent1">
+              <a:shade val="50000"/>
+            </a:schemeClr>
+          </a:lnRef>
+          <a:fillRef idx="1">
+            <a:schemeClr val="accent1"/>
+          </a:fillRef>
+          <a:effectRef idx="0">
+            <a:schemeClr val="accent1"/>
+          </a:effectRef>
+          <a:fontRef idx="minor">
+            <a:schemeClr val="lt1"/>
+          </a:fontRef>
+        </p:style>
+        <p:txBody>
+          <a:bodyPr lIns="0" tIns="0" rIns="0" bIns="0" rtlCol="0" anchor="ctr"/>
+          <a:lstStyle/>
+          <a:p>
+            <a:pPr algn="ctr"/>
+            <a:r>
+              <a:rPr lang="en-US" sz="800" dirty="0">
+                <a:latin typeface="Arial" panose="020B0604020202020204" pitchFamily="34" charset="0"/>
+                <a:cs typeface="Arial" panose="020B0604020202020204" pitchFamily="34" charset="0"/>
+              </a:rPr>
+              <a:t>1.1</a:t>
+            </a:r>
+          </a:p>
+        </p:txBody>
+      </p:sp>
+      <p:pic>
+        <p:nvPicPr>
+          <p:cNvPr id="160" name="Graphic 7">
+            <a:extLst>
+              <a:ext uri="{FF2B5EF4-FFF2-40B4-BE49-F238E27FC236}">
+                <a16:creationId xmlns:a16="http://schemas.microsoft.com/office/drawing/2014/main" id="{0B13130F-B51E-4BFD-AECE-120AC8A6CA73}"/>
+              </a:ext>
+            </a:extLst>
+          </p:cNvPr>
+          <p:cNvPicPr>
+            <a:picLocks noChangeAspect="1" noChangeArrowheads="1"/>
+          </p:cNvPicPr>
+          <p:nvPr/>
+        </p:nvPicPr>
+        <p:blipFill>
+          <a:blip r:embed="rId8">
+            <a:extLst>
+              <a:ext uri="{28A0092B-C50C-407E-A947-70E740481C1C}">
+                <a14:useLocalDpi xmlns:a14="http://schemas.microsoft.com/office/drawing/2010/main" val="0"/>
+              </a:ext>
+            </a:extLst>
+          </a:blip>
+          <a:srcRect/>
+          <a:stretch>
+            <a:fillRect/>
+          </a:stretch>
+        </p:blipFill>
+        <p:spPr bwMode="auto">
+          <a:xfrm>
+            <a:off x="4268100" y="4366020"/>
+            <a:ext cx="457200" cy="457200"/>
+          </a:xfrm>
+          <a:prstGeom prst="rect">
+            <a:avLst/>
+          </a:prstGeom>
+          <a:noFill/>
+          <a:ln>
+            <a:noFill/>
+          </a:ln>
+          <a:extLst>
+            <a:ext uri="{909E8E84-426E-40DD-AFC4-6F175D3DCCD1}">
+              <a14:hiddenFill xmlns:a14="http://schemas.microsoft.com/office/drawing/2010/main">
+                <a:solidFill>
+                  <a:srgbClr val="FFFFFF"/>
+                </a:solidFill>
+              </a14:hiddenFill>
+            </a:ext>
+            <a:ext uri="{91240B29-F687-4F45-9708-019B960494DF}">
+              <a14:hiddenLine xmlns:a14="http://schemas.microsoft.com/office/drawing/2010/main" w="9525">
+                <a:solidFill>
+                  <a:srgbClr val="000000"/>
+                </a:solidFill>
+                <a:miter lim="800000"/>
+                <a:headEnd/>
+                <a:tailEnd/>
+              </a14:hiddenLine>
+            </a:ext>
+          </a:extLst>
+        </p:spPr>
+      </p:pic>
+      <p:sp>
+        <p:nvSpPr>
+          <p:cNvPr id="175" name="Rectangle 174">
+            <a:extLst>
+              <a:ext uri="{FF2B5EF4-FFF2-40B4-BE49-F238E27FC236}">
+                <a16:creationId xmlns:a16="http://schemas.microsoft.com/office/drawing/2014/main" id="{E23EF82D-34D3-46B6-978C-7B6A8238A22B}"/>
+              </a:ext>
+            </a:extLst>
+          </p:cNvPr>
+          <p:cNvSpPr/>
+          <p:nvPr/>
+        </p:nvSpPr>
+        <p:spPr>
+          <a:xfrm>
+            <a:off x="1082095" y="1915633"/>
+            <a:ext cx="5920149" cy="3842670"/>
+          </a:xfrm>
+          <a:prstGeom prst="rect">
+            <a:avLst/>
+          </a:prstGeom>
+          <a:noFill/>
+          <a:ln w="12700">
+            <a:solidFill>
+              <a:srgbClr val="5B9CD5"/>
+            </a:solidFill>
+            <a:prstDash val="sysDash"/>
+          </a:ln>
+        </p:spPr>
+        <p:style>
+          <a:lnRef idx="2">
+            <a:schemeClr val="accent1">
+              <a:shade val="50000"/>
+            </a:schemeClr>
+          </a:lnRef>
+          <a:fillRef idx="1">
+            <a:schemeClr val="accent1"/>
+          </a:fillRef>
+          <a:effectRef idx="0">
+            <a:schemeClr val="accent1"/>
+          </a:effectRef>
+          <a:fontRef idx="minor">
+            <a:schemeClr val="lt1"/>
+          </a:fontRef>
+        </p:style>
+        <p:txBody>
+          <a:bodyPr lIns="502920" tIns="91440"/>
+          <a:lstStyle/>
+          <a:p>
+            <a:pPr eaLnBrk="1" fontAlgn="auto" hangingPunct="1">
+              <a:spcBef>
+                <a:spcPts val="0"/>
+              </a:spcBef>
+              <a:spcAft>
+                <a:spcPts val="0"/>
+              </a:spcAft>
+              <a:defRPr/>
+            </a:pPr>
+            <a:r>
+              <a:rPr lang="en-US" sz="1200" dirty="0">
+                <a:solidFill>
+                  <a:srgbClr val="5B9CD5"/>
+                </a:solidFill>
+                <a:latin typeface="Arial" panose="020B0604020202020204" pitchFamily="34" charset="0"/>
+                <a:cs typeface="Arial" panose="020B0604020202020204" pitchFamily="34" charset="0"/>
+              </a:rPr>
+              <a:t>Home Region</a:t>
+            </a:r>
+          </a:p>
+        </p:txBody>
+      </p:sp>
+      <p:pic>
+        <p:nvPicPr>
+          <p:cNvPr id="176" name="Graphic 175">
+            <a:extLst>
+              <a:ext uri="{FF2B5EF4-FFF2-40B4-BE49-F238E27FC236}">
+                <a16:creationId xmlns:a16="http://schemas.microsoft.com/office/drawing/2014/main" id="{79BE28C9-BA1C-439C-A7D3-8AB7EFF8AFC4}"/>
+              </a:ext>
+            </a:extLst>
+          </p:cNvPr>
+          <p:cNvPicPr>
+            <a:picLocks noChangeAspect="1"/>
+          </p:cNvPicPr>
+          <p:nvPr/>
+        </p:nvPicPr>
+        <p:blipFill>
+          <a:blip r:embed="rId9">
+            <a:extLst>
+              <a:ext uri="{96DAC541-7B7A-43D3-8B79-37D633B846F1}">
+                <asvg:svgBlip xmlns:asvg="http://schemas.microsoft.com/office/drawing/2016/SVG/main" r:embed="rId10"/>
+              </a:ext>
+            </a:extLst>
+          </a:blip>
+          <a:stretch>
+            <a:fillRect/>
+          </a:stretch>
+        </p:blipFill>
+        <p:spPr>
+          <a:xfrm>
+            <a:off x="1077763" y="1902099"/>
+            <a:ext cx="391567" cy="391567"/>
+          </a:xfrm>
+          <a:prstGeom prst="rect">
+            <a:avLst/>
+          </a:prstGeom>
+        </p:spPr>
+      </p:pic>
+      <p:sp>
+        <p:nvSpPr>
+          <p:cNvPr id="235" name="Oval 234">
+            <a:extLst>
+              <a:ext uri="{FF2B5EF4-FFF2-40B4-BE49-F238E27FC236}">
+                <a16:creationId xmlns:a16="http://schemas.microsoft.com/office/drawing/2014/main" id="{1BDB1ABD-271A-40FF-9892-B5B91A5F6E19}"/>
+              </a:ext>
+            </a:extLst>
+          </p:cNvPr>
+          <p:cNvSpPr/>
+          <p:nvPr/>
+        </p:nvSpPr>
+        <p:spPr>
+          <a:xfrm>
+            <a:off x="749628" y="1026497"/>
+            <a:ext cx="253435" cy="212902"/>
+          </a:xfrm>
+          <a:prstGeom prst="ellipse">
+            <a:avLst/>
+          </a:prstGeom>
+          <a:solidFill>
+            <a:schemeClr val="tx1"/>
+          </a:solidFill>
+          <a:ln>
+            <a:solidFill>
+              <a:schemeClr val="tx1"/>
+            </a:solidFill>
+          </a:ln>
+        </p:spPr>
+        <p:style>
+          <a:lnRef idx="2">
+            <a:schemeClr val="accent1">
+              <a:shade val="50000"/>
+            </a:schemeClr>
+          </a:lnRef>
+          <a:fillRef idx="1">
+            <a:schemeClr val="accent1"/>
+          </a:fillRef>
+          <a:effectRef idx="0">
+            <a:schemeClr val="accent1"/>
+          </a:effectRef>
+          <a:fontRef idx="minor">
+            <a:schemeClr val="lt1"/>
+          </a:fontRef>
+        </p:style>
+        <p:txBody>
+          <a:bodyPr lIns="0" tIns="0" rIns="0" bIns="0" rtlCol="0" anchor="ctr"/>
+          <a:lstStyle/>
+          <a:p>
+            <a:pPr algn="ctr"/>
+            <a:r>
+              <a:rPr lang="en-US" sz="800" dirty="0">
+                <a:latin typeface="Arial" panose="020B0604020202020204" pitchFamily="34" charset="0"/>
+                <a:cs typeface="Arial" panose="020B0604020202020204" pitchFamily="34" charset="0"/>
+              </a:rPr>
+              <a:t>1.0</a:t>
+            </a:r>
+          </a:p>
+        </p:txBody>
+      </p:sp>
+      <p:pic>
+        <p:nvPicPr>
+          <p:cNvPr id="2" name="Picture 1">
+            <a:extLst>
+              <a:ext uri="{FF2B5EF4-FFF2-40B4-BE49-F238E27FC236}">
+                <a16:creationId xmlns:a16="http://schemas.microsoft.com/office/drawing/2014/main" id="{9B8480CC-F75B-F7E1-2A06-A77FC9BB3E63}"/>
+              </a:ext>
+            </a:extLst>
+          </p:cNvPr>
+          <p:cNvPicPr>
+            <a:picLocks noChangeAspect="1"/>
+          </p:cNvPicPr>
+          <p:nvPr/>
+        </p:nvPicPr>
+        <p:blipFill>
+          <a:blip r:embed="rId11"/>
+          <a:stretch>
+            <a:fillRect/>
+          </a:stretch>
+        </p:blipFill>
+        <p:spPr>
+          <a:xfrm>
+            <a:off x="2643021" y="3142666"/>
+            <a:ext cx="438854" cy="403029"/>
+          </a:xfrm>
+          <a:prstGeom prst="rect">
+            <a:avLst/>
+          </a:prstGeom>
+        </p:spPr>
+      </p:pic>
+      <p:sp>
+        <p:nvSpPr>
+          <p:cNvPr id="3" name="TextBox 26">
+            <a:extLst>
+              <a:ext uri="{FF2B5EF4-FFF2-40B4-BE49-F238E27FC236}">
+                <a16:creationId xmlns:a16="http://schemas.microsoft.com/office/drawing/2014/main" id="{B98C722D-DB7B-0E3F-C1A8-EA59105A964B}"/>
+              </a:ext>
+            </a:extLst>
+          </p:cNvPr>
+          <p:cNvSpPr txBox="1">
+            <a:spLocks noChangeArrowheads="1"/>
+          </p:cNvSpPr>
+          <p:nvPr/>
+        </p:nvSpPr>
+        <p:spPr bwMode="auto">
+          <a:xfrm>
+            <a:off x="2367301" y="3545695"/>
+            <a:ext cx="969198" cy="430887"/>
+          </a:xfrm>
+          <a:prstGeom prst="rect">
+            <a:avLst/>
+          </a:prstGeom>
+          <a:noFill/>
+          <a:ln>
+            <a:noFill/>
+          </a:ln>
+          <a:extLst>
+            <a:ext uri="{909E8E84-426E-40DD-AFC4-6F175D3DCCD1}">
+              <a14:hiddenFill xmlns:a14="http://schemas.microsoft.com/office/drawing/2010/main">
+                <a:solidFill>
+                  <a:srgbClr val="FFFFFF"/>
+                </a:solidFill>
+              </a14:hiddenFill>
+            </a:ext>
+            <a:ext uri="{91240B29-F687-4F45-9708-019B960494DF}">
+              <a14:hiddenLine xmlns:a14="http://schemas.microsoft.com/office/drawing/2010/main" w="9525">
+                <a:solidFill>
+                  <a:srgbClr val="000000"/>
+                </a:solidFill>
+                <a:miter lim="800000"/>
+                <a:headEnd/>
+                <a:tailEnd/>
+              </a14:hiddenLine>
+            </a:ext>
+          </a:extLst>
+        </p:spPr>
+        <p:txBody>
+          <a:bodyPr wrap="square">
+            <a:spAutoFit/>
+          </a:bodyPr>
+          <a:lstStyle>
+            <a:lvl1pPr>
+              <a:defRPr>
+                <a:solidFill>
+                  <a:schemeClr val="tx1"/>
+                </a:solidFill>
+                <a:latin typeface="Calibri" panose="020F0502020204030204" pitchFamily="34" charset="0"/>
+              </a:defRPr>
+            </a:lvl1pPr>
+            <a:lvl2pPr marL="742950" indent="-285750">
+              <a:defRPr>
+                <a:solidFill>
+                  <a:schemeClr val="tx1"/>
+                </a:solidFill>
+                <a:latin typeface="Calibri" panose="020F0502020204030204" pitchFamily="34" charset="0"/>
+              </a:defRPr>
+            </a:lvl2pPr>
+            <a:lvl3pPr marL="1143000" indent="-228600">
+              <a:defRPr>
+                <a:solidFill>
+                  <a:schemeClr val="tx1"/>
+                </a:solidFill>
+                <a:latin typeface="Calibri" panose="020F0502020204030204" pitchFamily="34" charset="0"/>
+              </a:defRPr>
+            </a:lvl3pPr>
+            <a:lvl4pPr marL="1600200" indent="-228600">
+              <a:defRPr>
+                <a:solidFill>
+                  <a:schemeClr val="tx1"/>
+                </a:solidFill>
+                <a:latin typeface="Calibri" panose="020F0502020204030204" pitchFamily="34" charset="0"/>
+              </a:defRPr>
+            </a:lvl4pPr>
+            <a:lvl5pPr marL="2057400" indent="-228600">
+              <a:defRPr>
+                <a:solidFill>
+                  <a:schemeClr val="tx1"/>
+                </a:solidFill>
+                <a:latin typeface="Calibri" panose="020F0502020204030204" pitchFamily="34" charset="0"/>
+              </a:defRPr>
+            </a:lvl5pPr>
+            <a:lvl6pPr marL="2514600" indent="-228600" eaLnBrk="0" fontAlgn="base" hangingPunct="0">
+              <a:spcBef>
+                <a:spcPct val="0"/>
+              </a:spcBef>
+              <a:spcAft>
+                <a:spcPct val="0"/>
+              </a:spcAft>
+              <a:defRPr>
+                <a:solidFill>
+                  <a:schemeClr val="tx1"/>
+                </a:solidFill>
+                <a:latin typeface="Calibri" panose="020F0502020204030204" pitchFamily="34" charset="0"/>
+              </a:defRPr>
+            </a:lvl6pPr>
+            <a:lvl7pPr marL="2971800" indent="-228600" eaLnBrk="0" fontAlgn="base" hangingPunct="0">
+              <a:spcBef>
+                <a:spcPct val="0"/>
+              </a:spcBef>
+              <a:spcAft>
+                <a:spcPct val="0"/>
+              </a:spcAft>
+              <a:defRPr>
+                <a:solidFill>
+                  <a:schemeClr val="tx1"/>
+                </a:solidFill>
+                <a:latin typeface="Calibri" panose="020F0502020204030204" pitchFamily="34" charset="0"/>
+              </a:defRPr>
+            </a:lvl7pPr>
+            <a:lvl8pPr marL="3429000" indent="-228600" eaLnBrk="0" fontAlgn="base" hangingPunct="0">
+              <a:spcBef>
+                <a:spcPct val="0"/>
+              </a:spcBef>
+              <a:spcAft>
+                <a:spcPct val="0"/>
+              </a:spcAft>
+              <a:defRPr>
+                <a:solidFill>
+                  <a:schemeClr val="tx1"/>
+                </a:solidFill>
+                <a:latin typeface="Calibri" panose="020F0502020204030204" pitchFamily="34" charset="0"/>
+              </a:defRPr>
+            </a:lvl8pPr>
+            <a:lvl9pPr marL="3886200" indent="-228600" eaLnBrk="0" fontAlgn="base" hangingPunct="0">
+              <a:spcBef>
+                <a:spcPct val="0"/>
+              </a:spcBef>
+              <a:spcAft>
+                <a:spcPct val="0"/>
+              </a:spcAft>
+              <a:defRPr>
+                <a:solidFill>
+                  <a:schemeClr val="tx1"/>
+                </a:solidFill>
+                <a:latin typeface="Calibri" panose="020F0502020204030204" pitchFamily="34" charset="0"/>
+              </a:defRPr>
+            </a:lvl9pPr>
+          </a:lstStyle>
+          <a:p>
+            <a:pPr algn="ctr" eaLnBrk="1" hangingPunct="1"/>
+            <a:r>
+              <a:rPr lang="en-US" altLang="en-US" sz="1100" dirty="0">
+                <a:latin typeface="Arial" panose="020B0604020202020204" pitchFamily="34" charset="0"/>
+                <a:ea typeface="Amazon Ember" panose="020B0603020204020204" pitchFamily="34" charset="0"/>
+                <a:cs typeface="Arial" panose="020B0604020202020204" pitchFamily="34" charset="0"/>
+              </a:rPr>
+              <a:t>Lambda</a:t>
+            </a:r>
+          </a:p>
+          <a:p>
+            <a:pPr algn="ctr" eaLnBrk="1" hangingPunct="1"/>
+            <a:r>
+              <a:rPr lang="en-US" altLang="en-US" sz="1100" dirty="0">
+                <a:latin typeface="Arial" panose="020B0604020202020204" pitchFamily="34" charset="0"/>
+                <a:ea typeface="Amazon Ember" panose="020B0603020204020204" pitchFamily="34" charset="0"/>
+                <a:cs typeface="Arial" panose="020B0604020202020204" pitchFamily="34" charset="0"/>
+              </a:rPr>
+              <a:t>Layer</a:t>
+            </a:r>
+          </a:p>
+        </p:txBody>
+      </p:sp>
+      <p:sp>
+        <p:nvSpPr>
+          <p:cNvPr id="104" name="TextBox 103">
+            <a:extLst>
+              <a:ext uri="{FF2B5EF4-FFF2-40B4-BE49-F238E27FC236}">
+                <a16:creationId xmlns:a16="http://schemas.microsoft.com/office/drawing/2014/main" id="{FAA82B51-6E98-0AF9-5BD6-B0B4BEC402B7}"/>
+              </a:ext>
+            </a:extLst>
+          </p:cNvPr>
+          <p:cNvSpPr txBox="1"/>
+          <p:nvPr/>
+        </p:nvSpPr>
+        <p:spPr>
+          <a:xfrm>
+            <a:off x="1199235" y="1431144"/>
+            <a:ext cx="1103001" cy="261610"/>
+          </a:xfrm>
+          <a:prstGeom prst="rect">
+            <a:avLst/>
+          </a:prstGeom>
+          <a:noFill/>
+        </p:spPr>
+        <p:txBody>
+          <a:bodyPr wrap="square" rtlCol="0">
+            <a:spAutoFit/>
+          </a:bodyPr>
+          <a:lstStyle/>
+          <a:p>
+            <a:pPr algn="ctr"/>
+            <a:r>
+              <a:rPr lang="en-US" sz="1100" dirty="0">
+                <a:latin typeface="Arial" panose="020B0604020202020204" pitchFamily="34" charset="0"/>
+                <a:cs typeface="Arial" panose="020B0604020202020204" pitchFamily="34" charset="0"/>
+              </a:rPr>
+              <a:t>Lambda Role</a:t>
+            </a:r>
+          </a:p>
+        </p:txBody>
+      </p:sp>
+      <p:pic>
+        <p:nvPicPr>
+          <p:cNvPr id="105" name="Graphic 104">
+            <a:extLst>
+              <a:ext uri="{FF2B5EF4-FFF2-40B4-BE49-F238E27FC236}">
+                <a16:creationId xmlns:a16="http://schemas.microsoft.com/office/drawing/2014/main" id="{D19144BD-63B5-E1C9-A3D2-74AAD0B20668}"/>
+              </a:ext>
+            </a:extLst>
+          </p:cNvPr>
+          <p:cNvPicPr>
+            <a:picLocks noChangeAspect="1"/>
+          </p:cNvPicPr>
+          <p:nvPr/>
+        </p:nvPicPr>
+        <p:blipFill>
+          <a:blip r:embed="rId12">
+            <a:extLst>
+              <a:ext uri="{96DAC541-7B7A-43D3-8B79-37D633B846F1}">
+                <asvg:svgBlip xmlns:asvg="http://schemas.microsoft.com/office/drawing/2016/SVG/main" r:embed="rId13"/>
+              </a:ext>
+            </a:extLst>
+          </a:blip>
+          <a:stretch>
+            <a:fillRect/>
+          </a:stretch>
+        </p:blipFill>
+        <p:spPr>
+          <a:xfrm>
+            <a:off x="1497261" y="1038864"/>
+            <a:ext cx="469900" cy="469900"/>
+          </a:xfrm>
+          <a:prstGeom prst="rect">
+            <a:avLst/>
+          </a:prstGeom>
+        </p:spPr>
+      </p:pic>
+      <p:sp>
+        <p:nvSpPr>
+          <p:cNvPr id="106" name="Oval 105">
+            <a:extLst>
+              <a:ext uri="{FF2B5EF4-FFF2-40B4-BE49-F238E27FC236}">
+                <a16:creationId xmlns:a16="http://schemas.microsoft.com/office/drawing/2014/main" id="{B7A286B3-F820-D194-7FD8-80A1575FB798}"/>
+              </a:ext>
+            </a:extLst>
+          </p:cNvPr>
+          <p:cNvSpPr/>
+          <p:nvPr/>
+        </p:nvSpPr>
+        <p:spPr>
+          <a:xfrm>
+            <a:off x="1323523" y="1039639"/>
+            <a:ext cx="253435" cy="212902"/>
+          </a:xfrm>
+          <a:prstGeom prst="ellipse">
+            <a:avLst/>
+          </a:prstGeom>
+          <a:solidFill>
+            <a:schemeClr val="tx1"/>
+          </a:solidFill>
+          <a:ln>
+            <a:solidFill>
+              <a:schemeClr val="tx1"/>
+            </a:solidFill>
+          </a:ln>
+        </p:spPr>
+        <p:style>
+          <a:lnRef idx="2">
+            <a:schemeClr val="accent1">
+              <a:shade val="50000"/>
+            </a:schemeClr>
+          </a:lnRef>
+          <a:fillRef idx="1">
+            <a:schemeClr val="accent1"/>
+          </a:fillRef>
+          <a:effectRef idx="0">
+            <a:schemeClr val="accent1"/>
+          </a:effectRef>
+          <a:fontRef idx="minor">
+            <a:schemeClr val="lt1"/>
+          </a:fontRef>
+        </p:style>
+        <p:txBody>
+          <a:bodyPr lIns="0" tIns="0" rIns="0" bIns="0" rtlCol="0" anchor="ctr"/>
+          <a:lstStyle/>
+          <a:p>
+            <a:pPr algn="ctr"/>
+            <a:r>
+              <a:rPr lang="en-US" sz="800" dirty="0">
+                <a:latin typeface="Arial" panose="020B0604020202020204" pitchFamily="34" charset="0"/>
+                <a:cs typeface="Arial" panose="020B0604020202020204" pitchFamily="34" charset="0"/>
+              </a:rPr>
+              <a:t>1.3</a:t>
+            </a:r>
+          </a:p>
+        </p:txBody>
+      </p:sp>
+      <p:sp>
+        <p:nvSpPr>
+          <p:cNvPr id="188" name="Oval 187">
+            <a:extLst>
+              <a:ext uri="{FF2B5EF4-FFF2-40B4-BE49-F238E27FC236}">
+                <a16:creationId xmlns:a16="http://schemas.microsoft.com/office/drawing/2014/main" id="{C2221D33-75AF-432C-B6AB-D1DB0348201A}"/>
+              </a:ext>
+            </a:extLst>
+          </p:cNvPr>
+          <p:cNvSpPr/>
+          <p:nvPr/>
+        </p:nvSpPr>
+        <p:spPr>
+          <a:xfrm>
+            <a:off x="2534424" y="3073631"/>
+            <a:ext cx="253435" cy="212902"/>
+          </a:xfrm>
+          <a:prstGeom prst="ellipse">
+            <a:avLst/>
+          </a:prstGeom>
+          <a:solidFill>
+            <a:schemeClr val="tx1"/>
+          </a:solidFill>
+          <a:ln>
+            <a:solidFill>
+              <a:schemeClr val="tx1"/>
+            </a:solidFill>
+          </a:ln>
+        </p:spPr>
+        <p:style>
+          <a:lnRef idx="2">
+            <a:schemeClr val="accent1">
+              <a:shade val="50000"/>
+            </a:schemeClr>
+          </a:lnRef>
+          <a:fillRef idx="1">
+            <a:schemeClr val="accent1"/>
+          </a:fillRef>
+          <a:effectRef idx="0">
+            <a:schemeClr val="accent1"/>
+          </a:effectRef>
+          <a:fontRef idx="minor">
+            <a:schemeClr val="lt1"/>
+          </a:fontRef>
+        </p:style>
+        <p:txBody>
+          <a:bodyPr lIns="0" tIns="0" rIns="0" bIns="0" rtlCol="0" anchor="ctr"/>
+          <a:lstStyle/>
+          <a:p>
+            <a:pPr algn="ctr"/>
+            <a:r>
+              <a:rPr lang="en-US" sz="800" dirty="0">
+                <a:latin typeface="Arial" panose="020B0604020202020204" pitchFamily="34" charset="0"/>
+                <a:cs typeface="Arial" panose="020B0604020202020204" pitchFamily="34" charset="0"/>
+              </a:rPr>
+              <a:t>1.2</a:t>
+            </a:r>
+          </a:p>
+        </p:txBody>
+      </p:sp>
+      <p:cxnSp>
+        <p:nvCxnSpPr>
+          <p:cNvPr id="66" name="Straight Arrow Connector 65">
+            <a:extLst>
+              <a:ext uri="{FF2B5EF4-FFF2-40B4-BE49-F238E27FC236}">
+                <a16:creationId xmlns:a16="http://schemas.microsoft.com/office/drawing/2014/main" id="{259C76E1-733B-6B4E-6401-019CE9D49B3A}"/>
+              </a:ext>
+            </a:extLst>
+          </p:cNvPr>
+          <p:cNvCxnSpPr>
+            <a:cxnSpLocks/>
+          </p:cNvCxnSpPr>
+          <p:nvPr/>
+        </p:nvCxnSpPr>
+        <p:spPr>
+          <a:xfrm>
+            <a:off x="4880312" y="3337739"/>
+            <a:ext cx="702510" cy="0"/>
+          </a:xfrm>
+          <a:prstGeom prst="straightConnector1">
+            <a:avLst/>
+          </a:prstGeom>
+          <a:ln>
+            <a:tailEnd type="triangle"/>
+          </a:ln>
+        </p:spPr>
+        <p:style>
+          <a:lnRef idx="1">
+            <a:schemeClr val="dk1"/>
+          </a:lnRef>
+          <a:fillRef idx="0">
+            <a:schemeClr val="dk1"/>
+          </a:fillRef>
+          <a:effectRef idx="0">
+            <a:schemeClr val="dk1"/>
+          </a:effectRef>
+          <a:fontRef idx="minor">
+            <a:schemeClr val="tx1"/>
+          </a:fontRef>
+        </p:style>
+      </p:cxnSp>
+      <p:sp>
+        <p:nvSpPr>
+          <p:cNvPr id="7" name="Rectangle 6">
+            <a:extLst>
+              <a:ext uri="{FF2B5EF4-FFF2-40B4-BE49-F238E27FC236}">
+                <a16:creationId xmlns:a16="http://schemas.microsoft.com/office/drawing/2014/main" id="{4793769B-F7D4-5BD3-E952-682540C98F34}"/>
+              </a:ext>
+            </a:extLst>
+          </p:cNvPr>
+          <p:cNvSpPr/>
+          <p:nvPr/>
+        </p:nvSpPr>
+        <p:spPr>
+          <a:xfrm>
+            <a:off x="7757328" y="981159"/>
+            <a:ext cx="3430791" cy="2447841"/>
+          </a:xfrm>
+          <a:prstGeom prst="rect">
+            <a:avLst/>
+          </a:prstGeom>
+          <a:noFill/>
+          <a:ln w="12700">
+            <a:solidFill>
+              <a:srgbClr val="5B9CD5"/>
+            </a:solidFill>
+            <a:prstDash val="sysDash"/>
+          </a:ln>
+        </p:spPr>
+        <p:style>
+          <a:lnRef idx="2">
+            <a:schemeClr val="accent1">
+              <a:shade val="50000"/>
+            </a:schemeClr>
+          </a:lnRef>
+          <a:fillRef idx="1">
+            <a:schemeClr val="accent1"/>
+          </a:fillRef>
+          <a:effectRef idx="0">
+            <a:schemeClr val="accent1"/>
+          </a:effectRef>
+          <a:fontRef idx="minor">
+            <a:schemeClr val="lt1"/>
+          </a:fontRef>
+        </p:style>
+        <p:txBody>
+          <a:bodyPr lIns="502920" tIns="91440"/>
+          <a:lstStyle/>
+          <a:p>
+            <a:pPr eaLnBrk="1" fontAlgn="auto" hangingPunct="1">
+              <a:spcBef>
+                <a:spcPts val="0"/>
+              </a:spcBef>
+              <a:spcAft>
+                <a:spcPts val="0"/>
+              </a:spcAft>
+              <a:defRPr/>
+            </a:pPr>
+            <a:r>
+              <a:rPr lang="en-US" sz="1200" dirty="0">
+                <a:solidFill>
+                  <a:srgbClr val="5B9CD5"/>
+                </a:solidFill>
+                <a:latin typeface="Arial" panose="020B0604020202020204" pitchFamily="34" charset="0"/>
+                <a:cs typeface="Arial" panose="020B0604020202020204" pitchFamily="34" charset="0"/>
+              </a:rPr>
+              <a:t>Home Region</a:t>
+            </a:r>
+          </a:p>
+        </p:txBody>
+      </p:sp>
+      <p:pic>
+        <p:nvPicPr>
+          <p:cNvPr id="8" name="Graphic 7">
+            <a:extLst>
+              <a:ext uri="{FF2B5EF4-FFF2-40B4-BE49-F238E27FC236}">
+                <a16:creationId xmlns:a16="http://schemas.microsoft.com/office/drawing/2014/main" id="{AED888BA-1E01-CF61-B362-9CA7575A3249}"/>
+              </a:ext>
+            </a:extLst>
+          </p:cNvPr>
+          <p:cNvPicPr>
+            <a:picLocks noChangeAspect="1"/>
+          </p:cNvPicPr>
+          <p:nvPr/>
+        </p:nvPicPr>
+        <p:blipFill>
+          <a:blip r:embed="rId9">
+            <a:extLst>
+              <a:ext uri="{96DAC541-7B7A-43D3-8B79-37D633B846F1}">
+                <asvg:svgBlip xmlns:asvg="http://schemas.microsoft.com/office/drawing/2016/SVG/main" r:embed="rId10"/>
+              </a:ext>
+            </a:extLst>
+          </a:blip>
+          <a:stretch>
+            <a:fillRect/>
+          </a:stretch>
+        </p:blipFill>
+        <p:spPr>
+          <a:xfrm>
+            <a:off x="7750248" y="968306"/>
+            <a:ext cx="391567" cy="391567"/>
+          </a:xfrm>
+          <a:prstGeom prst="rect">
+            <a:avLst/>
+          </a:prstGeom>
+        </p:spPr>
+      </p:pic>
+      <p:pic>
+        <p:nvPicPr>
+          <p:cNvPr id="9" name="Graphic 8">
+            <a:extLst>
+              <a:ext uri="{FF2B5EF4-FFF2-40B4-BE49-F238E27FC236}">
+                <a16:creationId xmlns:a16="http://schemas.microsoft.com/office/drawing/2014/main" id="{2EBD5CE1-73D8-59FE-2038-165DD1E0F9DD}"/>
+              </a:ext>
+            </a:extLst>
+          </p:cNvPr>
+          <p:cNvPicPr>
+            <a:picLocks noChangeAspect="1"/>
+          </p:cNvPicPr>
+          <p:nvPr/>
+        </p:nvPicPr>
+        <p:blipFill>
+          <a:blip r:embed="rId5">
+            <a:extLst>
+              <a:ext uri="{96DAC541-7B7A-43D3-8B79-37D633B846F1}">
+                <asvg:svgBlip xmlns:asvg="http://schemas.microsoft.com/office/drawing/2016/SVG/main" r:embed="rId6"/>
+              </a:ext>
+            </a:extLst>
+          </a:blip>
+          <a:stretch>
+            <a:fillRect/>
+          </a:stretch>
+        </p:blipFill>
+        <p:spPr>
+          <a:xfrm>
+            <a:off x="7326463" y="590706"/>
+            <a:ext cx="381000" cy="381000"/>
+          </a:xfrm>
+          <a:prstGeom prst="rect">
+            <a:avLst/>
+          </a:prstGeom>
+        </p:spPr>
+      </p:pic>
+      <p:sp>
+        <p:nvSpPr>
+          <p:cNvPr id="10" name="Oval 9">
+            <a:extLst>
+              <a:ext uri="{FF2B5EF4-FFF2-40B4-BE49-F238E27FC236}">
+                <a16:creationId xmlns:a16="http://schemas.microsoft.com/office/drawing/2014/main" id="{DE6B7EDB-57CF-9487-E823-46432D162094}"/>
+              </a:ext>
+            </a:extLst>
+          </p:cNvPr>
+          <p:cNvSpPr/>
+          <p:nvPr/>
+        </p:nvSpPr>
+        <p:spPr>
+          <a:xfrm>
+            <a:off x="7390245" y="974112"/>
+            <a:ext cx="253435" cy="212902"/>
+          </a:xfrm>
+          <a:prstGeom prst="ellipse">
+            <a:avLst/>
+          </a:prstGeom>
+          <a:solidFill>
+            <a:schemeClr val="tx1"/>
+          </a:solidFill>
+          <a:ln>
+            <a:solidFill>
+              <a:schemeClr val="tx1"/>
+            </a:solidFill>
+          </a:ln>
+        </p:spPr>
+        <p:style>
+          <a:lnRef idx="2">
+            <a:schemeClr val="accent1">
+              <a:shade val="50000"/>
+            </a:schemeClr>
+          </a:lnRef>
+          <a:fillRef idx="1">
+            <a:schemeClr val="accent1"/>
+          </a:fillRef>
+          <a:effectRef idx="0">
+            <a:schemeClr val="accent1"/>
+          </a:effectRef>
+          <a:fontRef idx="minor">
+            <a:schemeClr val="lt1"/>
+          </a:fontRef>
+        </p:style>
+        <p:txBody>
+          <a:bodyPr lIns="0" tIns="0" rIns="0" bIns="0" rtlCol="0" anchor="ctr"/>
+          <a:lstStyle/>
+          <a:p>
+            <a:pPr algn="ctr"/>
+            <a:r>
+              <a:rPr lang="en-US" sz="800" dirty="0">
+                <a:latin typeface="Arial" panose="020B0604020202020204" pitchFamily="34" charset="0"/>
+                <a:cs typeface="Arial" panose="020B0604020202020204" pitchFamily="34" charset="0"/>
+              </a:rPr>
+              <a:t>2.0</a:t>
+            </a:r>
+          </a:p>
+        </p:txBody>
+      </p:sp>
+      <p:pic>
+        <p:nvPicPr>
+          <p:cNvPr id="19" name="Graphic 18">
+            <a:extLst>
+              <a:ext uri="{FF2B5EF4-FFF2-40B4-BE49-F238E27FC236}">
+                <a16:creationId xmlns:a16="http://schemas.microsoft.com/office/drawing/2014/main" id="{57A9B0D6-F682-C12B-10E9-A798897D1495}"/>
+              </a:ext>
+            </a:extLst>
+          </p:cNvPr>
+          <p:cNvPicPr>
+            <a:picLocks noChangeAspect="1"/>
+          </p:cNvPicPr>
+          <p:nvPr/>
+        </p:nvPicPr>
+        <p:blipFill>
+          <a:blip r:embed="rId5">
+            <a:extLst>
+              <a:ext uri="{96DAC541-7B7A-43D3-8B79-37D633B846F1}">
+                <asvg:svgBlip xmlns:asvg="http://schemas.microsoft.com/office/drawing/2016/SVG/main" r:embed="rId6"/>
+              </a:ext>
+            </a:extLst>
+          </a:blip>
+          <a:stretch>
+            <a:fillRect/>
+          </a:stretch>
+        </p:blipFill>
+        <p:spPr>
+          <a:xfrm>
+            <a:off x="7326463" y="3663848"/>
+            <a:ext cx="381000" cy="381000"/>
+          </a:xfrm>
+          <a:prstGeom prst="rect">
+            <a:avLst/>
+          </a:prstGeom>
+        </p:spPr>
+      </p:pic>
+      <p:sp>
+        <p:nvSpPr>
+          <p:cNvPr id="20" name="Oval 19">
+            <a:extLst>
+              <a:ext uri="{FF2B5EF4-FFF2-40B4-BE49-F238E27FC236}">
+                <a16:creationId xmlns:a16="http://schemas.microsoft.com/office/drawing/2014/main" id="{A7EEA5B6-7154-05A0-782C-38C04576D548}"/>
+              </a:ext>
+            </a:extLst>
+          </p:cNvPr>
+          <p:cNvSpPr/>
+          <p:nvPr/>
+        </p:nvSpPr>
+        <p:spPr>
+          <a:xfrm>
+            <a:off x="7384189" y="4057615"/>
+            <a:ext cx="253435" cy="212902"/>
+          </a:xfrm>
+          <a:prstGeom prst="ellipse">
+            <a:avLst/>
+          </a:prstGeom>
+          <a:solidFill>
+            <a:schemeClr val="tx1"/>
+          </a:solidFill>
+          <a:ln>
+            <a:solidFill>
+              <a:schemeClr val="tx1"/>
+            </a:solidFill>
+          </a:ln>
+        </p:spPr>
+        <p:style>
+          <a:lnRef idx="2">
+            <a:schemeClr val="accent1">
+              <a:shade val="50000"/>
+            </a:schemeClr>
+          </a:lnRef>
+          <a:fillRef idx="1">
+            <a:schemeClr val="accent1"/>
+          </a:fillRef>
+          <a:effectRef idx="0">
+            <a:schemeClr val="accent1"/>
+          </a:effectRef>
+          <a:fontRef idx="minor">
+            <a:schemeClr val="lt1"/>
+          </a:fontRef>
+        </p:style>
+        <p:txBody>
+          <a:bodyPr lIns="0" tIns="0" rIns="0" bIns="0" rtlCol="0" anchor="ctr"/>
+          <a:lstStyle/>
+          <a:p>
+            <a:pPr algn="ctr"/>
+            <a:r>
+              <a:rPr lang="en-US" sz="800" dirty="0"/>
+              <a:t>3.0</a:t>
+            </a:r>
+          </a:p>
+        </p:txBody>
+      </p:sp>
+      <p:sp>
+        <p:nvSpPr>
+          <p:cNvPr id="29" name="Rectangle 28">
+            <a:extLst>
+              <a:ext uri="{FF2B5EF4-FFF2-40B4-BE49-F238E27FC236}">
+                <a16:creationId xmlns:a16="http://schemas.microsoft.com/office/drawing/2014/main" id="{9D6B63E1-559B-4C77-7B67-EB2FA26CC563}"/>
+              </a:ext>
+            </a:extLst>
+          </p:cNvPr>
+          <p:cNvSpPr/>
+          <p:nvPr/>
+        </p:nvSpPr>
+        <p:spPr>
+          <a:xfrm>
+            <a:off x="7735322" y="4146636"/>
+            <a:ext cx="3452797" cy="2300867"/>
+          </a:xfrm>
+          <a:prstGeom prst="rect">
+            <a:avLst/>
+          </a:prstGeom>
+          <a:noFill/>
+          <a:ln w="12700">
+            <a:solidFill>
+              <a:srgbClr val="5B9CD5"/>
+            </a:solidFill>
+            <a:prstDash val="sysDash"/>
+          </a:ln>
+        </p:spPr>
+        <p:style>
+          <a:lnRef idx="2">
+            <a:schemeClr val="accent1">
+              <a:shade val="50000"/>
+            </a:schemeClr>
+          </a:lnRef>
+          <a:fillRef idx="1">
+            <a:schemeClr val="accent1"/>
+          </a:fillRef>
+          <a:effectRef idx="0">
+            <a:schemeClr val="accent1"/>
+          </a:effectRef>
+          <a:fontRef idx="minor">
+            <a:schemeClr val="lt1"/>
+          </a:fontRef>
+        </p:style>
+        <p:txBody>
+          <a:bodyPr lIns="502920" tIns="91440"/>
+          <a:lstStyle/>
+          <a:p>
+            <a:pPr eaLnBrk="1" fontAlgn="auto" hangingPunct="1">
+              <a:spcBef>
+                <a:spcPts val="0"/>
+              </a:spcBef>
+              <a:spcAft>
+                <a:spcPts val="0"/>
+              </a:spcAft>
+              <a:defRPr/>
+            </a:pPr>
+            <a:r>
+              <a:rPr lang="en-US" sz="1200" dirty="0">
+                <a:solidFill>
+                  <a:srgbClr val="5B9CD5"/>
+                </a:solidFill>
+                <a:latin typeface="Arial" panose="020B0604020202020204" pitchFamily="34" charset="0"/>
+                <a:cs typeface="Arial" panose="020B0604020202020204" pitchFamily="34" charset="0"/>
+              </a:rPr>
+              <a:t>Home Region</a:t>
+            </a:r>
+          </a:p>
+        </p:txBody>
+      </p:sp>
+      <p:pic>
+        <p:nvPicPr>
+          <p:cNvPr id="30" name="Graphic 29">
+            <a:extLst>
+              <a:ext uri="{FF2B5EF4-FFF2-40B4-BE49-F238E27FC236}">
+                <a16:creationId xmlns:a16="http://schemas.microsoft.com/office/drawing/2014/main" id="{E66D2EA4-BEB7-8453-8B9C-DE51FBB58FB1}"/>
+              </a:ext>
+            </a:extLst>
+          </p:cNvPr>
+          <p:cNvPicPr>
+            <a:picLocks noChangeAspect="1"/>
+          </p:cNvPicPr>
+          <p:nvPr/>
+        </p:nvPicPr>
+        <p:blipFill>
+          <a:blip r:embed="rId9">
+            <a:extLst>
+              <a:ext uri="{96DAC541-7B7A-43D3-8B79-37D633B846F1}">
+                <asvg:svgBlip xmlns:asvg="http://schemas.microsoft.com/office/drawing/2016/SVG/main" r:embed="rId10"/>
+              </a:ext>
+            </a:extLst>
+          </a:blip>
+          <a:stretch>
+            <a:fillRect/>
+          </a:stretch>
+        </p:blipFill>
+        <p:spPr>
+          <a:xfrm>
+            <a:off x="7733006" y="4140784"/>
+            <a:ext cx="391567" cy="391567"/>
+          </a:xfrm>
+          <a:prstGeom prst="rect">
+            <a:avLst/>
+          </a:prstGeom>
+        </p:spPr>
+      </p:pic>
+      <p:sp>
+        <p:nvSpPr>
+          <p:cNvPr id="68" name="Rectangle 67">
+            <a:extLst>
+              <a:ext uri="{FF2B5EF4-FFF2-40B4-BE49-F238E27FC236}">
+                <a16:creationId xmlns:a16="http://schemas.microsoft.com/office/drawing/2014/main" id="{949BF49D-C363-55C4-7517-0B09B9EDABE5}"/>
+              </a:ext>
+            </a:extLst>
+          </p:cNvPr>
+          <p:cNvSpPr/>
+          <p:nvPr/>
+        </p:nvSpPr>
+        <p:spPr>
+          <a:xfrm>
+            <a:off x="7322205" y="590707"/>
+            <a:ext cx="4010813" cy="2962886"/>
+          </a:xfrm>
+          <a:prstGeom prst="rect">
+            <a:avLst/>
+          </a:prstGeom>
+          <a:noFill/>
+          <a:ln w="12700">
+            <a:solidFill>
+              <a:srgbClr val="CD2264"/>
+            </a:solidFill>
+          </a:ln>
+        </p:spPr>
+        <p:style>
+          <a:lnRef idx="2">
+            <a:schemeClr val="accent1">
+              <a:shade val="50000"/>
+            </a:schemeClr>
+          </a:lnRef>
+          <a:fillRef idx="1">
+            <a:schemeClr val="accent1"/>
+          </a:fillRef>
+          <a:effectRef idx="0">
+            <a:schemeClr val="accent1"/>
+          </a:effectRef>
+          <a:fontRef idx="minor">
+            <a:schemeClr val="lt1"/>
+          </a:fontRef>
+        </p:style>
+        <p:txBody>
+          <a:bodyPr lIns="502920" tIns="91440"/>
+          <a:lstStyle/>
+          <a:p>
+            <a:pPr eaLnBrk="1" fontAlgn="auto" hangingPunct="1">
+              <a:spcBef>
+                <a:spcPts val="0"/>
+              </a:spcBef>
+              <a:spcAft>
+                <a:spcPts val="0"/>
+              </a:spcAft>
+              <a:defRPr/>
+            </a:pPr>
+            <a:r>
+              <a:rPr lang="en-US" sz="1200" dirty="0">
+                <a:solidFill>
+                  <a:srgbClr val="CD2264"/>
+                </a:solidFill>
+                <a:latin typeface="Arial" panose="020B0604020202020204" pitchFamily="34" charset="0"/>
+                <a:cs typeface="Arial" panose="020B0604020202020204" pitchFamily="34" charset="0"/>
+              </a:rPr>
+              <a:t>Audit Account</a:t>
+            </a:r>
+          </a:p>
+        </p:txBody>
+      </p:sp>
+      <p:sp>
+        <p:nvSpPr>
+          <p:cNvPr id="69" name="Rectangle 68">
+            <a:extLst>
+              <a:ext uri="{FF2B5EF4-FFF2-40B4-BE49-F238E27FC236}">
+                <a16:creationId xmlns:a16="http://schemas.microsoft.com/office/drawing/2014/main" id="{E10629C8-6D92-1A3C-9789-AF2BF510DEA9}"/>
+              </a:ext>
+            </a:extLst>
+          </p:cNvPr>
+          <p:cNvSpPr/>
+          <p:nvPr/>
+        </p:nvSpPr>
+        <p:spPr>
+          <a:xfrm>
+            <a:off x="7333860" y="3662450"/>
+            <a:ext cx="3999158" cy="2897375"/>
+          </a:xfrm>
+          <a:prstGeom prst="rect">
+            <a:avLst/>
+          </a:prstGeom>
+          <a:noFill/>
+          <a:ln w="12700">
+            <a:solidFill>
+              <a:srgbClr val="CD2264"/>
+            </a:solidFill>
+          </a:ln>
+        </p:spPr>
+        <p:style>
+          <a:lnRef idx="2">
+            <a:schemeClr val="accent1">
+              <a:shade val="50000"/>
+            </a:schemeClr>
+          </a:lnRef>
+          <a:fillRef idx="1">
+            <a:schemeClr val="accent1"/>
+          </a:fillRef>
+          <a:effectRef idx="0">
+            <a:schemeClr val="accent1"/>
+          </a:effectRef>
+          <a:fontRef idx="minor">
+            <a:schemeClr val="lt1"/>
+          </a:fontRef>
+        </p:style>
+        <p:txBody>
+          <a:bodyPr lIns="502920" tIns="91440"/>
+          <a:lstStyle/>
+          <a:p>
+            <a:pPr eaLnBrk="1" fontAlgn="auto" hangingPunct="1">
+              <a:spcBef>
+                <a:spcPts val="0"/>
+              </a:spcBef>
+              <a:spcAft>
+                <a:spcPts val="0"/>
+              </a:spcAft>
+              <a:defRPr/>
+            </a:pPr>
+            <a:r>
+              <a:rPr lang="en-US" sz="1200" dirty="0">
+                <a:solidFill>
+                  <a:srgbClr val="CD2264"/>
+                </a:solidFill>
+                <a:latin typeface="Arial" panose="020B0604020202020204" pitchFamily="34" charset="0"/>
+                <a:cs typeface="Arial" panose="020B0604020202020204" pitchFamily="34" charset="0"/>
+              </a:rPr>
+              <a:t>Log Archive Account</a:t>
+            </a:r>
+          </a:p>
+        </p:txBody>
+      </p:sp>
+      <p:sp>
+        <p:nvSpPr>
+          <p:cNvPr id="133" name="Oval 132">
+            <a:extLst>
+              <a:ext uri="{FF2B5EF4-FFF2-40B4-BE49-F238E27FC236}">
+                <a16:creationId xmlns:a16="http://schemas.microsoft.com/office/drawing/2014/main" id="{40C04EF0-8999-4E87-9938-BB23E34A77B4}"/>
+              </a:ext>
+            </a:extLst>
+          </p:cNvPr>
+          <p:cNvSpPr/>
+          <p:nvPr/>
+        </p:nvSpPr>
+        <p:spPr>
+          <a:xfrm>
+            <a:off x="4080776" y="4327947"/>
+            <a:ext cx="253435" cy="212902"/>
+          </a:xfrm>
+          <a:prstGeom prst="ellipse">
+            <a:avLst/>
+          </a:prstGeom>
+          <a:solidFill>
+            <a:schemeClr val="tx1"/>
+          </a:solidFill>
+          <a:ln>
+            <a:solidFill>
+              <a:schemeClr val="tx1"/>
+            </a:solidFill>
+          </a:ln>
+        </p:spPr>
+        <p:style>
+          <a:lnRef idx="2">
+            <a:schemeClr val="accent1">
+              <a:shade val="50000"/>
+            </a:schemeClr>
+          </a:lnRef>
+          <a:fillRef idx="1">
+            <a:schemeClr val="accent1"/>
+          </a:fillRef>
+          <a:effectRef idx="0">
+            <a:schemeClr val="accent1"/>
+          </a:effectRef>
+          <a:fontRef idx="minor">
+            <a:schemeClr val="lt1"/>
+          </a:fontRef>
+        </p:style>
+        <p:txBody>
+          <a:bodyPr lIns="0" tIns="0" rIns="0" bIns="0" rtlCol="0" anchor="ctr"/>
+          <a:lstStyle/>
+          <a:p>
+            <a:pPr algn="ctr"/>
+            <a:r>
+              <a:rPr lang="en-US" sz="800" dirty="0">
+                <a:latin typeface="Arial" panose="020B0604020202020204" pitchFamily="34" charset="0"/>
+                <a:cs typeface="Arial" panose="020B0604020202020204" pitchFamily="34" charset="0"/>
+              </a:rPr>
+              <a:t>1.4</a:t>
+            </a:r>
+          </a:p>
+        </p:txBody>
+      </p:sp>
+      <p:cxnSp>
+        <p:nvCxnSpPr>
+          <p:cNvPr id="18" name="Straight Arrow Connector 17">
+            <a:extLst>
+              <a:ext uri="{FF2B5EF4-FFF2-40B4-BE49-F238E27FC236}">
+                <a16:creationId xmlns:a16="http://schemas.microsoft.com/office/drawing/2014/main" id="{303ADBA2-0BDE-A4FF-EC4F-3EBE63D0AB5C}"/>
+              </a:ext>
+            </a:extLst>
+          </p:cNvPr>
+          <p:cNvCxnSpPr>
+            <a:cxnSpLocks/>
+          </p:cNvCxnSpPr>
+          <p:nvPr/>
+        </p:nvCxnSpPr>
+        <p:spPr>
+          <a:xfrm>
+            <a:off x="5981405" y="3870012"/>
+            <a:ext cx="0" cy="393256"/>
+          </a:xfrm>
+          <a:prstGeom prst="straightConnector1">
+            <a:avLst/>
+          </a:prstGeom>
+          <a:ln>
+            <a:tailEnd type="triangle"/>
+          </a:ln>
+        </p:spPr>
+        <p:style>
+          <a:lnRef idx="1">
+            <a:schemeClr val="dk1"/>
+          </a:lnRef>
+          <a:fillRef idx="0">
+            <a:schemeClr val="dk1"/>
+          </a:fillRef>
+          <a:effectRef idx="0">
+            <a:schemeClr val="dk1"/>
+          </a:effectRef>
+          <a:fontRef idx="minor">
+            <a:schemeClr val="tx1"/>
+          </a:fontRef>
+        </p:style>
+      </p:cxnSp>
+      <p:pic>
+        <p:nvPicPr>
+          <p:cNvPr id="15" name="Graphic 14">
+            <a:extLst>
+              <a:ext uri="{FF2B5EF4-FFF2-40B4-BE49-F238E27FC236}">
+                <a16:creationId xmlns:a16="http://schemas.microsoft.com/office/drawing/2014/main" id="{337BC693-77DA-FB3F-7758-5EAA861C8B2D}"/>
+              </a:ext>
+            </a:extLst>
+          </p:cNvPr>
+          <p:cNvPicPr>
+            <a:picLocks noChangeAspect="1"/>
+          </p:cNvPicPr>
+          <p:nvPr/>
+        </p:nvPicPr>
+        <p:blipFill>
+          <a:blip r:embed="rId14">
+            <a:extLst>
+              <a:ext uri="{96DAC541-7B7A-43D3-8B79-37D633B846F1}">
+                <asvg:svgBlip xmlns:asvg="http://schemas.microsoft.com/office/drawing/2016/SVG/main" r:embed="rId15"/>
+              </a:ext>
+            </a:extLst>
+          </a:blip>
+          <a:stretch>
+            <a:fillRect/>
+          </a:stretch>
+        </p:blipFill>
+        <p:spPr>
+          <a:xfrm>
+            <a:off x="5776818" y="3115135"/>
+            <a:ext cx="430560" cy="430560"/>
+          </a:xfrm>
+          <a:prstGeom prst="rect">
+            <a:avLst/>
+          </a:prstGeom>
+        </p:spPr>
+      </p:pic>
+      <p:sp>
+        <p:nvSpPr>
+          <p:cNvPr id="16" name="TextBox 15">
+            <a:extLst>
+              <a:ext uri="{FF2B5EF4-FFF2-40B4-BE49-F238E27FC236}">
+                <a16:creationId xmlns:a16="http://schemas.microsoft.com/office/drawing/2014/main" id="{3FCEABE2-3D68-CB8C-47B2-4432A4AB81C8}"/>
+              </a:ext>
+            </a:extLst>
+          </p:cNvPr>
+          <p:cNvSpPr txBox="1"/>
+          <p:nvPr/>
+        </p:nvSpPr>
+        <p:spPr>
+          <a:xfrm>
+            <a:off x="5548915" y="3545696"/>
+            <a:ext cx="832921" cy="261610"/>
+          </a:xfrm>
+          <a:prstGeom prst="rect">
+            <a:avLst/>
+          </a:prstGeom>
+          <a:noFill/>
+        </p:spPr>
+        <p:txBody>
+          <a:bodyPr wrap="square" rtlCol="0">
+            <a:spAutoFit/>
+          </a:bodyPr>
+          <a:lstStyle/>
+          <a:p>
+            <a:pPr algn="ctr"/>
+            <a:r>
+              <a:rPr lang="en-US" sz="1100" dirty="0">
+                <a:latin typeface="Arial" panose="020B0604020202020204" pitchFamily="34" charset="0"/>
+                <a:cs typeface="Arial" panose="020B0604020202020204" pitchFamily="34" charset="0"/>
+              </a:rPr>
+              <a:t>CloudTrail</a:t>
+            </a:r>
+          </a:p>
+        </p:txBody>
+      </p:sp>
+      <p:sp>
+        <p:nvSpPr>
+          <p:cNvPr id="22" name="Oval 21">
+            <a:extLst>
+              <a:ext uri="{FF2B5EF4-FFF2-40B4-BE49-F238E27FC236}">
+                <a16:creationId xmlns:a16="http://schemas.microsoft.com/office/drawing/2014/main" id="{A9C807DA-B22B-CD8F-FBA8-640DFE4531F5}"/>
+              </a:ext>
+            </a:extLst>
+          </p:cNvPr>
+          <p:cNvSpPr/>
+          <p:nvPr/>
+        </p:nvSpPr>
+        <p:spPr>
+          <a:xfrm>
+            <a:off x="5650100" y="3069216"/>
+            <a:ext cx="253435" cy="212902"/>
+          </a:xfrm>
+          <a:prstGeom prst="ellipse">
+            <a:avLst/>
+          </a:prstGeom>
+          <a:solidFill>
+            <a:schemeClr val="tx1"/>
+          </a:solidFill>
+          <a:ln>
+            <a:solidFill>
+              <a:schemeClr val="tx1"/>
+            </a:solidFill>
+          </a:ln>
+        </p:spPr>
+        <p:style>
+          <a:lnRef idx="2">
+            <a:schemeClr val="accent1">
+              <a:shade val="50000"/>
+            </a:schemeClr>
+          </a:lnRef>
+          <a:fillRef idx="1">
+            <a:schemeClr val="accent1"/>
+          </a:fillRef>
+          <a:effectRef idx="0">
+            <a:schemeClr val="accent1"/>
+          </a:effectRef>
+          <a:fontRef idx="minor">
+            <a:schemeClr val="lt1"/>
+          </a:fontRef>
+        </p:style>
+        <p:txBody>
+          <a:bodyPr lIns="0" tIns="0" rIns="0" bIns="0" rtlCol="0" anchor="ctr"/>
+          <a:lstStyle/>
+          <a:p>
+            <a:pPr algn="ctr"/>
+            <a:r>
+              <a:rPr lang="en-US" sz="800" dirty="0">
+                <a:latin typeface="Arial" panose="020B0604020202020204" pitchFamily="34" charset="0"/>
+                <a:cs typeface="Arial" panose="020B0604020202020204" pitchFamily="34" charset="0"/>
+              </a:rPr>
+              <a:t>1.5</a:t>
+            </a:r>
+          </a:p>
+        </p:txBody>
+      </p:sp>
+      <p:sp>
+        <p:nvSpPr>
+          <p:cNvPr id="25" name="TextBox 2">
+            <a:extLst>
+              <a:ext uri="{FF2B5EF4-FFF2-40B4-BE49-F238E27FC236}">
+                <a16:creationId xmlns:a16="http://schemas.microsoft.com/office/drawing/2014/main" id="{7829751F-22F5-9CB2-F15B-4B56C94C3AD5}"/>
+              </a:ext>
+            </a:extLst>
+          </p:cNvPr>
+          <p:cNvSpPr txBox="1"/>
+          <p:nvPr/>
+        </p:nvSpPr>
+        <p:spPr>
+          <a:xfrm>
+            <a:off x="5507690" y="4808985"/>
+            <a:ext cx="1098724" cy="430887"/>
+          </a:xfrm>
+          <a:prstGeom prst="rect">
+            <a:avLst/>
+          </a:prstGeom>
+          <a:noFill/>
+        </p:spPr>
+        <p:style>
+          <a:lnRef idx="0">
+            <a:scrgbClr r="0" g="0" b="0"/>
+          </a:lnRef>
+          <a:fillRef idx="0">
+            <a:scrgbClr r="0" g="0" b="0"/>
+          </a:fillRef>
+          <a:effectRef idx="0">
+            <a:scrgbClr r="0" g="0" b="0"/>
+          </a:effectRef>
+          <a:fontRef idx="major"/>
+        </p:style>
+        <p:txBody>
+          <a:bodyPr wrap="square" rtlCol="0">
+            <a:spAutoFit/>
+          </a:bodyPr>
+          <a:lstStyle>
+            <a:lvl1pPr>
+              <a:defRPr>
+                <a:latin typeface="+mj-lt"/>
+                <a:ea typeface="+mj-ea"/>
+                <a:cs typeface="+mj-cs"/>
+              </a:defRPr>
+            </a:lvl1pPr>
+            <a:lvl2pPr>
+              <a:defRPr>
+                <a:latin typeface="+mj-lt"/>
+                <a:ea typeface="+mj-ea"/>
+                <a:cs typeface="+mj-cs"/>
+              </a:defRPr>
+            </a:lvl2pPr>
+            <a:lvl3pPr>
+              <a:defRPr>
+                <a:latin typeface="+mj-lt"/>
+                <a:ea typeface="+mj-ea"/>
+                <a:cs typeface="+mj-cs"/>
+              </a:defRPr>
+            </a:lvl3pPr>
+            <a:lvl4pPr>
+              <a:defRPr>
+                <a:latin typeface="+mj-lt"/>
+                <a:ea typeface="+mj-ea"/>
+                <a:cs typeface="+mj-cs"/>
+              </a:defRPr>
+            </a:lvl4pPr>
+            <a:lvl5pPr>
+              <a:defRPr>
+                <a:latin typeface="+mj-lt"/>
+                <a:ea typeface="+mj-ea"/>
+                <a:cs typeface="+mj-cs"/>
+              </a:defRPr>
+            </a:lvl5pPr>
+            <a:lvl6pPr>
+              <a:defRPr>
+                <a:latin typeface="+mj-lt"/>
+                <a:ea typeface="+mj-ea"/>
+                <a:cs typeface="+mj-cs"/>
+              </a:defRPr>
+            </a:lvl6pPr>
+            <a:lvl7pPr>
+              <a:defRPr>
+                <a:latin typeface="+mj-lt"/>
+                <a:ea typeface="+mj-ea"/>
+                <a:cs typeface="+mj-cs"/>
+              </a:defRPr>
+            </a:lvl7pPr>
+            <a:lvl8pPr>
+              <a:defRPr>
+                <a:latin typeface="+mj-lt"/>
+                <a:ea typeface="+mj-ea"/>
+                <a:cs typeface="+mj-cs"/>
+              </a:defRPr>
+            </a:lvl8pPr>
+            <a:lvl9pPr>
+              <a:defRPr>
+                <a:latin typeface="+mj-lt"/>
+                <a:ea typeface="+mj-ea"/>
+                <a:cs typeface="+mj-cs"/>
+              </a:defRPr>
+            </a:lvl9pPr>
+          </a:lstStyle>
+          <a:p>
+            <a:pPr algn="ctr"/>
+            <a:r>
+              <a:rPr lang="en-US" sz="1100" dirty="0">
+                <a:latin typeface="Arial" panose="020B0604020202020204" pitchFamily="34" charset="0"/>
+                <a:cs typeface="Arial" panose="020B0604020202020204" pitchFamily="34" charset="0"/>
+              </a:rPr>
+              <a:t>CloudWatch Log Group</a:t>
+            </a:r>
+          </a:p>
+        </p:txBody>
+      </p:sp>
+      <p:pic>
+        <p:nvPicPr>
+          <p:cNvPr id="26" name="Graphic 7">
+            <a:extLst>
+              <a:ext uri="{FF2B5EF4-FFF2-40B4-BE49-F238E27FC236}">
+                <a16:creationId xmlns:a16="http://schemas.microsoft.com/office/drawing/2014/main" id="{396B5DB7-B659-6AE3-A21D-BAEA0A2523AD}"/>
+              </a:ext>
+            </a:extLst>
+          </p:cNvPr>
+          <p:cNvPicPr>
+            <a:picLocks noChangeAspect="1" noChangeArrowheads="1"/>
+          </p:cNvPicPr>
+          <p:nvPr/>
+        </p:nvPicPr>
+        <p:blipFill>
+          <a:blip r:embed="rId8">
+            <a:extLst>
+              <a:ext uri="{28A0092B-C50C-407E-A947-70E740481C1C}">
+                <a14:useLocalDpi xmlns:a14="http://schemas.microsoft.com/office/drawing/2010/main" val="0"/>
+              </a:ext>
+            </a:extLst>
+          </a:blip>
+          <a:srcRect/>
+          <a:stretch>
+            <a:fillRect/>
+          </a:stretch>
+        </p:blipFill>
+        <p:spPr bwMode="auto">
+          <a:xfrm>
+            <a:off x="5853746" y="4368772"/>
+            <a:ext cx="457200" cy="457200"/>
+          </a:xfrm>
+          <a:prstGeom prst="rect">
+            <a:avLst/>
+          </a:prstGeom>
+          <a:noFill/>
+          <a:ln>
+            <a:noFill/>
+          </a:ln>
+          <a:extLst>
+            <a:ext uri="{909E8E84-426E-40DD-AFC4-6F175D3DCCD1}">
+              <a14:hiddenFill xmlns:a14="http://schemas.microsoft.com/office/drawing/2010/main">
+                <a:solidFill>
+                  <a:srgbClr val="FFFFFF"/>
+                </a:solidFill>
+              </a14:hiddenFill>
+            </a:ext>
+            <a:ext uri="{91240B29-F687-4F45-9708-019B960494DF}">
+              <a14:hiddenLine xmlns:a14="http://schemas.microsoft.com/office/drawing/2010/main" w="9525">
+                <a:solidFill>
+                  <a:srgbClr val="000000"/>
+                </a:solidFill>
+                <a:miter lim="800000"/>
+                <a:headEnd/>
+                <a:tailEnd/>
+              </a14:hiddenLine>
+            </a:ext>
+          </a:extLst>
+        </p:spPr>
+      </p:pic>
+      <p:sp>
+        <p:nvSpPr>
+          <p:cNvPr id="27" name="Oval 26">
+            <a:extLst>
+              <a:ext uri="{FF2B5EF4-FFF2-40B4-BE49-F238E27FC236}">
+                <a16:creationId xmlns:a16="http://schemas.microsoft.com/office/drawing/2014/main" id="{191ED61C-4E3C-29C8-2A84-B831BE64A4F5}"/>
+              </a:ext>
+            </a:extLst>
+          </p:cNvPr>
+          <p:cNvSpPr/>
+          <p:nvPr/>
+        </p:nvSpPr>
+        <p:spPr>
+          <a:xfrm>
+            <a:off x="5666422" y="4330699"/>
+            <a:ext cx="253435" cy="212902"/>
+          </a:xfrm>
+          <a:prstGeom prst="ellipse">
+            <a:avLst/>
+          </a:prstGeom>
+          <a:solidFill>
+            <a:schemeClr val="tx1"/>
+          </a:solidFill>
+          <a:ln>
+            <a:solidFill>
+              <a:schemeClr val="tx1"/>
+            </a:solidFill>
+          </a:ln>
+        </p:spPr>
+        <p:style>
+          <a:lnRef idx="2">
+            <a:schemeClr val="accent1">
+              <a:shade val="50000"/>
+            </a:schemeClr>
+          </a:lnRef>
+          <a:fillRef idx="1">
+            <a:schemeClr val="accent1"/>
+          </a:fillRef>
+          <a:effectRef idx="0">
+            <a:schemeClr val="accent1"/>
+          </a:effectRef>
+          <a:fontRef idx="minor">
+            <a:schemeClr val="lt1"/>
+          </a:fontRef>
+        </p:style>
+        <p:txBody>
+          <a:bodyPr lIns="0" tIns="0" rIns="0" bIns="0" rtlCol="0" anchor="ctr"/>
+          <a:lstStyle/>
+          <a:p>
+            <a:pPr algn="ctr"/>
+            <a:r>
+              <a:rPr lang="en-US" sz="800" dirty="0">
+                <a:latin typeface="Arial" panose="020B0604020202020204" pitchFamily="34" charset="0"/>
+                <a:cs typeface="Arial" panose="020B0604020202020204" pitchFamily="34" charset="0"/>
+              </a:rPr>
+              <a:t>1.7</a:t>
+            </a:r>
+          </a:p>
+        </p:txBody>
+      </p:sp>
+      <p:cxnSp>
+        <p:nvCxnSpPr>
+          <p:cNvPr id="41" name="Straight Arrow Connector 40">
+            <a:extLst>
+              <a:ext uri="{FF2B5EF4-FFF2-40B4-BE49-F238E27FC236}">
+                <a16:creationId xmlns:a16="http://schemas.microsoft.com/office/drawing/2014/main" id="{6E327E1E-35DC-2299-40EC-340CF4135D13}"/>
+              </a:ext>
+            </a:extLst>
+          </p:cNvPr>
+          <p:cNvCxnSpPr>
+            <a:cxnSpLocks/>
+          </p:cNvCxnSpPr>
+          <p:nvPr/>
+        </p:nvCxnSpPr>
+        <p:spPr>
+          <a:xfrm>
+            <a:off x="3249257" y="3333300"/>
+            <a:ext cx="702510" cy="0"/>
+          </a:xfrm>
+          <a:prstGeom prst="straightConnector1">
+            <a:avLst/>
+          </a:prstGeom>
+          <a:ln>
+            <a:tailEnd type="triangle"/>
+          </a:ln>
+        </p:spPr>
+        <p:style>
+          <a:lnRef idx="1">
+            <a:schemeClr val="dk1"/>
+          </a:lnRef>
+          <a:fillRef idx="0">
+            <a:schemeClr val="dk1"/>
+          </a:fillRef>
+          <a:effectRef idx="0">
+            <a:schemeClr val="dk1"/>
+          </a:effectRef>
+          <a:fontRef idx="minor">
+            <a:schemeClr val="tx1"/>
+          </a:fontRef>
+        </p:style>
+      </p:cxnSp>
+      <p:cxnSp>
+        <p:nvCxnSpPr>
+          <p:cNvPr id="70" name="Straight Arrow Connector 69">
+            <a:extLst>
+              <a:ext uri="{FF2B5EF4-FFF2-40B4-BE49-F238E27FC236}">
+                <a16:creationId xmlns:a16="http://schemas.microsoft.com/office/drawing/2014/main" id="{A5D802DE-6BD0-6073-9CAB-26E222C4C8EC}"/>
+              </a:ext>
+            </a:extLst>
+          </p:cNvPr>
+          <p:cNvCxnSpPr>
+            <a:cxnSpLocks/>
+          </p:cNvCxnSpPr>
+          <p:nvPr/>
+        </p:nvCxnSpPr>
+        <p:spPr>
+          <a:xfrm>
+            <a:off x="4396445" y="3870012"/>
+            <a:ext cx="0" cy="393256"/>
+          </a:xfrm>
+          <a:prstGeom prst="straightConnector1">
+            <a:avLst/>
+          </a:prstGeom>
+          <a:ln>
+            <a:tailEnd type="triangle"/>
+          </a:ln>
+        </p:spPr>
+        <p:style>
+          <a:lnRef idx="1">
+            <a:schemeClr val="dk1"/>
+          </a:lnRef>
+          <a:fillRef idx="0">
+            <a:schemeClr val="dk1"/>
+          </a:fillRef>
+          <a:effectRef idx="0">
+            <a:schemeClr val="dk1"/>
+          </a:effectRef>
+          <a:fontRef idx="minor">
+            <a:schemeClr val="tx1"/>
+          </a:fontRef>
+        </p:style>
+      </p:cxnSp>
+      <p:pic>
+        <p:nvPicPr>
+          <p:cNvPr id="71" name="Graphic 70">
+            <a:extLst>
+              <a:ext uri="{FF2B5EF4-FFF2-40B4-BE49-F238E27FC236}">
+                <a16:creationId xmlns:a16="http://schemas.microsoft.com/office/drawing/2014/main" id="{577C98F5-BCFA-3478-1A00-1FB0821A2E32}"/>
+              </a:ext>
+            </a:extLst>
+          </p:cNvPr>
+          <p:cNvPicPr>
+            <a:picLocks noChangeAspect="1"/>
+          </p:cNvPicPr>
+          <p:nvPr/>
+        </p:nvPicPr>
+        <p:blipFill>
+          <a:blip r:embed="rId12">
+            <a:extLst>
+              <a:ext uri="{96DAC541-7B7A-43D3-8B79-37D633B846F1}">
+                <asvg:svgBlip xmlns:asvg="http://schemas.microsoft.com/office/drawing/2016/SVG/main" r:embed="rId13"/>
+              </a:ext>
+            </a:extLst>
+          </a:blip>
+          <a:stretch>
+            <a:fillRect/>
+          </a:stretch>
+        </p:blipFill>
+        <p:spPr>
+          <a:xfrm>
+            <a:off x="3082879" y="1038864"/>
+            <a:ext cx="469900" cy="469900"/>
+          </a:xfrm>
+          <a:prstGeom prst="rect">
+            <a:avLst/>
+          </a:prstGeom>
+        </p:spPr>
+      </p:pic>
+      <p:sp>
+        <p:nvSpPr>
+          <p:cNvPr id="72" name="Oval 71">
+            <a:extLst>
+              <a:ext uri="{FF2B5EF4-FFF2-40B4-BE49-F238E27FC236}">
+                <a16:creationId xmlns:a16="http://schemas.microsoft.com/office/drawing/2014/main" id="{836A1686-69D5-884A-3385-C6A99D528D6F}"/>
+              </a:ext>
+            </a:extLst>
+          </p:cNvPr>
+          <p:cNvSpPr/>
+          <p:nvPr/>
+        </p:nvSpPr>
+        <p:spPr>
+          <a:xfrm>
+            <a:off x="2902107" y="1039639"/>
+            <a:ext cx="253435" cy="212902"/>
+          </a:xfrm>
+          <a:prstGeom prst="ellipse">
+            <a:avLst/>
+          </a:prstGeom>
+          <a:solidFill>
+            <a:schemeClr val="tx1"/>
+          </a:solidFill>
+          <a:ln>
+            <a:solidFill>
+              <a:schemeClr val="tx1"/>
+            </a:solidFill>
+          </a:ln>
+        </p:spPr>
+        <p:style>
+          <a:lnRef idx="2">
+            <a:schemeClr val="accent1">
+              <a:shade val="50000"/>
+            </a:schemeClr>
+          </a:lnRef>
+          <a:fillRef idx="1">
+            <a:schemeClr val="accent1"/>
+          </a:fillRef>
+          <a:effectRef idx="0">
+            <a:schemeClr val="accent1"/>
+          </a:effectRef>
+          <a:fontRef idx="minor">
+            <a:schemeClr val="lt1"/>
+          </a:fontRef>
+        </p:style>
+        <p:txBody>
+          <a:bodyPr lIns="0" tIns="0" rIns="0" bIns="0" rtlCol="0" anchor="ctr"/>
+          <a:lstStyle/>
+          <a:p>
+            <a:pPr algn="ctr"/>
+            <a:r>
+              <a:rPr lang="en-US" sz="800" dirty="0">
+                <a:latin typeface="Arial" panose="020B0604020202020204" pitchFamily="34" charset="0"/>
+                <a:cs typeface="Arial" panose="020B0604020202020204" pitchFamily="34" charset="0"/>
+              </a:rPr>
+              <a:t>1.6</a:t>
+            </a:r>
+          </a:p>
+        </p:txBody>
+      </p:sp>
+      <p:sp>
+        <p:nvSpPr>
+          <p:cNvPr id="75" name="TextBox 74">
+            <a:extLst>
+              <a:ext uri="{FF2B5EF4-FFF2-40B4-BE49-F238E27FC236}">
+                <a16:creationId xmlns:a16="http://schemas.microsoft.com/office/drawing/2014/main" id="{301A76E2-781A-F16B-A2C9-DD034ED7E3DD}"/>
+              </a:ext>
+            </a:extLst>
+          </p:cNvPr>
+          <p:cNvSpPr txBox="1"/>
+          <p:nvPr/>
+        </p:nvSpPr>
+        <p:spPr>
+          <a:xfrm>
+            <a:off x="2789090" y="1437565"/>
+            <a:ext cx="1177290" cy="261610"/>
+          </a:xfrm>
+          <a:prstGeom prst="rect">
+            <a:avLst/>
+          </a:prstGeom>
+          <a:noFill/>
+        </p:spPr>
+        <p:txBody>
+          <a:bodyPr wrap="square" rtlCol="0">
+            <a:spAutoFit/>
+          </a:bodyPr>
+          <a:lstStyle/>
+          <a:p>
+            <a:pPr algn="ctr"/>
+            <a:r>
+              <a:rPr lang="en-US" sz="1100" dirty="0">
+                <a:latin typeface="Arial" panose="020B0604020202020204" pitchFamily="34" charset="0"/>
+                <a:cs typeface="Arial" panose="020B0604020202020204" pitchFamily="34" charset="0"/>
+              </a:rPr>
+              <a:t>Log Group Role</a:t>
+            </a:r>
+          </a:p>
+        </p:txBody>
+      </p:sp>
+      <p:pic>
+        <p:nvPicPr>
+          <p:cNvPr id="76" name="Graphic 1">
+            <a:extLst>
+              <a:ext uri="{FF2B5EF4-FFF2-40B4-BE49-F238E27FC236}">
+                <a16:creationId xmlns:a16="http://schemas.microsoft.com/office/drawing/2014/main" id="{D14E8AD4-AEAC-9F4E-17A1-1BFDA9CF6652}"/>
+              </a:ext>
+            </a:extLst>
+          </p:cNvPr>
+          <p:cNvPicPr>
+            <a:picLocks noChangeAspect="1"/>
+          </p:cNvPicPr>
+          <p:nvPr/>
+        </p:nvPicPr>
+        <p:blipFill>
+          <a:blip r:embed="rId16">
+            <a:extLst>
+              <a:ext uri="{96DAC541-7B7A-43D3-8B79-37D633B846F1}">
+                <asvg:svgBlip xmlns:asvg="http://schemas.microsoft.com/office/drawing/2016/SVG/main" r:embed="rId17"/>
+              </a:ext>
+            </a:extLst>
+          </a:blip>
+          <a:stretch>
+            <a:fillRect/>
+          </a:stretch>
+        </p:blipFill>
+        <p:spPr>
+          <a:xfrm>
+            <a:off x="8067400" y="1585433"/>
+            <a:ext cx="457200" cy="457200"/>
+          </a:xfrm>
+          <a:prstGeom prst="rect">
+            <a:avLst/>
+          </a:prstGeom>
+        </p:spPr>
+      </p:pic>
+      <p:sp>
+        <p:nvSpPr>
+          <p:cNvPr id="77" name="TextBox 2">
+            <a:extLst>
+              <a:ext uri="{FF2B5EF4-FFF2-40B4-BE49-F238E27FC236}">
+                <a16:creationId xmlns:a16="http://schemas.microsoft.com/office/drawing/2014/main" id="{C8B6726B-0C7D-497E-73A6-0605449ED475}"/>
+              </a:ext>
+            </a:extLst>
+          </p:cNvPr>
+          <p:cNvSpPr txBox="1"/>
+          <p:nvPr/>
+        </p:nvSpPr>
+        <p:spPr>
+          <a:xfrm>
+            <a:off x="7724587" y="2040825"/>
+            <a:ext cx="1142826" cy="430887"/>
+          </a:xfrm>
+          <a:prstGeom prst="rect">
+            <a:avLst/>
+          </a:prstGeom>
+          <a:noFill/>
+        </p:spPr>
+        <p:style>
+          <a:lnRef idx="0">
+            <a:scrgbClr r="0" g="0" b="0"/>
+          </a:lnRef>
+          <a:fillRef idx="0">
+            <a:scrgbClr r="0" g="0" b="0"/>
+          </a:fillRef>
+          <a:effectRef idx="0">
+            <a:scrgbClr r="0" g="0" b="0"/>
+          </a:effectRef>
+          <a:fontRef idx="major"/>
+        </p:style>
+        <p:txBody>
+          <a:bodyPr wrap="square" rtlCol="0">
+            <a:spAutoFit/>
+          </a:bodyPr>
+          <a:lstStyle>
+            <a:lvl1pPr>
+              <a:defRPr>
+                <a:latin typeface="+mj-lt"/>
+                <a:ea typeface="+mj-ea"/>
+                <a:cs typeface="+mj-cs"/>
+              </a:defRPr>
+            </a:lvl1pPr>
+            <a:lvl2pPr>
+              <a:defRPr>
+                <a:latin typeface="+mj-lt"/>
+                <a:ea typeface="+mj-ea"/>
+                <a:cs typeface="+mj-cs"/>
+              </a:defRPr>
+            </a:lvl2pPr>
+            <a:lvl3pPr>
+              <a:defRPr>
+                <a:latin typeface="+mj-lt"/>
+                <a:ea typeface="+mj-ea"/>
+                <a:cs typeface="+mj-cs"/>
+              </a:defRPr>
+            </a:lvl3pPr>
+            <a:lvl4pPr>
+              <a:defRPr>
+                <a:latin typeface="+mj-lt"/>
+                <a:ea typeface="+mj-ea"/>
+                <a:cs typeface="+mj-cs"/>
+              </a:defRPr>
+            </a:lvl4pPr>
+            <a:lvl5pPr>
+              <a:defRPr>
+                <a:latin typeface="+mj-lt"/>
+                <a:ea typeface="+mj-ea"/>
+                <a:cs typeface="+mj-cs"/>
+              </a:defRPr>
+            </a:lvl5pPr>
+            <a:lvl6pPr>
+              <a:defRPr>
+                <a:latin typeface="+mj-lt"/>
+                <a:ea typeface="+mj-ea"/>
+                <a:cs typeface="+mj-cs"/>
+              </a:defRPr>
+            </a:lvl6pPr>
+            <a:lvl7pPr>
+              <a:defRPr>
+                <a:latin typeface="+mj-lt"/>
+                <a:ea typeface="+mj-ea"/>
+                <a:cs typeface="+mj-cs"/>
+              </a:defRPr>
+            </a:lvl7pPr>
+            <a:lvl8pPr>
+              <a:defRPr>
+                <a:latin typeface="+mj-lt"/>
+                <a:ea typeface="+mj-ea"/>
+                <a:cs typeface="+mj-cs"/>
+              </a:defRPr>
+            </a:lvl8pPr>
+            <a:lvl9pPr>
+              <a:defRPr>
+                <a:latin typeface="+mj-lt"/>
+                <a:ea typeface="+mj-ea"/>
+                <a:cs typeface="+mj-cs"/>
+              </a:defRPr>
+            </a:lvl9pPr>
+          </a:lstStyle>
+          <a:p>
+            <a:pPr algn="ctr"/>
+            <a:r>
+              <a:rPr lang="en-US" sz="1100" dirty="0">
+                <a:latin typeface="Arial" panose="020B0604020202020204" pitchFamily="34" charset="0"/>
+                <a:cs typeface="Arial" panose="020B0604020202020204" pitchFamily="34" charset="0"/>
+              </a:rPr>
+              <a:t>CloudTrail KMS Key</a:t>
+            </a:r>
+          </a:p>
+        </p:txBody>
+      </p:sp>
+      <p:sp>
+        <p:nvSpPr>
+          <p:cNvPr id="79" name="Oval 78">
+            <a:extLst>
+              <a:ext uri="{FF2B5EF4-FFF2-40B4-BE49-F238E27FC236}">
+                <a16:creationId xmlns:a16="http://schemas.microsoft.com/office/drawing/2014/main" id="{77B37CB8-2AB0-75FB-EE18-B007268D29B8}"/>
+              </a:ext>
+            </a:extLst>
+          </p:cNvPr>
+          <p:cNvSpPr/>
+          <p:nvPr/>
+        </p:nvSpPr>
+        <p:spPr>
+          <a:xfrm>
+            <a:off x="7897325" y="1510676"/>
+            <a:ext cx="253435" cy="212902"/>
+          </a:xfrm>
+          <a:prstGeom prst="ellipse">
+            <a:avLst/>
+          </a:prstGeom>
+          <a:solidFill>
+            <a:schemeClr val="tx1"/>
+          </a:solidFill>
+          <a:ln>
+            <a:solidFill>
+              <a:schemeClr val="tx1"/>
+            </a:solidFill>
+          </a:ln>
+        </p:spPr>
+        <p:style>
+          <a:lnRef idx="2">
+            <a:schemeClr val="accent1">
+              <a:shade val="50000"/>
+            </a:schemeClr>
+          </a:lnRef>
+          <a:fillRef idx="1">
+            <a:schemeClr val="accent1"/>
+          </a:fillRef>
+          <a:effectRef idx="0">
+            <a:schemeClr val="accent1"/>
+          </a:effectRef>
+          <a:fontRef idx="minor">
+            <a:schemeClr val="lt1"/>
+          </a:fontRef>
+        </p:style>
+        <p:txBody>
+          <a:bodyPr lIns="0" tIns="0" rIns="0" bIns="0" rtlCol="0" anchor="ctr"/>
+          <a:lstStyle/>
+          <a:p>
+            <a:pPr algn="ctr"/>
+            <a:r>
+              <a:rPr lang="en-US" sz="800" dirty="0">
+                <a:latin typeface="Arial" panose="020B0604020202020204" pitchFamily="34" charset="0"/>
+                <a:cs typeface="Arial" panose="020B0604020202020204" pitchFamily="34" charset="0"/>
+              </a:rPr>
+              <a:t>2.1</a:t>
+            </a:r>
+          </a:p>
+        </p:txBody>
+      </p:sp>
+      <p:pic>
+        <p:nvPicPr>
+          <p:cNvPr id="80" name="Graphic 17">
+            <a:extLst>
+              <a:ext uri="{FF2B5EF4-FFF2-40B4-BE49-F238E27FC236}">
+                <a16:creationId xmlns:a16="http://schemas.microsoft.com/office/drawing/2014/main" id="{0E0240CF-2005-F89D-4EE3-41D5FF820F68}"/>
+              </a:ext>
+            </a:extLst>
+          </p:cNvPr>
+          <p:cNvPicPr>
+            <a:picLocks noChangeAspect="1" noChangeArrowheads="1"/>
+          </p:cNvPicPr>
+          <p:nvPr/>
+        </p:nvPicPr>
+        <p:blipFill>
+          <a:blip r:embed="rId18">
+            <a:extLst>
+              <a:ext uri="{28A0092B-C50C-407E-A947-70E740481C1C}">
+                <a14:useLocalDpi xmlns:a14="http://schemas.microsoft.com/office/drawing/2010/main" val="0"/>
+              </a:ext>
+            </a:extLst>
+          </a:blip>
+          <a:srcRect/>
+          <a:stretch>
+            <a:fillRect/>
+          </a:stretch>
+        </p:blipFill>
+        <p:spPr bwMode="auto">
+          <a:xfrm>
+            <a:off x="9095120" y="1584119"/>
+            <a:ext cx="457200" cy="457200"/>
+          </a:xfrm>
+          <a:prstGeom prst="rect">
+            <a:avLst/>
+          </a:prstGeom>
+          <a:noFill/>
+          <a:ln>
+            <a:noFill/>
+          </a:ln>
+          <a:extLst>
+            <a:ext uri="{909E8E84-426E-40DD-AFC4-6F175D3DCCD1}">
+              <a14:hiddenFill xmlns:a14="http://schemas.microsoft.com/office/drawing/2010/main">
+                <a:solidFill>
+                  <a:srgbClr val="FFFFFF"/>
+                </a:solidFill>
+              </a14:hiddenFill>
+            </a:ext>
+            <a:ext uri="{91240B29-F687-4F45-9708-019B960494DF}">
+              <a14:hiddenLine xmlns:a14="http://schemas.microsoft.com/office/drawing/2010/main" w="9525">
+                <a:solidFill>
+                  <a:srgbClr val="000000"/>
+                </a:solidFill>
+                <a:miter lim="800000"/>
+                <a:headEnd/>
+                <a:tailEnd/>
+              </a14:hiddenLine>
+            </a:ext>
+          </a:extLst>
+        </p:spPr>
+      </p:pic>
+      <p:sp>
+        <p:nvSpPr>
+          <p:cNvPr id="83" name="TextBox 2">
+            <a:extLst>
+              <a:ext uri="{FF2B5EF4-FFF2-40B4-BE49-F238E27FC236}">
+                <a16:creationId xmlns:a16="http://schemas.microsoft.com/office/drawing/2014/main" id="{6F845E01-6C57-992D-DA03-ACA8810AAEA7}"/>
+              </a:ext>
+            </a:extLst>
+          </p:cNvPr>
+          <p:cNvSpPr txBox="1"/>
+          <p:nvPr/>
+        </p:nvSpPr>
+        <p:spPr>
+          <a:xfrm>
+            <a:off x="8913701" y="2040825"/>
+            <a:ext cx="810161" cy="430887"/>
+          </a:xfrm>
+          <a:prstGeom prst="rect">
+            <a:avLst/>
+          </a:prstGeom>
+          <a:noFill/>
+        </p:spPr>
+        <p:style>
+          <a:lnRef idx="0">
+            <a:scrgbClr r="0" g="0" b="0"/>
+          </a:lnRef>
+          <a:fillRef idx="0">
+            <a:scrgbClr r="0" g="0" b="0"/>
+          </a:fillRef>
+          <a:effectRef idx="0">
+            <a:scrgbClr r="0" g="0" b="0"/>
+          </a:effectRef>
+          <a:fontRef idx="major"/>
+        </p:style>
+        <p:txBody>
+          <a:bodyPr wrap="square" rtlCol="0">
+            <a:spAutoFit/>
+          </a:bodyPr>
+          <a:lstStyle>
+            <a:lvl1pPr>
+              <a:defRPr>
+                <a:latin typeface="+mj-lt"/>
+                <a:ea typeface="+mj-ea"/>
+                <a:cs typeface="+mj-cs"/>
+              </a:defRPr>
+            </a:lvl1pPr>
+            <a:lvl2pPr>
+              <a:defRPr>
+                <a:latin typeface="+mj-lt"/>
+                <a:ea typeface="+mj-ea"/>
+                <a:cs typeface="+mj-cs"/>
+              </a:defRPr>
+            </a:lvl2pPr>
+            <a:lvl3pPr>
+              <a:defRPr>
+                <a:latin typeface="+mj-lt"/>
+                <a:ea typeface="+mj-ea"/>
+                <a:cs typeface="+mj-cs"/>
+              </a:defRPr>
+            </a:lvl3pPr>
+            <a:lvl4pPr>
+              <a:defRPr>
+                <a:latin typeface="+mj-lt"/>
+                <a:ea typeface="+mj-ea"/>
+                <a:cs typeface="+mj-cs"/>
+              </a:defRPr>
+            </a:lvl4pPr>
+            <a:lvl5pPr>
+              <a:defRPr>
+                <a:latin typeface="+mj-lt"/>
+                <a:ea typeface="+mj-ea"/>
+                <a:cs typeface="+mj-cs"/>
+              </a:defRPr>
+            </a:lvl5pPr>
+            <a:lvl6pPr>
+              <a:defRPr>
+                <a:latin typeface="+mj-lt"/>
+                <a:ea typeface="+mj-ea"/>
+                <a:cs typeface="+mj-cs"/>
+              </a:defRPr>
+            </a:lvl6pPr>
+            <a:lvl7pPr>
+              <a:defRPr>
+                <a:latin typeface="+mj-lt"/>
+                <a:ea typeface="+mj-ea"/>
+                <a:cs typeface="+mj-cs"/>
+              </a:defRPr>
+            </a:lvl7pPr>
+            <a:lvl8pPr>
+              <a:defRPr>
+                <a:latin typeface="+mj-lt"/>
+                <a:ea typeface="+mj-ea"/>
+                <a:cs typeface="+mj-cs"/>
+              </a:defRPr>
+            </a:lvl8pPr>
+            <a:lvl9pPr>
+              <a:defRPr>
+                <a:latin typeface="+mj-lt"/>
+                <a:ea typeface="+mj-ea"/>
+                <a:cs typeface="+mj-cs"/>
+              </a:defRPr>
+            </a:lvl9pPr>
+          </a:lstStyle>
+          <a:p>
+            <a:pPr algn="ctr"/>
+            <a:r>
+              <a:rPr lang="en-US" sz="1100" dirty="0">
+                <a:latin typeface="Arial" panose="020B0604020202020204" pitchFamily="34" charset="0"/>
+                <a:cs typeface="Arial" panose="020B0604020202020204" pitchFamily="34" charset="0"/>
+              </a:rPr>
+              <a:t>KMS Key Secret</a:t>
+            </a:r>
+          </a:p>
+        </p:txBody>
+      </p:sp>
+      <p:sp>
+        <p:nvSpPr>
+          <p:cNvPr id="84" name="Oval 83">
+            <a:extLst>
+              <a:ext uri="{FF2B5EF4-FFF2-40B4-BE49-F238E27FC236}">
+                <a16:creationId xmlns:a16="http://schemas.microsoft.com/office/drawing/2014/main" id="{F9259227-567A-422D-EE24-8A005D04CCD0}"/>
+              </a:ext>
+            </a:extLst>
+          </p:cNvPr>
+          <p:cNvSpPr/>
+          <p:nvPr/>
+        </p:nvSpPr>
+        <p:spPr>
+          <a:xfrm>
+            <a:off x="8932352" y="1510676"/>
+            <a:ext cx="253435" cy="212902"/>
+          </a:xfrm>
+          <a:prstGeom prst="ellipse">
+            <a:avLst/>
+          </a:prstGeom>
+          <a:solidFill>
+            <a:schemeClr val="tx1"/>
+          </a:solidFill>
+          <a:ln>
+            <a:solidFill>
+              <a:schemeClr val="tx1"/>
+            </a:solidFill>
+          </a:ln>
+        </p:spPr>
+        <p:style>
+          <a:lnRef idx="2">
+            <a:schemeClr val="accent1">
+              <a:shade val="50000"/>
+            </a:schemeClr>
+          </a:lnRef>
+          <a:fillRef idx="1">
+            <a:schemeClr val="accent1"/>
+          </a:fillRef>
+          <a:effectRef idx="0">
+            <a:schemeClr val="accent1"/>
+          </a:effectRef>
+          <a:fontRef idx="minor">
+            <a:schemeClr val="lt1"/>
+          </a:fontRef>
+        </p:style>
+        <p:txBody>
+          <a:bodyPr lIns="0" tIns="0" rIns="0" bIns="0" rtlCol="0" anchor="ctr"/>
+          <a:lstStyle/>
+          <a:p>
+            <a:pPr algn="ctr"/>
+            <a:r>
+              <a:rPr lang="en-US" sz="800" dirty="0">
+                <a:latin typeface="Arial" panose="020B0604020202020204" pitchFamily="34" charset="0"/>
+                <a:cs typeface="Arial" panose="020B0604020202020204" pitchFamily="34" charset="0"/>
+              </a:rPr>
+              <a:t>2.2</a:t>
+            </a:r>
+          </a:p>
+        </p:txBody>
+      </p:sp>
+      <p:pic>
+        <p:nvPicPr>
+          <p:cNvPr id="92" name="Graphic 17">
+            <a:extLst>
+              <a:ext uri="{FF2B5EF4-FFF2-40B4-BE49-F238E27FC236}">
+                <a16:creationId xmlns:a16="http://schemas.microsoft.com/office/drawing/2014/main" id="{4F5EF3A2-56E0-ED10-3713-AC4E6B9F60BC}"/>
+              </a:ext>
+            </a:extLst>
+          </p:cNvPr>
+          <p:cNvPicPr>
+            <a:picLocks noChangeAspect="1" noChangeArrowheads="1"/>
+          </p:cNvPicPr>
+          <p:nvPr/>
+        </p:nvPicPr>
+        <p:blipFill>
+          <a:blip r:embed="rId18">
+            <a:extLst>
+              <a:ext uri="{28A0092B-C50C-407E-A947-70E740481C1C}">
+                <a14:useLocalDpi xmlns:a14="http://schemas.microsoft.com/office/drawing/2010/main" val="0"/>
+              </a:ext>
+            </a:extLst>
+          </a:blip>
+          <a:srcRect/>
+          <a:stretch>
+            <a:fillRect/>
+          </a:stretch>
+        </p:blipFill>
+        <p:spPr bwMode="auto">
+          <a:xfrm>
+            <a:off x="9123482" y="4823220"/>
+            <a:ext cx="457200" cy="457200"/>
+          </a:xfrm>
+          <a:prstGeom prst="rect">
+            <a:avLst/>
+          </a:prstGeom>
+          <a:noFill/>
+          <a:ln>
+            <a:noFill/>
+          </a:ln>
+          <a:extLst>
+            <a:ext uri="{909E8E84-426E-40DD-AFC4-6F175D3DCCD1}">
+              <a14:hiddenFill xmlns:a14="http://schemas.microsoft.com/office/drawing/2010/main">
+                <a:solidFill>
+                  <a:srgbClr val="FFFFFF"/>
+                </a:solidFill>
+              </a14:hiddenFill>
+            </a:ext>
+            <a:ext uri="{91240B29-F687-4F45-9708-019B960494DF}">
+              <a14:hiddenLine xmlns:a14="http://schemas.microsoft.com/office/drawing/2010/main" w="9525">
+                <a:solidFill>
+                  <a:srgbClr val="000000"/>
+                </a:solidFill>
+                <a:miter lim="800000"/>
+                <a:headEnd/>
+                <a:tailEnd/>
+              </a14:hiddenLine>
+            </a:ext>
+          </a:extLst>
+        </p:spPr>
+      </p:pic>
+      <p:sp>
+        <p:nvSpPr>
+          <p:cNvPr id="93" name="Oval 92">
+            <a:extLst>
+              <a:ext uri="{FF2B5EF4-FFF2-40B4-BE49-F238E27FC236}">
+                <a16:creationId xmlns:a16="http://schemas.microsoft.com/office/drawing/2014/main" id="{C8C7703D-F0DD-6321-801D-61C701419AEC}"/>
+              </a:ext>
+            </a:extLst>
+          </p:cNvPr>
+          <p:cNvSpPr/>
+          <p:nvPr/>
+        </p:nvSpPr>
+        <p:spPr>
+          <a:xfrm>
+            <a:off x="8956774" y="4728101"/>
+            <a:ext cx="253435" cy="212902"/>
+          </a:xfrm>
+          <a:prstGeom prst="ellipse">
+            <a:avLst/>
+          </a:prstGeom>
+          <a:solidFill>
+            <a:schemeClr val="tx1"/>
+          </a:solidFill>
+          <a:ln>
+            <a:solidFill>
+              <a:schemeClr val="tx1"/>
+            </a:solidFill>
+          </a:ln>
+        </p:spPr>
+        <p:style>
+          <a:lnRef idx="2">
+            <a:schemeClr val="accent1">
+              <a:shade val="50000"/>
+            </a:schemeClr>
+          </a:lnRef>
+          <a:fillRef idx="1">
+            <a:schemeClr val="accent1"/>
+          </a:fillRef>
+          <a:effectRef idx="0">
+            <a:schemeClr val="accent1"/>
+          </a:effectRef>
+          <a:fontRef idx="minor">
+            <a:schemeClr val="lt1"/>
+          </a:fontRef>
+        </p:style>
+        <p:txBody>
+          <a:bodyPr lIns="0" tIns="0" rIns="0" bIns="0" rtlCol="0" anchor="ctr"/>
+          <a:lstStyle/>
+          <a:p>
+            <a:pPr algn="ctr"/>
+            <a:r>
+              <a:rPr lang="en-US" sz="800" dirty="0">
+                <a:latin typeface="Arial" panose="020B0604020202020204" pitchFamily="34" charset="0"/>
+                <a:cs typeface="Arial" panose="020B0604020202020204" pitchFamily="34" charset="0"/>
+              </a:rPr>
+              <a:t>3.2</a:t>
+            </a:r>
+          </a:p>
+        </p:txBody>
+      </p:sp>
+      <p:pic>
+        <p:nvPicPr>
+          <p:cNvPr id="103" name="Graphic 14">
+            <a:extLst>
+              <a:ext uri="{FF2B5EF4-FFF2-40B4-BE49-F238E27FC236}">
+                <a16:creationId xmlns:a16="http://schemas.microsoft.com/office/drawing/2014/main" id="{8D03A742-7B80-EA19-B8FF-B83D141E54FF}"/>
+              </a:ext>
+            </a:extLst>
+          </p:cNvPr>
+          <p:cNvPicPr>
+            <a:picLocks noChangeAspect="1" noChangeArrowheads="1"/>
+          </p:cNvPicPr>
+          <p:nvPr/>
+        </p:nvPicPr>
+        <p:blipFill>
+          <a:blip r:embed="rId19">
+            <a:extLst>
+              <a:ext uri="{28A0092B-C50C-407E-A947-70E740481C1C}">
+                <a14:useLocalDpi xmlns:a14="http://schemas.microsoft.com/office/drawing/2010/main" val="0"/>
+              </a:ext>
+            </a:extLst>
+          </a:blip>
+          <a:srcRect/>
+          <a:stretch>
+            <a:fillRect/>
+          </a:stretch>
+        </p:blipFill>
+        <p:spPr bwMode="auto">
+          <a:xfrm>
+            <a:off x="7965445" y="4837519"/>
+            <a:ext cx="457201" cy="457201"/>
+          </a:xfrm>
+          <a:prstGeom prst="rect">
+            <a:avLst/>
+          </a:prstGeom>
+          <a:noFill/>
+          <a:ln>
+            <a:noFill/>
+          </a:ln>
+          <a:extLst>
+            <a:ext uri="{909E8E84-426E-40DD-AFC4-6F175D3DCCD1}">
+              <a14:hiddenFill xmlns:a14="http://schemas.microsoft.com/office/drawing/2010/main">
+                <a:solidFill>
+                  <a:srgbClr val="FFFFFF"/>
+                </a:solidFill>
+              </a14:hiddenFill>
+            </a:ext>
+            <a:ext uri="{91240B29-F687-4F45-9708-019B960494DF}">
+              <a14:hiddenLine xmlns:a14="http://schemas.microsoft.com/office/drawing/2010/main" w="9525">
+                <a:solidFill>
+                  <a:srgbClr val="000000"/>
+                </a:solidFill>
+                <a:miter lim="800000"/>
+                <a:headEnd/>
+                <a:tailEnd/>
+              </a14:hiddenLine>
+            </a:ext>
+          </a:extLst>
+        </p:spPr>
+      </p:pic>
+      <p:sp>
+        <p:nvSpPr>
+          <p:cNvPr id="107" name="TextBox 2">
+            <a:extLst>
+              <a:ext uri="{FF2B5EF4-FFF2-40B4-BE49-F238E27FC236}">
+                <a16:creationId xmlns:a16="http://schemas.microsoft.com/office/drawing/2014/main" id="{416FB986-C7F9-8093-1659-8AC371ECE24A}"/>
+              </a:ext>
+            </a:extLst>
+          </p:cNvPr>
+          <p:cNvSpPr txBox="1"/>
+          <p:nvPr/>
+        </p:nvSpPr>
+        <p:spPr>
+          <a:xfrm>
+            <a:off x="8956774" y="5334400"/>
+            <a:ext cx="827407" cy="430887"/>
+          </a:xfrm>
+          <a:prstGeom prst="rect">
+            <a:avLst/>
+          </a:prstGeom>
+          <a:noFill/>
+        </p:spPr>
+        <p:style>
+          <a:lnRef idx="0">
+            <a:scrgbClr r="0" g="0" b="0"/>
+          </a:lnRef>
+          <a:fillRef idx="0">
+            <a:scrgbClr r="0" g="0" b="0"/>
+          </a:fillRef>
+          <a:effectRef idx="0">
+            <a:scrgbClr r="0" g="0" b="0"/>
+          </a:effectRef>
+          <a:fontRef idx="major"/>
+        </p:style>
+        <p:txBody>
+          <a:bodyPr wrap="square" rtlCol="0">
+            <a:spAutoFit/>
+          </a:bodyPr>
+          <a:lstStyle>
+            <a:lvl1pPr>
+              <a:defRPr>
+                <a:latin typeface="+mj-lt"/>
+                <a:ea typeface="+mj-ea"/>
+                <a:cs typeface="+mj-cs"/>
+              </a:defRPr>
+            </a:lvl1pPr>
+            <a:lvl2pPr>
+              <a:defRPr>
+                <a:latin typeface="+mj-lt"/>
+                <a:ea typeface="+mj-ea"/>
+                <a:cs typeface="+mj-cs"/>
+              </a:defRPr>
+            </a:lvl2pPr>
+            <a:lvl3pPr>
+              <a:defRPr>
+                <a:latin typeface="+mj-lt"/>
+                <a:ea typeface="+mj-ea"/>
+                <a:cs typeface="+mj-cs"/>
+              </a:defRPr>
+            </a:lvl3pPr>
+            <a:lvl4pPr>
+              <a:defRPr>
+                <a:latin typeface="+mj-lt"/>
+                <a:ea typeface="+mj-ea"/>
+                <a:cs typeface="+mj-cs"/>
+              </a:defRPr>
+            </a:lvl4pPr>
+            <a:lvl5pPr>
+              <a:defRPr>
+                <a:latin typeface="+mj-lt"/>
+                <a:ea typeface="+mj-ea"/>
+                <a:cs typeface="+mj-cs"/>
+              </a:defRPr>
+            </a:lvl5pPr>
+            <a:lvl6pPr>
+              <a:defRPr>
+                <a:latin typeface="+mj-lt"/>
+                <a:ea typeface="+mj-ea"/>
+                <a:cs typeface="+mj-cs"/>
+              </a:defRPr>
+            </a:lvl6pPr>
+            <a:lvl7pPr>
+              <a:defRPr>
+                <a:latin typeface="+mj-lt"/>
+                <a:ea typeface="+mj-ea"/>
+                <a:cs typeface="+mj-cs"/>
+              </a:defRPr>
+            </a:lvl7pPr>
+            <a:lvl8pPr>
+              <a:defRPr>
+                <a:latin typeface="+mj-lt"/>
+                <a:ea typeface="+mj-ea"/>
+                <a:cs typeface="+mj-cs"/>
+              </a:defRPr>
+            </a:lvl8pPr>
+            <a:lvl9pPr>
+              <a:defRPr>
+                <a:latin typeface="+mj-lt"/>
+                <a:ea typeface="+mj-ea"/>
+                <a:cs typeface="+mj-cs"/>
+              </a:defRPr>
+            </a:lvl9pPr>
+          </a:lstStyle>
+          <a:p>
+            <a:pPr algn="ctr"/>
+            <a:r>
+              <a:rPr lang="en-US" sz="1100" dirty="0">
+                <a:latin typeface="Arial" panose="020B0604020202020204" pitchFamily="34" charset="0"/>
+                <a:cs typeface="Arial" panose="020B0604020202020204" pitchFamily="34" charset="0"/>
+              </a:rPr>
+              <a:t>S3 Bucket Secret</a:t>
+            </a:r>
+          </a:p>
+        </p:txBody>
+      </p:sp>
+      <p:sp>
+        <p:nvSpPr>
+          <p:cNvPr id="109" name="TextBox 108">
+            <a:extLst>
+              <a:ext uri="{FF2B5EF4-FFF2-40B4-BE49-F238E27FC236}">
+                <a16:creationId xmlns:a16="http://schemas.microsoft.com/office/drawing/2014/main" id="{F2C74586-1765-C597-2C42-E037127BBAAD}"/>
+              </a:ext>
+            </a:extLst>
+          </p:cNvPr>
+          <p:cNvSpPr txBox="1"/>
+          <p:nvPr/>
+        </p:nvSpPr>
+        <p:spPr>
+          <a:xfrm>
+            <a:off x="7553656" y="5334400"/>
+            <a:ext cx="1280778" cy="430887"/>
+          </a:xfrm>
+          <a:prstGeom prst="rect">
+            <a:avLst/>
+          </a:prstGeom>
+          <a:noFill/>
+        </p:spPr>
+        <p:txBody>
+          <a:bodyPr wrap="square">
+            <a:spAutoFit/>
+          </a:bodyPr>
+          <a:lstStyle/>
+          <a:p>
+            <a:pPr algn="ctr"/>
+            <a:r>
+              <a:rPr lang="en-US" sz="1100" dirty="0">
+                <a:latin typeface="Arial" panose="020B0604020202020204" pitchFamily="34" charset="0"/>
+                <a:cs typeface="Arial" panose="020B0604020202020204" pitchFamily="34" charset="0"/>
+              </a:rPr>
+              <a:t>Delivery S3 Bucket</a:t>
+            </a:r>
+          </a:p>
+        </p:txBody>
+      </p:sp>
+      <p:sp>
+        <p:nvSpPr>
+          <p:cNvPr id="110" name="Oval 109">
+            <a:extLst>
+              <a:ext uri="{FF2B5EF4-FFF2-40B4-BE49-F238E27FC236}">
+                <a16:creationId xmlns:a16="http://schemas.microsoft.com/office/drawing/2014/main" id="{B2D38E6D-69DA-CE9C-F676-A7C73115F503}"/>
+              </a:ext>
+            </a:extLst>
+          </p:cNvPr>
+          <p:cNvSpPr/>
+          <p:nvPr/>
+        </p:nvSpPr>
+        <p:spPr>
+          <a:xfrm>
+            <a:off x="7894104" y="4729424"/>
+            <a:ext cx="253435" cy="212902"/>
+          </a:xfrm>
+          <a:prstGeom prst="ellipse">
+            <a:avLst/>
+          </a:prstGeom>
+          <a:solidFill>
+            <a:schemeClr val="tx1"/>
+          </a:solidFill>
+          <a:ln>
+            <a:solidFill>
+              <a:schemeClr val="tx1"/>
+            </a:solidFill>
+          </a:ln>
+        </p:spPr>
+        <p:style>
+          <a:lnRef idx="2">
+            <a:schemeClr val="accent1">
+              <a:shade val="50000"/>
+            </a:schemeClr>
+          </a:lnRef>
+          <a:fillRef idx="1">
+            <a:schemeClr val="accent1"/>
+          </a:fillRef>
+          <a:effectRef idx="0">
+            <a:schemeClr val="accent1"/>
+          </a:effectRef>
+          <a:fontRef idx="minor">
+            <a:schemeClr val="lt1"/>
+          </a:fontRef>
+        </p:style>
+        <p:txBody>
+          <a:bodyPr lIns="0" tIns="0" rIns="0" bIns="0" rtlCol="0" anchor="ctr"/>
+          <a:lstStyle/>
+          <a:p>
+            <a:pPr algn="ctr"/>
+            <a:r>
+              <a:rPr lang="en-US" sz="800" dirty="0">
+                <a:latin typeface="Arial" panose="020B0604020202020204" pitchFamily="34" charset="0"/>
+                <a:cs typeface="Arial" panose="020B0604020202020204" pitchFamily="34" charset="0"/>
+              </a:rPr>
+              <a:t>3.1</a:t>
+            </a:r>
+          </a:p>
+        </p:txBody>
+      </p:sp>
+      <p:pic>
+        <p:nvPicPr>
+          <p:cNvPr id="111" name="Graphic 110">
+            <a:extLst>
+              <a:ext uri="{FF2B5EF4-FFF2-40B4-BE49-F238E27FC236}">
+                <a16:creationId xmlns:a16="http://schemas.microsoft.com/office/drawing/2014/main" id="{D8F9D24B-54A5-6788-EACD-9A3D6DEE92A4}"/>
+              </a:ext>
+            </a:extLst>
+          </p:cNvPr>
+          <p:cNvPicPr>
+            <a:picLocks noChangeAspect="1"/>
+          </p:cNvPicPr>
+          <p:nvPr/>
+        </p:nvPicPr>
+        <p:blipFill>
+          <a:blip r:embed="rId14">
+            <a:extLst>
+              <a:ext uri="{96DAC541-7B7A-43D3-8B79-37D633B846F1}">
+                <asvg:svgBlip xmlns:asvg="http://schemas.microsoft.com/office/drawing/2016/SVG/main" r:embed="rId15"/>
+              </a:ext>
+            </a:extLst>
+          </a:blip>
+          <a:stretch>
+            <a:fillRect/>
+          </a:stretch>
+        </p:blipFill>
+        <p:spPr>
+          <a:xfrm>
+            <a:off x="10195025" y="1580963"/>
+            <a:ext cx="457201" cy="457201"/>
+          </a:xfrm>
+          <a:prstGeom prst="rect">
+            <a:avLst/>
+          </a:prstGeom>
+        </p:spPr>
+      </p:pic>
+      <p:sp>
+        <p:nvSpPr>
+          <p:cNvPr id="112" name="TextBox 111">
+            <a:extLst>
+              <a:ext uri="{FF2B5EF4-FFF2-40B4-BE49-F238E27FC236}">
+                <a16:creationId xmlns:a16="http://schemas.microsoft.com/office/drawing/2014/main" id="{7A4E8A2F-1220-8415-9D08-B036A301CB15}"/>
+              </a:ext>
+            </a:extLst>
+          </p:cNvPr>
+          <p:cNvSpPr txBox="1"/>
+          <p:nvPr/>
+        </p:nvSpPr>
+        <p:spPr>
+          <a:xfrm>
+            <a:off x="10043938" y="2026581"/>
+            <a:ext cx="832921" cy="261610"/>
+          </a:xfrm>
+          <a:prstGeom prst="rect">
+            <a:avLst/>
+          </a:prstGeom>
+          <a:noFill/>
+        </p:spPr>
+        <p:txBody>
+          <a:bodyPr wrap="square" rtlCol="0">
+            <a:spAutoFit/>
+          </a:bodyPr>
+          <a:lstStyle/>
+          <a:p>
+            <a:pPr algn="ctr"/>
+            <a:r>
+              <a:rPr lang="en-US" sz="1100" dirty="0">
+                <a:latin typeface="Arial" panose="020B0604020202020204" pitchFamily="34" charset="0"/>
+                <a:cs typeface="Arial" panose="020B0604020202020204" pitchFamily="34" charset="0"/>
+              </a:rPr>
+              <a:t>CloudTrail</a:t>
+            </a:r>
+          </a:p>
+        </p:txBody>
+      </p:sp>
+      <p:sp>
+        <p:nvSpPr>
+          <p:cNvPr id="113" name="Oval 112">
+            <a:extLst>
+              <a:ext uri="{FF2B5EF4-FFF2-40B4-BE49-F238E27FC236}">
+                <a16:creationId xmlns:a16="http://schemas.microsoft.com/office/drawing/2014/main" id="{CA48311D-BE2A-1D9E-492D-752D7343AF69}"/>
+              </a:ext>
+            </a:extLst>
+          </p:cNvPr>
+          <p:cNvSpPr/>
+          <p:nvPr/>
+        </p:nvSpPr>
+        <p:spPr>
+          <a:xfrm>
+            <a:off x="10049587" y="1510676"/>
+            <a:ext cx="253435" cy="212902"/>
+          </a:xfrm>
+          <a:prstGeom prst="ellipse">
+            <a:avLst/>
+          </a:prstGeom>
+          <a:solidFill>
+            <a:schemeClr val="tx1"/>
+          </a:solidFill>
+          <a:ln>
+            <a:solidFill>
+              <a:schemeClr val="tx1"/>
+            </a:solidFill>
+          </a:ln>
+        </p:spPr>
+        <p:style>
+          <a:lnRef idx="2">
+            <a:schemeClr val="accent1">
+              <a:shade val="50000"/>
+            </a:schemeClr>
+          </a:lnRef>
+          <a:fillRef idx="1">
+            <a:schemeClr val="accent1"/>
+          </a:fillRef>
+          <a:effectRef idx="0">
+            <a:schemeClr val="accent1"/>
+          </a:effectRef>
+          <a:fontRef idx="minor">
+            <a:schemeClr val="lt1"/>
+          </a:fontRef>
+        </p:style>
+        <p:txBody>
+          <a:bodyPr lIns="0" tIns="0" rIns="0" bIns="0" rtlCol="0" anchor="ctr"/>
+          <a:lstStyle/>
+          <a:p>
+            <a:pPr algn="ctr"/>
+            <a:r>
+              <a:rPr lang="en-US" sz="800" dirty="0">
+                <a:latin typeface="Arial" panose="020B0604020202020204" pitchFamily="34" charset="0"/>
+                <a:cs typeface="Arial" panose="020B0604020202020204" pitchFamily="34" charset="0"/>
+              </a:rPr>
+              <a:t>2.3</a:t>
+            </a:r>
+          </a:p>
+        </p:txBody>
+      </p:sp>
+    </p:spTree>
+    <p:extLst>
+      <p:ext uri="{BB962C8B-B14F-4D97-AF65-F5344CB8AC3E}">
+        <p14:creationId xmlns:p14="http://schemas.microsoft.com/office/powerpoint/2010/main" val="3426180157"/>
       </p:ext>
     </p:extLst>
   </p:cSld>
